--- a/docs/ASP.NET CORE - Common Tasks - iTechArt 2018.pptx
+++ b/docs/ASP.NET CORE - Common Tasks - iTechArt 2018.pptx
@@ -8,18 +8,20 @@
     <p:sldMasterId id="2147483702" r:id="rId4"/>
   </p:sldMasterIdLst>
   <p:notesMasterIdLst>
-    <p:notesMasterId r:id="rId11"/>
+    <p:notesMasterId r:id="rId13"/>
   </p:notesMasterIdLst>
   <p:handoutMasterIdLst>
-    <p:handoutMasterId r:id="rId12"/>
+    <p:handoutMasterId r:id="rId14"/>
   </p:handoutMasterIdLst>
   <p:sldIdLst>
     <p:sldId id="334" r:id="rId5"/>
     <p:sldId id="338" r:id="rId6"/>
     <p:sldId id="286" r:id="rId7"/>
     <p:sldId id="545" r:id="rId8"/>
-    <p:sldId id="520" r:id="rId9"/>
+    <p:sldId id="546" r:id="rId9"/>
     <p:sldId id="521" r:id="rId10"/>
+    <p:sldId id="520" r:id="rId11"/>
+    <p:sldId id="547" r:id="rId12"/>
   </p:sldIdLst>
   <p:sldSz cx="9144000" cy="6858000" type="screen4x3"/>
   <p:notesSz cx="6858000" cy="9144000"/>
@@ -211,7 +213,7 @@
           <a:p>
             <a:fld id="{4745C2A7-EC62-4025-933C-BCAFCDD3DF69}" type="datetimeFigureOut">
               <a:rPr lang="en-US" smtClean="0"/>
-              <a:t>2/2/2018</a:t>
+              <a:t>2/5/2018</a:t>
             </a:fld>
             <a:endParaRPr lang="en-US"/>
           </a:p>
@@ -376,7 +378,7 @@
           <a:p>
             <a:fld id="{06260018-D06A-43EF-993F-2C9FDF70442E}" type="datetimeFigureOut">
               <a:rPr lang="en-US" smtClean="0"/>
-              <a:t>2/2/2018</a:t>
+              <a:t>2/5/2018</a:t>
             </a:fld>
             <a:endParaRPr lang="en-US"/>
           </a:p>
@@ -16249,14 +16251,7 @@
           <a:bodyPr/>
           <a:lstStyle/>
           <a:p>
-            <a:r>
-              <a:rPr lang="en-US" dirty="0" smtClean="0"/>
-              <a:t>IT’s ALL </a:t>
-            </a:r>
-            <a:r>
-              <a:rPr lang="en-US" dirty="0"/>
-              <a:t>ABOUT architecture</a:t>
-            </a:r>
+            <a:endParaRPr lang="en-US" dirty="0"/>
           </a:p>
         </p:txBody>
       </p:sp>
@@ -16298,76 +16293,88 @@
           <a:bodyPr/>
           <a:lstStyle/>
           <a:p>
-            <a:pPr marL="0" indent="0">
-              <a:buNone/>
+            <a:pPr>
+              <a:lnSpc>
+                <a:spcPct val="150000"/>
+              </a:lnSpc>
             </a:pPr>
             <a:r>
-              <a:rPr lang="en-US" dirty="0"/>
-              <a:t>N-tier </a:t>
-            </a:r>
-            <a:r>
-              <a:rPr lang="en-US" dirty="0" smtClean="0"/>
-              <a:t>web architecture style:</a:t>
-            </a:r>
-            <a:endParaRPr lang="en-US" dirty="0"/>
-          </a:p>
-          <a:p>
-            <a:pPr marL="0" indent="0">
-              <a:buNone/>
+              <a:rPr lang="en-US" sz="2400" dirty="0" smtClean="0"/>
+              <a:t>Database</a:t>
+            </a:r>
+          </a:p>
+          <a:p>
+            <a:pPr>
+              <a:lnSpc>
+                <a:spcPct val="150000"/>
+              </a:lnSpc>
             </a:pPr>
-            <a:endParaRPr lang="en-US" dirty="0" smtClean="0"/>
-          </a:p>
-          <a:p>
-            <a:pPr marL="285750" indent="-285750">
-              <a:buFont typeface="Wingdings" panose="05000000000000000000" pitchFamily="2" charset="2"/>
-              <a:buChar char="q"/>
+            <a:r>
+              <a:rPr lang="en-US" sz="2400" dirty="0" smtClean="0"/>
+              <a:t>Jobs</a:t>
+            </a:r>
+          </a:p>
+          <a:p>
+            <a:pPr>
+              <a:lnSpc>
+                <a:spcPct val="150000"/>
+              </a:lnSpc>
             </a:pPr>
             <a:r>
-              <a:rPr lang="en-US" dirty="0" smtClean="0"/>
-              <a:t>0 Tiers – Client has direct database access</a:t>
-            </a:r>
-          </a:p>
-          <a:p>
-            <a:pPr marL="285750" indent="-285750">
-              <a:buFont typeface="Wingdings" panose="05000000000000000000" pitchFamily="2" charset="2"/>
-              <a:buChar char="q"/>
+              <a:rPr lang="en-US" sz="2400" dirty="0" smtClean="0"/>
+              <a:t>API</a:t>
+            </a:r>
+          </a:p>
+          <a:p>
+            <a:pPr>
+              <a:lnSpc>
+                <a:spcPct val="150000"/>
+              </a:lnSpc>
             </a:pPr>
             <a:r>
-              <a:rPr lang="en-US" dirty="0"/>
-              <a:t>1</a:t>
-            </a:r>
-            <a:r>
-              <a:rPr lang="en-US" dirty="0" smtClean="0"/>
-              <a:t> Tier – Web tier is used between client and database</a:t>
-            </a:r>
-          </a:p>
-          <a:p>
-            <a:pPr marL="285750" indent="-285750">
-              <a:buFont typeface="Wingdings" panose="05000000000000000000" pitchFamily="2" charset="2"/>
-              <a:buChar char="q"/>
+              <a:rPr lang="en-US" sz="2400" dirty="0" smtClean="0"/>
+              <a:t>Authentication</a:t>
+            </a:r>
+          </a:p>
+          <a:p>
+            <a:pPr>
+              <a:lnSpc>
+                <a:spcPct val="150000"/>
+              </a:lnSpc>
             </a:pPr>
             <a:r>
-              <a:rPr lang="en-GB" dirty="0" smtClean="0"/>
-              <a:t>2 Tiers – Data tier is used to handle database</a:t>
-            </a:r>
-          </a:p>
-          <a:p>
-            <a:pPr marL="285750" indent="-285750">
-              <a:buFont typeface="Wingdings" panose="05000000000000000000" pitchFamily="2" charset="2"/>
-              <a:buChar char="q"/>
+              <a:rPr lang="en-US" sz="2400" dirty="0" smtClean="0"/>
+              <a:t>Clouds</a:t>
+            </a:r>
+          </a:p>
+          <a:p>
+            <a:pPr>
+              <a:lnSpc>
+                <a:spcPct val="150000"/>
+              </a:lnSpc>
             </a:pPr>
             <a:r>
-              <a:rPr lang="en-GB" dirty="0" smtClean="0"/>
-              <a:t>3 Tiers – Business tier is used to handle business logic</a:t>
-            </a:r>
-            <a:endParaRPr lang="en-US" dirty="0"/>
+              <a:rPr lang="en-US" sz="2400" dirty="0" smtClean="0"/>
+              <a:t>Sockets</a:t>
+            </a:r>
+          </a:p>
+          <a:p>
+            <a:pPr>
+              <a:lnSpc>
+                <a:spcPct val="150000"/>
+              </a:lnSpc>
+            </a:pPr>
+            <a:r>
+              <a:rPr lang="en-US" sz="2400" dirty="0" smtClean="0"/>
+              <a:t>Testing</a:t>
+            </a:r>
           </a:p>
         </p:txBody>
       </p:sp>
     </p:spTree>
     <p:extLst>
       <p:ext uri="{BB962C8B-B14F-4D97-AF65-F5344CB8AC3E}">
-        <p14:creationId xmlns:p14="http://schemas.microsoft.com/office/powerpoint/2010/main" val="640089714"/>
+        <p14:creationId xmlns:p14="http://schemas.microsoft.com/office/powerpoint/2010/main" val="839796294"/>
       </p:ext>
     </p:extLst>
   </p:cSld>
@@ -16521,6 +16528,257 @@
     <p:extLst>
       <p:ext uri="{BB962C8B-B14F-4D97-AF65-F5344CB8AC3E}">
         <p14:creationId xmlns:p14="http://schemas.microsoft.com/office/powerpoint/2010/main" val="3507619123"/>
+      </p:ext>
+    </p:extLst>
+  </p:cSld>
+  <p:clrMapOvr>
+    <a:masterClrMapping/>
+  </p:clrMapOvr>
+</p:sld>
+</file>
+
+<file path=ppt/slides/slide7.xml><?xml version="1.0" encoding="utf-8"?>
+<p:sld xmlns:a="http://schemas.openxmlformats.org/drawingml/2006/main" xmlns:r="http://schemas.openxmlformats.org/officeDocument/2006/relationships" xmlns:p="http://schemas.openxmlformats.org/presentationml/2006/main">
+  <p:cSld>
+    <p:spTree>
+      <p:nvGrpSpPr>
+        <p:cNvPr id="1" name=""/>
+        <p:cNvGrpSpPr/>
+        <p:nvPr/>
+      </p:nvGrpSpPr>
+      <p:grpSpPr>
+        <a:xfrm>
+          <a:off x="0" y="0"/>
+          <a:ext cx="0" cy="0"/>
+          <a:chOff x="0" y="0"/>
+          <a:chExt cx="0" cy="0"/>
+        </a:xfrm>
+      </p:grpSpPr>
+      <p:sp>
+        <p:nvSpPr>
+          <p:cNvPr id="2" name="Title 1"/>
+          <p:cNvSpPr>
+            <a:spLocks noGrp="1"/>
+          </p:cNvSpPr>
+          <p:nvPr>
+            <p:ph type="title"/>
+          </p:nvPr>
+        </p:nvSpPr>
+        <p:spPr/>
+        <p:txBody>
+          <a:bodyPr/>
+          <a:lstStyle/>
+          <a:p>
+            <a:r>
+              <a:rPr lang="en-US" dirty="0" smtClean="0"/>
+              <a:t>IT’s ALL </a:t>
+            </a:r>
+            <a:r>
+              <a:rPr lang="en-US" dirty="0"/>
+              <a:t>ABOUT architecture</a:t>
+            </a:r>
+          </a:p>
+        </p:txBody>
+      </p:sp>
+      <p:sp>
+        <p:nvSpPr>
+          <p:cNvPr id="3" name="Footer Placeholder 2"/>
+          <p:cNvSpPr>
+            <a:spLocks noGrp="1"/>
+          </p:cNvSpPr>
+          <p:nvPr>
+            <p:ph type="ftr" sz="quarter" idx="3"/>
+          </p:nvPr>
+        </p:nvSpPr>
+        <p:spPr/>
+        <p:txBody>
+          <a:bodyPr/>
+          <a:lstStyle/>
+          <a:p>
+            <a:r>
+              <a:rPr lang="en-US" smtClean="0"/>
+              <a:t>PRESENTATION NAME</a:t>
+            </a:r>
+            <a:endParaRPr lang="en-US" dirty="0"/>
+          </a:p>
+        </p:txBody>
+      </p:sp>
+      <p:sp>
+        <p:nvSpPr>
+          <p:cNvPr id="4" name="Content Placeholder 3"/>
+          <p:cNvSpPr>
+            <a:spLocks noGrp="1"/>
+          </p:cNvSpPr>
+          <p:nvPr>
+            <p:ph sz="quarter" idx="12"/>
+          </p:nvPr>
+        </p:nvSpPr>
+        <p:spPr/>
+        <p:txBody>
+          <a:bodyPr/>
+          <a:lstStyle/>
+          <a:p>
+            <a:pPr marL="0" indent="0">
+              <a:buNone/>
+            </a:pPr>
+            <a:r>
+              <a:rPr lang="en-US" dirty="0"/>
+              <a:t>N-tier </a:t>
+            </a:r>
+            <a:r>
+              <a:rPr lang="en-US" dirty="0" smtClean="0"/>
+              <a:t>web architecture style:</a:t>
+            </a:r>
+            <a:endParaRPr lang="en-US" dirty="0"/>
+          </a:p>
+          <a:p>
+            <a:pPr marL="0" indent="0">
+              <a:buNone/>
+            </a:pPr>
+            <a:endParaRPr lang="en-US" dirty="0" smtClean="0"/>
+          </a:p>
+          <a:p>
+            <a:pPr marL="285750" indent="-285750">
+              <a:buFont typeface="Wingdings" panose="05000000000000000000" pitchFamily="2" charset="2"/>
+              <a:buChar char="q"/>
+            </a:pPr>
+            <a:r>
+              <a:rPr lang="en-US" dirty="0" smtClean="0"/>
+              <a:t>0 Tiers – Client has direct database access</a:t>
+            </a:r>
+          </a:p>
+          <a:p>
+            <a:pPr marL="285750" indent="-285750">
+              <a:buFont typeface="Wingdings" panose="05000000000000000000" pitchFamily="2" charset="2"/>
+              <a:buChar char="q"/>
+            </a:pPr>
+            <a:r>
+              <a:rPr lang="en-US" dirty="0"/>
+              <a:t>1</a:t>
+            </a:r>
+            <a:r>
+              <a:rPr lang="en-US" dirty="0" smtClean="0"/>
+              <a:t> Tier – Web tier is used between client and database</a:t>
+            </a:r>
+          </a:p>
+          <a:p>
+            <a:pPr marL="285750" indent="-285750">
+              <a:buFont typeface="Wingdings" panose="05000000000000000000" pitchFamily="2" charset="2"/>
+              <a:buChar char="q"/>
+            </a:pPr>
+            <a:r>
+              <a:rPr lang="en-GB" dirty="0" smtClean="0"/>
+              <a:t>2 Tiers – Data tier is used to handle database</a:t>
+            </a:r>
+          </a:p>
+          <a:p>
+            <a:pPr marL="285750" indent="-285750">
+              <a:buFont typeface="Wingdings" panose="05000000000000000000" pitchFamily="2" charset="2"/>
+              <a:buChar char="q"/>
+            </a:pPr>
+            <a:r>
+              <a:rPr lang="en-GB" dirty="0" smtClean="0"/>
+              <a:t>3 Tiers – Business tier is used to handle business logic</a:t>
+            </a:r>
+            <a:endParaRPr lang="en-US" dirty="0"/>
+          </a:p>
+        </p:txBody>
+      </p:sp>
+    </p:spTree>
+    <p:extLst>
+      <p:ext uri="{BB962C8B-B14F-4D97-AF65-F5344CB8AC3E}">
+        <p14:creationId xmlns:p14="http://schemas.microsoft.com/office/powerpoint/2010/main" val="640089714"/>
+      </p:ext>
+    </p:extLst>
+  </p:cSld>
+  <p:clrMapOvr>
+    <a:masterClrMapping/>
+  </p:clrMapOvr>
+</p:sld>
+</file>
+
+<file path=ppt/slides/slide8.xml><?xml version="1.0" encoding="utf-8"?>
+<p:sld xmlns:a="http://schemas.openxmlformats.org/drawingml/2006/main" xmlns:r="http://schemas.openxmlformats.org/officeDocument/2006/relationships" xmlns:p="http://schemas.openxmlformats.org/presentationml/2006/main">
+  <p:cSld>
+    <p:spTree>
+      <p:nvGrpSpPr>
+        <p:cNvPr id="1" name=""/>
+        <p:cNvGrpSpPr/>
+        <p:nvPr/>
+      </p:nvGrpSpPr>
+      <p:grpSpPr>
+        <a:xfrm>
+          <a:off x="0" y="0"/>
+          <a:ext cx="0" cy="0"/>
+          <a:chOff x="0" y="0"/>
+          <a:chExt cx="0" cy="0"/>
+        </a:xfrm>
+      </p:grpSpPr>
+      <p:sp>
+        <p:nvSpPr>
+          <p:cNvPr id="2" name="Title 1"/>
+          <p:cNvSpPr>
+            <a:spLocks noGrp="1"/>
+          </p:cNvSpPr>
+          <p:nvPr>
+            <p:ph type="title"/>
+          </p:nvPr>
+        </p:nvSpPr>
+        <p:spPr/>
+        <p:txBody>
+          <a:bodyPr/>
+          <a:lstStyle/>
+          <a:p>
+            <a:endParaRPr lang="en-US"/>
+          </a:p>
+        </p:txBody>
+      </p:sp>
+      <p:sp>
+        <p:nvSpPr>
+          <p:cNvPr id="3" name="Footer Placeholder 2"/>
+          <p:cNvSpPr>
+            <a:spLocks noGrp="1"/>
+          </p:cNvSpPr>
+          <p:nvPr>
+            <p:ph type="ftr" sz="quarter" idx="3"/>
+          </p:nvPr>
+        </p:nvSpPr>
+        <p:spPr/>
+        <p:txBody>
+          <a:bodyPr/>
+          <a:lstStyle/>
+          <a:p>
+            <a:r>
+              <a:rPr lang="en-US" smtClean="0"/>
+              <a:t>PRESENTATION NAME</a:t>
+            </a:r>
+            <a:endParaRPr lang="en-US" dirty="0"/>
+          </a:p>
+        </p:txBody>
+      </p:sp>
+      <p:sp>
+        <p:nvSpPr>
+          <p:cNvPr id="4" name="Content Placeholder 3"/>
+          <p:cNvSpPr>
+            <a:spLocks noGrp="1"/>
+          </p:cNvSpPr>
+          <p:nvPr>
+            <p:ph sz="quarter" idx="12"/>
+          </p:nvPr>
+        </p:nvSpPr>
+        <p:spPr/>
+        <p:txBody>
+          <a:bodyPr/>
+          <a:lstStyle/>
+          <a:p>
+            <a:endParaRPr lang="en-US"/>
+          </a:p>
+        </p:txBody>
+      </p:sp>
+    </p:spTree>
+    <p:extLst>
+      <p:ext uri="{BB962C8B-B14F-4D97-AF65-F5344CB8AC3E}">
+        <p14:creationId xmlns:p14="http://schemas.microsoft.com/office/powerpoint/2010/main" val="880215748"/>
       </p:ext>
     </p:extLst>
   </p:cSld>

--- a/docs/ASP.NET CORE - Common Tasks - iTechArt 2018.pptx
+++ b/docs/ASP.NET CORE - Common Tasks - iTechArt 2018.pptx
@@ -6890,1173 +6890,6 @@
 
 <file path=ppt/slideLayouts/slideLayout13.xml><?xml version="1.0" encoding="utf-8"?>
 <p:sldLayout xmlns:a="http://schemas.openxmlformats.org/drawingml/2006/main" xmlns:r="http://schemas.openxmlformats.org/officeDocument/2006/relationships" xmlns:p="http://schemas.openxmlformats.org/presentationml/2006/main" preserve="1" userDrawn="1">
-  <p:cSld name="Quote layout">
-    <p:spTree>
-      <p:nvGrpSpPr>
-        <p:cNvPr id="1" name=""/>
-        <p:cNvGrpSpPr/>
-        <p:nvPr/>
-      </p:nvGrpSpPr>
-      <p:grpSpPr>
-        <a:xfrm>
-          <a:off x="0" y="0"/>
-          <a:ext cx="0" cy="0"/>
-          <a:chOff x="0" y="0"/>
-          <a:chExt cx="0" cy="0"/>
-        </a:xfrm>
-      </p:grpSpPr>
-      <p:pic>
-        <p:nvPicPr>
-          <p:cNvPr id="6" name="Picture 2"/>
-          <p:cNvPicPr>
-            <a:picLocks noChangeAspect="1" noChangeArrowheads="1"/>
-          </p:cNvPicPr>
-          <p:nvPr userDrawn="1"/>
-        </p:nvPicPr>
-        <p:blipFill>
-          <a:blip r:embed="rId2">
-            <a:extLst>
-              <a:ext uri="{28A0092B-C50C-407E-A947-70E740481C1C}">
-                <a14:useLocalDpi xmlns:a14="http://schemas.microsoft.com/office/drawing/2010/main" val="0"/>
-              </a:ext>
-            </a:extLst>
-          </a:blip>
-          <a:srcRect/>
-          <a:stretch>
-            <a:fillRect/>
-          </a:stretch>
-        </p:blipFill>
-        <p:spPr bwMode="auto">
-          <a:xfrm>
-            <a:off x="4386908" y="2276872"/>
-            <a:ext cx="374334" cy="289917"/>
-          </a:xfrm>
-          <a:prstGeom prst="rect">
-            <a:avLst/>
-          </a:prstGeom>
-          <a:noFill/>
-          <a:ln>
-            <a:noFill/>
-          </a:ln>
-          <a:effectLst/>
-          <a:extLst>
-            <a:ext uri="{909E8E84-426E-40DD-AFC4-6F175D3DCCD1}">
-              <a14:hiddenFill xmlns:a14="http://schemas.microsoft.com/office/drawing/2010/main">
-                <a:solidFill>
-                  <a:schemeClr val="accent1"/>
-                </a:solidFill>
-              </a14:hiddenFill>
-            </a:ext>
-            <a:ext uri="{91240B29-F687-4F45-9708-019B960494DF}">
-              <a14:hiddenLine xmlns:a14="http://schemas.microsoft.com/office/drawing/2010/main" w="9525">
-                <a:solidFill>
-                  <a:schemeClr val="tx1"/>
-                </a:solidFill>
-                <a:miter lim="800000"/>
-                <a:headEnd/>
-                <a:tailEnd/>
-              </a14:hiddenLine>
-            </a:ext>
-            <a:ext uri="{AF507438-7753-43E0-B8FC-AC1667EBCBE1}">
-              <a14:hiddenEffects xmlns:a14="http://schemas.microsoft.com/office/drawing/2010/main">
-                <a:effectLst>
-                  <a:outerShdw dist="35921" dir="2700000" algn="ctr" rotWithShape="0">
-                    <a:schemeClr val="bg2"/>
-                  </a:outerShdw>
-                </a:effectLst>
-              </a14:hiddenEffects>
-            </a:ext>
-          </a:extLst>
-        </p:spPr>
-      </p:pic>
-      <p:sp>
-        <p:nvSpPr>
-          <p:cNvPr id="7" name="Text Placeholder 7"/>
-          <p:cNvSpPr>
-            <a:spLocks noGrp="1"/>
-          </p:cNvSpPr>
-          <p:nvPr>
-            <p:ph type="body" sz="quarter" idx="13" hasCustomPrompt="1"/>
-          </p:nvPr>
-        </p:nvSpPr>
-        <p:spPr>
-          <a:xfrm>
-            <a:off x="2699792" y="4717345"/>
-            <a:ext cx="3744416" cy="441732"/>
-          </a:xfrm>
-          <a:prstGeom prst="rect">
-            <a:avLst/>
-          </a:prstGeom>
-        </p:spPr>
-        <p:txBody>
-          <a:bodyPr/>
-          <a:lstStyle>
-            <a:lvl1pPr marL="0" indent="0" algn="ctr">
-              <a:buNone/>
-              <a:defRPr sz="2000" baseline="0">
-                <a:solidFill>
-                  <a:schemeClr val="accent5"/>
-                </a:solidFill>
-                <a:latin typeface="Arial" panose="020B0604020202020204" pitchFamily="34" charset="0"/>
-                <a:cs typeface="Arial" panose="020B0604020202020204" pitchFamily="34" charset="0"/>
-              </a:defRPr>
-            </a:lvl1pPr>
-          </a:lstStyle>
-          <a:p>
-            <a:pPr lvl="0"/>
-            <a:r>
-              <a:rPr lang="en-US" dirty="0" smtClean="0"/>
-              <a:t>Name - Profession</a:t>
-            </a:r>
-            <a:endParaRPr lang="en-US" dirty="0"/>
-          </a:p>
-        </p:txBody>
-      </p:sp>
-      <p:sp>
-        <p:nvSpPr>
-          <p:cNvPr id="8" name="Text Placeholder 6"/>
-          <p:cNvSpPr>
-            <a:spLocks noGrp="1"/>
-          </p:cNvSpPr>
-          <p:nvPr>
-            <p:ph type="body" sz="quarter" idx="11" hasCustomPrompt="1"/>
-          </p:nvPr>
-        </p:nvSpPr>
-        <p:spPr>
-          <a:xfrm>
-            <a:off x="827585" y="2688667"/>
-            <a:ext cx="7488832" cy="1894346"/>
-          </a:xfrm>
-          <a:prstGeom prst="rect">
-            <a:avLst/>
-          </a:prstGeom>
-        </p:spPr>
-        <p:txBody>
-          <a:bodyPr lIns="0" tIns="0" rIns="0" bIns="0"/>
-          <a:lstStyle>
-            <a:lvl1pPr marL="0" indent="0" algn="just">
-              <a:lnSpc>
-                <a:spcPct val="100000"/>
-              </a:lnSpc>
-              <a:buNone/>
-              <a:defRPr sz="2000" i="1">
-                <a:latin typeface="Arial" panose="020B0604020202020204" pitchFamily="34" charset="0"/>
-                <a:cs typeface="Arial" panose="020B0604020202020204" pitchFamily="34" charset="0"/>
-              </a:defRPr>
-            </a:lvl1pPr>
-            <a:lvl2pPr>
-              <a:defRPr sz="1700">
-                <a:latin typeface="Arial Bold" panose="020B0704020202020204" pitchFamily="34" charset="0"/>
-                <a:cs typeface="Arial Bold" panose="020B0704020202020204" pitchFamily="34" charset="0"/>
-              </a:defRPr>
-            </a:lvl2pPr>
-            <a:lvl3pPr>
-              <a:defRPr sz="1700">
-                <a:latin typeface="Arial Bold" panose="020B0704020202020204" pitchFamily="34" charset="0"/>
-                <a:cs typeface="Arial Bold" panose="020B0704020202020204" pitchFamily="34" charset="0"/>
-              </a:defRPr>
-            </a:lvl3pPr>
-            <a:lvl4pPr>
-              <a:defRPr sz="1700">
-                <a:latin typeface="Arial Bold" panose="020B0704020202020204" pitchFamily="34" charset="0"/>
-                <a:cs typeface="Arial Bold" panose="020B0704020202020204" pitchFamily="34" charset="0"/>
-              </a:defRPr>
-            </a:lvl4pPr>
-            <a:lvl5pPr>
-              <a:defRPr sz="1700">
-                <a:latin typeface="Arial Bold" panose="020B0704020202020204" pitchFamily="34" charset="0"/>
-                <a:cs typeface="Arial Bold" panose="020B0704020202020204" pitchFamily="34" charset="0"/>
-              </a:defRPr>
-            </a:lvl5pPr>
-          </a:lstStyle>
-          <a:p>
-            <a:pPr lvl="0"/>
-            <a:r>
-              <a:rPr lang="en-US" dirty="0" err="1" smtClean="0"/>
-              <a:t>Lorem</a:t>
-            </a:r>
-            <a:r>
-              <a:rPr lang="en-US" dirty="0" smtClean="0"/>
-              <a:t> </a:t>
-            </a:r>
-            <a:r>
-              <a:rPr lang="en-US" dirty="0" err="1" smtClean="0"/>
-              <a:t>ipsum</a:t>
-            </a:r>
-            <a:r>
-              <a:rPr lang="en-US" dirty="0" smtClean="0"/>
-              <a:t> dolor sit </a:t>
-            </a:r>
-            <a:r>
-              <a:rPr lang="en-US" dirty="0" err="1" smtClean="0"/>
-              <a:t>amet</a:t>
-            </a:r>
-            <a:r>
-              <a:rPr lang="en-US" dirty="0" smtClean="0"/>
-              <a:t>, </a:t>
-            </a:r>
-            <a:r>
-              <a:rPr lang="en-US" dirty="0" err="1" smtClean="0"/>
-              <a:t>consectetur</a:t>
-            </a:r>
-            <a:r>
-              <a:rPr lang="en-US" dirty="0" smtClean="0"/>
-              <a:t> </a:t>
-            </a:r>
-            <a:r>
-              <a:rPr lang="en-US" dirty="0" err="1" smtClean="0"/>
-              <a:t>adipiscing</a:t>
-            </a:r>
-            <a:r>
-              <a:rPr lang="en-US" dirty="0" smtClean="0"/>
-              <a:t> </a:t>
-            </a:r>
-            <a:r>
-              <a:rPr lang="en-US" dirty="0" err="1" smtClean="0"/>
-              <a:t>elit</a:t>
-            </a:r>
-            <a:r>
-              <a:rPr lang="en-US" dirty="0" smtClean="0"/>
-              <a:t>, </a:t>
-            </a:r>
-            <a:r>
-              <a:rPr lang="en-US" dirty="0" err="1" smtClean="0"/>
-              <a:t>sed</a:t>
-            </a:r>
-            <a:r>
-              <a:rPr lang="en-US" dirty="0" smtClean="0"/>
-              <a:t> do </a:t>
-            </a:r>
-            <a:r>
-              <a:rPr lang="en-US" dirty="0" err="1" smtClean="0"/>
-              <a:t>eiusmod</a:t>
-            </a:r>
-            <a:r>
-              <a:rPr lang="en-US" dirty="0" smtClean="0"/>
-              <a:t> </a:t>
-            </a:r>
-            <a:r>
-              <a:rPr lang="en-US" dirty="0" err="1" smtClean="0"/>
-              <a:t>tempor</a:t>
-            </a:r>
-            <a:r>
-              <a:rPr lang="en-US" dirty="0" smtClean="0"/>
-              <a:t> </a:t>
-            </a:r>
-            <a:r>
-              <a:rPr lang="en-US" dirty="0" err="1" smtClean="0"/>
-              <a:t>incididunt</a:t>
-            </a:r>
-            <a:r>
-              <a:rPr lang="en-US" dirty="0" smtClean="0"/>
-              <a:t> </a:t>
-            </a:r>
-            <a:r>
-              <a:rPr lang="en-US" dirty="0" err="1" smtClean="0"/>
-              <a:t>ut</a:t>
-            </a:r>
-            <a:r>
-              <a:rPr lang="en-US" dirty="0" smtClean="0"/>
-              <a:t> </a:t>
-            </a:r>
-            <a:r>
-              <a:rPr lang="en-US" dirty="0" err="1" smtClean="0"/>
-              <a:t>labore</a:t>
-            </a:r>
-            <a:r>
-              <a:rPr lang="en-US" dirty="0" smtClean="0"/>
-              <a:t> et </a:t>
-            </a:r>
-            <a:r>
-              <a:rPr lang="en-US" dirty="0" err="1" smtClean="0"/>
-              <a:t>dolore</a:t>
-            </a:r>
-            <a:r>
-              <a:rPr lang="en-US" dirty="0" smtClean="0"/>
-              <a:t> magna </a:t>
-            </a:r>
-            <a:r>
-              <a:rPr lang="en-US" dirty="0" err="1" smtClean="0"/>
-              <a:t>aliqua</a:t>
-            </a:r>
-            <a:r>
-              <a:rPr lang="en-US" dirty="0" smtClean="0"/>
-              <a:t>. </a:t>
-            </a:r>
-            <a:r>
-              <a:rPr lang="en-US" dirty="0" err="1" smtClean="0"/>
-              <a:t>Ut</a:t>
-            </a:r>
-            <a:r>
-              <a:rPr lang="en-US" dirty="0" smtClean="0"/>
-              <a:t> </a:t>
-            </a:r>
-            <a:r>
-              <a:rPr lang="en-US" dirty="0" err="1" smtClean="0"/>
-              <a:t>enim</a:t>
-            </a:r>
-            <a:r>
-              <a:rPr lang="en-US" dirty="0" smtClean="0"/>
-              <a:t> ad minim </a:t>
-            </a:r>
-            <a:r>
-              <a:rPr lang="en-US" dirty="0" err="1" smtClean="0"/>
-              <a:t>veniam</a:t>
-            </a:r>
-            <a:r>
-              <a:rPr lang="en-US" dirty="0" smtClean="0"/>
-              <a:t>, </a:t>
-            </a:r>
-            <a:r>
-              <a:rPr lang="en-US" dirty="0" err="1" smtClean="0"/>
-              <a:t>quis</a:t>
-            </a:r>
-            <a:r>
-              <a:rPr lang="en-US" dirty="0" smtClean="0"/>
-              <a:t> </a:t>
-            </a:r>
-            <a:r>
-              <a:rPr lang="en-US" dirty="0" err="1" smtClean="0"/>
-              <a:t>nostrud</a:t>
-            </a:r>
-            <a:r>
-              <a:rPr lang="en-US" dirty="0" smtClean="0"/>
-              <a:t> exercitation </a:t>
-            </a:r>
-            <a:r>
-              <a:rPr lang="en-US" dirty="0" err="1" smtClean="0"/>
-              <a:t>ullamco</a:t>
-            </a:r>
-            <a:r>
-              <a:rPr lang="en-US" dirty="0" smtClean="0"/>
-              <a:t> </a:t>
-            </a:r>
-            <a:r>
-              <a:rPr lang="en-US" dirty="0" err="1" smtClean="0"/>
-              <a:t>laboris</a:t>
-            </a:r>
-            <a:r>
-              <a:rPr lang="en-US" dirty="0" smtClean="0"/>
-              <a:t> nisi </a:t>
-            </a:r>
-            <a:r>
-              <a:rPr lang="en-US" dirty="0" err="1" smtClean="0"/>
-              <a:t>ut</a:t>
-            </a:r>
-            <a:r>
-              <a:rPr lang="en-US" dirty="0" smtClean="0"/>
-              <a:t> </a:t>
-            </a:r>
-            <a:r>
-              <a:rPr lang="en-US" dirty="0" err="1" smtClean="0"/>
-              <a:t>aliquip</a:t>
-            </a:r>
-            <a:r>
-              <a:rPr lang="en-US" dirty="0" smtClean="0"/>
-              <a:t> ex </a:t>
-            </a:r>
-            <a:r>
-              <a:rPr lang="en-US" dirty="0" err="1" smtClean="0"/>
-              <a:t>ea</a:t>
-            </a:r>
-            <a:r>
-              <a:rPr lang="en-US" dirty="0" smtClean="0"/>
-              <a:t> </a:t>
-            </a:r>
-            <a:r>
-              <a:rPr lang="en-US" dirty="0" err="1" smtClean="0"/>
-              <a:t>commodo</a:t>
-            </a:r>
-            <a:r>
-              <a:rPr lang="en-US" dirty="0" smtClean="0"/>
-              <a:t> </a:t>
-            </a:r>
-            <a:r>
-              <a:rPr lang="en-US" dirty="0" err="1" smtClean="0"/>
-              <a:t>consequat</a:t>
-            </a:r>
-            <a:r>
-              <a:rPr lang="en-US" dirty="0" smtClean="0"/>
-              <a:t>. </a:t>
-            </a:r>
-            <a:r>
-              <a:rPr lang="en-US" dirty="0" err="1" smtClean="0"/>
-              <a:t>Duis</a:t>
-            </a:r>
-            <a:r>
-              <a:rPr lang="en-US" dirty="0" smtClean="0"/>
-              <a:t> </a:t>
-            </a:r>
-            <a:r>
-              <a:rPr lang="en-US" dirty="0" err="1" smtClean="0"/>
-              <a:t>aute</a:t>
-            </a:r>
-            <a:r>
-              <a:rPr lang="en-US" dirty="0" smtClean="0"/>
-              <a:t> </a:t>
-            </a:r>
-            <a:r>
-              <a:rPr lang="en-US" dirty="0" err="1" smtClean="0"/>
-              <a:t>irure</a:t>
-            </a:r>
-            <a:r>
-              <a:rPr lang="en-US" dirty="0" smtClean="0"/>
-              <a:t> dolor in </a:t>
-            </a:r>
-            <a:r>
-              <a:rPr lang="en-US" dirty="0" err="1" smtClean="0"/>
-              <a:t>reprehenderit</a:t>
-            </a:r>
-            <a:r>
-              <a:rPr lang="en-US" dirty="0" smtClean="0"/>
-              <a:t> in </a:t>
-            </a:r>
-            <a:r>
-              <a:rPr lang="en-US" dirty="0" err="1" smtClean="0"/>
-              <a:t>voluptate</a:t>
-            </a:r>
-            <a:r>
-              <a:rPr lang="en-US" dirty="0" smtClean="0"/>
-              <a:t> </a:t>
-            </a:r>
-            <a:r>
-              <a:rPr lang="en-US" dirty="0" err="1" smtClean="0"/>
-              <a:t>velit</a:t>
-            </a:r>
-            <a:r>
-              <a:rPr lang="en-US" dirty="0" smtClean="0"/>
-              <a:t> </a:t>
-            </a:r>
-            <a:r>
-              <a:rPr lang="en-US" dirty="0" err="1" smtClean="0"/>
-              <a:t>esse</a:t>
-            </a:r>
-            <a:r>
-              <a:rPr lang="en-US" dirty="0" smtClean="0"/>
-              <a:t> </a:t>
-            </a:r>
-            <a:r>
-              <a:rPr lang="en-US" dirty="0" err="1" smtClean="0"/>
-              <a:t>cillum</a:t>
-            </a:r>
-            <a:r>
-              <a:rPr lang="en-US" dirty="0" smtClean="0"/>
-              <a:t> </a:t>
-            </a:r>
-            <a:r>
-              <a:rPr lang="en-US" dirty="0" err="1" smtClean="0"/>
-              <a:t>dolore</a:t>
-            </a:r>
-            <a:r>
-              <a:rPr lang="en-US" dirty="0" smtClean="0"/>
-              <a:t> </a:t>
-            </a:r>
-            <a:r>
-              <a:rPr lang="en-US" dirty="0" err="1" smtClean="0"/>
-              <a:t>eu</a:t>
-            </a:r>
-            <a:r>
-              <a:rPr lang="en-US" dirty="0" smtClean="0"/>
-              <a:t> </a:t>
-            </a:r>
-            <a:r>
-              <a:rPr lang="en-US" dirty="0" err="1" smtClean="0"/>
-              <a:t>fugiat</a:t>
-            </a:r>
-            <a:r>
-              <a:rPr lang="en-US" dirty="0" smtClean="0"/>
-              <a:t> </a:t>
-            </a:r>
-            <a:r>
-              <a:rPr lang="en-US" dirty="0" err="1" smtClean="0"/>
-              <a:t>nulla</a:t>
-            </a:r>
-            <a:r>
-              <a:rPr lang="en-US" dirty="0" smtClean="0"/>
-              <a:t> </a:t>
-            </a:r>
-            <a:r>
-              <a:rPr lang="en-US" dirty="0" err="1" smtClean="0"/>
-              <a:t>pariatur</a:t>
-            </a:r>
-            <a:r>
-              <a:rPr lang="en-US" dirty="0" smtClean="0"/>
-              <a:t>. </a:t>
-            </a:r>
-          </a:p>
-        </p:txBody>
-      </p:sp>
-      <p:pic>
-        <p:nvPicPr>
-          <p:cNvPr id="11" name="Picture 10"/>
-          <p:cNvPicPr>
-            <a:picLocks noChangeAspect="1"/>
-          </p:cNvPicPr>
-          <p:nvPr userDrawn="1"/>
-        </p:nvPicPr>
-        <p:blipFill>
-          <a:blip r:embed="rId3">
-            <a:extLst>
-              <a:ext uri="{28A0092B-C50C-407E-A947-70E740481C1C}">
-                <a14:useLocalDpi xmlns:a14="http://schemas.microsoft.com/office/drawing/2010/main" val="0"/>
-              </a:ext>
-            </a:extLst>
-          </a:blip>
-          <a:stretch>
-            <a:fillRect/>
-          </a:stretch>
-        </p:blipFill>
-        <p:spPr>
-          <a:xfrm>
-            <a:off x="8868520" y="442800"/>
-            <a:ext cx="276225" cy="276225"/>
-          </a:xfrm>
-          <a:prstGeom prst="rect">
-            <a:avLst/>
-          </a:prstGeom>
-        </p:spPr>
-      </p:pic>
-      <p:sp>
-        <p:nvSpPr>
-          <p:cNvPr id="12" name="Slide Number Placeholder 5"/>
-          <p:cNvSpPr txBox="1">
-            <a:spLocks/>
-          </p:cNvSpPr>
-          <p:nvPr userDrawn="1"/>
-        </p:nvSpPr>
-        <p:spPr>
-          <a:xfrm>
-            <a:off x="8832322" y="303422"/>
-            <a:ext cx="405313" cy="276226"/>
-          </a:xfrm>
-          <a:prstGeom prst="rect">
-            <a:avLst/>
-          </a:prstGeom>
-        </p:spPr>
-        <p:txBody>
-          <a:bodyPr vert="horz" lIns="91440" tIns="45720" rIns="91440" bIns="45720" rtlCol="0" anchor="ctr"/>
-          <a:lstStyle>
-            <a:defPPr>
-              <a:defRPr lang="en-US"/>
-            </a:defPPr>
-            <a:lvl1pPr marL="0" algn="r" defTabSz="914400" rtl="0" eaLnBrk="1" latinLnBrk="0" hangingPunct="1">
-              <a:defRPr sz="1400" kern="1200">
-                <a:solidFill>
-                  <a:schemeClr val="bg1"/>
-                </a:solidFill>
-                <a:latin typeface="+mn-lt"/>
-                <a:ea typeface="+mn-ea"/>
-                <a:cs typeface="+mn-cs"/>
-              </a:defRPr>
-            </a:lvl1pPr>
-            <a:lvl2pPr marL="457200" algn="l" defTabSz="914400" rtl="0" eaLnBrk="1" latinLnBrk="0" hangingPunct="1">
-              <a:defRPr sz="1800" kern="1200">
-                <a:solidFill>
-                  <a:schemeClr val="tx1"/>
-                </a:solidFill>
-                <a:latin typeface="+mn-lt"/>
-                <a:ea typeface="+mn-ea"/>
-                <a:cs typeface="+mn-cs"/>
-              </a:defRPr>
-            </a:lvl2pPr>
-            <a:lvl3pPr marL="914400" algn="l" defTabSz="914400" rtl="0" eaLnBrk="1" latinLnBrk="0" hangingPunct="1">
-              <a:defRPr sz="1800" kern="1200">
-                <a:solidFill>
-                  <a:schemeClr val="tx1"/>
-                </a:solidFill>
-                <a:latin typeface="+mn-lt"/>
-                <a:ea typeface="+mn-ea"/>
-                <a:cs typeface="+mn-cs"/>
-              </a:defRPr>
-            </a:lvl3pPr>
-            <a:lvl4pPr marL="1371600" algn="l" defTabSz="914400" rtl="0" eaLnBrk="1" latinLnBrk="0" hangingPunct="1">
-              <a:defRPr sz="1800" kern="1200">
-                <a:solidFill>
-                  <a:schemeClr val="tx1"/>
-                </a:solidFill>
-                <a:latin typeface="+mn-lt"/>
-                <a:ea typeface="+mn-ea"/>
-                <a:cs typeface="+mn-cs"/>
-              </a:defRPr>
-            </a:lvl4pPr>
-            <a:lvl5pPr marL="1828800" algn="l" defTabSz="914400" rtl="0" eaLnBrk="1" latinLnBrk="0" hangingPunct="1">
-              <a:defRPr sz="1800" kern="1200">
-                <a:solidFill>
-                  <a:schemeClr val="tx1"/>
-                </a:solidFill>
-                <a:latin typeface="+mn-lt"/>
-                <a:ea typeface="+mn-ea"/>
-                <a:cs typeface="+mn-cs"/>
-              </a:defRPr>
-            </a:lvl5pPr>
-            <a:lvl6pPr marL="2286000" algn="l" defTabSz="914400" rtl="0" eaLnBrk="1" latinLnBrk="0" hangingPunct="1">
-              <a:defRPr sz="1800" kern="1200">
-                <a:solidFill>
-                  <a:schemeClr val="tx1"/>
-                </a:solidFill>
-                <a:latin typeface="+mn-lt"/>
-                <a:ea typeface="+mn-ea"/>
-                <a:cs typeface="+mn-cs"/>
-              </a:defRPr>
-            </a:lvl6pPr>
-            <a:lvl7pPr marL="2743200" algn="l" defTabSz="914400" rtl="0" eaLnBrk="1" latinLnBrk="0" hangingPunct="1">
-              <a:defRPr sz="1800" kern="1200">
-                <a:solidFill>
-                  <a:schemeClr val="tx1"/>
-                </a:solidFill>
-                <a:latin typeface="+mn-lt"/>
-                <a:ea typeface="+mn-ea"/>
-                <a:cs typeface="+mn-cs"/>
-              </a:defRPr>
-            </a:lvl7pPr>
-            <a:lvl8pPr marL="3200400" algn="l" defTabSz="914400" rtl="0" eaLnBrk="1" latinLnBrk="0" hangingPunct="1">
-              <a:defRPr sz="1800" kern="1200">
-                <a:solidFill>
-                  <a:schemeClr val="tx1"/>
-                </a:solidFill>
-                <a:latin typeface="+mn-lt"/>
-                <a:ea typeface="+mn-ea"/>
-                <a:cs typeface="+mn-cs"/>
-              </a:defRPr>
-            </a:lvl8pPr>
-            <a:lvl9pPr marL="3657600" algn="l" defTabSz="914400" rtl="0" eaLnBrk="1" latinLnBrk="0" hangingPunct="1">
-              <a:defRPr sz="1800" kern="1200">
-                <a:solidFill>
-                  <a:schemeClr val="tx1"/>
-                </a:solidFill>
-                <a:latin typeface="+mn-lt"/>
-                <a:ea typeface="+mn-ea"/>
-                <a:cs typeface="+mn-cs"/>
-              </a:defRPr>
-            </a:lvl9pPr>
-          </a:lstStyle>
-          <a:p>
-            <a:pPr algn="just"/>
-            <a:fld id="{CA8A9033-43B4-495E-9CC2-052EECE3BC38}" type="slidenum">
-              <a:rPr lang="en-US" sz="1200" smtClean="0">
-                <a:solidFill>
-                  <a:schemeClr val="bg2"/>
-                </a:solidFill>
-              </a:rPr>
-              <a:pPr algn="just"/>
-              <a:t>‹#›</a:t>
-            </a:fld>
-            <a:endParaRPr lang="en-US" sz="1200" dirty="0">
-              <a:solidFill>
-                <a:schemeClr val="bg2"/>
-              </a:solidFill>
-            </a:endParaRPr>
-          </a:p>
-        </p:txBody>
-      </p:sp>
-      <p:sp>
-        <p:nvSpPr>
-          <p:cNvPr id="16" name="Rectangle 15"/>
-          <p:cNvSpPr/>
-          <p:nvPr userDrawn="1"/>
-        </p:nvSpPr>
-        <p:spPr>
-          <a:xfrm>
-            <a:off x="0" y="-1"/>
-            <a:ext cx="9150051" cy="1196753"/>
-          </a:xfrm>
-          <a:prstGeom prst="rect">
-            <a:avLst/>
-          </a:prstGeom>
-          <a:solidFill>
-            <a:schemeClr val="bg2"/>
-          </a:solidFill>
-          <a:ln>
-            <a:noFill/>
-          </a:ln>
-        </p:spPr>
-        <p:style>
-          <a:lnRef idx="2">
-            <a:schemeClr val="accent1">
-              <a:shade val="50000"/>
-            </a:schemeClr>
-          </a:lnRef>
-          <a:fillRef idx="1">
-            <a:schemeClr val="accent1"/>
-          </a:fillRef>
-          <a:effectRef idx="0">
-            <a:schemeClr val="accent1"/>
-          </a:effectRef>
-          <a:fontRef idx="minor">
-            <a:schemeClr val="lt1"/>
-          </a:fontRef>
-        </p:style>
-        <p:txBody>
-          <a:bodyPr lIns="0" tIns="0" rIns="0" bIns="0" rtlCol="0" anchor="ctr"/>
-          <a:lstStyle/>
-          <a:p>
-            <a:pPr algn="ctr"/>
-            <a:endParaRPr lang="en-US"/>
-          </a:p>
-        </p:txBody>
-      </p:sp>
-      <p:pic>
-        <p:nvPicPr>
-          <p:cNvPr id="17" name="Picture 16"/>
-          <p:cNvPicPr>
-            <a:picLocks noChangeAspect="1"/>
-          </p:cNvPicPr>
-          <p:nvPr userDrawn="1"/>
-        </p:nvPicPr>
-        <p:blipFill>
-          <a:blip r:embed="rId4">
-            <a:extLst>
-              <a:ext uri="{28A0092B-C50C-407E-A947-70E740481C1C}">
-                <a14:useLocalDpi xmlns:a14="http://schemas.microsoft.com/office/drawing/2010/main" val="0"/>
-              </a:ext>
-            </a:extLst>
-          </a:blip>
-          <a:stretch>
-            <a:fillRect/>
-          </a:stretch>
-        </p:blipFill>
-        <p:spPr>
-          <a:xfrm>
-            <a:off x="0" y="441535"/>
-            <a:ext cx="123825" cy="276225"/>
-          </a:xfrm>
-          <a:prstGeom prst="rect">
-            <a:avLst/>
-          </a:prstGeom>
-        </p:spPr>
-      </p:pic>
-      <p:pic>
-        <p:nvPicPr>
-          <p:cNvPr id="18" name="Picture 17"/>
-          <p:cNvPicPr>
-            <a:picLocks noChangeAspect="1"/>
-          </p:cNvPicPr>
-          <p:nvPr userDrawn="1"/>
-        </p:nvPicPr>
-        <p:blipFill>
-          <a:blip r:embed="rId3">
-            <a:extLst>
-              <a:ext uri="{28A0092B-C50C-407E-A947-70E740481C1C}">
-                <a14:useLocalDpi xmlns:a14="http://schemas.microsoft.com/office/drawing/2010/main" val="0"/>
-              </a:ext>
-            </a:extLst>
-          </a:blip>
-          <a:stretch>
-            <a:fillRect/>
-          </a:stretch>
-        </p:blipFill>
-        <p:spPr>
-          <a:xfrm>
-            <a:off x="8868520" y="442800"/>
-            <a:ext cx="276225" cy="276225"/>
-          </a:xfrm>
-          <a:prstGeom prst="rect">
-            <a:avLst/>
-          </a:prstGeom>
-        </p:spPr>
-      </p:pic>
-      <p:sp>
-        <p:nvSpPr>
-          <p:cNvPr id="19" name="Slide Number Placeholder 5"/>
-          <p:cNvSpPr txBox="1">
-            <a:spLocks/>
-          </p:cNvSpPr>
-          <p:nvPr userDrawn="1"/>
-        </p:nvSpPr>
-        <p:spPr>
-          <a:xfrm>
-            <a:off x="8832322" y="442800"/>
-            <a:ext cx="405313" cy="276226"/>
-          </a:xfrm>
-          <a:prstGeom prst="rect">
-            <a:avLst/>
-          </a:prstGeom>
-        </p:spPr>
-        <p:txBody>
-          <a:bodyPr vert="horz" lIns="91440" tIns="45720" rIns="91440" bIns="45720" rtlCol="0" anchor="ctr"/>
-          <a:lstStyle>
-            <a:defPPr>
-              <a:defRPr lang="en-US"/>
-            </a:defPPr>
-            <a:lvl1pPr marL="0" algn="r" defTabSz="914400" rtl="0" eaLnBrk="1" latinLnBrk="0" hangingPunct="1">
-              <a:defRPr sz="1400" kern="1200">
-                <a:solidFill>
-                  <a:schemeClr val="bg1"/>
-                </a:solidFill>
-                <a:latin typeface="+mn-lt"/>
-                <a:ea typeface="+mn-ea"/>
-                <a:cs typeface="+mn-cs"/>
-              </a:defRPr>
-            </a:lvl1pPr>
-            <a:lvl2pPr marL="457200" algn="l" defTabSz="914400" rtl="0" eaLnBrk="1" latinLnBrk="0" hangingPunct="1">
-              <a:defRPr sz="1800" kern="1200">
-                <a:solidFill>
-                  <a:schemeClr val="tx1"/>
-                </a:solidFill>
-                <a:latin typeface="+mn-lt"/>
-                <a:ea typeface="+mn-ea"/>
-                <a:cs typeface="+mn-cs"/>
-              </a:defRPr>
-            </a:lvl2pPr>
-            <a:lvl3pPr marL="914400" algn="l" defTabSz="914400" rtl="0" eaLnBrk="1" latinLnBrk="0" hangingPunct="1">
-              <a:defRPr sz="1800" kern="1200">
-                <a:solidFill>
-                  <a:schemeClr val="tx1"/>
-                </a:solidFill>
-                <a:latin typeface="+mn-lt"/>
-                <a:ea typeface="+mn-ea"/>
-                <a:cs typeface="+mn-cs"/>
-              </a:defRPr>
-            </a:lvl3pPr>
-            <a:lvl4pPr marL="1371600" algn="l" defTabSz="914400" rtl="0" eaLnBrk="1" latinLnBrk="0" hangingPunct="1">
-              <a:defRPr sz="1800" kern="1200">
-                <a:solidFill>
-                  <a:schemeClr val="tx1"/>
-                </a:solidFill>
-                <a:latin typeface="+mn-lt"/>
-                <a:ea typeface="+mn-ea"/>
-                <a:cs typeface="+mn-cs"/>
-              </a:defRPr>
-            </a:lvl4pPr>
-            <a:lvl5pPr marL="1828800" algn="l" defTabSz="914400" rtl="0" eaLnBrk="1" latinLnBrk="0" hangingPunct="1">
-              <a:defRPr sz="1800" kern="1200">
-                <a:solidFill>
-                  <a:schemeClr val="tx1"/>
-                </a:solidFill>
-                <a:latin typeface="+mn-lt"/>
-                <a:ea typeface="+mn-ea"/>
-                <a:cs typeface="+mn-cs"/>
-              </a:defRPr>
-            </a:lvl5pPr>
-            <a:lvl6pPr marL="2286000" algn="l" defTabSz="914400" rtl="0" eaLnBrk="1" latinLnBrk="0" hangingPunct="1">
-              <a:defRPr sz="1800" kern="1200">
-                <a:solidFill>
-                  <a:schemeClr val="tx1"/>
-                </a:solidFill>
-                <a:latin typeface="+mn-lt"/>
-                <a:ea typeface="+mn-ea"/>
-                <a:cs typeface="+mn-cs"/>
-              </a:defRPr>
-            </a:lvl6pPr>
-            <a:lvl7pPr marL="2743200" algn="l" defTabSz="914400" rtl="0" eaLnBrk="1" latinLnBrk="0" hangingPunct="1">
-              <a:defRPr sz="1800" kern="1200">
-                <a:solidFill>
-                  <a:schemeClr val="tx1"/>
-                </a:solidFill>
-                <a:latin typeface="+mn-lt"/>
-                <a:ea typeface="+mn-ea"/>
-                <a:cs typeface="+mn-cs"/>
-              </a:defRPr>
-            </a:lvl7pPr>
-            <a:lvl8pPr marL="3200400" algn="l" defTabSz="914400" rtl="0" eaLnBrk="1" latinLnBrk="0" hangingPunct="1">
-              <a:defRPr sz="1800" kern="1200">
-                <a:solidFill>
-                  <a:schemeClr val="tx1"/>
-                </a:solidFill>
-                <a:latin typeface="+mn-lt"/>
-                <a:ea typeface="+mn-ea"/>
-                <a:cs typeface="+mn-cs"/>
-              </a:defRPr>
-            </a:lvl8pPr>
-            <a:lvl9pPr marL="3657600" algn="l" defTabSz="914400" rtl="0" eaLnBrk="1" latinLnBrk="0" hangingPunct="1">
-              <a:defRPr sz="1800" kern="1200">
-                <a:solidFill>
-                  <a:schemeClr val="tx1"/>
-                </a:solidFill>
-                <a:latin typeface="+mn-lt"/>
-                <a:ea typeface="+mn-ea"/>
-                <a:cs typeface="+mn-cs"/>
-              </a:defRPr>
-            </a:lvl9pPr>
-          </a:lstStyle>
-          <a:p>
-            <a:pPr algn="just"/>
-            <a:fld id="{CA8A9033-43B4-495E-9CC2-052EECE3BC38}" type="slidenum">
-              <a:rPr lang="en-US" sz="1200" smtClean="0">
-                <a:solidFill>
-                  <a:schemeClr val="bg2"/>
-                </a:solidFill>
-              </a:rPr>
-              <a:pPr algn="just"/>
-              <a:t>‹#›</a:t>
-            </a:fld>
-            <a:endParaRPr lang="en-US" sz="1200" dirty="0">
-              <a:solidFill>
-                <a:schemeClr val="bg2"/>
-              </a:solidFill>
-            </a:endParaRPr>
-          </a:p>
-        </p:txBody>
-      </p:sp>
-      <p:sp>
-        <p:nvSpPr>
-          <p:cNvPr id="20" name="Title Placeholder 1"/>
-          <p:cNvSpPr>
-            <a:spLocks noGrp="1"/>
-          </p:cNvSpPr>
-          <p:nvPr>
-            <p:ph type="title" hasCustomPrompt="1"/>
-          </p:nvPr>
-        </p:nvSpPr>
-        <p:spPr>
-          <a:xfrm>
-            <a:off x="323851" y="0"/>
-            <a:ext cx="8507726" cy="1196751"/>
-          </a:xfrm>
-          <a:prstGeom prst="rect">
-            <a:avLst/>
-          </a:prstGeom>
-        </p:spPr>
-        <p:txBody>
-          <a:bodyPr vert="horz" lIns="0" tIns="0" rIns="0" bIns="0" rtlCol="0" anchor="ctr">
-            <a:noAutofit/>
-          </a:bodyPr>
-          <a:lstStyle>
-            <a:lvl1pPr>
-              <a:defRPr sz="3400" cap="all" baseline="0">
-                <a:solidFill>
-                  <a:schemeClr val="tx1"/>
-                </a:solidFill>
-                <a:latin typeface="Arial Black" panose="020B0A04020102020204" pitchFamily="34" charset="0"/>
-              </a:defRPr>
-            </a:lvl1pPr>
-          </a:lstStyle>
-          <a:p>
-            <a:r>
-              <a:rPr lang="en-US" dirty="0" smtClean="0"/>
-              <a:t>CLICK TO EDIT MASTER TITLE STYLE</a:t>
-            </a:r>
-            <a:endParaRPr lang="en-US" dirty="0"/>
-          </a:p>
-        </p:txBody>
-      </p:sp>
-      <p:cxnSp>
-        <p:nvCxnSpPr>
-          <p:cNvPr id="21" name="Straight Connector 20"/>
-          <p:cNvCxnSpPr/>
-          <p:nvPr userDrawn="1"/>
-        </p:nvCxnSpPr>
-        <p:spPr>
-          <a:xfrm>
-            <a:off x="-6051" y="1196752"/>
-            <a:ext cx="9144000" cy="0"/>
-          </a:xfrm>
-          <a:prstGeom prst="line">
-            <a:avLst/>
-          </a:prstGeom>
-          <a:ln>
-            <a:solidFill>
-              <a:schemeClr val="bg1">
-                <a:lumMod val="75000"/>
-              </a:schemeClr>
-            </a:solidFill>
-          </a:ln>
-        </p:spPr>
-        <p:style>
-          <a:lnRef idx="1">
-            <a:schemeClr val="accent1"/>
-          </a:lnRef>
-          <a:fillRef idx="0">
-            <a:schemeClr val="accent1"/>
-          </a:fillRef>
-          <a:effectRef idx="0">
-            <a:schemeClr val="accent1"/>
-          </a:effectRef>
-          <a:fontRef idx="minor">
-            <a:schemeClr val="tx1"/>
-          </a:fontRef>
-        </p:style>
-      </p:cxnSp>
-      <p:sp>
-        <p:nvSpPr>
-          <p:cNvPr id="22" name="Rectangle 21"/>
-          <p:cNvSpPr/>
-          <p:nvPr userDrawn="1"/>
-        </p:nvSpPr>
-        <p:spPr>
-          <a:xfrm>
-            <a:off x="0" y="6447600"/>
-            <a:ext cx="9154800" cy="439200"/>
-          </a:xfrm>
-          <a:prstGeom prst="rect">
-            <a:avLst/>
-          </a:prstGeom>
-          <a:solidFill>
-            <a:srgbClr val="808080"/>
-          </a:solidFill>
-          <a:ln>
-            <a:noFill/>
-          </a:ln>
-        </p:spPr>
-        <p:style>
-          <a:lnRef idx="2">
-            <a:schemeClr val="accent1">
-              <a:shade val="50000"/>
-            </a:schemeClr>
-          </a:lnRef>
-          <a:fillRef idx="1">
-            <a:schemeClr val="accent1"/>
-          </a:fillRef>
-          <a:effectRef idx="0">
-            <a:schemeClr val="accent1"/>
-          </a:effectRef>
-          <a:fontRef idx="minor">
-            <a:schemeClr val="lt1"/>
-          </a:fontRef>
-        </p:style>
-        <p:txBody>
-          <a:bodyPr lIns="0" tIns="0" rIns="0" bIns="0" rtlCol="0" anchor="ctr"/>
-          <a:lstStyle/>
-          <a:p>
-            <a:pPr algn="ctr"/>
-            <a:endParaRPr lang="en-US"/>
-          </a:p>
-        </p:txBody>
-      </p:sp>
-      <p:cxnSp>
-        <p:nvCxnSpPr>
-          <p:cNvPr id="23" name="Straight Connector 22"/>
-          <p:cNvCxnSpPr/>
-          <p:nvPr userDrawn="1"/>
-        </p:nvCxnSpPr>
-        <p:spPr>
-          <a:xfrm>
-            <a:off x="1475656" y="6557267"/>
-            <a:ext cx="0" cy="216024"/>
-          </a:xfrm>
-          <a:prstGeom prst="line">
-            <a:avLst/>
-          </a:prstGeom>
-          <a:ln>
-            <a:solidFill>
-              <a:schemeClr val="bg1"/>
-            </a:solidFill>
-          </a:ln>
-        </p:spPr>
-        <p:style>
-          <a:lnRef idx="1">
-            <a:schemeClr val="accent1"/>
-          </a:lnRef>
-          <a:fillRef idx="0">
-            <a:schemeClr val="accent1"/>
-          </a:fillRef>
-          <a:effectRef idx="0">
-            <a:schemeClr val="accent1"/>
-          </a:effectRef>
-          <a:fontRef idx="minor">
-            <a:schemeClr val="tx1"/>
-          </a:fontRef>
-        </p:style>
-      </p:cxnSp>
-      <p:pic>
-        <p:nvPicPr>
-          <p:cNvPr id="24" name="Picture 23"/>
-          <p:cNvPicPr>
-            <a:picLocks noChangeAspect="1"/>
-          </p:cNvPicPr>
-          <p:nvPr userDrawn="1"/>
-        </p:nvPicPr>
-        <p:blipFill>
-          <a:blip r:embed="rId5">
-            <a:extLst>
-              <a:ext uri="{28A0092B-C50C-407E-A947-70E740481C1C}">
-                <a14:useLocalDpi xmlns:a14="http://schemas.microsoft.com/office/drawing/2010/main" val="0"/>
-              </a:ext>
-            </a:extLst>
-          </a:blip>
-          <a:stretch>
-            <a:fillRect/>
-          </a:stretch>
-        </p:blipFill>
-        <p:spPr>
-          <a:xfrm>
-            <a:off x="323850" y="6557267"/>
-            <a:ext cx="1005840" cy="196053"/>
-          </a:xfrm>
-          <a:prstGeom prst="rect">
-            <a:avLst/>
-          </a:prstGeom>
-        </p:spPr>
-      </p:pic>
-      <p:sp>
-        <p:nvSpPr>
-          <p:cNvPr id="25" name="Footer Placeholder 5"/>
-          <p:cNvSpPr>
-            <a:spLocks noGrp="1"/>
-          </p:cNvSpPr>
-          <p:nvPr>
-            <p:ph type="ftr" sz="quarter" idx="3"/>
-          </p:nvPr>
-        </p:nvSpPr>
-        <p:spPr>
-          <a:xfrm>
-            <a:off x="1619672" y="6447599"/>
-            <a:ext cx="3086100" cy="439201"/>
-          </a:xfrm>
-          <a:prstGeom prst="rect">
-            <a:avLst/>
-          </a:prstGeom>
-        </p:spPr>
-        <p:txBody>
-          <a:bodyPr vert="horz" lIns="0" tIns="0" rIns="0" bIns="0" rtlCol="0" anchor="ctr"/>
-          <a:lstStyle>
-            <a:lvl1pPr algn="l">
-              <a:defRPr sz="1000" cap="all" baseline="0">
-                <a:solidFill>
-                  <a:srgbClr val="FFFFFF"/>
-                </a:solidFill>
-                <a:latin typeface="Arial" panose="020B0604020202020204" pitchFamily="34" charset="0"/>
-                <a:cs typeface="Arial" panose="020B0604020202020204" pitchFamily="34" charset="0"/>
-              </a:defRPr>
-            </a:lvl1pPr>
-          </a:lstStyle>
-          <a:p>
-            <a:r>
-              <a:rPr lang="en-US" dirty="0" smtClean="0"/>
-              <a:t>PRESENTATION NAME</a:t>
-            </a:r>
-            <a:endParaRPr lang="en-US" dirty="0"/>
-          </a:p>
-        </p:txBody>
-      </p:sp>
-    </p:spTree>
-    <p:extLst>
-      <p:ext uri="{BB962C8B-B14F-4D97-AF65-F5344CB8AC3E}">
-        <p14:creationId xmlns:p14="http://schemas.microsoft.com/office/powerpoint/2010/main" val="1519188514"/>
-      </p:ext>
-    </p:extLst>
-  </p:cSld>
-  <p:clrMapOvr>
-    <a:masterClrMapping/>
-  </p:clrMapOvr>
-  <p:timing>
-    <p:tnLst>
-      <p:par>
-        <p:cTn id="1" dur="indefinite" restart="never" nodeType="tmRoot"/>
-      </p:par>
-    </p:tnLst>
-  </p:timing>
-  <p:extLst mod="1">
-    <p:ext uri="{DCECCB84-F9BA-43D5-87BE-67443E8EF086}">
-      <p15:sldGuideLst xmlns:p15="http://schemas.microsoft.com/office/powerpoint/2012/main">
-        <p15:guide id="1" orient="horz" pos="2160" userDrawn="1">
-          <p15:clr>
-            <a:srgbClr val="FBAE40"/>
-          </p15:clr>
-        </p15:guide>
-        <p15:guide id="2" pos="2880" userDrawn="1">
-          <p15:clr>
-            <a:srgbClr val="FBAE40"/>
-          </p15:clr>
-        </p15:guide>
-      </p15:sldGuideLst>
-    </p:ext>
-  </p:extLst>
-</p:sldLayout>
-</file>
-
-<file path=ppt/slideLayouts/slideLayout14.xml><?xml version="1.0" encoding="utf-8"?>
-<p:sldLayout xmlns:a="http://schemas.openxmlformats.org/drawingml/2006/main" xmlns:r="http://schemas.openxmlformats.org/officeDocument/2006/relationships" xmlns:p="http://schemas.openxmlformats.org/presentationml/2006/main" preserve="1" userDrawn="1">
   <p:cSld name="Contrast layout">
     <p:spTree>
       <p:nvGrpSpPr>
@@ -8811,9 +7644,1026 @@
 </p:sldLayout>
 </file>
 
+<file path=ppt/slideLayouts/slideLayout14.xml><?xml version="1.0" encoding="utf-8"?>
+<p:sldLayout xmlns:a="http://schemas.openxmlformats.org/drawingml/2006/main" xmlns:r="http://schemas.openxmlformats.org/officeDocument/2006/relationships" xmlns:p="http://schemas.openxmlformats.org/presentationml/2006/main" preserve="1" userDrawn="1">
+  <p:cSld name="Quote layout">
+    <p:spTree>
+      <p:nvGrpSpPr>
+        <p:cNvPr id="1" name=""/>
+        <p:cNvGrpSpPr/>
+        <p:nvPr/>
+      </p:nvGrpSpPr>
+      <p:grpSpPr>
+        <a:xfrm>
+          <a:off x="0" y="0"/>
+          <a:ext cx="0" cy="0"/>
+          <a:chOff x="0" y="0"/>
+          <a:chExt cx="0" cy="0"/>
+        </a:xfrm>
+      </p:grpSpPr>
+      <p:pic>
+        <p:nvPicPr>
+          <p:cNvPr id="6" name="Picture 2"/>
+          <p:cNvPicPr>
+            <a:picLocks noChangeAspect="1" noChangeArrowheads="1"/>
+          </p:cNvPicPr>
+          <p:nvPr userDrawn="1"/>
+        </p:nvPicPr>
+        <p:blipFill>
+          <a:blip r:embed="rId2">
+            <a:extLst>
+              <a:ext uri="{28A0092B-C50C-407E-A947-70E740481C1C}">
+                <a14:useLocalDpi xmlns:a14="http://schemas.microsoft.com/office/drawing/2010/main" val="0"/>
+              </a:ext>
+            </a:extLst>
+          </a:blip>
+          <a:srcRect/>
+          <a:stretch>
+            <a:fillRect/>
+          </a:stretch>
+        </p:blipFill>
+        <p:spPr bwMode="auto">
+          <a:xfrm>
+            <a:off x="4386908" y="2276872"/>
+            <a:ext cx="374334" cy="289917"/>
+          </a:xfrm>
+          <a:prstGeom prst="rect">
+            <a:avLst/>
+          </a:prstGeom>
+          <a:noFill/>
+          <a:ln>
+            <a:noFill/>
+          </a:ln>
+          <a:effectLst/>
+          <a:extLst>
+            <a:ext uri="{909E8E84-426E-40DD-AFC4-6F175D3DCCD1}">
+              <a14:hiddenFill xmlns:a14="http://schemas.microsoft.com/office/drawing/2010/main">
+                <a:solidFill>
+                  <a:schemeClr val="accent1"/>
+                </a:solidFill>
+              </a14:hiddenFill>
+            </a:ext>
+            <a:ext uri="{91240B29-F687-4F45-9708-019B960494DF}">
+              <a14:hiddenLine xmlns:a14="http://schemas.microsoft.com/office/drawing/2010/main" w="9525">
+                <a:solidFill>
+                  <a:schemeClr val="tx1"/>
+                </a:solidFill>
+                <a:miter lim="800000"/>
+                <a:headEnd/>
+                <a:tailEnd/>
+              </a14:hiddenLine>
+            </a:ext>
+            <a:ext uri="{AF507438-7753-43E0-B8FC-AC1667EBCBE1}">
+              <a14:hiddenEffects xmlns:a14="http://schemas.microsoft.com/office/drawing/2010/main">
+                <a:effectLst>
+                  <a:outerShdw dist="35921" dir="2700000" algn="ctr" rotWithShape="0">
+                    <a:schemeClr val="bg2"/>
+                  </a:outerShdw>
+                </a:effectLst>
+              </a14:hiddenEffects>
+            </a:ext>
+          </a:extLst>
+        </p:spPr>
+      </p:pic>
+      <p:sp>
+        <p:nvSpPr>
+          <p:cNvPr id="7" name="Text Placeholder 7"/>
+          <p:cNvSpPr>
+            <a:spLocks noGrp="1"/>
+          </p:cNvSpPr>
+          <p:nvPr>
+            <p:ph type="body" sz="quarter" idx="13" hasCustomPrompt="1"/>
+          </p:nvPr>
+        </p:nvSpPr>
+        <p:spPr>
+          <a:xfrm>
+            <a:off x="2699792" y="4717345"/>
+            <a:ext cx="3744416" cy="441732"/>
+          </a:xfrm>
+          <a:prstGeom prst="rect">
+            <a:avLst/>
+          </a:prstGeom>
+        </p:spPr>
+        <p:txBody>
+          <a:bodyPr/>
+          <a:lstStyle>
+            <a:lvl1pPr marL="0" indent="0" algn="ctr">
+              <a:buNone/>
+              <a:defRPr sz="2000" baseline="0">
+                <a:solidFill>
+                  <a:schemeClr val="accent5">
+                    <a:lumMod val="50000"/>
+                  </a:schemeClr>
+                </a:solidFill>
+                <a:latin typeface="Arial" panose="020B0604020202020204" pitchFamily="34" charset="0"/>
+                <a:cs typeface="Arial" panose="020B0604020202020204" pitchFamily="34" charset="0"/>
+              </a:defRPr>
+            </a:lvl1pPr>
+          </a:lstStyle>
+          <a:p>
+            <a:pPr lvl="0"/>
+            <a:r>
+              <a:rPr lang="en-US" dirty="0" smtClean="0"/>
+              <a:t>Name - Profession</a:t>
+            </a:r>
+            <a:endParaRPr lang="en-US" dirty="0"/>
+          </a:p>
+        </p:txBody>
+      </p:sp>
+      <p:sp>
+        <p:nvSpPr>
+          <p:cNvPr id="8" name="Text Placeholder 6"/>
+          <p:cNvSpPr>
+            <a:spLocks noGrp="1"/>
+          </p:cNvSpPr>
+          <p:nvPr>
+            <p:ph type="body" sz="quarter" idx="11" hasCustomPrompt="1"/>
+          </p:nvPr>
+        </p:nvSpPr>
+        <p:spPr>
+          <a:xfrm>
+            <a:off x="827585" y="2688667"/>
+            <a:ext cx="7488832" cy="1894346"/>
+          </a:xfrm>
+          <a:prstGeom prst="rect">
+            <a:avLst/>
+          </a:prstGeom>
+        </p:spPr>
+        <p:txBody>
+          <a:bodyPr lIns="0" tIns="0" rIns="0" bIns="0"/>
+          <a:lstStyle>
+            <a:lvl1pPr marL="0" indent="0" algn="just">
+              <a:lnSpc>
+                <a:spcPct val="100000"/>
+              </a:lnSpc>
+              <a:buNone/>
+              <a:defRPr sz="2000" i="1">
+                <a:latin typeface="Arial" panose="020B0604020202020204" pitchFamily="34" charset="0"/>
+                <a:cs typeface="Arial" panose="020B0604020202020204" pitchFamily="34" charset="0"/>
+              </a:defRPr>
+            </a:lvl1pPr>
+            <a:lvl2pPr>
+              <a:defRPr sz="1700">
+                <a:latin typeface="Arial Bold" panose="020B0704020202020204" pitchFamily="34" charset="0"/>
+                <a:cs typeface="Arial Bold" panose="020B0704020202020204" pitchFamily="34" charset="0"/>
+              </a:defRPr>
+            </a:lvl2pPr>
+            <a:lvl3pPr>
+              <a:defRPr sz="1700">
+                <a:latin typeface="Arial Bold" panose="020B0704020202020204" pitchFamily="34" charset="0"/>
+                <a:cs typeface="Arial Bold" panose="020B0704020202020204" pitchFamily="34" charset="0"/>
+              </a:defRPr>
+            </a:lvl3pPr>
+            <a:lvl4pPr>
+              <a:defRPr sz="1700">
+                <a:latin typeface="Arial Bold" panose="020B0704020202020204" pitchFamily="34" charset="0"/>
+                <a:cs typeface="Arial Bold" panose="020B0704020202020204" pitchFamily="34" charset="0"/>
+              </a:defRPr>
+            </a:lvl4pPr>
+            <a:lvl5pPr>
+              <a:defRPr sz="1700">
+                <a:latin typeface="Arial Bold" panose="020B0704020202020204" pitchFamily="34" charset="0"/>
+                <a:cs typeface="Arial Bold" panose="020B0704020202020204" pitchFamily="34" charset="0"/>
+              </a:defRPr>
+            </a:lvl5pPr>
+          </a:lstStyle>
+          <a:p>
+            <a:pPr lvl="0"/>
+            <a:r>
+              <a:rPr lang="en-US" dirty="0" err="1" smtClean="0"/>
+              <a:t>Lorem</a:t>
+            </a:r>
+            <a:r>
+              <a:rPr lang="en-US" dirty="0" smtClean="0"/>
+              <a:t> </a:t>
+            </a:r>
+            <a:r>
+              <a:rPr lang="en-US" dirty="0" err="1" smtClean="0"/>
+              <a:t>ipsum</a:t>
+            </a:r>
+            <a:r>
+              <a:rPr lang="en-US" dirty="0" smtClean="0"/>
+              <a:t> dolor sit </a:t>
+            </a:r>
+            <a:r>
+              <a:rPr lang="en-US" dirty="0" err="1" smtClean="0"/>
+              <a:t>amet</a:t>
+            </a:r>
+            <a:r>
+              <a:rPr lang="en-US" dirty="0" smtClean="0"/>
+              <a:t>, </a:t>
+            </a:r>
+            <a:r>
+              <a:rPr lang="en-US" dirty="0" err="1" smtClean="0"/>
+              <a:t>consectetur</a:t>
+            </a:r>
+            <a:r>
+              <a:rPr lang="en-US" dirty="0" smtClean="0"/>
+              <a:t> </a:t>
+            </a:r>
+            <a:r>
+              <a:rPr lang="en-US" dirty="0" err="1" smtClean="0"/>
+              <a:t>adipiscing</a:t>
+            </a:r>
+            <a:r>
+              <a:rPr lang="en-US" dirty="0" smtClean="0"/>
+              <a:t> </a:t>
+            </a:r>
+            <a:r>
+              <a:rPr lang="en-US" dirty="0" err="1" smtClean="0"/>
+              <a:t>elit</a:t>
+            </a:r>
+            <a:r>
+              <a:rPr lang="en-US" dirty="0" smtClean="0"/>
+              <a:t>, </a:t>
+            </a:r>
+            <a:r>
+              <a:rPr lang="en-US" dirty="0" err="1" smtClean="0"/>
+              <a:t>sed</a:t>
+            </a:r>
+            <a:r>
+              <a:rPr lang="en-US" dirty="0" smtClean="0"/>
+              <a:t> do </a:t>
+            </a:r>
+            <a:r>
+              <a:rPr lang="en-US" dirty="0" err="1" smtClean="0"/>
+              <a:t>eiusmod</a:t>
+            </a:r>
+            <a:r>
+              <a:rPr lang="en-US" dirty="0" smtClean="0"/>
+              <a:t> </a:t>
+            </a:r>
+            <a:r>
+              <a:rPr lang="en-US" dirty="0" err="1" smtClean="0"/>
+              <a:t>tempor</a:t>
+            </a:r>
+            <a:r>
+              <a:rPr lang="en-US" dirty="0" smtClean="0"/>
+              <a:t> </a:t>
+            </a:r>
+            <a:r>
+              <a:rPr lang="en-US" dirty="0" err="1" smtClean="0"/>
+              <a:t>incididunt</a:t>
+            </a:r>
+            <a:r>
+              <a:rPr lang="en-US" dirty="0" smtClean="0"/>
+              <a:t> </a:t>
+            </a:r>
+            <a:r>
+              <a:rPr lang="en-US" dirty="0" err="1" smtClean="0"/>
+              <a:t>ut</a:t>
+            </a:r>
+            <a:r>
+              <a:rPr lang="en-US" dirty="0" smtClean="0"/>
+              <a:t> </a:t>
+            </a:r>
+            <a:r>
+              <a:rPr lang="en-US" dirty="0" err="1" smtClean="0"/>
+              <a:t>labore</a:t>
+            </a:r>
+            <a:r>
+              <a:rPr lang="en-US" dirty="0" smtClean="0"/>
+              <a:t> et </a:t>
+            </a:r>
+            <a:r>
+              <a:rPr lang="en-US" dirty="0" err="1" smtClean="0"/>
+              <a:t>dolore</a:t>
+            </a:r>
+            <a:r>
+              <a:rPr lang="en-US" dirty="0" smtClean="0"/>
+              <a:t> magna </a:t>
+            </a:r>
+            <a:r>
+              <a:rPr lang="en-US" dirty="0" err="1" smtClean="0"/>
+              <a:t>aliqua</a:t>
+            </a:r>
+            <a:r>
+              <a:rPr lang="en-US" dirty="0" smtClean="0"/>
+              <a:t>. </a:t>
+            </a:r>
+            <a:r>
+              <a:rPr lang="en-US" dirty="0" err="1" smtClean="0"/>
+              <a:t>Ut</a:t>
+            </a:r>
+            <a:r>
+              <a:rPr lang="en-US" dirty="0" smtClean="0"/>
+              <a:t> </a:t>
+            </a:r>
+            <a:r>
+              <a:rPr lang="en-US" dirty="0" err="1" smtClean="0"/>
+              <a:t>enim</a:t>
+            </a:r>
+            <a:r>
+              <a:rPr lang="en-US" dirty="0" smtClean="0"/>
+              <a:t> ad minim </a:t>
+            </a:r>
+            <a:r>
+              <a:rPr lang="en-US" dirty="0" err="1" smtClean="0"/>
+              <a:t>veniam</a:t>
+            </a:r>
+            <a:r>
+              <a:rPr lang="en-US" dirty="0" smtClean="0"/>
+              <a:t>, </a:t>
+            </a:r>
+            <a:r>
+              <a:rPr lang="en-US" dirty="0" err="1" smtClean="0"/>
+              <a:t>quis</a:t>
+            </a:r>
+            <a:r>
+              <a:rPr lang="en-US" dirty="0" smtClean="0"/>
+              <a:t> </a:t>
+            </a:r>
+            <a:r>
+              <a:rPr lang="en-US" dirty="0" err="1" smtClean="0"/>
+              <a:t>nostrud</a:t>
+            </a:r>
+            <a:r>
+              <a:rPr lang="en-US" dirty="0" smtClean="0"/>
+              <a:t> exercitation </a:t>
+            </a:r>
+            <a:r>
+              <a:rPr lang="en-US" dirty="0" err="1" smtClean="0"/>
+              <a:t>ullamco</a:t>
+            </a:r>
+            <a:r>
+              <a:rPr lang="en-US" dirty="0" smtClean="0"/>
+              <a:t> </a:t>
+            </a:r>
+            <a:r>
+              <a:rPr lang="en-US" dirty="0" err="1" smtClean="0"/>
+              <a:t>laboris</a:t>
+            </a:r>
+            <a:r>
+              <a:rPr lang="en-US" dirty="0" smtClean="0"/>
+              <a:t> nisi </a:t>
+            </a:r>
+            <a:r>
+              <a:rPr lang="en-US" dirty="0" err="1" smtClean="0"/>
+              <a:t>ut</a:t>
+            </a:r>
+            <a:r>
+              <a:rPr lang="en-US" dirty="0" smtClean="0"/>
+              <a:t> </a:t>
+            </a:r>
+            <a:r>
+              <a:rPr lang="en-US" dirty="0" err="1" smtClean="0"/>
+              <a:t>aliquip</a:t>
+            </a:r>
+            <a:r>
+              <a:rPr lang="en-US" dirty="0" smtClean="0"/>
+              <a:t> ex </a:t>
+            </a:r>
+            <a:r>
+              <a:rPr lang="en-US" dirty="0" err="1" smtClean="0"/>
+              <a:t>ea</a:t>
+            </a:r>
+            <a:r>
+              <a:rPr lang="en-US" dirty="0" smtClean="0"/>
+              <a:t> </a:t>
+            </a:r>
+            <a:r>
+              <a:rPr lang="en-US" dirty="0" err="1" smtClean="0"/>
+              <a:t>commodo</a:t>
+            </a:r>
+            <a:r>
+              <a:rPr lang="en-US" dirty="0" smtClean="0"/>
+              <a:t> </a:t>
+            </a:r>
+            <a:r>
+              <a:rPr lang="en-US" dirty="0" err="1" smtClean="0"/>
+              <a:t>consequat</a:t>
+            </a:r>
+            <a:r>
+              <a:rPr lang="en-US" dirty="0" smtClean="0"/>
+              <a:t>. </a:t>
+            </a:r>
+            <a:r>
+              <a:rPr lang="en-US" dirty="0" err="1" smtClean="0"/>
+              <a:t>Duis</a:t>
+            </a:r>
+            <a:r>
+              <a:rPr lang="en-US" dirty="0" smtClean="0"/>
+              <a:t> </a:t>
+            </a:r>
+            <a:r>
+              <a:rPr lang="en-US" dirty="0" err="1" smtClean="0"/>
+              <a:t>aute</a:t>
+            </a:r>
+            <a:r>
+              <a:rPr lang="en-US" dirty="0" smtClean="0"/>
+              <a:t> </a:t>
+            </a:r>
+            <a:r>
+              <a:rPr lang="en-US" dirty="0" err="1" smtClean="0"/>
+              <a:t>irure</a:t>
+            </a:r>
+            <a:r>
+              <a:rPr lang="en-US" dirty="0" smtClean="0"/>
+              <a:t> dolor in </a:t>
+            </a:r>
+            <a:r>
+              <a:rPr lang="en-US" dirty="0" err="1" smtClean="0"/>
+              <a:t>reprehenderit</a:t>
+            </a:r>
+            <a:r>
+              <a:rPr lang="en-US" dirty="0" smtClean="0"/>
+              <a:t> in </a:t>
+            </a:r>
+            <a:r>
+              <a:rPr lang="en-US" dirty="0" err="1" smtClean="0"/>
+              <a:t>voluptate</a:t>
+            </a:r>
+            <a:r>
+              <a:rPr lang="en-US" dirty="0" smtClean="0"/>
+              <a:t> </a:t>
+            </a:r>
+            <a:r>
+              <a:rPr lang="en-US" dirty="0" err="1" smtClean="0"/>
+              <a:t>velit</a:t>
+            </a:r>
+            <a:r>
+              <a:rPr lang="en-US" dirty="0" smtClean="0"/>
+              <a:t> </a:t>
+            </a:r>
+            <a:r>
+              <a:rPr lang="en-US" dirty="0" err="1" smtClean="0"/>
+              <a:t>esse</a:t>
+            </a:r>
+            <a:r>
+              <a:rPr lang="en-US" dirty="0" smtClean="0"/>
+              <a:t> </a:t>
+            </a:r>
+            <a:r>
+              <a:rPr lang="en-US" dirty="0" err="1" smtClean="0"/>
+              <a:t>cillum</a:t>
+            </a:r>
+            <a:r>
+              <a:rPr lang="en-US" dirty="0" smtClean="0"/>
+              <a:t> </a:t>
+            </a:r>
+            <a:r>
+              <a:rPr lang="en-US" dirty="0" err="1" smtClean="0"/>
+              <a:t>dolore</a:t>
+            </a:r>
+            <a:r>
+              <a:rPr lang="en-US" dirty="0" smtClean="0"/>
+              <a:t> </a:t>
+            </a:r>
+            <a:r>
+              <a:rPr lang="en-US" dirty="0" err="1" smtClean="0"/>
+              <a:t>eu</a:t>
+            </a:r>
+            <a:r>
+              <a:rPr lang="en-US" dirty="0" smtClean="0"/>
+              <a:t> </a:t>
+            </a:r>
+            <a:r>
+              <a:rPr lang="en-US" dirty="0" err="1" smtClean="0"/>
+              <a:t>fugiat</a:t>
+            </a:r>
+            <a:r>
+              <a:rPr lang="en-US" dirty="0" smtClean="0"/>
+              <a:t> </a:t>
+            </a:r>
+            <a:r>
+              <a:rPr lang="en-US" dirty="0" err="1" smtClean="0"/>
+              <a:t>nulla</a:t>
+            </a:r>
+            <a:r>
+              <a:rPr lang="en-US" dirty="0" smtClean="0"/>
+              <a:t> </a:t>
+            </a:r>
+            <a:r>
+              <a:rPr lang="en-US" dirty="0" err="1" smtClean="0"/>
+              <a:t>pariatur</a:t>
+            </a:r>
+            <a:r>
+              <a:rPr lang="en-US" dirty="0" smtClean="0"/>
+              <a:t>. </a:t>
+            </a:r>
+          </a:p>
+        </p:txBody>
+      </p:sp>
+      <p:pic>
+        <p:nvPicPr>
+          <p:cNvPr id="11" name="Picture 10"/>
+          <p:cNvPicPr>
+            <a:picLocks noChangeAspect="1"/>
+          </p:cNvPicPr>
+          <p:nvPr userDrawn="1"/>
+        </p:nvPicPr>
+        <p:blipFill>
+          <a:blip r:embed="rId3">
+            <a:extLst>
+              <a:ext uri="{28A0092B-C50C-407E-A947-70E740481C1C}">
+                <a14:useLocalDpi xmlns:a14="http://schemas.microsoft.com/office/drawing/2010/main" val="0"/>
+              </a:ext>
+            </a:extLst>
+          </a:blip>
+          <a:stretch>
+            <a:fillRect/>
+          </a:stretch>
+        </p:blipFill>
+        <p:spPr>
+          <a:xfrm>
+            <a:off x="8868520" y="442800"/>
+            <a:ext cx="276225" cy="276225"/>
+          </a:xfrm>
+          <a:prstGeom prst="rect">
+            <a:avLst/>
+          </a:prstGeom>
+        </p:spPr>
+      </p:pic>
+      <p:sp>
+        <p:nvSpPr>
+          <p:cNvPr id="12" name="Slide Number Placeholder 5"/>
+          <p:cNvSpPr txBox="1">
+            <a:spLocks/>
+          </p:cNvSpPr>
+          <p:nvPr userDrawn="1"/>
+        </p:nvSpPr>
+        <p:spPr>
+          <a:xfrm>
+            <a:off x="8832322" y="303422"/>
+            <a:ext cx="405313" cy="276226"/>
+          </a:xfrm>
+          <a:prstGeom prst="rect">
+            <a:avLst/>
+          </a:prstGeom>
+        </p:spPr>
+        <p:txBody>
+          <a:bodyPr vert="horz" lIns="91440" tIns="45720" rIns="91440" bIns="45720" rtlCol="0" anchor="ctr"/>
+          <a:lstStyle>
+            <a:defPPr>
+              <a:defRPr lang="en-US"/>
+            </a:defPPr>
+            <a:lvl1pPr marL="0" algn="r" defTabSz="914400" rtl="0" eaLnBrk="1" latinLnBrk="0" hangingPunct="1">
+              <a:defRPr sz="1400" kern="1200">
+                <a:solidFill>
+                  <a:schemeClr val="bg1"/>
+                </a:solidFill>
+                <a:latin typeface="+mn-lt"/>
+                <a:ea typeface="+mn-ea"/>
+                <a:cs typeface="+mn-cs"/>
+              </a:defRPr>
+            </a:lvl1pPr>
+            <a:lvl2pPr marL="457200" algn="l" defTabSz="914400" rtl="0" eaLnBrk="1" latinLnBrk="0" hangingPunct="1">
+              <a:defRPr sz="1800" kern="1200">
+                <a:solidFill>
+                  <a:schemeClr val="tx1"/>
+                </a:solidFill>
+                <a:latin typeface="+mn-lt"/>
+                <a:ea typeface="+mn-ea"/>
+                <a:cs typeface="+mn-cs"/>
+              </a:defRPr>
+            </a:lvl2pPr>
+            <a:lvl3pPr marL="914400" algn="l" defTabSz="914400" rtl="0" eaLnBrk="1" latinLnBrk="0" hangingPunct="1">
+              <a:defRPr sz="1800" kern="1200">
+                <a:solidFill>
+                  <a:schemeClr val="tx1"/>
+                </a:solidFill>
+                <a:latin typeface="+mn-lt"/>
+                <a:ea typeface="+mn-ea"/>
+                <a:cs typeface="+mn-cs"/>
+              </a:defRPr>
+            </a:lvl3pPr>
+            <a:lvl4pPr marL="1371600" algn="l" defTabSz="914400" rtl="0" eaLnBrk="1" latinLnBrk="0" hangingPunct="1">
+              <a:defRPr sz="1800" kern="1200">
+                <a:solidFill>
+                  <a:schemeClr val="tx1"/>
+                </a:solidFill>
+                <a:latin typeface="+mn-lt"/>
+                <a:ea typeface="+mn-ea"/>
+                <a:cs typeface="+mn-cs"/>
+              </a:defRPr>
+            </a:lvl4pPr>
+            <a:lvl5pPr marL="1828800" algn="l" defTabSz="914400" rtl="0" eaLnBrk="1" latinLnBrk="0" hangingPunct="1">
+              <a:defRPr sz="1800" kern="1200">
+                <a:solidFill>
+                  <a:schemeClr val="tx1"/>
+                </a:solidFill>
+                <a:latin typeface="+mn-lt"/>
+                <a:ea typeface="+mn-ea"/>
+                <a:cs typeface="+mn-cs"/>
+              </a:defRPr>
+            </a:lvl5pPr>
+            <a:lvl6pPr marL="2286000" algn="l" defTabSz="914400" rtl="0" eaLnBrk="1" latinLnBrk="0" hangingPunct="1">
+              <a:defRPr sz="1800" kern="1200">
+                <a:solidFill>
+                  <a:schemeClr val="tx1"/>
+                </a:solidFill>
+                <a:latin typeface="+mn-lt"/>
+                <a:ea typeface="+mn-ea"/>
+                <a:cs typeface="+mn-cs"/>
+              </a:defRPr>
+            </a:lvl6pPr>
+            <a:lvl7pPr marL="2743200" algn="l" defTabSz="914400" rtl="0" eaLnBrk="1" latinLnBrk="0" hangingPunct="1">
+              <a:defRPr sz="1800" kern="1200">
+                <a:solidFill>
+                  <a:schemeClr val="tx1"/>
+                </a:solidFill>
+                <a:latin typeface="+mn-lt"/>
+                <a:ea typeface="+mn-ea"/>
+                <a:cs typeface="+mn-cs"/>
+              </a:defRPr>
+            </a:lvl7pPr>
+            <a:lvl8pPr marL="3200400" algn="l" defTabSz="914400" rtl="0" eaLnBrk="1" latinLnBrk="0" hangingPunct="1">
+              <a:defRPr sz="1800" kern="1200">
+                <a:solidFill>
+                  <a:schemeClr val="tx1"/>
+                </a:solidFill>
+                <a:latin typeface="+mn-lt"/>
+                <a:ea typeface="+mn-ea"/>
+                <a:cs typeface="+mn-cs"/>
+              </a:defRPr>
+            </a:lvl8pPr>
+            <a:lvl9pPr marL="3657600" algn="l" defTabSz="914400" rtl="0" eaLnBrk="1" latinLnBrk="0" hangingPunct="1">
+              <a:defRPr sz="1800" kern="1200">
+                <a:solidFill>
+                  <a:schemeClr val="tx1"/>
+                </a:solidFill>
+                <a:latin typeface="+mn-lt"/>
+                <a:ea typeface="+mn-ea"/>
+                <a:cs typeface="+mn-cs"/>
+              </a:defRPr>
+            </a:lvl9pPr>
+          </a:lstStyle>
+          <a:p>
+            <a:pPr algn="just"/>
+            <a:fld id="{CA8A9033-43B4-495E-9CC2-052EECE3BC38}" type="slidenum">
+              <a:rPr lang="en-US" sz="1200" smtClean="0">
+                <a:solidFill>
+                  <a:schemeClr val="bg2"/>
+                </a:solidFill>
+              </a:rPr>
+              <a:pPr algn="just"/>
+              <a:t>‹#›</a:t>
+            </a:fld>
+            <a:endParaRPr lang="en-US" sz="1200" dirty="0">
+              <a:solidFill>
+                <a:schemeClr val="bg2"/>
+              </a:solidFill>
+            </a:endParaRPr>
+          </a:p>
+        </p:txBody>
+      </p:sp>
+      <p:sp>
+        <p:nvSpPr>
+          <p:cNvPr id="16" name="Rectangle 15"/>
+          <p:cNvSpPr/>
+          <p:nvPr userDrawn="1"/>
+        </p:nvSpPr>
+        <p:spPr>
+          <a:xfrm>
+            <a:off x="0" y="-1"/>
+            <a:ext cx="9150051" cy="1196753"/>
+          </a:xfrm>
+          <a:prstGeom prst="rect">
+            <a:avLst/>
+          </a:prstGeom>
+          <a:solidFill>
+            <a:schemeClr val="bg2"/>
+          </a:solidFill>
+          <a:ln>
+            <a:noFill/>
+          </a:ln>
+        </p:spPr>
+        <p:style>
+          <a:lnRef idx="2">
+            <a:schemeClr val="accent1">
+              <a:shade val="50000"/>
+            </a:schemeClr>
+          </a:lnRef>
+          <a:fillRef idx="1">
+            <a:schemeClr val="accent1"/>
+          </a:fillRef>
+          <a:effectRef idx="0">
+            <a:schemeClr val="accent1"/>
+          </a:effectRef>
+          <a:fontRef idx="minor">
+            <a:schemeClr val="lt1"/>
+          </a:fontRef>
+        </p:style>
+        <p:txBody>
+          <a:bodyPr lIns="0" tIns="0" rIns="0" bIns="0" rtlCol="0" anchor="ctr"/>
+          <a:lstStyle/>
+          <a:p>
+            <a:pPr algn="ctr"/>
+            <a:endParaRPr lang="en-US"/>
+          </a:p>
+        </p:txBody>
+      </p:sp>
+      <p:pic>
+        <p:nvPicPr>
+          <p:cNvPr id="17" name="Picture 16"/>
+          <p:cNvPicPr>
+            <a:picLocks noChangeAspect="1"/>
+          </p:cNvPicPr>
+          <p:nvPr userDrawn="1"/>
+        </p:nvPicPr>
+        <p:blipFill>
+          <a:blip r:embed="rId4">
+            <a:extLst>
+              <a:ext uri="{28A0092B-C50C-407E-A947-70E740481C1C}">
+                <a14:useLocalDpi xmlns:a14="http://schemas.microsoft.com/office/drawing/2010/main" val="0"/>
+              </a:ext>
+            </a:extLst>
+          </a:blip>
+          <a:stretch>
+            <a:fillRect/>
+          </a:stretch>
+        </p:blipFill>
+        <p:spPr>
+          <a:xfrm>
+            <a:off x="0" y="441535"/>
+            <a:ext cx="123825" cy="276225"/>
+          </a:xfrm>
+          <a:prstGeom prst="rect">
+            <a:avLst/>
+          </a:prstGeom>
+        </p:spPr>
+      </p:pic>
+      <p:pic>
+        <p:nvPicPr>
+          <p:cNvPr id="18" name="Picture 17"/>
+          <p:cNvPicPr>
+            <a:picLocks noChangeAspect="1"/>
+          </p:cNvPicPr>
+          <p:nvPr userDrawn="1"/>
+        </p:nvPicPr>
+        <p:blipFill>
+          <a:blip r:embed="rId3">
+            <a:extLst>
+              <a:ext uri="{28A0092B-C50C-407E-A947-70E740481C1C}">
+                <a14:useLocalDpi xmlns:a14="http://schemas.microsoft.com/office/drawing/2010/main" val="0"/>
+              </a:ext>
+            </a:extLst>
+          </a:blip>
+          <a:stretch>
+            <a:fillRect/>
+          </a:stretch>
+        </p:blipFill>
+        <p:spPr>
+          <a:xfrm>
+            <a:off x="8868520" y="442800"/>
+            <a:ext cx="276225" cy="276225"/>
+          </a:xfrm>
+          <a:prstGeom prst="rect">
+            <a:avLst/>
+          </a:prstGeom>
+        </p:spPr>
+      </p:pic>
+      <p:sp>
+        <p:nvSpPr>
+          <p:cNvPr id="19" name="Slide Number Placeholder 5"/>
+          <p:cNvSpPr txBox="1">
+            <a:spLocks/>
+          </p:cNvSpPr>
+          <p:nvPr userDrawn="1"/>
+        </p:nvSpPr>
+        <p:spPr>
+          <a:xfrm>
+            <a:off x="8832322" y="442800"/>
+            <a:ext cx="405313" cy="276226"/>
+          </a:xfrm>
+          <a:prstGeom prst="rect">
+            <a:avLst/>
+          </a:prstGeom>
+        </p:spPr>
+        <p:txBody>
+          <a:bodyPr vert="horz" lIns="91440" tIns="45720" rIns="91440" bIns="45720" rtlCol="0" anchor="ctr"/>
+          <a:lstStyle>
+            <a:defPPr>
+              <a:defRPr lang="en-US"/>
+            </a:defPPr>
+            <a:lvl1pPr marL="0" algn="r" defTabSz="914400" rtl="0" eaLnBrk="1" latinLnBrk="0" hangingPunct="1">
+              <a:defRPr sz="1400" kern="1200">
+                <a:solidFill>
+                  <a:schemeClr val="bg1"/>
+                </a:solidFill>
+                <a:latin typeface="+mn-lt"/>
+                <a:ea typeface="+mn-ea"/>
+                <a:cs typeface="+mn-cs"/>
+              </a:defRPr>
+            </a:lvl1pPr>
+            <a:lvl2pPr marL="457200" algn="l" defTabSz="914400" rtl="0" eaLnBrk="1" latinLnBrk="0" hangingPunct="1">
+              <a:defRPr sz="1800" kern="1200">
+                <a:solidFill>
+                  <a:schemeClr val="tx1"/>
+                </a:solidFill>
+                <a:latin typeface="+mn-lt"/>
+                <a:ea typeface="+mn-ea"/>
+                <a:cs typeface="+mn-cs"/>
+              </a:defRPr>
+            </a:lvl2pPr>
+            <a:lvl3pPr marL="914400" algn="l" defTabSz="914400" rtl="0" eaLnBrk="1" latinLnBrk="0" hangingPunct="1">
+              <a:defRPr sz="1800" kern="1200">
+                <a:solidFill>
+                  <a:schemeClr val="tx1"/>
+                </a:solidFill>
+                <a:latin typeface="+mn-lt"/>
+                <a:ea typeface="+mn-ea"/>
+                <a:cs typeface="+mn-cs"/>
+              </a:defRPr>
+            </a:lvl3pPr>
+            <a:lvl4pPr marL="1371600" algn="l" defTabSz="914400" rtl="0" eaLnBrk="1" latinLnBrk="0" hangingPunct="1">
+              <a:defRPr sz="1800" kern="1200">
+                <a:solidFill>
+                  <a:schemeClr val="tx1"/>
+                </a:solidFill>
+                <a:latin typeface="+mn-lt"/>
+                <a:ea typeface="+mn-ea"/>
+                <a:cs typeface="+mn-cs"/>
+              </a:defRPr>
+            </a:lvl4pPr>
+            <a:lvl5pPr marL="1828800" algn="l" defTabSz="914400" rtl="0" eaLnBrk="1" latinLnBrk="0" hangingPunct="1">
+              <a:defRPr sz="1800" kern="1200">
+                <a:solidFill>
+                  <a:schemeClr val="tx1"/>
+                </a:solidFill>
+                <a:latin typeface="+mn-lt"/>
+                <a:ea typeface="+mn-ea"/>
+                <a:cs typeface="+mn-cs"/>
+              </a:defRPr>
+            </a:lvl5pPr>
+            <a:lvl6pPr marL="2286000" algn="l" defTabSz="914400" rtl="0" eaLnBrk="1" latinLnBrk="0" hangingPunct="1">
+              <a:defRPr sz="1800" kern="1200">
+                <a:solidFill>
+                  <a:schemeClr val="tx1"/>
+                </a:solidFill>
+                <a:latin typeface="+mn-lt"/>
+                <a:ea typeface="+mn-ea"/>
+                <a:cs typeface="+mn-cs"/>
+              </a:defRPr>
+            </a:lvl6pPr>
+            <a:lvl7pPr marL="2743200" algn="l" defTabSz="914400" rtl="0" eaLnBrk="1" latinLnBrk="0" hangingPunct="1">
+              <a:defRPr sz="1800" kern="1200">
+                <a:solidFill>
+                  <a:schemeClr val="tx1"/>
+                </a:solidFill>
+                <a:latin typeface="+mn-lt"/>
+                <a:ea typeface="+mn-ea"/>
+                <a:cs typeface="+mn-cs"/>
+              </a:defRPr>
+            </a:lvl7pPr>
+            <a:lvl8pPr marL="3200400" algn="l" defTabSz="914400" rtl="0" eaLnBrk="1" latinLnBrk="0" hangingPunct="1">
+              <a:defRPr sz="1800" kern="1200">
+                <a:solidFill>
+                  <a:schemeClr val="tx1"/>
+                </a:solidFill>
+                <a:latin typeface="+mn-lt"/>
+                <a:ea typeface="+mn-ea"/>
+                <a:cs typeface="+mn-cs"/>
+              </a:defRPr>
+            </a:lvl8pPr>
+            <a:lvl9pPr marL="3657600" algn="l" defTabSz="914400" rtl="0" eaLnBrk="1" latinLnBrk="0" hangingPunct="1">
+              <a:defRPr sz="1800" kern="1200">
+                <a:solidFill>
+                  <a:schemeClr val="tx1"/>
+                </a:solidFill>
+                <a:latin typeface="+mn-lt"/>
+                <a:ea typeface="+mn-ea"/>
+                <a:cs typeface="+mn-cs"/>
+              </a:defRPr>
+            </a:lvl9pPr>
+          </a:lstStyle>
+          <a:p>
+            <a:pPr algn="just"/>
+            <a:fld id="{CA8A9033-43B4-495E-9CC2-052EECE3BC38}" type="slidenum">
+              <a:rPr lang="en-US" sz="1200" smtClean="0">
+                <a:solidFill>
+                  <a:schemeClr val="bg2"/>
+                </a:solidFill>
+              </a:rPr>
+              <a:pPr algn="just"/>
+              <a:t>‹#›</a:t>
+            </a:fld>
+            <a:endParaRPr lang="en-US" sz="1200" dirty="0">
+              <a:solidFill>
+                <a:schemeClr val="bg2"/>
+              </a:solidFill>
+            </a:endParaRPr>
+          </a:p>
+        </p:txBody>
+      </p:sp>
+      <p:sp>
+        <p:nvSpPr>
+          <p:cNvPr id="20" name="Title Placeholder 1"/>
+          <p:cNvSpPr>
+            <a:spLocks noGrp="1"/>
+          </p:cNvSpPr>
+          <p:nvPr>
+            <p:ph type="title" hasCustomPrompt="1"/>
+          </p:nvPr>
+        </p:nvSpPr>
+        <p:spPr>
+          <a:xfrm>
+            <a:off x="323851" y="0"/>
+            <a:ext cx="8507726" cy="1196751"/>
+          </a:xfrm>
+          <a:prstGeom prst="rect">
+            <a:avLst/>
+          </a:prstGeom>
+        </p:spPr>
+        <p:txBody>
+          <a:bodyPr vert="horz" lIns="0" tIns="0" rIns="0" bIns="0" rtlCol="0" anchor="ctr">
+            <a:noAutofit/>
+          </a:bodyPr>
+          <a:lstStyle>
+            <a:lvl1pPr>
+              <a:defRPr sz="3400" cap="all" baseline="0">
+                <a:solidFill>
+                  <a:schemeClr val="tx1"/>
+                </a:solidFill>
+                <a:latin typeface="Arial Black" panose="020B0A04020102020204" pitchFamily="34" charset="0"/>
+              </a:defRPr>
+            </a:lvl1pPr>
+          </a:lstStyle>
+          <a:p>
+            <a:r>
+              <a:rPr lang="en-US" dirty="0" smtClean="0"/>
+              <a:t>CLICK TO EDIT MASTER TITLE STYLE</a:t>
+            </a:r>
+            <a:endParaRPr lang="en-US" dirty="0"/>
+          </a:p>
+        </p:txBody>
+      </p:sp>
+      <p:cxnSp>
+        <p:nvCxnSpPr>
+          <p:cNvPr id="21" name="Straight Connector 20"/>
+          <p:cNvCxnSpPr/>
+          <p:nvPr userDrawn="1"/>
+        </p:nvCxnSpPr>
+        <p:spPr>
+          <a:xfrm>
+            <a:off x="-6051" y="1196752"/>
+            <a:ext cx="9144000" cy="0"/>
+          </a:xfrm>
+          <a:prstGeom prst="line">
+            <a:avLst/>
+          </a:prstGeom>
+          <a:ln>
+            <a:solidFill>
+              <a:schemeClr val="bg1">
+                <a:lumMod val="75000"/>
+              </a:schemeClr>
+            </a:solidFill>
+          </a:ln>
+        </p:spPr>
+        <p:style>
+          <a:lnRef idx="1">
+            <a:schemeClr val="accent1"/>
+          </a:lnRef>
+          <a:fillRef idx="0">
+            <a:schemeClr val="accent1"/>
+          </a:fillRef>
+          <a:effectRef idx="0">
+            <a:schemeClr val="accent1"/>
+          </a:effectRef>
+          <a:fontRef idx="minor">
+            <a:schemeClr val="tx1"/>
+          </a:fontRef>
+        </p:style>
+      </p:cxnSp>
+    </p:spTree>
+    <p:extLst>
+      <p:ext uri="{BB962C8B-B14F-4D97-AF65-F5344CB8AC3E}">
+        <p14:creationId xmlns:p14="http://schemas.microsoft.com/office/powerpoint/2010/main" val="1519188514"/>
+      </p:ext>
+    </p:extLst>
+  </p:cSld>
+  <p:clrMapOvr>
+    <a:masterClrMapping/>
+  </p:clrMapOvr>
+  <p:timing>
+    <p:tnLst>
+      <p:par>
+        <p:cTn id="1" dur="indefinite" restart="never" nodeType="tmRoot"/>
+      </p:par>
+    </p:tnLst>
+  </p:timing>
+  <p:extLst mod="1">
+    <p:ext uri="{DCECCB84-F9BA-43D5-87BE-67443E8EF086}">
+      <p15:sldGuideLst xmlns:p15="http://schemas.microsoft.com/office/powerpoint/2012/main">
+        <p15:guide id="1" orient="horz" pos="2160" userDrawn="1">
+          <p15:clr>
+            <a:srgbClr val="FBAE40"/>
+          </p15:clr>
+        </p15:guide>
+        <p15:guide id="2" pos="2880" userDrawn="1">
+          <p15:clr>
+            <a:srgbClr val="FBAE40"/>
+          </p15:clr>
+        </p15:guide>
+      </p15:sldGuideLst>
+    </p:ext>
+  </p:extLst>
+</p:sldLayout>
+</file>
+
 <file path=ppt/slideLayouts/slideLayout15.xml><?xml version="1.0" encoding="utf-8"?>
 <p:sldLayout xmlns:a="http://schemas.openxmlformats.org/drawingml/2006/main" xmlns:r="http://schemas.openxmlformats.org/officeDocument/2006/relationships" xmlns:p="http://schemas.openxmlformats.org/presentationml/2006/main" userDrawn="1">
-  <p:cSld name="Content">
+  <p:cSld name="1_Content">
     <p:spTree>
       <p:nvGrpSpPr>
         <p:cNvPr id="1" name=""/>
@@ -9100,158 +8950,6 @@
           </a:fontRef>
         </p:style>
       </p:cxnSp>
-      <p:sp>
-        <p:nvSpPr>
-          <p:cNvPr id="15" name="Rectangle 14"/>
-          <p:cNvSpPr/>
-          <p:nvPr userDrawn="1"/>
-        </p:nvSpPr>
-        <p:spPr>
-          <a:xfrm>
-            <a:off x="0" y="6447600"/>
-            <a:ext cx="9154800" cy="439200"/>
-          </a:xfrm>
-          <a:prstGeom prst="rect">
-            <a:avLst/>
-          </a:prstGeom>
-          <a:solidFill>
-            <a:srgbClr val="808080"/>
-          </a:solidFill>
-          <a:ln>
-            <a:noFill/>
-          </a:ln>
-        </p:spPr>
-        <p:style>
-          <a:lnRef idx="2">
-            <a:schemeClr val="accent1">
-              <a:shade val="50000"/>
-            </a:schemeClr>
-          </a:lnRef>
-          <a:fillRef idx="1">
-            <a:schemeClr val="accent1"/>
-          </a:fillRef>
-          <a:effectRef idx="0">
-            <a:schemeClr val="accent1"/>
-          </a:effectRef>
-          <a:fontRef idx="minor">
-            <a:schemeClr val="lt1"/>
-          </a:fontRef>
-        </p:style>
-        <p:txBody>
-          <a:bodyPr lIns="0" tIns="0" rIns="0" bIns="0" rtlCol="0" anchor="ctr"/>
-          <a:lstStyle/>
-          <a:p>
-            <a:pPr algn="ctr"/>
-            <a:endParaRPr lang="en-US"/>
-          </a:p>
-        </p:txBody>
-      </p:sp>
-      <p:cxnSp>
-        <p:nvCxnSpPr>
-          <p:cNvPr id="17" name="Straight Connector 16"/>
-          <p:cNvCxnSpPr/>
-          <p:nvPr userDrawn="1"/>
-        </p:nvCxnSpPr>
-        <p:spPr>
-          <a:xfrm>
-            <a:off x="1475656" y="6557267"/>
-            <a:ext cx="0" cy="216024"/>
-          </a:xfrm>
-          <a:prstGeom prst="line">
-            <a:avLst/>
-          </a:prstGeom>
-          <a:ln>
-            <a:solidFill>
-              <a:schemeClr val="bg1"/>
-            </a:solidFill>
-          </a:ln>
-        </p:spPr>
-        <p:style>
-          <a:lnRef idx="1">
-            <a:schemeClr val="accent1"/>
-          </a:lnRef>
-          <a:fillRef idx="0">
-            <a:schemeClr val="accent1"/>
-          </a:fillRef>
-          <a:effectRef idx="0">
-            <a:schemeClr val="accent1"/>
-          </a:effectRef>
-          <a:fontRef idx="minor">
-            <a:schemeClr val="tx1"/>
-          </a:fontRef>
-        </p:style>
-      </p:cxnSp>
-      <p:pic>
-        <p:nvPicPr>
-          <p:cNvPr id="18" name="Picture 17"/>
-          <p:cNvPicPr>
-            <a:picLocks noChangeAspect="1"/>
-          </p:cNvPicPr>
-          <p:nvPr userDrawn="1"/>
-        </p:nvPicPr>
-        <p:blipFill>
-          <a:blip r:embed="rId4">
-            <a:extLst>
-              <a:ext uri="{28A0092B-C50C-407E-A947-70E740481C1C}">
-                <a14:useLocalDpi xmlns:a14="http://schemas.microsoft.com/office/drawing/2010/main" val="0"/>
-              </a:ext>
-            </a:extLst>
-          </a:blip>
-          <a:stretch>
-            <a:fillRect/>
-          </a:stretch>
-        </p:blipFill>
-        <p:spPr>
-          <a:xfrm>
-            <a:off x="323850" y="6557267"/>
-            <a:ext cx="1005840" cy="196053"/>
-          </a:xfrm>
-          <a:prstGeom prst="rect">
-            <a:avLst/>
-          </a:prstGeom>
-        </p:spPr>
-      </p:pic>
-      <p:sp>
-        <p:nvSpPr>
-          <p:cNvPr id="19" name="Footer Placeholder 5"/>
-          <p:cNvSpPr>
-            <a:spLocks noGrp="1"/>
-          </p:cNvSpPr>
-          <p:nvPr>
-            <p:ph type="ftr" sz="quarter" idx="3"/>
-          </p:nvPr>
-        </p:nvSpPr>
-        <p:spPr>
-          <a:xfrm>
-            <a:off x="1619672" y="6447599"/>
-            <a:ext cx="3086100" cy="439201"/>
-          </a:xfrm>
-          <a:prstGeom prst="rect">
-            <a:avLst/>
-          </a:prstGeom>
-        </p:spPr>
-        <p:txBody>
-          <a:bodyPr vert="horz" lIns="0" tIns="0" rIns="0" bIns="0" rtlCol="0" anchor="ctr"/>
-          <a:lstStyle>
-            <a:lvl1pPr algn="l">
-              <a:defRPr sz="1000" cap="all" baseline="0">
-                <a:solidFill>
-                  <a:srgbClr val="FFFFFF"/>
-                </a:solidFill>
-                <a:latin typeface="Arial" panose="020B0604020202020204" pitchFamily="34" charset="0"/>
-                <a:cs typeface="Arial" panose="020B0604020202020204" pitchFamily="34" charset="0"/>
-              </a:defRPr>
-            </a:lvl1pPr>
-          </a:lstStyle>
-          <a:p>
-            <a:r>
-              <a:rPr lang="en-US" dirty="0" smtClean="0"/>
-              <a:t>PRESENTATION NAME</a:t>
-            </a:r>
-            <a:endParaRPr lang="en-US" dirty="0"/>
-          </a:p>
-        </p:txBody>
-      </p:sp>
       <p:sp>
         <p:nvSpPr>
           <p:cNvPr id="6" name="Content Placeholder 5"/>
@@ -9680,158 +9378,6 @@
       </p:cxnSp>
       <p:sp>
         <p:nvSpPr>
-          <p:cNvPr id="15" name="Rectangle 14"/>
-          <p:cNvSpPr/>
-          <p:nvPr userDrawn="1"/>
-        </p:nvSpPr>
-        <p:spPr>
-          <a:xfrm>
-            <a:off x="0" y="6447600"/>
-            <a:ext cx="9154800" cy="439200"/>
-          </a:xfrm>
-          <a:prstGeom prst="rect">
-            <a:avLst/>
-          </a:prstGeom>
-          <a:solidFill>
-            <a:srgbClr val="808080"/>
-          </a:solidFill>
-          <a:ln>
-            <a:noFill/>
-          </a:ln>
-        </p:spPr>
-        <p:style>
-          <a:lnRef idx="2">
-            <a:schemeClr val="accent1">
-              <a:shade val="50000"/>
-            </a:schemeClr>
-          </a:lnRef>
-          <a:fillRef idx="1">
-            <a:schemeClr val="accent1"/>
-          </a:fillRef>
-          <a:effectRef idx="0">
-            <a:schemeClr val="accent1"/>
-          </a:effectRef>
-          <a:fontRef idx="minor">
-            <a:schemeClr val="lt1"/>
-          </a:fontRef>
-        </p:style>
-        <p:txBody>
-          <a:bodyPr lIns="0" tIns="0" rIns="0" bIns="0" rtlCol="0" anchor="ctr"/>
-          <a:lstStyle/>
-          <a:p>
-            <a:pPr algn="ctr"/>
-            <a:endParaRPr lang="en-US"/>
-          </a:p>
-        </p:txBody>
-      </p:sp>
-      <p:cxnSp>
-        <p:nvCxnSpPr>
-          <p:cNvPr id="17" name="Straight Connector 16"/>
-          <p:cNvCxnSpPr/>
-          <p:nvPr userDrawn="1"/>
-        </p:nvCxnSpPr>
-        <p:spPr>
-          <a:xfrm>
-            <a:off x="1475656" y="6557267"/>
-            <a:ext cx="0" cy="216024"/>
-          </a:xfrm>
-          <a:prstGeom prst="line">
-            <a:avLst/>
-          </a:prstGeom>
-          <a:ln>
-            <a:solidFill>
-              <a:schemeClr val="bg1"/>
-            </a:solidFill>
-          </a:ln>
-        </p:spPr>
-        <p:style>
-          <a:lnRef idx="1">
-            <a:schemeClr val="accent1"/>
-          </a:lnRef>
-          <a:fillRef idx="0">
-            <a:schemeClr val="accent1"/>
-          </a:fillRef>
-          <a:effectRef idx="0">
-            <a:schemeClr val="accent1"/>
-          </a:effectRef>
-          <a:fontRef idx="minor">
-            <a:schemeClr val="tx1"/>
-          </a:fontRef>
-        </p:style>
-      </p:cxnSp>
-      <p:pic>
-        <p:nvPicPr>
-          <p:cNvPr id="18" name="Picture 17"/>
-          <p:cNvPicPr>
-            <a:picLocks noChangeAspect="1"/>
-          </p:cNvPicPr>
-          <p:nvPr userDrawn="1"/>
-        </p:nvPicPr>
-        <p:blipFill>
-          <a:blip r:embed="rId4">
-            <a:extLst>
-              <a:ext uri="{28A0092B-C50C-407E-A947-70E740481C1C}">
-                <a14:useLocalDpi xmlns:a14="http://schemas.microsoft.com/office/drawing/2010/main" val="0"/>
-              </a:ext>
-            </a:extLst>
-          </a:blip>
-          <a:stretch>
-            <a:fillRect/>
-          </a:stretch>
-        </p:blipFill>
-        <p:spPr>
-          <a:xfrm>
-            <a:off x="323850" y="6557267"/>
-            <a:ext cx="1005840" cy="196053"/>
-          </a:xfrm>
-          <a:prstGeom prst="rect">
-            <a:avLst/>
-          </a:prstGeom>
-        </p:spPr>
-      </p:pic>
-      <p:sp>
-        <p:nvSpPr>
-          <p:cNvPr id="19" name="Footer Placeholder 5"/>
-          <p:cNvSpPr>
-            <a:spLocks noGrp="1"/>
-          </p:cNvSpPr>
-          <p:nvPr>
-            <p:ph type="ftr" sz="quarter" idx="3"/>
-          </p:nvPr>
-        </p:nvSpPr>
-        <p:spPr>
-          <a:xfrm>
-            <a:off x="1619672" y="6447599"/>
-            <a:ext cx="3086100" cy="439201"/>
-          </a:xfrm>
-          <a:prstGeom prst="rect">
-            <a:avLst/>
-          </a:prstGeom>
-        </p:spPr>
-        <p:txBody>
-          <a:bodyPr vert="horz" lIns="0" tIns="0" rIns="0" bIns="0" rtlCol="0" anchor="ctr"/>
-          <a:lstStyle>
-            <a:lvl1pPr algn="l">
-              <a:defRPr sz="1000" cap="all" baseline="0">
-                <a:solidFill>
-                  <a:srgbClr val="FFFFFF"/>
-                </a:solidFill>
-                <a:latin typeface="Arial" panose="020B0604020202020204" pitchFamily="34" charset="0"/>
-                <a:cs typeface="Arial" panose="020B0604020202020204" pitchFamily="34" charset="0"/>
-              </a:defRPr>
-            </a:lvl1pPr>
-          </a:lstStyle>
-          <a:p>
-            <a:r>
-              <a:rPr lang="en-US" dirty="0" smtClean="0"/>
-              <a:t>PRESENTATION NAME</a:t>
-            </a:r>
-            <a:endParaRPr lang="en-US" dirty="0"/>
-          </a:p>
-        </p:txBody>
-      </p:sp>
-      <p:sp>
-        <p:nvSpPr>
           <p:cNvPr id="6" name="Content Placeholder 5"/>
           <p:cNvSpPr>
             <a:spLocks noGrp="1"/>
@@ -10018,158 +9564,6 @@
             <a:r>
               <a:rPr lang="en-US" dirty="0" err="1" smtClean="0"/>
               <a:t>STYLe</a:t>
-            </a:r>
-            <a:endParaRPr lang="en-US" dirty="0"/>
-          </a:p>
-        </p:txBody>
-      </p:sp>
-      <p:sp>
-        <p:nvSpPr>
-          <p:cNvPr id="11" name="Rectangle 10"/>
-          <p:cNvSpPr/>
-          <p:nvPr userDrawn="1"/>
-        </p:nvSpPr>
-        <p:spPr>
-          <a:xfrm>
-            <a:off x="0" y="6447600"/>
-            <a:ext cx="9154800" cy="439200"/>
-          </a:xfrm>
-          <a:prstGeom prst="rect">
-            <a:avLst/>
-          </a:prstGeom>
-          <a:solidFill>
-            <a:srgbClr val="808080"/>
-          </a:solidFill>
-          <a:ln>
-            <a:noFill/>
-          </a:ln>
-        </p:spPr>
-        <p:style>
-          <a:lnRef idx="2">
-            <a:schemeClr val="accent1">
-              <a:shade val="50000"/>
-            </a:schemeClr>
-          </a:lnRef>
-          <a:fillRef idx="1">
-            <a:schemeClr val="accent1"/>
-          </a:fillRef>
-          <a:effectRef idx="0">
-            <a:schemeClr val="accent1"/>
-          </a:effectRef>
-          <a:fontRef idx="minor">
-            <a:schemeClr val="lt1"/>
-          </a:fontRef>
-        </p:style>
-        <p:txBody>
-          <a:bodyPr lIns="0" tIns="0" rIns="0" bIns="0" rtlCol="0" anchor="ctr"/>
-          <a:lstStyle/>
-          <a:p>
-            <a:pPr algn="ctr"/>
-            <a:endParaRPr lang="en-US"/>
-          </a:p>
-        </p:txBody>
-      </p:sp>
-      <p:cxnSp>
-        <p:nvCxnSpPr>
-          <p:cNvPr id="12" name="Straight Connector 11"/>
-          <p:cNvCxnSpPr/>
-          <p:nvPr userDrawn="1"/>
-        </p:nvCxnSpPr>
-        <p:spPr>
-          <a:xfrm>
-            <a:off x="1475656" y="6557267"/>
-            <a:ext cx="0" cy="216024"/>
-          </a:xfrm>
-          <a:prstGeom prst="line">
-            <a:avLst/>
-          </a:prstGeom>
-          <a:ln>
-            <a:solidFill>
-              <a:schemeClr val="bg1"/>
-            </a:solidFill>
-          </a:ln>
-        </p:spPr>
-        <p:style>
-          <a:lnRef idx="1">
-            <a:schemeClr val="accent1"/>
-          </a:lnRef>
-          <a:fillRef idx="0">
-            <a:schemeClr val="accent1"/>
-          </a:fillRef>
-          <a:effectRef idx="0">
-            <a:schemeClr val="accent1"/>
-          </a:effectRef>
-          <a:fontRef idx="minor">
-            <a:schemeClr val="tx1"/>
-          </a:fontRef>
-        </p:style>
-      </p:cxnSp>
-      <p:pic>
-        <p:nvPicPr>
-          <p:cNvPr id="13" name="Picture 12"/>
-          <p:cNvPicPr>
-            <a:picLocks noChangeAspect="1"/>
-          </p:cNvPicPr>
-          <p:nvPr userDrawn="1"/>
-        </p:nvPicPr>
-        <p:blipFill>
-          <a:blip r:embed="rId2">
-            <a:extLst>
-              <a:ext uri="{28A0092B-C50C-407E-A947-70E740481C1C}">
-                <a14:useLocalDpi xmlns:a14="http://schemas.microsoft.com/office/drawing/2010/main" val="0"/>
-              </a:ext>
-            </a:extLst>
-          </a:blip>
-          <a:stretch>
-            <a:fillRect/>
-          </a:stretch>
-        </p:blipFill>
-        <p:spPr>
-          <a:xfrm>
-            <a:off x="323850" y="6557267"/>
-            <a:ext cx="1005840" cy="196053"/>
-          </a:xfrm>
-          <a:prstGeom prst="rect">
-            <a:avLst/>
-          </a:prstGeom>
-        </p:spPr>
-      </p:pic>
-      <p:sp>
-        <p:nvSpPr>
-          <p:cNvPr id="14" name="Footer Placeholder 5"/>
-          <p:cNvSpPr>
-            <a:spLocks noGrp="1"/>
-          </p:cNvSpPr>
-          <p:nvPr>
-            <p:ph type="ftr" sz="quarter" idx="3"/>
-          </p:nvPr>
-        </p:nvSpPr>
-        <p:spPr>
-          <a:xfrm>
-            <a:off x="1619672" y="6447599"/>
-            <a:ext cx="3086100" cy="439201"/>
-          </a:xfrm>
-          <a:prstGeom prst="rect">
-            <a:avLst/>
-          </a:prstGeom>
-        </p:spPr>
-        <p:txBody>
-          <a:bodyPr vert="horz" lIns="0" tIns="0" rIns="0" bIns="0" rtlCol="0" anchor="ctr"/>
-          <a:lstStyle>
-            <a:lvl1pPr algn="l">
-              <a:defRPr sz="1000" cap="all" baseline="0">
-                <a:solidFill>
-                  <a:srgbClr val="FFFFFF"/>
-                </a:solidFill>
-                <a:latin typeface="Arial" panose="020B0604020202020204" pitchFamily="34" charset="0"/>
-                <a:cs typeface="Arial" panose="020B0604020202020204" pitchFamily="34" charset="0"/>
-              </a:defRPr>
-            </a:lvl1pPr>
-          </a:lstStyle>
-          <a:p>
-            <a:r>
-              <a:rPr lang="en-US" dirty="0" smtClean="0"/>
-              <a:t>PRESENTATION NAME</a:t>
             </a:r>
             <a:endParaRPr lang="en-US" dirty="0"/>
           </a:p>
@@ -10754,107 +10148,6 @@
           </a:p>
         </p:txBody>
       </p:sp>
-      <p:pic>
-        <p:nvPicPr>
-          <p:cNvPr id="13" name="Picture 12"/>
-          <p:cNvPicPr>
-            <a:picLocks noChangeAspect="1"/>
-          </p:cNvPicPr>
-          <p:nvPr userDrawn="1"/>
-        </p:nvPicPr>
-        <p:blipFill>
-          <a:blip r:embed="rId2">
-            <a:extLst>
-              <a:ext uri="{28A0092B-C50C-407E-A947-70E740481C1C}">
-                <a14:useLocalDpi xmlns:a14="http://schemas.microsoft.com/office/drawing/2010/main" val="0"/>
-              </a:ext>
-            </a:extLst>
-          </a:blip>
-          <a:stretch>
-            <a:fillRect/>
-          </a:stretch>
-        </p:blipFill>
-        <p:spPr>
-          <a:xfrm>
-            <a:off x="-5627" y="6447829"/>
-            <a:ext cx="9159404" cy="437555"/>
-          </a:xfrm>
-          <a:prstGeom prst="rect">
-            <a:avLst/>
-          </a:prstGeom>
-        </p:spPr>
-      </p:pic>
-      <p:pic>
-        <p:nvPicPr>
-          <p:cNvPr id="14" name="Picture 13"/>
-          <p:cNvPicPr>
-            <a:picLocks noChangeAspect="1"/>
-          </p:cNvPicPr>
-          <p:nvPr userDrawn="1"/>
-        </p:nvPicPr>
-        <p:blipFill>
-          <a:blip r:embed="rId3">
-            <a:extLst>
-              <a:ext uri="{28A0092B-C50C-407E-A947-70E740481C1C}">
-                <a14:useLocalDpi xmlns:a14="http://schemas.microsoft.com/office/drawing/2010/main" val="0"/>
-              </a:ext>
-            </a:extLst>
-          </a:blip>
-          <a:stretch>
-            <a:fillRect/>
-          </a:stretch>
-        </p:blipFill>
-        <p:spPr>
-          <a:xfrm>
-            <a:off x="579165" y="6561735"/>
-            <a:ext cx="995164" cy="193972"/>
-          </a:xfrm>
-          <a:prstGeom prst="rect">
-            <a:avLst/>
-          </a:prstGeom>
-        </p:spPr>
-      </p:pic>
-      <p:sp>
-        <p:nvSpPr>
-          <p:cNvPr id="21" name="Footer Placeholder 5"/>
-          <p:cNvSpPr>
-            <a:spLocks noGrp="1"/>
-          </p:cNvSpPr>
-          <p:nvPr>
-            <p:ph type="ftr" sz="quarter" idx="3"/>
-          </p:nvPr>
-        </p:nvSpPr>
-        <p:spPr>
-          <a:xfrm>
-            <a:off x="1835696" y="6476158"/>
-            <a:ext cx="3086100" cy="365125"/>
-          </a:xfrm>
-          <a:prstGeom prst="rect">
-            <a:avLst/>
-          </a:prstGeom>
-        </p:spPr>
-        <p:txBody>
-          <a:bodyPr vert="horz" lIns="91440" tIns="45720" rIns="91440" bIns="45720" rtlCol="0" anchor="ctr"/>
-          <a:lstStyle>
-            <a:lvl1pPr algn="l">
-              <a:defRPr sz="1000">
-                <a:solidFill>
-                  <a:schemeClr val="bg2"/>
-                </a:solidFill>
-                <a:latin typeface="Arial" panose="020B0604020202020204" pitchFamily="34" charset="0"/>
-                <a:cs typeface="Arial" panose="020B0604020202020204" pitchFamily="34" charset="0"/>
-              </a:defRPr>
-            </a:lvl1pPr>
-          </a:lstStyle>
-          <a:p>
-            <a:r>
-              <a:rPr lang="en-US" smtClean="0"/>
-              <a:t>PRESENTATION NAME</a:t>
-            </a:r>
-            <a:endParaRPr lang="en-US" dirty="0"/>
-          </a:p>
-        </p:txBody>
-      </p:sp>
       <p:sp>
         <p:nvSpPr>
           <p:cNvPr id="4" name="Текст 3"/>
@@ -11058,240 +10351,6 @@
             <a:r>
               <a:rPr lang="en-US" dirty="0" smtClean="0"/>
               <a:t>CLICK TO EDIT MASTER TITLE STYLE</a:t>
-            </a:r>
-            <a:endParaRPr lang="en-US" dirty="0"/>
-          </a:p>
-        </p:txBody>
-      </p:sp>
-      <p:sp>
-        <p:nvSpPr>
-          <p:cNvPr id="18" name="Rectangle 17"/>
-          <p:cNvSpPr/>
-          <p:nvPr userDrawn="1"/>
-        </p:nvSpPr>
-        <p:spPr>
-          <a:xfrm>
-            <a:off x="0" y="6446183"/>
-            <a:ext cx="9154800" cy="439200"/>
-          </a:xfrm>
-          <a:prstGeom prst="rect">
-            <a:avLst/>
-          </a:prstGeom>
-          <a:solidFill>
-            <a:srgbClr val="808080"/>
-          </a:solidFill>
-          <a:ln>
-            <a:noFill/>
-          </a:ln>
-        </p:spPr>
-        <p:style>
-          <a:lnRef idx="2">
-            <a:schemeClr val="accent1">
-              <a:shade val="50000"/>
-            </a:schemeClr>
-          </a:lnRef>
-          <a:fillRef idx="1">
-            <a:schemeClr val="accent1"/>
-          </a:fillRef>
-          <a:effectRef idx="0">
-            <a:schemeClr val="accent1"/>
-          </a:effectRef>
-          <a:fontRef idx="minor">
-            <a:schemeClr val="lt1"/>
-          </a:fontRef>
-        </p:style>
-        <p:txBody>
-          <a:bodyPr lIns="0" tIns="0" rIns="0" bIns="0" rtlCol="0" anchor="ctr"/>
-          <a:lstStyle/>
-          <a:p>
-            <a:pPr algn="ctr"/>
-            <a:endParaRPr lang="en-US"/>
-          </a:p>
-        </p:txBody>
-      </p:sp>
-      <p:cxnSp>
-        <p:nvCxnSpPr>
-          <p:cNvPr id="19" name="Straight Connector 18"/>
-          <p:cNvCxnSpPr/>
-          <p:nvPr userDrawn="1"/>
-        </p:nvCxnSpPr>
-        <p:spPr>
-          <a:xfrm>
-            <a:off x="1475656" y="6555851"/>
-            <a:ext cx="0" cy="216024"/>
-          </a:xfrm>
-          <a:prstGeom prst="line">
-            <a:avLst/>
-          </a:prstGeom>
-          <a:ln>
-            <a:solidFill>
-              <a:schemeClr val="bg1"/>
-            </a:solidFill>
-          </a:ln>
-        </p:spPr>
-        <p:style>
-          <a:lnRef idx="1">
-            <a:schemeClr val="accent1"/>
-          </a:lnRef>
-          <a:fillRef idx="0">
-            <a:schemeClr val="accent1"/>
-          </a:fillRef>
-          <a:effectRef idx="0">
-            <a:schemeClr val="accent1"/>
-          </a:effectRef>
-          <a:fontRef idx="minor">
-            <a:schemeClr val="tx1"/>
-          </a:fontRef>
-        </p:style>
-      </p:cxnSp>
-      <p:pic>
-        <p:nvPicPr>
-          <p:cNvPr id="20" name="Picture 19"/>
-          <p:cNvPicPr>
-            <a:picLocks noChangeAspect="1"/>
-          </p:cNvPicPr>
-          <p:nvPr userDrawn="1"/>
-        </p:nvPicPr>
-        <p:blipFill>
-          <a:blip r:embed="rId2">
-            <a:extLst>
-              <a:ext uri="{28A0092B-C50C-407E-A947-70E740481C1C}">
-                <a14:useLocalDpi xmlns:a14="http://schemas.microsoft.com/office/drawing/2010/main" val="0"/>
-              </a:ext>
-            </a:extLst>
-          </a:blip>
-          <a:stretch>
-            <a:fillRect/>
-          </a:stretch>
-        </p:blipFill>
-        <p:spPr>
-          <a:xfrm>
-            <a:off x="323850" y="6555851"/>
-            <a:ext cx="1005840" cy="196053"/>
-          </a:xfrm>
-          <a:prstGeom prst="rect">
-            <a:avLst/>
-          </a:prstGeom>
-        </p:spPr>
-      </p:pic>
-      <p:sp>
-        <p:nvSpPr>
-          <p:cNvPr id="21" name="Footer Placeholder 5"/>
-          <p:cNvSpPr txBox="1">
-            <a:spLocks/>
-          </p:cNvSpPr>
-          <p:nvPr userDrawn="1"/>
-        </p:nvSpPr>
-        <p:spPr>
-          <a:xfrm>
-            <a:off x="1619672" y="6446183"/>
-            <a:ext cx="3086100" cy="439201"/>
-          </a:xfrm>
-          <a:prstGeom prst="rect">
-            <a:avLst/>
-          </a:prstGeom>
-        </p:spPr>
-        <p:txBody>
-          <a:bodyPr vert="horz" lIns="0" tIns="0" rIns="0" bIns="0" rtlCol="0" anchor="ctr"/>
-          <a:lstStyle>
-            <a:defPPr>
-              <a:defRPr lang="en-US"/>
-            </a:defPPr>
-            <a:lvl1pPr marL="0" algn="l" defTabSz="914400" rtl="0" eaLnBrk="1" latinLnBrk="0" hangingPunct="1">
-              <a:defRPr sz="1000" kern="1200">
-                <a:solidFill>
-                  <a:srgbClr val="FFFFFF"/>
-                </a:solidFill>
-                <a:latin typeface="Arial" panose="020B0604020202020204" pitchFamily="34" charset="0"/>
-                <a:ea typeface="+mn-ea"/>
-                <a:cs typeface="Arial" panose="020B0604020202020204" pitchFamily="34" charset="0"/>
-              </a:defRPr>
-            </a:lvl1pPr>
-            <a:lvl2pPr marL="457200" algn="l" defTabSz="914400" rtl="0" eaLnBrk="1" latinLnBrk="0" hangingPunct="1">
-              <a:defRPr sz="1800" kern="1200">
-                <a:solidFill>
-                  <a:schemeClr val="tx1"/>
-                </a:solidFill>
-                <a:latin typeface="+mn-lt"/>
-                <a:ea typeface="+mn-ea"/>
-                <a:cs typeface="+mn-cs"/>
-              </a:defRPr>
-            </a:lvl2pPr>
-            <a:lvl3pPr marL="914400" algn="l" defTabSz="914400" rtl="0" eaLnBrk="1" latinLnBrk="0" hangingPunct="1">
-              <a:defRPr sz="1800" kern="1200">
-                <a:solidFill>
-                  <a:schemeClr val="tx1"/>
-                </a:solidFill>
-                <a:latin typeface="+mn-lt"/>
-                <a:ea typeface="+mn-ea"/>
-                <a:cs typeface="+mn-cs"/>
-              </a:defRPr>
-            </a:lvl3pPr>
-            <a:lvl4pPr marL="1371600" algn="l" defTabSz="914400" rtl="0" eaLnBrk="1" latinLnBrk="0" hangingPunct="1">
-              <a:defRPr sz="1800" kern="1200">
-                <a:solidFill>
-                  <a:schemeClr val="tx1"/>
-                </a:solidFill>
-                <a:latin typeface="+mn-lt"/>
-                <a:ea typeface="+mn-ea"/>
-                <a:cs typeface="+mn-cs"/>
-              </a:defRPr>
-            </a:lvl4pPr>
-            <a:lvl5pPr marL="1828800" algn="l" defTabSz="914400" rtl="0" eaLnBrk="1" latinLnBrk="0" hangingPunct="1">
-              <a:defRPr sz="1800" kern="1200">
-                <a:solidFill>
-                  <a:schemeClr val="tx1"/>
-                </a:solidFill>
-                <a:latin typeface="+mn-lt"/>
-                <a:ea typeface="+mn-ea"/>
-                <a:cs typeface="+mn-cs"/>
-              </a:defRPr>
-            </a:lvl5pPr>
-            <a:lvl6pPr marL="2286000" algn="l" defTabSz="914400" rtl="0" eaLnBrk="1" latinLnBrk="0" hangingPunct="1">
-              <a:defRPr sz="1800" kern="1200">
-                <a:solidFill>
-                  <a:schemeClr val="tx1"/>
-                </a:solidFill>
-                <a:latin typeface="+mn-lt"/>
-                <a:ea typeface="+mn-ea"/>
-                <a:cs typeface="+mn-cs"/>
-              </a:defRPr>
-            </a:lvl6pPr>
-            <a:lvl7pPr marL="2743200" algn="l" defTabSz="914400" rtl="0" eaLnBrk="1" latinLnBrk="0" hangingPunct="1">
-              <a:defRPr sz="1800" kern="1200">
-                <a:solidFill>
-                  <a:schemeClr val="tx1"/>
-                </a:solidFill>
-                <a:latin typeface="+mn-lt"/>
-                <a:ea typeface="+mn-ea"/>
-                <a:cs typeface="+mn-cs"/>
-              </a:defRPr>
-            </a:lvl7pPr>
-            <a:lvl8pPr marL="3200400" algn="l" defTabSz="914400" rtl="0" eaLnBrk="1" latinLnBrk="0" hangingPunct="1">
-              <a:defRPr sz="1800" kern="1200">
-                <a:solidFill>
-                  <a:schemeClr val="tx1"/>
-                </a:solidFill>
-                <a:latin typeface="+mn-lt"/>
-                <a:ea typeface="+mn-ea"/>
-                <a:cs typeface="+mn-cs"/>
-              </a:defRPr>
-            </a:lvl8pPr>
-            <a:lvl9pPr marL="3657600" algn="l" defTabSz="914400" rtl="0" eaLnBrk="1" latinLnBrk="0" hangingPunct="1">
-              <a:defRPr sz="1800" kern="1200">
-                <a:solidFill>
-                  <a:schemeClr val="tx1"/>
-                </a:solidFill>
-                <a:latin typeface="+mn-lt"/>
-                <a:ea typeface="+mn-ea"/>
-                <a:cs typeface="+mn-cs"/>
-              </a:defRPr>
-            </a:lvl9pPr>
-          </a:lstStyle>
-          <a:p>
-            <a:r>
-              <a:rPr lang="en-US" smtClean="0"/>
-              <a:t>PRESENTATION NAME</a:t>
             </a:r>
             <a:endParaRPr lang="en-US" dirty="0"/>
           </a:p>
@@ -12172,117 +11231,6 @@
       </p:sp>
       <p:sp>
         <p:nvSpPr>
-          <p:cNvPr id="11" name="Rectangle 10"/>
-          <p:cNvSpPr/>
-          <p:nvPr userDrawn="1"/>
-        </p:nvSpPr>
-        <p:spPr>
-          <a:xfrm>
-            <a:off x="0" y="6446184"/>
-            <a:ext cx="9154800" cy="439200"/>
-          </a:xfrm>
-          <a:prstGeom prst="rect">
-            <a:avLst/>
-          </a:prstGeom>
-          <a:solidFill>
-            <a:srgbClr val="808080"/>
-          </a:solidFill>
-          <a:ln>
-            <a:noFill/>
-          </a:ln>
-        </p:spPr>
-        <p:style>
-          <a:lnRef idx="2">
-            <a:schemeClr val="accent1">
-              <a:shade val="50000"/>
-            </a:schemeClr>
-          </a:lnRef>
-          <a:fillRef idx="1">
-            <a:schemeClr val="accent1"/>
-          </a:fillRef>
-          <a:effectRef idx="0">
-            <a:schemeClr val="accent1"/>
-          </a:effectRef>
-          <a:fontRef idx="minor">
-            <a:schemeClr val="lt1"/>
-          </a:fontRef>
-        </p:style>
-        <p:txBody>
-          <a:bodyPr lIns="0" tIns="0" rIns="0" bIns="0" rtlCol="0" anchor="ctr"/>
-          <a:lstStyle/>
-          <a:p>
-            <a:pPr algn="ctr"/>
-            <a:endParaRPr lang="en-US"/>
-          </a:p>
-        </p:txBody>
-      </p:sp>
-      <p:cxnSp>
-        <p:nvCxnSpPr>
-          <p:cNvPr id="12" name="Straight Connector 11"/>
-          <p:cNvCxnSpPr/>
-          <p:nvPr userDrawn="1"/>
-        </p:nvCxnSpPr>
-        <p:spPr>
-          <a:xfrm>
-            <a:off x="1475656" y="6555851"/>
-            <a:ext cx="0" cy="216024"/>
-          </a:xfrm>
-          <a:prstGeom prst="line">
-            <a:avLst/>
-          </a:prstGeom>
-          <a:ln>
-            <a:solidFill>
-              <a:schemeClr val="bg1"/>
-            </a:solidFill>
-          </a:ln>
-        </p:spPr>
-        <p:style>
-          <a:lnRef idx="1">
-            <a:schemeClr val="accent1"/>
-          </a:lnRef>
-          <a:fillRef idx="0">
-            <a:schemeClr val="accent1"/>
-          </a:fillRef>
-          <a:effectRef idx="0">
-            <a:schemeClr val="accent1"/>
-          </a:effectRef>
-          <a:fontRef idx="minor">
-            <a:schemeClr val="tx1"/>
-          </a:fontRef>
-        </p:style>
-      </p:cxnSp>
-      <p:pic>
-        <p:nvPicPr>
-          <p:cNvPr id="13" name="Picture 12"/>
-          <p:cNvPicPr>
-            <a:picLocks noChangeAspect="1"/>
-          </p:cNvPicPr>
-          <p:nvPr userDrawn="1"/>
-        </p:nvPicPr>
-        <p:blipFill>
-          <a:blip r:embed="rId2">
-            <a:extLst>
-              <a:ext uri="{28A0092B-C50C-407E-A947-70E740481C1C}">
-                <a14:useLocalDpi xmlns:a14="http://schemas.microsoft.com/office/drawing/2010/main" val="0"/>
-              </a:ext>
-            </a:extLst>
-          </a:blip>
-          <a:stretch>
-            <a:fillRect/>
-          </a:stretch>
-        </p:blipFill>
-        <p:spPr>
-          <a:xfrm>
-            <a:off x="323850" y="6555851"/>
-            <a:ext cx="1005840" cy="196053"/>
-          </a:xfrm>
-          <a:prstGeom prst="rect">
-            <a:avLst/>
-          </a:prstGeom>
-        </p:spPr>
-      </p:pic>
-      <p:sp>
-        <p:nvSpPr>
           <p:cNvPr id="16" name="Rectangle 15"/>
           <p:cNvSpPr/>
           <p:nvPr userDrawn="1"/>
@@ -12328,129 +11276,6 @@
           <a:p>
             <a:pPr algn="ctr"/>
             <a:endParaRPr lang="en-US"/>
-          </a:p>
-        </p:txBody>
-      </p:sp>
-      <p:sp>
-        <p:nvSpPr>
-          <p:cNvPr id="14" name="Footer Placeholder 5"/>
-          <p:cNvSpPr txBox="1">
-            <a:spLocks/>
-          </p:cNvSpPr>
-          <p:nvPr userDrawn="1"/>
-        </p:nvSpPr>
-        <p:spPr>
-          <a:xfrm>
-            <a:off x="1619672" y="6446183"/>
-            <a:ext cx="3086100" cy="439201"/>
-          </a:xfrm>
-          <a:prstGeom prst="rect">
-            <a:avLst/>
-          </a:prstGeom>
-        </p:spPr>
-        <p:txBody>
-          <a:bodyPr vert="horz" lIns="0" tIns="0" rIns="0" bIns="0" rtlCol="0" anchor="ctr"/>
-          <a:lstStyle>
-            <a:defPPr>
-              <a:defRPr lang="en-US"/>
-            </a:defPPr>
-            <a:lvl1pPr marL="0" algn="l" defTabSz="914400" rtl="0" eaLnBrk="1" latinLnBrk="0" hangingPunct="1">
-              <a:defRPr sz="1000" kern="1200">
-                <a:solidFill>
-                  <a:srgbClr val="FFFFFF"/>
-                </a:solidFill>
-                <a:latin typeface="Arial" panose="020B0604020202020204" pitchFamily="34" charset="0"/>
-                <a:ea typeface="+mn-ea"/>
-                <a:cs typeface="Arial" panose="020B0604020202020204" pitchFamily="34" charset="0"/>
-              </a:defRPr>
-            </a:lvl1pPr>
-            <a:lvl2pPr marL="457200" algn="l" defTabSz="914400" rtl="0" eaLnBrk="1" latinLnBrk="0" hangingPunct="1">
-              <a:defRPr sz="1800" kern="1200">
-                <a:solidFill>
-                  <a:schemeClr val="tx1"/>
-                </a:solidFill>
-                <a:latin typeface="+mn-lt"/>
-                <a:ea typeface="+mn-ea"/>
-                <a:cs typeface="+mn-cs"/>
-              </a:defRPr>
-            </a:lvl2pPr>
-            <a:lvl3pPr marL="914400" algn="l" defTabSz="914400" rtl="0" eaLnBrk="1" latinLnBrk="0" hangingPunct="1">
-              <a:defRPr sz="1800" kern="1200">
-                <a:solidFill>
-                  <a:schemeClr val="tx1"/>
-                </a:solidFill>
-                <a:latin typeface="+mn-lt"/>
-                <a:ea typeface="+mn-ea"/>
-                <a:cs typeface="+mn-cs"/>
-              </a:defRPr>
-            </a:lvl3pPr>
-            <a:lvl4pPr marL="1371600" algn="l" defTabSz="914400" rtl="0" eaLnBrk="1" latinLnBrk="0" hangingPunct="1">
-              <a:defRPr sz="1800" kern="1200">
-                <a:solidFill>
-                  <a:schemeClr val="tx1"/>
-                </a:solidFill>
-                <a:latin typeface="+mn-lt"/>
-                <a:ea typeface="+mn-ea"/>
-                <a:cs typeface="+mn-cs"/>
-              </a:defRPr>
-            </a:lvl4pPr>
-            <a:lvl5pPr marL="1828800" algn="l" defTabSz="914400" rtl="0" eaLnBrk="1" latinLnBrk="0" hangingPunct="1">
-              <a:defRPr sz="1800" kern="1200">
-                <a:solidFill>
-                  <a:schemeClr val="tx1"/>
-                </a:solidFill>
-                <a:latin typeface="+mn-lt"/>
-                <a:ea typeface="+mn-ea"/>
-                <a:cs typeface="+mn-cs"/>
-              </a:defRPr>
-            </a:lvl5pPr>
-            <a:lvl6pPr marL="2286000" algn="l" defTabSz="914400" rtl="0" eaLnBrk="1" latinLnBrk="0" hangingPunct="1">
-              <a:defRPr sz="1800" kern="1200">
-                <a:solidFill>
-                  <a:schemeClr val="tx1"/>
-                </a:solidFill>
-                <a:latin typeface="+mn-lt"/>
-                <a:ea typeface="+mn-ea"/>
-                <a:cs typeface="+mn-cs"/>
-              </a:defRPr>
-            </a:lvl6pPr>
-            <a:lvl7pPr marL="2743200" algn="l" defTabSz="914400" rtl="0" eaLnBrk="1" latinLnBrk="0" hangingPunct="1">
-              <a:defRPr sz="1800" kern="1200">
-                <a:solidFill>
-                  <a:schemeClr val="tx1"/>
-                </a:solidFill>
-                <a:latin typeface="+mn-lt"/>
-                <a:ea typeface="+mn-ea"/>
-                <a:cs typeface="+mn-cs"/>
-              </a:defRPr>
-            </a:lvl7pPr>
-            <a:lvl8pPr marL="3200400" algn="l" defTabSz="914400" rtl="0" eaLnBrk="1" latinLnBrk="0" hangingPunct="1">
-              <a:defRPr sz="1800" kern="1200">
-                <a:solidFill>
-                  <a:schemeClr val="tx1"/>
-                </a:solidFill>
-                <a:latin typeface="+mn-lt"/>
-                <a:ea typeface="+mn-ea"/>
-                <a:cs typeface="+mn-cs"/>
-              </a:defRPr>
-            </a:lvl8pPr>
-            <a:lvl9pPr marL="3657600" algn="l" defTabSz="914400" rtl="0" eaLnBrk="1" latinLnBrk="0" hangingPunct="1">
-              <a:defRPr sz="1800" kern="1200">
-                <a:solidFill>
-                  <a:schemeClr val="tx1"/>
-                </a:solidFill>
-                <a:latin typeface="+mn-lt"/>
-                <a:ea typeface="+mn-ea"/>
-                <a:cs typeface="+mn-cs"/>
-              </a:defRPr>
-            </a:lvl9pPr>
-          </a:lstStyle>
-          <a:p>
-            <a:r>
-              <a:rPr lang="en-US" smtClean="0"/>
-              <a:t>PRESENTATION NAME</a:t>
-            </a:r>
-            <a:endParaRPr lang="en-US" dirty="0"/>
           </a:p>
         </p:txBody>
       </p:sp>
@@ -12891,158 +11716,6 @@
           </a:p>
         </p:txBody>
       </p:sp>
-      <p:sp>
-        <p:nvSpPr>
-          <p:cNvPr id="21" name="Rectangle 20"/>
-          <p:cNvSpPr/>
-          <p:nvPr userDrawn="1"/>
-        </p:nvSpPr>
-        <p:spPr>
-          <a:xfrm>
-            <a:off x="0" y="6447600"/>
-            <a:ext cx="9154800" cy="439200"/>
-          </a:xfrm>
-          <a:prstGeom prst="rect">
-            <a:avLst/>
-          </a:prstGeom>
-          <a:solidFill>
-            <a:srgbClr val="808080"/>
-          </a:solidFill>
-          <a:ln>
-            <a:noFill/>
-          </a:ln>
-        </p:spPr>
-        <p:style>
-          <a:lnRef idx="2">
-            <a:schemeClr val="accent1">
-              <a:shade val="50000"/>
-            </a:schemeClr>
-          </a:lnRef>
-          <a:fillRef idx="1">
-            <a:schemeClr val="accent1"/>
-          </a:fillRef>
-          <a:effectRef idx="0">
-            <a:schemeClr val="accent1"/>
-          </a:effectRef>
-          <a:fontRef idx="minor">
-            <a:schemeClr val="lt1"/>
-          </a:fontRef>
-        </p:style>
-        <p:txBody>
-          <a:bodyPr lIns="0" tIns="0" rIns="0" bIns="0" rtlCol="0" anchor="ctr"/>
-          <a:lstStyle/>
-          <a:p>
-            <a:pPr algn="ctr"/>
-            <a:endParaRPr lang="en-US"/>
-          </a:p>
-        </p:txBody>
-      </p:sp>
-      <p:cxnSp>
-        <p:nvCxnSpPr>
-          <p:cNvPr id="22" name="Straight Connector 21"/>
-          <p:cNvCxnSpPr/>
-          <p:nvPr userDrawn="1"/>
-        </p:nvCxnSpPr>
-        <p:spPr>
-          <a:xfrm>
-            <a:off x="1475656" y="6557267"/>
-            <a:ext cx="0" cy="216024"/>
-          </a:xfrm>
-          <a:prstGeom prst="line">
-            <a:avLst/>
-          </a:prstGeom>
-          <a:ln>
-            <a:solidFill>
-              <a:schemeClr val="bg1"/>
-            </a:solidFill>
-          </a:ln>
-        </p:spPr>
-        <p:style>
-          <a:lnRef idx="1">
-            <a:schemeClr val="accent1"/>
-          </a:lnRef>
-          <a:fillRef idx="0">
-            <a:schemeClr val="accent1"/>
-          </a:fillRef>
-          <a:effectRef idx="0">
-            <a:schemeClr val="accent1"/>
-          </a:effectRef>
-          <a:fontRef idx="minor">
-            <a:schemeClr val="tx1"/>
-          </a:fontRef>
-        </p:style>
-      </p:cxnSp>
-      <p:pic>
-        <p:nvPicPr>
-          <p:cNvPr id="23" name="Picture 22"/>
-          <p:cNvPicPr>
-            <a:picLocks noChangeAspect="1"/>
-          </p:cNvPicPr>
-          <p:nvPr userDrawn="1"/>
-        </p:nvPicPr>
-        <p:blipFill>
-          <a:blip r:embed="rId4">
-            <a:extLst>
-              <a:ext uri="{28A0092B-C50C-407E-A947-70E740481C1C}">
-                <a14:useLocalDpi xmlns:a14="http://schemas.microsoft.com/office/drawing/2010/main" val="0"/>
-              </a:ext>
-            </a:extLst>
-          </a:blip>
-          <a:stretch>
-            <a:fillRect/>
-          </a:stretch>
-        </p:blipFill>
-        <p:spPr>
-          <a:xfrm>
-            <a:off x="323850" y="6557267"/>
-            <a:ext cx="1005840" cy="196053"/>
-          </a:xfrm>
-          <a:prstGeom prst="rect">
-            <a:avLst/>
-          </a:prstGeom>
-        </p:spPr>
-      </p:pic>
-      <p:sp>
-        <p:nvSpPr>
-          <p:cNvPr id="24" name="Footer Placeholder 5"/>
-          <p:cNvSpPr>
-            <a:spLocks noGrp="1"/>
-          </p:cNvSpPr>
-          <p:nvPr>
-            <p:ph type="ftr" sz="quarter" idx="3"/>
-          </p:nvPr>
-        </p:nvSpPr>
-        <p:spPr>
-          <a:xfrm>
-            <a:off x="1619672" y="6447599"/>
-            <a:ext cx="3086100" cy="439201"/>
-          </a:xfrm>
-          <a:prstGeom prst="rect">
-            <a:avLst/>
-          </a:prstGeom>
-        </p:spPr>
-        <p:txBody>
-          <a:bodyPr vert="horz" lIns="0" tIns="0" rIns="0" bIns="0" rtlCol="0" anchor="ctr"/>
-          <a:lstStyle>
-            <a:lvl1pPr algn="l">
-              <a:defRPr sz="1000">
-                <a:solidFill>
-                  <a:srgbClr val="FFFFFF"/>
-                </a:solidFill>
-                <a:latin typeface="Arial" panose="020B0604020202020204" pitchFamily="34" charset="0"/>
-                <a:cs typeface="Arial" panose="020B0604020202020204" pitchFamily="34" charset="0"/>
-              </a:defRPr>
-            </a:lvl1pPr>
-          </a:lstStyle>
-          <a:p>
-            <a:r>
-              <a:rPr lang="en-US" dirty="0" smtClean="0"/>
-              <a:t>PRESENTATION NAME</a:t>
-            </a:r>
-            <a:endParaRPr lang="en-US" dirty="0"/>
-          </a:p>
-        </p:txBody>
-      </p:sp>
     </p:spTree>
     <p:extLst>
       <p:ext uri="{BB962C8B-B14F-4D97-AF65-F5344CB8AC3E}">
@@ -13249,158 +11922,6 @@
             <a:r>
               <a:rPr lang="en-US" dirty="0" smtClean="0"/>
               <a:t>CLICK TO EDIT MASTER TITLE STYLE</a:t>
-            </a:r>
-            <a:endParaRPr lang="en-US" dirty="0"/>
-          </a:p>
-        </p:txBody>
-      </p:sp>
-      <p:sp>
-        <p:nvSpPr>
-          <p:cNvPr id="9" name="Rectangle 8"/>
-          <p:cNvSpPr/>
-          <p:nvPr userDrawn="1"/>
-        </p:nvSpPr>
-        <p:spPr>
-          <a:xfrm>
-            <a:off x="0" y="6447600"/>
-            <a:ext cx="9154800" cy="439200"/>
-          </a:xfrm>
-          <a:prstGeom prst="rect">
-            <a:avLst/>
-          </a:prstGeom>
-          <a:solidFill>
-            <a:srgbClr val="808080"/>
-          </a:solidFill>
-          <a:ln>
-            <a:noFill/>
-          </a:ln>
-        </p:spPr>
-        <p:style>
-          <a:lnRef idx="2">
-            <a:schemeClr val="accent1">
-              <a:shade val="50000"/>
-            </a:schemeClr>
-          </a:lnRef>
-          <a:fillRef idx="1">
-            <a:schemeClr val="accent1"/>
-          </a:fillRef>
-          <a:effectRef idx="0">
-            <a:schemeClr val="accent1"/>
-          </a:effectRef>
-          <a:fontRef idx="minor">
-            <a:schemeClr val="lt1"/>
-          </a:fontRef>
-        </p:style>
-        <p:txBody>
-          <a:bodyPr lIns="0" tIns="0" rIns="0" bIns="0" rtlCol="0" anchor="ctr"/>
-          <a:lstStyle/>
-          <a:p>
-            <a:pPr algn="ctr"/>
-            <a:endParaRPr lang="en-US"/>
-          </a:p>
-        </p:txBody>
-      </p:sp>
-      <p:cxnSp>
-        <p:nvCxnSpPr>
-          <p:cNvPr id="15" name="Straight Connector 14"/>
-          <p:cNvCxnSpPr/>
-          <p:nvPr userDrawn="1"/>
-        </p:nvCxnSpPr>
-        <p:spPr>
-          <a:xfrm>
-            <a:off x="1475656" y="6557267"/>
-            <a:ext cx="0" cy="216024"/>
-          </a:xfrm>
-          <a:prstGeom prst="line">
-            <a:avLst/>
-          </a:prstGeom>
-          <a:ln>
-            <a:solidFill>
-              <a:schemeClr val="bg1"/>
-            </a:solidFill>
-          </a:ln>
-        </p:spPr>
-        <p:style>
-          <a:lnRef idx="1">
-            <a:schemeClr val="accent1"/>
-          </a:lnRef>
-          <a:fillRef idx="0">
-            <a:schemeClr val="accent1"/>
-          </a:fillRef>
-          <a:effectRef idx="0">
-            <a:schemeClr val="accent1"/>
-          </a:effectRef>
-          <a:fontRef idx="minor">
-            <a:schemeClr val="tx1"/>
-          </a:fontRef>
-        </p:style>
-      </p:cxnSp>
-      <p:pic>
-        <p:nvPicPr>
-          <p:cNvPr id="16" name="Picture 15"/>
-          <p:cNvPicPr>
-            <a:picLocks noChangeAspect="1"/>
-          </p:cNvPicPr>
-          <p:nvPr userDrawn="1"/>
-        </p:nvPicPr>
-        <p:blipFill>
-          <a:blip r:embed="rId2">
-            <a:extLst>
-              <a:ext uri="{28A0092B-C50C-407E-A947-70E740481C1C}">
-                <a14:useLocalDpi xmlns:a14="http://schemas.microsoft.com/office/drawing/2010/main" val="0"/>
-              </a:ext>
-            </a:extLst>
-          </a:blip>
-          <a:stretch>
-            <a:fillRect/>
-          </a:stretch>
-        </p:blipFill>
-        <p:spPr>
-          <a:xfrm>
-            <a:off x="323850" y="6557267"/>
-            <a:ext cx="1005840" cy="196053"/>
-          </a:xfrm>
-          <a:prstGeom prst="rect">
-            <a:avLst/>
-          </a:prstGeom>
-        </p:spPr>
-      </p:pic>
-      <p:sp>
-        <p:nvSpPr>
-          <p:cNvPr id="17" name="Footer Placeholder 5"/>
-          <p:cNvSpPr>
-            <a:spLocks noGrp="1"/>
-          </p:cNvSpPr>
-          <p:nvPr>
-            <p:ph type="ftr" sz="quarter" idx="3"/>
-          </p:nvPr>
-        </p:nvSpPr>
-        <p:spPr>
-          <a:xfrm>
-            <a:off x="1619672" y="6447599"/>
-            <a:ext cx="3086100" cy="439201"/>
-          </a:xfrm>
-          <a:prstGeom prst="rect">
-            <a:avLst/>
-          </a:prstGeom>
-        </p:spPr>
-        <p:txBody>
-          <a:bodyPr vert="horz" lIns="0" tIns="0" rIns="0" bIns="0" rtlCol="0" anchor="ctr"/>
-          <a:lstStyle>
-            <a:lvl1pPr algn="l">
-              <a:defRPr sz="1000" cap="all" baseline="0">
-                <a:solidFill>
-                  <a:srgbClr val="FFFFFF"/>
-                </a:solidFill>
-                <a:latin typeface="Arial" panose="020B0604020202020204" pitchFamily="34" charset="0"/>
-                <a:cs typeface="Arial" panose="020B0604020202020204" pitchFamily="34" charset="0"/>
-              </a:defRPr>
-            </a:lvl1pPr>
-          </a:lstStyle>
-          <a:p>
-            <a:r>
-              <a:rPr lang="en-US" dirty="0" smtClean="0"/>
-              <a:t>PRESENTATION NAME</a:t>
             </a:r>
             <a:endParaRPr lang="en-US" dirty="0"/>
           </a:p>
@@ -13761,158 +12282,6 @@
           </a:lstStyle>
           <a:p>
             <a:pPr lvl="0"/>
-            <a:endParaRPr lang="en-US" dirty="0"/>
-          </a:p>
-        </p:txBody>
-      </p:sp>
-      <p:sp>
-        <p:nvSpPr>
-          <p:cNvPr id="15" name="Rectangle 14"/>
-          <p:cNvSpPr/>
-          <p:nvPr userDrawn="1"/>
-        </p:nvSpPr>
-        <p:spPr>
-          <a:xfrm>
-            <a:off x="0" y="6447600"/>
-            <a:ext cx="9154800" cy="439200"/>
-          </a:xfrm>
-          <a:prstGeom prst="rect">
-            <a:avLst/>
-          </a:prstGeom>
-          <a:solidFill>
-            <a:srgbClr val="808080"/>
-          </a:solidFill>
-          <a:ln>
-            <a:noFill/>
-          </a:ln>
-        </p:spPr>
-        <p:style>
-          <a:lnRef idx="2">
-            <a:schemeClr val="accent1">
-              <a:shade val="50000"/>
-            </a:schemeClr>
-          </a:lnRef>
-          <a:fillRef idx="1">
-            <a:schemeClr val="accent1"/>
-          </a:fillRef>
-          <a:effectRef idx="0">
-            <a:schemeClr val="accent1"/>
-          </a:effectRef>
-          <a:fontRef idx="minor">
-            <a:schemeClr val="lt1"/>
-          </a:fontRef>
-        </p:style>
-        <p:txBody>
-          <a:bodyPr lIns="0" tIns="0" rIns="0" bIns="0" rtlCol="0" anchor="ctr"/>
-          <a:lstStyle/>
-          <a:p>
-            <a:pPr algn="ctr"/>
-            <a:endParaRPr lang="en-US"/>
-          </a:p>
-        </p:txBody>
-      </p:sp>
-      <p:cxnSp>
-        <p:nvCxnSpPr>
-          <p:cNvPr id="16" name="Straight Connector 15"/>
-          <p:cNvCxnSpPr/>
-          <p:nvPr userDrawn="1"/>
-        </p:nvCxnSpPr>
-        <p:spPr>
-          <a:xfrm>
-            <a:off x="1475656" y="6557267"/>
-            <a:ext cx="0" cy="216024"/>
-          </a:xfrm>
-          <a:prstGeom prst="line">
-            <a:avLst/>
-          </a:prstGeom>
-          <a:ln>
-            <a:solidFill>
-              <a:schemeClr val="bg1"/>
-            </a:solidFill>
-          </a:ln>
-        </p:spPr>
-        <p:style>
-          <a:lnRef idx="1">
-            <a:schemeClr val="accent1"/>
-          </a:lnRef>
-          <a:fillRef idx="0">
-            <a:schemeClr val="accent1"/>
-          </a:fillRef>
-          <a:effectRef idx="0">
-            <a:schemeClr val="accent1"/>
-          </a:effectRef>
-          <a:fontRef idx="minor">
-            <a:schemeClr val="tx1"/>
-          </a:fontRef>
-        </p:style>
-      </p:cxnSp>
-      <p:pic>
-        <p:nvPicPr>
-          <p:cNvPr id="17" name="Picture 16"/>
-          <p:cNvPicPr>
-            <a:picLocks noChangeAspect="1"/>
-          </p:cNvPicPr>
-          <p:nvPr userDrawn="1"/>
-        </p:nvPicPr>
-        <p:blipFill>
-          <a:blip r:embed="rId4">
-            <a:extLst>
-              <a:ext uri="{28A0092B-C50C-407E-A947-70E740481C1C}">
-                <a14:useLocalDpi xmlns:a14="http://schemas.microsoft.com/office/drawing/2010/main" val="0"/>
-              </a:ext>
-            </a:extLst>
-          </a:blip>
-          <a:stretch>
-            <a:fillRect/>
-          </a:stretch>
-        </p:blipFill>
-        <p:spPr>
-          <a:xfrm>
-            <a:off x="323850" y="6557267"/>
-            <a:ext cx="1005840" cy="196053"/>
-          </a:xfrm>
-          <a:prstGeom prst="rect">
-            <a:avLst/>
-          </a:prstGeom>
-        </p:spPr>
-      </p:pic>
-      <p:sp>
-        <p:nvSpPr>
-          <p:cNvPr id="18" name="Footer Placeholder 5"/>
-          <p:cNvSpPr>
-            <a:spLocks noGrp="1"/>
-          </p:cNvSpPr>
-          <p:nvPr>
-            <p:ph type="ftr" sz="quarter" idx="3"/>
-          </p:nvPr>
-        </p:nvSpPr>
-        <p:spPr>
-          <a:xfrm>
-            <a:off x="1619672" y="6447599"/>
-            <a:ext cx="3086100" cy="439201"/>
-          </a:xfrm>
-          <a:prstGeom prst="rect">
-            <a:avLst/>
-          </a:prstGeom>
-        </p:spPr>
-        <p:txBody>
-          <a:bodyPr vert="horz" lIns="0" tIns="0" rIns="0" bIns="0" rtlCol="0" anchor="ctr"/>
-          <a:lstStyle>
-            <a:lvl1pPr algn="l">
-              <a:defRPr sz="1000" cap="all" baseline="0">
-                <a:solidFill>
-                  <a:srgbClr val="FFFFFF"/>
-                </a:solidFill>
-                <a:latin typeface="Arial" panose="020B0604020202020204" pitchFamily="34" charset="0"/>
-                <a:cs typeface="Arial" panose="020B0604020202020204" pitchFamily="34" charset="0"/>
-              </a:defRPr>
-            </a:lvl1pPr>
-          </a:lstStyle>
-          <a:p>
-            <a:r>
-              <a:rPr lang="en-US" dirty="0" smtClean="0"/>
-              <a:t>PRESENTATION NAME</a:t>
-            </a:r>
             <a:endParaRPr lang="en-US" dirty="0"/>
           </a:p>
         </p:txBody>
@@ -14162,158 +12531,6 @@
           </a:p>
         </p:txBody>
       </p:sp>
-      <p:sp>
-        <p:nvSpPr>
-          <p:cNvPr id="11" name="Rectangle 10"/>
-          <p:cNvSpPr/>
-          <p:nvPr userDrawn="1"/>
-        </p:nvSpPr>
-        <p:spPr>
-          <a:xfrm>
-            <a:off x="0" y="6447600"/>
-            <a:ext cx="9154800" cy="439200"/>
-          </a:xfrm>
-          <a:prstGeom prst="rect">
-            <a:avLst/>
-          </a:prstGeom>
-          <a:solidFill>
-            <a:srgbClr val="808080"/>
-          </a:solidFill>
-          <a:ln>
-            <a:noFill/>
-          </a:ln>
-        </p:spPr>
-        <p:style>
-          <a:lnRef idx="2">
-            <a:schemeClr val="accent1">
-              <a:shade val="50000"/>
-            </a:schemeClr>
-          </a:lnRef>
-          <a:fillRef idx="1">
-            <a:schemeClr val="accent1"/>
-          </a:fillRef>
-          <a:effectRef idx="0">
-            <a:schemeClr val="accent1"/>
-          </a:effectRef>
-          <a:fontRef idx="minor">
-            <a:schemeClr val="lt1"/>
-          </a:fontRef>
-        </p:style>
-        <p:txBody>
-          <a:bodyPr lIns="0" tIns="0" rIns="0" bIns="0" rtlCol="0" anchor="ctr"/>
-          <a:lstStyle/>
-          <a:p>
-            <a:pPr algn="ctr"/>
-            <a:endParaRPr lang="en-US"/>
-          </a:p>
-        </p:txBody>
-      </p:sp>
-      <p:cxnSp>
-        <p:nvCxnSpPr>
-          <p:cNvPr id="17" name="Straight Connector 16"/>
-          <p:cNvCxnSpPr/>
-          <p:nvPr userDrawn="1"/>
-        </p:nvCxnSpPr>
-        <p:spPr>
-          <a:xfrm>
-            <a:off x="1475656" y="6557267"/>
-            <a:ext cx="0" cy="216024"/>
-          </a:xfrm>
-          <a:prstGeom prst="line">
-            <a:avLst/>
-          </a:prstGeom>
-          <a:ln>
-            <a:solidFill>
-              <a:schemeClr val="bg1"/>
-            </a:solidFill>
-          </a:ln>
-        </p:spPr>
-        <p:style>
-          <a:lnRef idx="1">
-            <a:schemeClr val="accent1"/>
-          </a:lnRef>
-          <a:fillRef idx="0">
-            <a:schemeClr val="accent1"/>
-          </a:fillRef>
-          <a:effectRef idx="0">
-            <a:schemeClr val="accent1"/>
-          </a:effectRef>
-          <a:fontRef idx="minor">
-            <a:schemeClr val="tx1"/>
-          </a:fontRef>
-        </p:style>
-      </p:cxnSp>
-      <p:pic>
-        <p:nvPicPr>
-          <p:cNvPr id="20" name="Picture 19"/>
-          <p:cNvPicPr>
-            <a:picLocks noChangeAspect="1"/>
-          </p:cNvPicPr>
-          <p:nvPr userDrawn="1"/>
-        </p:nvPicPr>
-        <p:blipFill>
-          <a:blip r:embed="rId3">
-            <a:extLst>
-              <a:ext uri="{28A0092B-C50C-407E-A947-70E740481C1C}">
-                <a14:useLocalDpi xmlns:a14="http://schemas.microsoft.com/office/drawing/2010/main" val="0"/>
-              </a:ext>
-            </a:extLst>
-          </a:blip>
-          <a:stretch>
-            <a:fillRect/>
-          </a:stretch>
-        </p:blipFill>
-        <p:spPr>
-          <a:xfrm>
-            <a:off x="323850" y="6557267"/>
-            <a:ext cx="1005840" cy="196053"/>
-          </a:xfrm>
-          <a:prstGeom prst="rect">
-            <a:avLst/>
-          </a:prstGeom>
-        </p:spPr>
-      </p:pic>
-      <p:sp>
-        <p:nvSpPr>
-          <p:cNvPr id="21" name="Footer Placeholder 5"/>
-          <p:cNvSpPr>
-            <a:spLocks noGrp="1"/>
-          </p:cNvSpPr>
-          <p:nvPr>
-            <p:ph type="ftr" sz="quarter" idx="3"/>
-          </p:nvPr>
-        </p:nvSpPr>
-        <p:spPr>
-          <a:xfrm>
-            <a:off x="1619672" y="6447599"/>
-            <a:ext cx="3086100" cy="439201"/>
-          </a:xfrm>
-          <a:prstGeom prst="rect">
-            <a:avLst/>
-          </a:prstGeom>
-        </p:spPr>
-        <p:txBody>
-          <a:bodyPr vert="horz" lIns="0" tIns="0" rIns="0" bIns="0" rtlCol="0" anchor="ctr"/>
-          <a:lstStyle>
-            <a:lvl1pPr algn="l">
-              <a:defRPr sz="1000" cap="all" baseline="0">
-                <a:solidFill>
-                  <a:srgbClr val="FFFFFF"/>
-                </a:solidFill>
-                <a:latin typeface="Arial" panose="020B0604020202020204" pitchFamily="34" charset="0"/>
-                <a:cs typeface="Arial" panose="020B0604020202020204" pitchFamily="34" charset="0"/>
-              </a:defRPr>
-            </a:lvl1pPr>
-          </a:lstStyle>
-          <a:p>
-            <a:r>
-              <a:rPr lang="en-US" dirty="0" smtClean="0"/>
-              <a:t>PRESENTATION NAME</a:t>
-            </a:r>
-            <a:endParaRPr lang="en-US" dirty="0"/>
-          </a:p>
-        </p:txBody>
-      </p:sp>
     </p:spTree>
     <p:extLst>
       <p:ext uri="{BB962C8B-B14F-4D97-AF65-F5344CB8AC3E}">
@@ -14520,158 +12737,6 @@
           </a:p>
         </p:txBody>
       </p:sp>
-      <p:sp>
-        <p:nvSpPr>
-          <p:cNvPr id="14" name="Rectangle 13"/>
-          <p:cNvSpPr/>
-          <p:nvPr userDrawn="1"/>
-        </p:nvSpPr>
-        <p:spPr>
-          <a:xfrm>
-            <a:off x="0" y="6447600"/>
-            <a:ext cx="9154800" cy="439200"/>
-          </a:xfrm>
-          <a:prstGeom prst="rect">
-            <a:avLst/>
-          </a:prstGeom>
-          <a:solidFill>
-            <a:srgbClr val="808080"/>
-          </a:solidFill>
-          <a:ln>
-            <a:noFill/>
-          </a:ln>
-        </p:spPr>
-        <p:style>
-          <a:lnRef idx="2">
-            <a:schemeClr val="accent1">
-              <a:shade val="50000"/>
-            </a:schemeClr>
-          </a:lnRef>
-          <a:fillRef idx="1">
-            <a:schemeClr val="accent1"/>
-          </a:fillRef>
-          <a:effectRef idx="0">
-            <a:schemeClr val="accent1"/>
-          </a:effectRef>
-          <a:fontRef idx="minor">
-            <a:schemeClr val="lt1"/>
-          </a:fontRef>
-        </p:style>
-        <p:txBody>
-          <a:bodyPr lIns="0" tIns="0" rIns="0" bIns="0" rtlCol="0" anchor="ctr"/>
-          <a:lstStyle/>
-          <a:p>
-            <a:pPr algn="ctr"/>
-            <a:endParaRPr lang="en-US"/>
-          </a:p>
-        </p:txBody>
-      </p:sp>
-      <p:cxnSp>
-        <p:nvCxnSpPr>
-          <p:cNvPr id="15" name="Straight Connector 14"/>
-          <p:cNvCxnSpPr/>
-          <p:nvPr userDrawn="1"/>
-        </p:nvCxnSpPr>
-        <p:spPr>
-          <a:xfrm>
-            <a:off x="1475656" y="6557267"/>
-            <a:ext cx="0" cy="216024"/>
-          </a:xfrm>
-          <a:prstGeom prst="line">
-            <a:avLst/>
-          </a:prstGeom>
-          <a:ln>
-            <a:solidFill>
-              <a:schemeClr val="bg1"/>
-            </a:solidFill>
-          </a:ln>
-        </p:spPr>
-        <p:style>
-          <a:lnRef idx="1">
-            <a:schemeClr val="accent1"/>
-          </a:lnRef>
-          <a:fillRef idx="0">
-            <a:schemeClr val="accent1"/>
-          </a:fillRef>
-          <a:effectRef idx="0">
-            <a:schemeClr val="accent1"/>
-          </a:effectRef>
-          <a:fontRef idx="minor">
-            <a:schemeClr val="tx1"/>
-          </a:fontRef>
-        </p:style>
-      </p:cxnSp>
-      <p:pic>
-        <p:nvPicPr>
-          <p:cNvPr id="16" name="Picture 15"/>
-          <p:cNvPicPr>
-            <a:picLocks noChangeAspect="1"/>
-          </p:cNvPicPr>
-          <p:nvPr userDrawn="1"/>
-        </p:nvPicPr>
-        <p:blipFill>
-          <a:blip r:embed="rId4">
-            <a:extLst>
-              <a:ext uri="{28A0092B-C50C-407E-A947-70E740481C1C}">
-                <a14:useLocalDpi xmlns:a14="http://schemas.microsoft.com/office/drawing/2010/main" val="0"/>
-              </a:ext>
-            </a:extLst>
-          </a:blip>
-          <a:stretch>
-            <a:fillRect/>
-          </a:stretch>
-        </p:blipFill>
-        <p:spPr>
-          <a:xfrm>
-            <a:off x="323850" y="6557267"/>
-            <a:ext cx="1005840" cy="196053"/>
-          </a:xfrm>
-          <a:prstGeom prst="rect">
-            <a:avLst/>
-          </a:prstGeom>
-        </p:spPr>
-      </p:pic>
-      <p:sp>
-        <p:nvSpPr>
-          <p:cNvPr id="17" name="Footer Placeholder 5"/>
-          <p:cNvSpPr>
-            <a:spLocks noGrp="1"/>
-          </p:cNvSpPr>
-          <p:nvPr>
-            <p:ph type="ftr" sz="quarter" idx="3"/>
-          </p:nvPr>
-        </p:nvSpPr>
-        <p:spPr>
-          <a:xfrm>
-            <a:off x="1619672" y="6447599"/>
-            <a:ext cx="3086100" cy="439201"/>
-          </a:xfrm>
-          <a:prstGeom prst="rect">
-            <a:avLst/>
-          </a:prstGeom>
-        </p:spPr>
-        <p:txBody>
-          <a:bodyPr vert="horz" lIns="0" tIns="0" rIns="0" bIns="0" rtlCol="0" anchor="ctr"/>
-          <a:lstStyle>
-            <a:lvl1pPr algn="l">
-              <a:defRPr sz="1000" cap="all" baseline="0">
-                <a:solidFill>
-                  <a:srgbClr val="FFFFFF"/>
-                </a:solidFill>
-                <a:latin typeface="Arial" panose="020B0604020202020204" pitchFamily="34" charset="0"/>
-                <a:cs typeface="Arial" panose="020B0604020202020204" pitchFamily="34" charset="0"/>
-              </a:defRPr>
-            </a:lvl1pPr>
-          </a:lstStyle>
-          <a:p>
-            <a:r>
-              <a:rPr lang="en-US" dirty="0" smtClean="0"/>
-              <a:t>PRESENTATION NAME</a:t>
-            </a:r>
-            <a:endParaRPr lang="en-US" dirty="0"/>
-          </a:p>
-        </p:txBody>
-      </p:sp>
     </p:spTree>
     <p:extLst>
       <p:ext uri="{BB962C8B-B14F-4D97-AF65-F5344CB8AC3E}">
@@ -14784,158 +12849,6 @@
       </p:sp>
       <p:sp>
         <p:nvSpPr>
-          <p:cNvPr id="14" name="Rectangle 13"/>
-          <p:cNvSpPr/>
-          <p:nvPr userDrawn="1"/>
-        </p:nvSpPr>
-        <p:spPr>
-          <a:xfrm>
-            <a:off x="0" y="6447600"/>
-            <a:ext cx="9154800" cy="439200"/>
-          </a:xfrm>
-          <a:prstGeom prst="rect">
-            <a:avLst/>
-          </a:prstGeom>
-          <a:solidFill>
-            <a:srgbClr val="808080"/>
-          </a:solidFill>
-          <a:ln>
-            <a:noFill/>
-          </a:ln>
-        </p:spPr>
-        <p:style>
-          <a:lnRef idx="2">
-            <a:schemeClr val="accent1">
-              <a:shade val="50000"/>
-            </a:schemeClr>
-          </a:lnRef>
-          <a:fillRef idx="1">
-            <a:schemeClr val="accent1"/>
-          </a:fillRef>
-          <a:effectRef idx="0">
-            <a:schemeClr val="accent1"/>
-          </a:effectRef>
-          <a:fontRef idx="minor">
-            <a:schemeClr val="lt1"/>
-          </a:fontRef>
-        </p:style>
-        <p:txBody>
-          <a:bodyPr lIns="0" tIns="0" rIns="0" bIns="0" rtlCol="0" anchor="ctr"/>
-          <a:lstStyle/>
-          <a:p>
-            <a:pPr algn="ctr"/>
-            <a:endParaRPr lang="en-US"/>
-          </a:p>
-        </p:txBody>
-      </p:sp>
-      <p:cxnSp>
-        <p:nvCxnSpPr>
-          <p:cNvPr id="15" name="Straight Connector 14"/>
-          <p:cNvCxnSpPr/>
-          <p:nvPr userDrawn="1"/>
-        </p:nvCxnSpPr>
-        <p:spPr>
-          <a:xfrm>
-            <a:off x="1475656" y="6557267"/>
-            <a:ext cx="0" cy="216024"/>
-          </a:xfrm>
-          <a:prstGeom prst="line">
-            <a:avLst/>
-          </a:prstGeom>
-          <a:ln>
-            <a:solidFill>
-              <a:schemeClr val="bg1"/>
-            </a:solidFill>
-          </a:ln>
-        </p:spPr>
-        <p:style>
-          <a:lnRef idx="1">
-            <a:schemeClr val="accent1"/>
-          </a:lnRef>
-          <a:fillRef idx="0">
-            <a:schemeClr val="accent1"/>
-          </a:fillRef>
-          <a:effectRef idx="0">
-            <a:schemeClr val="accent1"/>
-          </a:effectRef>
-          <a:fontRef idx="minor">
-            <a:schemeClr val="tx1"/>
-          </a:fontRef>
-        </p:style>
-      </p:cxnSp>
-      <p:pic>
-        <p:nvPicPr>
-          <p:cNvPr id="16" name="Picture 15"/>
-          <p:cNvPicPr>
-            <a:picLocks noChangeAspect="1"/>
-          </p:cNvPicPr>
-          <p:nvPr userDrawn="1"/>
-        </p:nvPicPr>
-        <p:blipFill>
-          <a:blip r:embed="rId2">
-            <a:extLst>
-              <a:ext uri="{28A0092B-C50C-407E-A947-70E740481C1C}">
-                <a14:useLocalDpi xmlns:a14="http://schemas.microsoft.com/office/drawing/2010/main" val="0"/>
-              </a:ext>
-            </a:extLst>
-          </a:blip>
-          <a:stretch>
-            <a:fillRect/>
-          </a:stretch>
-        </p:blipFill>
-        <p:spPr>
-          <a:xfrm>
-            <a:off x="323850" y="6557267"/>
-            <a:ext cx="1005840" cy="196053"/>
-          </a:xfrm>
-          <a:prstGeom prst="rect">
-            <a:avLst/>
-          </a:prstGeom>
-        </p:spPr>
-      </p:pic>
-      <p:sp>
-        <p:nvSpPr>
-          <p:cNvPr id="17" name="Footer Placeholder 5"/>
-          <p:cNvSpPr>
-            <a:spLocks noGrp="1"/>
-          </p:cNvSpPr>
-          <p:nvPr>
-            <p:ph type="ftr" sz="quarter" idx="3"/>
-          </p:nvPr>
-        </p:nvSpPr>
-        <p:spPr>
-          <a:xfrm>
-            <a:off x="1619672" y="6447599"/>
-            <a:ext cx="3086100" cy="439201"/>
-          </a:xfrm>
-          <a:prstGeom prst="rect">
-            <a:avLst/>
-          </a:prstGeom>
-        </p:spPr>
-        <p:txBody>
-          <a:bodyPr vert="horz" lIns="0" tIns="0" rIns="0" bIns="0" rtlCol="0" anchor="ctr"/>
-          <a:lstStyle>
-            <a:lvl1pPr algn="l">
-              <a:defRPr sz="1000" cap="all" baseline="0">
-                <a:solidFill>
-                  <a:srgbClr val="FFFFFF"/>
-                </a:solidFill>
-                <a:latin typeface="Arial" panose="020B0604020202020204" pitchFamily="34" charset="0"/>
-                <a:cs typeface="Arial" panose="020B0604020202020204" pitchFamily="34" charset="0"/>
-              </a:defRPr>
-            </a:lvl1pPr>
-          </a:lstStyle>
-          <a:p>
-            <a:r>
-              <a:rPr lang="en-US" dirty="0" smtClean="0"/>
-              <a:t>PRESENTATION NAME</a:t>
-            </a:r>
-            <a:endParaRPr lang="en-US" dirty="0"/>
-          </a:p>
-        </p:txBody>
-      </p:sp>
-      <p:sp>
-        <p:nvSpPr>
           <p:cNvPr id="8" name="Text Placeholder 6"/>
           <p:cNvSpPr>
             <a:spLocks noGrp="1"/>
@@ -15129,158 +13042,6 @@
           </a:p>
         </p:txBody>
       </p:sp>
-      <p:sp>
-        <p:nvSpPr>
-          <p:cNvPr id="16" name="Rectangle 15"/>
-          <p:cNvSpPr/>
-          <p:nvPr userDrawn="1"/>
-        </p:nvSpPr>
-        <p:spPr>
-          <a:xfrm>
-            <a:off x="0" y="6447600"/>
-            <a:ext cx="9154800" cy="439200"/>
-          </a:xfrm>
-          <a:prstGeom prst="rect">
-            <a:avLst/>
-          </a:prstGeom>
-          <a:solidFill>
-            <a:srgbClr val="808080"/>
-          </a:solidFill>
-          <a:ln>
-            <a:noFill/>
-          </a:ln>
-        </p:spPr>
-        <p:style>
-          <a:lnRef idx="2">
-            <a:schemeClr val="accent1">
-              <a:shade val="50000"/>
-            </a:schemeClr>
-          </a:lnRef>
-          <a:fillRef idx="1">
-            <a:schemeClr val="accent1"/>
-          </a:fillRef>
-          <a:effectRef idx="0">
-            <a:schemeClr val="accent1"/>
-          </a:effectRef>
-          <a:fontRef idx="minor">
-            <a:schemeClr val="lt1"/>
-          </a:fontRef>
-        </p:style>
-        <p:txBody>
-          <a:bodyPr lIns="0" tIns="0" rIns="0" bIns="0" rtlCol="0" anchor="ctr"/>
-          <a:lstStyle/>
-          <a:p>
-            <a:pPr algn="ctr"/>
-            <a:endParaRPr lang="en-US"/>
-          </a:p>
-        </p:txBody>
-      </p:sp>
-      <p:cxnSp>
-        <p:nvCxnSpPr>
-          <p:cNvPr id="17" name="Straight Connector 16"/>
-          <p:cNvCxnSpPr/>
-          <p:nvPr userDrawn="1"/>
-        </p:nvCxnSpPr>
-        <p:spPr>
-          <a:xfrm>
-            <a:off x="1475656" y="6557267"/>
-            <a:ext cx="0" cy="216024"/>
-          </a:xfrm>
-          <a:prstGeom prst="line">
-            <a:avLst/>
-          </a:prstGeom>
-          <a:ln>
-            <a:solidFill>
-              <a:schemeClr val="bg1"/>
-            </a:solidFill>
-          </a:ln>
-        </p:spPr>
-        <p:style>
-          <a:lnRef idx="1">
-            <a:schemeClr val="accent1"/>
-          </a:lnRef>
-          <a:fillRef idx="0">
-            <a:schemeClr val="accent1"/>
-          </a:fillRef>
-          <a:effectRef idx="0">
-            <a:schemeClr val="accent1"/>
-          </a:effectRef>
-          <a:fontRef idx="minor">
-            <a:schemeClr val="tx1"/>
-          </a:fontRef>
-        </p:style>
-      </p:cxnSp>
-      <p:pic>
-        <p:nvPicPr>
-          <p:cNvPr id="18" name="Picture 17"/>
-          <p:cNvPicPr>
-            <a:picLocks noChangeAspect="1"/>
-          </p:cNvPicPr>
-          <p:nvPr userDrawn="1"/>
-        </p:nvPicPr>
-        <p:blipFill>
-          <a:blip r:embed="rId2">
-            <a:extLst>
-              <a:ext uri="{28A0092B-C50C-407E-A947-70E740481C1C}">
-                <a14:useLocalDpi xmlns:a14="http://schemas.microsoft.com/office/drawing/2010/main" val="0"/>
-              </a:ext>
-            </a:extLst>
-          </a:blip>
-          <a:stretch>
-            <a:fillRect/>
-          </a:stretch>
-        </p:blipFill>
-        <p:spPr>
-          <a:xfrm>
-            <a:off x="323850" y="6557267"/>
-            <a:ext cx="1005840" cy="196053"/>
-          </a:xfrm>
-          <a:prstGeom prst="rect">
-            <a:avLst/>
-          </a:prstGeom>
-        </p:spPr>
-      </p:pic>
-      <p:sp>
-        <p:nvSpPr>
-          <p:cNvPr id="19" name="Footer Placeholder 5"/>
-          <p:cNvSpPr>
-            <a:spLocks noGrp="1"/>
-          </p:cNvSpPr>
-          <p:nvPr>
-            <p:ph type="ftr" sz="quarter" idx="3"/>
-          </p:nvPr>
-        </p:nvSpPr>
-        <p:spPr>
-          <a:xfrm>
-            <a:off x="1619672" y="6447599"/>
-            <a:ext cx="3086100" cy="439201"/>
-          </a:xfrm>
-          <a:prstGeom prst="rect">
-            <a:avLst/>
-          </a:prstGeom>
-        </p:spPr>
-        <p:txBody>
-          <a:bodyPr vert="horz" lIns="0" tIns="0" rIns="0" bIns="0" rtlCol="0" anchor="ctr"/>
-          <a:lstStyle>
-            <a:lvl1pPr algn="l">
-              <a:defRPr sz="1000" cap="all" baseline="0">
-                <a:solidFill>
-                  <a:srgbClr val="FFFFFF"/>
-                </a:solidFill>
-                <a:latin typeface="Arial" panose="020B0604020202020204" pitchFamily="34" charset="0"/>
-                <a:cs typeface="Arial" panose="020B0604020202020204" pitchFamily="34" charset="0"/>
-              </a:defRPr>
-            </a:lvl1pPr>
-          </a:lstStyle>
-          <a:p>
-            <a:r>
-              <a:rPr lang="en-US" dirty="0" smtClean="0"/>
-              <a:t>PRESENTATION NAME</a:t>
-            </a:r>
-            <a:endParaRPr lang="en-US" dirty="0"/>
-          </a:p>
-        </p:txBody>
-      </p:sp>
     </p:spTree>
     <p:extLst>
       <p:ext uri="{BB962C8B-B14F-4D97-AF65-F5344CB8AC3E}">
@@ -15589,158 +13350,6 @@
             <a:r>
               <a:rPr lang="en-US" dirty="0" smtClean="0"/>
               <a:t>Header</a:t>
-            </a:r>
-            <a:endParaRPr lang="en-US" dirty="0"/>
-          </a:p>
-        </p:txBody>
-      </p:sp>
-      <p:sp>
-        <p:nvSpPr>
-          <p:cNvPr id="15" name="Rectangle 14"/>
-          <p:cNvSpPr/>
-          <p:nvPr userDrawn="1"/>
-        </p:nvSpPr>
-        <p:spPr>
-          <a:xfrm>
-            <a:off x="0" y="6447600"/>
-            <a:ext cx="9154800" cy="439200"/>
-          </a:xfrm>
-          <a:prstGeom prst="rect">
-            <a:avLst/>
-          </a:prstGeom>
-          <a:solidFill>
-            <a:srgbClr val="808080"/>
-          </a:solidFill>
-          <a:ln>
-            <a:noFill/>
-          </a:ln>
-        </p:spPr>
-        <p:style>
-          <a:lnRef idx="2">
-            <a:schemeClr val="accent1">
-              <a:shade val="50000"/>
-            </a:schemeClr>
-          </a:lnRef>
-          <a:fillRef idx="1">
-            <a:schemeClr val="accent1"/>
-          </a:fillRef>
-          <a:effectRef idx="0">
-            <a:schemeClr val="accent1"/>
-          </a:effectRef>
-          <a:fontRef idx="minor">
-            <a:schemeClr val="lt1"/>
-          </a:fontRef>
-        </p:style>
-        <p:txBody>
-          <a:bodyPr lIns="0" tIns="0" rIns="0" bIns="0" rtlCol="0" anchor="ctr"/>
-          <a:lstStyle/>
-          <a:p>
-            <a:pPr algn="ctr"/>
-            <a:endParaRPr lang="en-US"/>
-          </a:p>
-        </p:txBody>
-      </p:sp>
-      <p:cxnSp>
-        <p:nvCxnSpPr>
-          <p:cNvPr id="16" name="Straight Connector 15"/>
-          <p:cNvCxnSpPr/>
-          <p:nvPr userDrawn="1"/>
-        </p:nvCxnSpPr>
-        <p:spPr>
-          <a:xfrm>
-            <a:off x="1475656" y="6557267"/>
-            <a:ext cx="0" cy="216024"/>
-          </a:xfrm>
-          <a:prstGeom prst="line">
-            <a:avLst/>
-          </a:prstGeom>
-          <a:ln>
-            <a:solidFill>
-              <a:schemeClr val="bg1"/>
-            </a:solidFill>
-          </a:ln>
-        </p:spPr>
-        <p:style>
-          <a:lnRef idx="1">
-            <a:schemeClr val="accent1"/>
-          </a:lnRef>
-          <a:fillRef idx="0">
-            <a:schemeClr val="accent1"/>
-          </a:fillRef>
-          <a:effectRef idx="0">
-            <a:schemeClr val="accent1"/>
-          </a:effectRef>
-          <a:fontRef idx="minor">
-            <a:schemeClr val="tx1"/>
-          </a:fontRef>
-        </p:style>
-      </p:cxnSp>
-      <p:pic>
-        <p:nvPicPr>
-          <p:cNvPr id="17" name="Picture 16"/>
-          <p:cNvPicPr>
-            <a:picLocks noChangeAspect="1"/>
-          </p:cNvPicPr>
-          <p:nvPr userDrawn="1"/>
-        </p:nvPicPr>
-        <p:blipFill>
-          <a:blip r:embed="rId2">
-            <a:extLst>
-              <a:ext uri="{28A0092B-C50C-407E-A947-70E740481C1C}">
-                <a14:useLocalDpi xmlns:a14="http://schemas.microsoft.com/office/drawing/2010/main" val="0"/>
-              </a:ext>
-            </a:extLst>
-          </a:blip>
-          <a:stretch>
-            <a:fillRect/>
-          </a:stretch>
-        </p:blipFill>
-        <p:spPr>
-          <a:xfrm>
-            <a:off x="323850" y="6557267"/>
-            <a:ext cx="1005840" cy="196053"/>
-          </a:xfrm>
-          <a:prstGeom prst="rect">
-            <a:avLst/>
-          </a:prstGeom>
-        </p:spPr>
-      </p:pic>
-      <p:sp>
-        <p:nvSpPr>
-          <p:cNvPr id="18" name="Footer Placeholder 5"/>
-          <p:cNvSpPr>
-            <a:spLocks noGrp="1"/>
-          </p:cNvSpPr>
-          <p:nvPr>
-            <p:ph type="ftr" sz="quarter" idx="3"/>
-          </p:nvPr>
-        </p:nvSpPr>
-        <p:spPr>
-          <a:xfrm>
-            <a:off x="1619672" y="6447599"/>
-            <a:ext cx="3086100" cy="439201"/>
-          </a:xfrm>
-          <a:prstGeom prst="rect">
-            <a:avLst/>
-          </a:prstGeom>
-        </p:spPr>
-        <p:txBody>
-          <a:bodyPr vert="horz" lIns="0" tIns="0" rIns="0" bIns="0" rtlCol="0" anchor="ctr"/>
-          <a:lstStyle>
-            <a:lvl1pPr algn="l">
-              <a:defRPr sz="1000" cap="all" baseline="0">
-                <a:solidFill>
-                  <a:srgbClr val="FFFFFF"/>
-                </a:solidFill>
-                <a:latin typeface="Arial" panose="020B0604020202020204" pitchFamily="34" charset="0"/>
-                <a:cs typeface="Arial" panose="020B0604020202020204" pitchFamily="34" charset="0"/>
-              </a:defRPr>
-            </a:lvl1pPr>
-          </a:lstStyle>
-          <a:p>
-            <a:r>
-              <a:rPr lang="en-US" dirty="0" smtClean="0"/>
-              <a:t>PRESENTATION NAME</a:t>
             </a:r>
             <a:endParaRPr lang="en-US" dirty="0"/>
           </a:p>
@@ -16113,158 +13722,6 @@
             <a:r>
               <a:rPr lang="en-US" dirty="0" smtClean="0"/>
               <a:t>Header</a:t>
-            </a:r>
-            <a:endParaRPr lang="en-US" dirty="0"/>
-          </a:p>
-        </p:txBody>
-      </p:sp>
-      <p:sp>
-        <p:nvSpPr>
-          <p:cNvPr id="11" name="Rectangle 10"/>
-          <p:cNvSpPr/>
-          <p:nvPr userDrawn="1"/>
-        </p:nvSpPr>
-        <p:spPr>
-          <a:xfrm>
-            <a:off x="0" y="6447600"/>
-            <a:ext cx="9154800" cy="439200"/>
-          </a:xfrm>
-          <a:prstGeom prst="rect">
-            <a:avLst/>
-          </a:prstGeom>
-          <a:solidFill>
-            <a:srgbClr val="808080"/>
-          </a:solidFill>
-          <a:ln>
-            <a:noFill/>
-          </a:ln>
-        </p:spPr>
-        <p:style>
-          <a:lnRef idx="2">
-            <a:schemeClr val="accent1">
-              <a:shade val="50000"/>
-            </a:schemeClr>
-          </a:lnRef>
-          <a:fillRef idx="1">
-            <a:schemeClr val="accent1"/>
-          </a:fillRef>
-          <a:effectRef idx="0">
-            <a:schemeClr val="accent1"/>
-          </a:effectRef>
-          <a:fontRef idx="minor">
-            <a:schemeClr val="lt1"/>
-          </a:fontRef>
-        </p:style>
-        <p:txBody>
-          <a:bodyPr lIns="0" tIns="0" rIns="0" bIns="0" rtlCol="0" anchor="ctr"/>
-          <a:lstStyle/>
-          <a:p>
-            <a:pPr algn="ctr"/>
-            <a:endParaRPr lang="en-US"/>
-          </a:p>
-        </p:txBody>
-      </p:sp>
-      <p:cxnSp>
-        <p:nvCxnSpPr>
-          <p:cNvPr id="12" name="Straight Connector 11"/>
-          <p:cNvCxnSpPr/>
-          <p:nvPr userDrawn="1"/>
-        </p:nvCxnSpPr>
-        <p:spPr>
-          <a:xfrm>
-            <a:off x="1475656" y="6557267"/>
-            <a:ext cx="0" cy="216024"/>
-          </a:xfrm>
-          <a:prstGeom prst="line">
-            <a:avLst/>
-          </a:prstGeom>
-          <a:ln>
-            <a:solidFill>
-              <a:schemeClr val="bg1"/>
-            </a:solidFill>
-          </a:ln>
-        </p:spPr>
-        <p:style>
-          <a:lnRef idx="1">
-            <a:schemeClr val="accent1"/>
-          </a:lnRef>
-          <a:fillRef idx="0">
-            <a:schemeClr val="accent1"/>
-          </a:fillRef>
-          <a:effectRef idx="0">
-            <a:schemeClr val="accent1"/>
-          </a:effectRef>
-          <a:fontRef idx="minor">
-            <a:schemeClr val="tx1"/>
-          </a:fontRef>
-        </p:style>
-      </p:cxnSp>
-      <p:pic>
-        <p:nvPicPr>
-          <p:cNvPr id="19" name="Picture 18"/>
-          <p:cNvPicPr>
-            <a:picLocks noChangeAspect="1"/>
-          </p:cNvPicPr>
-          <p:nvPr userDrawn="1"/>
-        </p:nvPicPr>
-        <p:blipFill>
-          <a:blip r:embed="rId2">
-            <a:extLst>
-              <a:ext uri="{28A0092B-C50C-407E-A947-70E740481C1C}">
-                <a14:useLocalDpi xmlns:a14="http://schemas.microsoft.com/office/drawing/2010/main" val="0"/>
-              </a:ext>
-            </a:extLst>
-          </a:blip>
-          <a:stretch>
-            <a:fillRect/>
-          </a:stretch>
-        </p:blipFill>
-        <p:spPr>
-          <a:xfrm>
-            <a:off x="323850" y="6557267"/>
-            <a:ext cx="1005840" cy="196053"/>
-          </a:xfrm>
-          <a:prstGeom prst="rect">
-            <a:avLst/>
-          </a:prstGeom>
-        </p:spPr>
-      </p:pic>
-      <p:sp>
-        <p:nvSpPr>
-          <p:cNvPr id="20" name="Footer Placeholder 5"/>
-          <p:cNvSpPr>
-            <a:spLocks noGrp="1"/>
-          </p:cNvSpPr>
-          <p:nvPr>
-            <p:ph type="ftr" sz="quarter" idx="3"/>
-          </p:nvPr>
-        </p:nvSpPr>
-        <p:spPr>
-          <a:xfrm>
-            <a:off x="1619672" y="6447599"/>
-            <a:ext cx="3086100" cy="439201"/>
-          </a:xfrm>
-          <a:prstGeom prst="rect">
-            <a:avLst/>
-          </a:prstGeom>
-        </p:spPr>
-        <p:txBody>
-          <a:bodyPr vert="horz" lIns="0" tIns="0" rIns="0" bIns="0" rtlCol="0" anchor="ctr"/>
-          <a:lstStyle>
-            <a:lvl1pPr algn="l">
-              <a:defRPr sz="1000" cap="all" baseline="0">
-                <a:solidFill>
-                  <a:srgbClr val="FFFFFF"/>
-                </a:solidFill>
-                <a:latin typeface="Arial" panose="020B0604020202020204" pitchFamily="34" charset="0"/>
-                <a:cs typeface="Arial" panose="020B0604020202020204" pitchFamily="34" charset="0"/>
-              </a:defRPr>
-            </a:lvl1pPr>
-          </a:lstStyle>
-          <a:p>
-            <a:r>
-              <a:rPr lang="en-US" dirty="0" smtClean="0"/>
-              <a:t>PRESENTATION NAME</a:t>
             </a:r>
             <a:endParaRPr lang="en-US" dirty="0"/>
           </a:p>
@@ -16790,158 +14247,6 @@
           </a:p>
         </p:txBody>
       </p:sp>
-      <p:sp>
-        <p:nvSpPr>
-          <p:cNvPr id="9" name="Rectangle 8"/>
-          <p:cNvSpPr/>
-          <p:nvPr userDrawn="1"/>
-        </p:nvSpPr>
-        <p:spPr>
-          <a:xfrm>
-            <a:off x="0" y="6447600"/>
-            <a:ext cx="9154800" cy="439200"/>
-          </a:xfrm>
-          <a:prstGeom prst="rect">
-            <a:avLst/>
-          </a:prstGeom>
-          <a:solidFill>
-            <a:srgbClr val="808080"/>
-          </a:solidFill>
-          <a:ln>
-            <a:noFill/>
-          </a:ln>
-        </p:spPr>
-        <p:style>
-          <a:lnRef idx="2">
-            <a:schemeClr val="accent1">
-              <a:shade val="50000"/>
-            </a:schemeClr>
-          </a:lnRef>
-          <a:fillRef idx="1">
-            <a:schemeClr val="accent1"/>
-          </a:fillRef>
-          <a:effectRef idx="0">
-            <a:schemeClr val="accent1"/>
-          </a:effectRef>
-          <a:fontRef idx="minor">
-            <a:schemeClr val="lt1"/>
-          </a:fontRef>
-        </p:style>
-        <p:txBody>
-          <a:bodyPr lIns="0" tIns="0" rIns="0" bIns="0" rtlCol="0" anchor="ctr"/>
-          <a:lstStyle/>
-          <a:p>
-            <a:pPr algn="ctr"/>
-            <a:endParaRPr lang="en-US"/>
-          </a:p>
-        </p:txBody>
-      </p:sp>
-      <p:cxnSp>
-        <p:nvCxnSpPr>
-          <p:cNvPr id="14" name="Straight Connector 13"/>
-          <p:cNvCxnSpPr/>
-          <p:nvPr userDrawn="1"/>
-        </p:nvCxnSpPr>
-        <p:spPr>
-          <a:xfrm>
-            <a:off x="1475656" y="6557267"/>
-            <a:ext cx="0" cy="216024"/>
-          </a:xfrm>
-          <a:prstGeom prst="line">
-            <a:avLst/>
-          </a:prstGeom>
-          <a:ln>
-            <a:solidFill>
-              <a:schemeClr val="bg1"/>
-            </a:solidFill>
-          </a:ln>
-        </p:spPr>
-        <p:style>
-          <a:lnRef idx="1">
-            <a:schemeClr val="accent1"/>
-          </a:lnRef>
-          <a:fillRef idx="0">
-            <a:schemeClr val="accent1"/>
-          </a:fillRef>
-          <a:effectRef idx="0">
-            <a:schemeClr val="accent1"/>
-          </a:effectRef>
-          <a:fontRef idx="minor">
-            <a:schemeClr val="tx1"/>
-          </a:fontRef>
-        </p:style>
-      </p:cxnSp>
-      <p:pic>
-        <p:nvPicPr>
-          <p:cNvPr id="15" name="Picture 14"/>
-          <p:cNvPicPr>
-            <a:picLocks noChangeAspect="1"/>
-          </p:cNvPicPr>
-          <p:nvPr userDrawn="1"/>
-        </p:nvPicPr>
-        <p:blipFill>
-          <a:blip r:embed="rId2">
-            <a:extLst>
-              <a:ext uri="{28A0092B-C50C-407E-A947-70E740481C1C}">
-                <a14:useLocalDpi xmlns:a14="http://schemas.microsoft.com/office/drawing/2010/main" val="0"/>
-              </a:ext>
-            </a:extLst>
-          </a:blip>
-          <a:stretch>
-            <a:fillRect/>
-          </a:stretch>
-        </p:blipFill>
-        <p:spPr>
-          <a:xfrm>
-            <a:off x="323850" y="6557267"/>
-            <a:ext cx="1005840" cy="196053"/>
-          </a:xfrm>
-          <a:prstGeom prst="rect">
-            <a:avLst/>
-          </a:prstGeom>
-        </p:spPr>
-      </p:pic>
-      <p:sp>
-        <p:nvSpPr>
-          <p:cNvPr id="16" name="Footer Placeholder 5"/>
-          <p:cNvSpPr>
-            <a:spLocks noGrp="1"/>
-          </p:cNvSpPr>
-          <p:nvPr>
-            <p:ph type="ftr" sz="quarter" idx="3"/>
-          </p:nvPr>
-        </p:nvSpPr>
-        <p:spPr>
-          <a:xfrm>
-            <a:off x="1619672" y="6447599"/>
-            <a:ext cx="3086100" cy="439201"/>
-          </a:xfrm>
-          <a:prstGeom prst="rect">
-            <a:avLst/>
-          </a:prstGeom>
-        </p:spPr>
-        <p:txBody>
-          <a:bodyPr vert="horz" lIns="0" tIns="0" rIns="0" bIns="0" rtlCol="0" anchor="ctr"/>
-          <a:lstStyle>
-            <a:lvl1pPr algn="l">
-              <a:defRPr sz="1000" cap="all" baseline="0">
-                <a:solidFill>
-                  <a:srgbClr val="FFFFFF"/>
-                </a:solidFill>
-                <a:latin typeface="Arial" panose="020B0604020202020204" pitchFamily="34" charset="0"/>
-                <a:cs typeface="Arial" panose="020B0604020202020204" pitchFamily="34" charset="0"/>
-              </a:defRPr>
-            </a:lvl1pPr>
-          </a:lstStyle>
-          <a:p>
-            <a:r>
-              <a:rPr lang="en-US" dirty="0" smtClean="0"/>
-              <a:t>PRESENTATION NAME</a:t>
-            </a:r>
-            <a:endParaRPr lang="en-US" dirty="0"/>
-          </a:p>
-        </p:txBody>
-      </p:sp>
     </p:spTree>
     <p:extLst>
       <p:ext uri="{BB962C8B-B14F-4D97-AF65-F5344CB8AC3E}">
@@ -17627,158 +14932,6 @@
             <a:r>
               <a:rPr lang="en-US" dirty="0" smtClean="0"/>
               <a:t>Fifth level</a:t>
-            </a:r>
-            <a:endParaRPr lang="en-US" dirty="0"/>
-          </a:p>
-        </p:txBody>
-      </p:sp>
-      <p:sp>
-        <p:nvSpPr>
-          <p:cNvPr id="28" name="Rectangle 27"/>
-          <p:cNvSpPr/>
-          <p:nvPr userDrawn="1"/>
-        </p:nvSpPr>
-        <p:spPr>
-          <a:xfrm>
-            <a:off x="0" y="6447600"/>
-            <a:ext cx="9154800" cy="439200"/>
-          </a:xfrm>
-          <a:prstGeom prst="rect">
-            <a:avLst/>
-          </a:prstGeom>
-          <a:solidFill>
-            <a:srgbClr val="808080"/>
-          </a:solidFill>
-          <a:ln>
-            <a:noFill/>
-          </a:ln>
-        </p:spPr>
-        <p:style>
-          <a:lnRef idx="2">
-            <a:schemeClr val="accent1">
-              <a:shade val="50000"/>
-            </a:schemeClr>
-          </a:lnRef>
-          <a:fillRef idx="1">
-            <a:schemeClr val="accent1"/>
-          </a:fillRef>
-          <a:effectRef idx="0">
-            <a:schemeClr val="accent1"/>
-          </a:effectRef>
-          <a:fontRef idx="minor">
-            <a:schemeClr val="lt1"/>
-          </a:fontRef>
-        </p:style>
-        <p:txBody>
-          <a:bodyPr lIns="0" tIns="0" rIns="0" bIns="0" rtlCol="0" anchor="ctr"/>
-          <a:lstStyle/>
-          <a:p>
-            <a:pPr algn="ctr"/>
-            <a:endParaRPr lang="en-US"/>
-          </a:p>
-        </p:txBody>
-      </p:sp>
-      <p:cxnSp>
-        <p:nvCxnSpPr>
-          <p:cNvPr id="29" name="Straight Connector 28"/>
-          <p:cNvCxnSpPr/>
-          <p:nvPr userDrawn="1"/>
-        </p:nvCxnSpPr>
-        <p:spPr>
-          <a:xfrm>
-            <a:off x="1475656" y="6557267"/>
-            <a:ext cx="0" cy="216024"/>
-          </a:xfrm>
-          <a:prstGeom prst="line">
-            <a:avLst/>
-          </a:prstGeom>
-          <a:ln>
-            <a:solidFill>
-              <a:schemeClr val="bg1"/>
-            </a:solidFill>
-          </a:ln>
-        </p:spPr>
-        <p:style>
-          <a:lnRef idx="1">
-            <a:schemeClr val="accent1"/>
-          </a:lnRef>
-          <a:fillRef idx="0">
-            <a:schemeClr val="accent1"/>
-          </a:fillRef>
-          <a:effectRef idx="0">
-            <a:schemeClr val="accent1"/>
-          </a:effectRef>
-          <a:fontRef idx="minor">
-            <a:schemeClr val="tx1"/>
-          </a:fontRef>
-        </p:style>
-      </p:cxnSp>
-      <p:pic>
-        <p:nvPicPr>
-          <p:cNvPr id="30" name="Picture 29"/>
-          <p:cNvPicPr>
-            <a:picLocks noChangeAspect="1"/>
-          </p:cNvPicPr>
-          <p:nvPr userDrawn="1"/>
-        </p:nvPicPr>
-        <p:blipFill>
-          <a:blip r:embed="rId2">
-            <a:extLst>
-              <a:ext uri="{28A0092B-C50C-407E-A947-70E740481C1C}">
-                <a14:useLocalDpi xmlns:a14="http://schemas.microsoft.com/office/drawing/2010/main" val="0"/>
-              </a:ext>
-            </a:extLst>
-          </a:blip>
-          <a:stretch>
-            <a:fillRect/>
-          </a:stretch>
-        </p:blipFill>
-        <p:spPr>
-          <a:xfrm>
-            <a:off x="323850" y="6557267"/>
-            <a:ext cx="1005840" cy="196053"/>
-          </a:xfrm>
-          <a:prstGeom prst="rect">
-            <a:avLst/>
-          </a:prstGeom>
-        </p:spPr>
-      </p:pic>
-      <p:sp>
-        <p:nvSpPr>
-          <p:cNvPr id="31" name="Footer Placeholder 5"/>
-          <p:cNvSpPr>
-            <a:spLocks noGrp="1"/>
-          </p:cNvSpPr>
-          <p:nvPr>
-            <p:ph type="ftr" sz="quarter" idx="3"/>
-          </p:nvPr>
-        </p:nvSpPr>
-        <p:spPr>
-          <a:xfrm>
-            <a:off x="1619672" y="6447599"/>
-            <a:ext cx="3086100" cy="439201"/>
-          </a:xfrm>
-          <a:prstGeom prst="rect">
-            <a:avLst/>
-          </a:prstGeom>
-        </p:spPr>
-        <p:txBody>
-          <a:bodyPr vert="horz" lIns="0" tIns="0" rIns="0" bIns="0" rtlCol="0" anchor="ctr"/>
-          <a:lstStyle>
-            <a:lvl1pPr algn="l">
-              <a:defRPr sz="1000" cap="all" baseline="0">
-                <a:solidFill>
-                  <a:srgbClr val="FFFFFF"/>
-                </a:solidFill>
-                <a:latin typeface="Arial" panose="020B0604020202020204" pitchFamily="34" charset="0"/>
-                <a:cs typeface="Arial" panose="020B0604020202020204" pitchFamily="34" charset="0"/>
-              </a:defRPr>
-            </a:lvl1pPr>
-          </a:lstStyle>
-          <a:p>
-            <a:r>
-              <a:rPr lang="en-US" dirty="0" smtClean="0"/>
-              <a:t>PRESENTATION NAME</a:t>
             </a:r>
             <a:endParaRPr lang="en-US" dirty="0"/>
           </a:p>
@@ -21021,9 +18174,7 @@
     <p:sldLayoutId id="2147483663" r:id="rId2"/>
     <p:sldLayoutId id="2147483712" r:id="rId3"/>
     <p:sldLayoutId id="2147483665" r:id="rId4"/>
-    <p:sldLayoutId id="2147483707" r:id="rId5"/>
-    <p:sldLayoutId id="2147483708" r:id="rId6"/>
-    <p:sldLayoutId id="2147483714" r:id="rId7"/>
+    <p:sldLayoutId id="2147483708" r:id="rId5"/>
   </p:sldLayoutIdLst>
   <p:timing>
     <p:tnLst>
@@ -21429,7 +18580,7 @@
           <p:nvPr userDrawn="1"/>
         </p:nvPicPr>
         <p:blipFill>
-          <a:blip r:embed="rId21">
+          <a:blip r:embed="rId23">
             <a:extLst>
               <a:ext uri="{28A0092B-C50C-407E-A947-70E740481C1C}">
                 <a14:useLocalDpi xmlns:a14="http://schemas.microsoft.com/office/drawing/2010/main" val="0"/>
@@ -21496,7 +18647,7 @@
           <p:nvPr userDrawn="1"/>
         </p:nvPicPr>
         <p:blipFill>
-          <a:blip r:embed="rId22">
+          <a:blip r:embed="rId24">
             <a:extLst>
               <a:ext uri="{28A0092B-C50C-407E-A947-70E740481C1C}">
                 <a14:useLocalDpi xmlns:a14="http://schemas.microsoft.com/office/drawing/2010/main" val="0"/>
@@ -21650,6 +18801,171 @@
           </a:p>
         </p:txBody>
       </p:sp>
+      <p:sp>
+        <p:nvSpPr>
+          <p:cNvPr id="12" name="Rectangle 11"/>
+          <p:cNvSpPr/>
+          <p:nvPr userDrawn="1"/>
+        </p:nvSpPr>
+        <p:spPr>
+          <a:xfrm>
+            <a:off x="0" y="6447600"/>
+            <a:ext cx="9154800" cy="439200"/>
+          </a:xfrm>
+          <a:prstGeom prst="rect">
+            <a:avLst/>
+          </a:prstGeom>
+          <a:solidFill>
+            <a:srgbClr val="808080"/>
+          </a:solidFill>
+          <a:ln>
+            <a:noFill/>
+          </a:ln>
+        </p:spPr>
+        <p:style>
+          <a:lnRef idx="2">
+            <a:schemeClr val="accent1">
+              <a:shade val="50000"/>
+            </a:schemeClr>
+          </a:lnRef>
+          <a:fillRef idx="1">
+            <a:schemeClr val="accent1"/>
+          </a:fillRef>
+          <a:effectRef idx="0">
+            <a:schemeClr val="accent1"/>
+          </a:effectRef>
+          <a:fontRef idx="minor">
+            <a:schemeClr val="lt1"/>
+          </a:fontRef>
+        </p:style>
+        <p:txBody>
+          <a:bodyPr lIns="0" tIns="0" rIns="0" bIns="0" rtlCol="0" anchor="ctr"/>
+          <a:lstStyle/>
+          <a:p>
+            <a:pPr algn="ctr"/>
+            <a:endParaRPr lang="en-US"/>
+          </a:p>
+        </p:txBody>
+      </p:sp>
+      <p:cxnSp>
+        <p:nvCxnSpPr>
+          <p:cNvPr id="14" name="Straight Connector 13"/>
+          <p:cNvCxnSpPr/>
+          <p:nvPr userDrawn="1"/>
+        </p:nvCxnSpPr>
+        <p:spPr>
+          <a:xfrm>
+            <a:off x="1475656" y="6557267"/>
+            <a:ext cx="0" cy="216024"/>
+          </a:xfrm>
+          <a:prstGeom prst="line">
+            <a:avLst/>
+          </a:prstGeom>
+          <a:ln>
+            <a:solidFill>
+              <a:schemeClr val="bg1"/>
+            </a:solidFill>
+          </a:ln>
+        </p:spPr>
+        <p:style>
+          <a:lnRef idx="1">
+            <a:schemeClr val="accent1"/>
+          </a:lnRef>
+          <a:fillRef idx="0">
+            <a:schemeClr val="accent1"/>
+          </a:fillRef>
+          <a:effectRef idx="0">
+            <a:schemeClr val="accent1"/>
+          </a:effectRef>
+          <a:fontRef idx="minor">
+            <a:schemeClr val="tx1"/>
+          </a:fontRef>
+        </p:style>
+      </p:cxnSp>
+      <p:pic>
+        <p:nvPicPr>
+          <p:cNvPr id="15" name="Picture 14"/>
+          <p:cNvPicPr>
+            <a:picLocks noChangeAspect="1"/>
+          </p:cNvPicPr>
+          <p:nvPr userDrawn="1"/>
+        </p:nvPicPr>
+        <p:blipFill>
+          <a:blip r:embed="rId25">
+            <a:extLst>
+              <a:ext uri="{28A0092B-C50C-407E-A947-70E740481C1C}">
+                <a14:useLocalDpi xmlns:a14="http://schemas.microsoft.com/office/drawing/2010/main" val="0"/>
+              </a:ext>
+            </a:extLst>
+          </a:blip>
+          <a:stretch>
+            <a:fillRect/>
+          </a:stretch>
+        </p:blipFill>
+        <p:spPr>
+          <a:xfrm>
+            <a:off x="323850" y="6557267"/>
+            <a:ext cx="1005840" cy="196053"/>
+          </a:xfrm>
+          <a:prstGeom prst="rect">
+            <a:avLst/>
+          </a:prstGeom>
+        </p:spPr>
+      </p:pic>
+      <p:sp>
+        <p:nvSpPr>
+          <p:cNvPr id="17" name="TextBox 16"/>
+          <p:cNvSpPr txBox="1"/>
+          <p:nvPr userDrawn="1"/>
+        </p:nvSpPr>
+        <p:spPr>
+          <a:xfrm>
+            <a:off x="1500077" y="6480613"/>
+            <a:ext cx="3519361" cy="369332"/>
+          </a:xfrm>
+          <a:prstGeom prst="rect">
+            <a:avLst/>
+          </a:prstGeom>
+          <a:noFill/>
+        </p:spPr>
+        <p:txBody>
+          <a:bodyPr wrap="none" rtlCol="0">
+            <a:spAutoFit/>
+          </a:bodyPr>
+          <a:lstStyle/>
+          <a:p>
+            <a:r>
+              <a:rPr lang="en-GB" dirty="0" smtClean="0">
+                <a:solidFill>
+                  <a:schemeClr val="bg1"/>
+                </a:solidFill>
+              </a:rPr>
+              <a:t>ASP.NET </a:t>
+            </a:r>
+            <a:r>
+              <a:rPr lang="en-GB" dirty="0" smtClean="0">
+                <a:solidFill>
+                  <a:schemeClr val="bg1"/>
+                </a:solidFill>
+              </a:rPr>
+              <a:t>CORE Common</a:t>
+            </a:r>
+            <a:r>
+              <a:rPr lang="en-GB" baseline="0" dirty="0" smtClean="0">
+                <a:solidFill>
+                  <a:schemeClr val="bg1"/>
+                </a:solidFill>
+              </a:rPr>
+              <a:t> Tasks</a:t>
+            </a:r>
+            <a:endParaRPr lang="en-US" dirty="0">
+              <a:solidFill>
+                <a:schemeClr val="bg1"/>
+              </a:solidFill>
+            </a:endParaRPr>
+          </a:p>
+        </p:txBody>
+      </p:sp>
     </p:spTree>
     <p:extLst>
       <p:ext uri="{BB962C8B-B14F-4D97-AF65-F5344CB8AC3E}">
@@ -21659,25 +18975,27 @@
   </p:cSld>
   <p:clrMap bg1="lt1" tx1="dk1" bg2="lt2" tx2="dk2" accent1="accent1" accent2="accent2" accent3="accent3" accent4="accent4" accent5="accent5" accent6="accent6" hlink="hlink" folHlink="folHlink"/>
   <p:sldLayoutIdLst>
-    <p:sldLayoutId id="2147483705" r:id="rId1"/>
-    <p:sldLayoutId id="2147483713" r:id="rId2"/>
-    <p:sldLayoutId id="2147483683" r:id="rId3"/>
-    <p:sldLayoutId id="2147483684" r:id="rId4"/>
-    <p:sldLayoutId id="2147483685" r:id="rId5"/>
-    <p:sldLayoutId id="2147483686" r:id="rId6"/>
-    <p:sldLayoutId id="2147483690" r:id="rId7"/>
-    <p:sldLayoutId id="2147483691" r:id="rId8"/>
-    <p:sldLayoutId id="2147483692" r:id="rId9"/>
-    <p:sldLayoutId id="2147483693" r:id="rId10"/>
-    <p:sldLayoutId id="2147483694" r:id="rId11"/>
-    <p:sldLayoutId id="2147483697" r:id="rId12"/>
-    <p:sldLayoutId id="2147483698" r:id="rId13"/>
-    <p:sldLayoutId id="2147483699" r:id="rId14"/>
-    <p:sldLayoutId id="2147483700" r:id="rId15"/>
-    <p:sldLayoutId id="2147483701" r:id="rId16"/>
-    <p:sldLayoutId id="2147483715" r:id="rId17"/>
-    <p:sldLayoutId id="2147483716" r:id="rId18"/>
-    <p:sldLayoutId id="2147483717" r:id="rId19"/>
+    <p:sldLayoutId id="2147483707" r:id="rId1"/>
+    <p:sldLayoutId id="2147483714" r:id="rId2"/>
+    <p:sldLayoutId id="2147483705" r:id="rId3"/>
+    <p:sldLayoutId id="2147483713" r:id="rId4"/>
+    <p:sldLayoutId id="2147483683" r:id="rId5"/>
+    <p:sldLayoutId id="2147483684" r:id="rId6"/>
+    <p:sldLayoutId id="2147483685" r:id="rId7"/>
+    <p:sldLayoutId id="2147483686" r:id="rId8"/>
+    <p:sldLayoutId id="2147483690" r:id="rId9"/>
+    <p:sldLayoutId id="2147483691" r:id="rId10"/>
+    <p:sldLayoutId id="2147483692" r:id="rId11"/>
+    <p:sldLayoutId id="2147483693" r:id="rId12"/>
+    <p:sldLayoutId id="2147483694" r:id="rId13"/>
+    <p:sldLayoutId id="2147483697" r:id="rId14"/>
+    <p:sldLayoutId id="2147483698" r:id="rId15"/>
+    <p:sldLayoutId id="2147483699" r:id="rId16"/>
+    <p:sldLayoutId id="2147483700" r:id="rId17"/>
+    <p:sldLayoutId id="2147483701" r:id="rId18"/>
+    <p:sldLayoutId id="2147483715" r:id="rId19"/>
+    <p:sldLayoutId id="2147483716" r:id="rId20"/>
+    <p:sldLayoutId id="2147483717" r:id="rId21"/>
   </p:sldLayoutIdLst>
   <p:timing>
     <p:tnLst>
@@ -22463,29 +19781,6 @@
       </p:sp>
       <p:sp>
         <p:nvSpPr>
-          <p:cNvPr id="3" name="Footer Placeholder 2"/>
-          <p:cNvSpPr>
-            <a:spLocks noGrp="1"/>
-          </p:cNvSpPr>
-          <p:nvPr>
-            <p:ph type="ftr" sz="quarter" idx="3"/>
-          </p:nvPr>
-        </p:nvSpPr>
-        <p:spPr/>
-        <p:txBody>
-          <a:bodyPr/>
-          <a:lstStyle/>
-          <a:p>
-            <a:r>
-              <a:rPr lang="en-US" smtClean="0"/>
-              <a:t>PRESENTATION NAME</a:t>
-            </a:r>
-            <a:endParaRPr lang="en-US" dirty="0"/>
-          </a:p>
-        </p:txBody>
-      </p:sp>
-      <p:sp>
-        <p:nvSpPr>
           <p:cNvPr id="4" name="Content Placeholder 3"/>
           <p:cNvSpPr>
             <a:spLocks noGrp="1"/>
@@ -22638,29 +19933,6 @@
       </p:sp>
       <p:sp>
         <p:nvSpPr>
-          <p:cNvPr id="3" name="Footer Placeholder 2"/>
-          <p:cNvSpPr>
-            <a:spLocks noGrp="1"/>
-          </p:cNvSpPr>
-          <p:nvPr>
-            <p:ph type="ftr" sz="quarter" idx="3"/>
-          </p:nvPr>
-        </p:nvSpPr>
-        <p:spPr/>
-        <p:txBody>
-          <a:bodyPr/>
-          <a:lstStyle/>
-          <a:p>
-            <a:r>
-              <a:rPr lang="en-US" smtClean="0"/>
-              <a:t>PRESENTATION NAME</a:t>
-            </a:r>
-            <a:endParaRPr lang="en-US" dirty="0"/>
-          </a:p>
-        </p:txBody>
-      </p:sp>
-      <p:sp>
-        <p:nvSpPr>
           <p:cNvPr id="4" name="Content Placeholder 3"/>
           <p:cNvSpPr>
             <a:spLocks noGrp="1"/>
@@ -22720,19 +19992,7 @@
             </a:r>
             <a:r>
               <a:rPr lang="en-US" sz="2400" dirty="0" smtClean="0"/>
-              <a:t> Tier – Web tier is </a:t>
-            </a:r>
-            <a:r>
-              <a:rPr lang="en-US" sz="2400" dirty="0" smtClean="0"/>
-              <a:t>added</a:t>
-            </a:r>
-            <a:r>
-              <a:rPr lang="en-US" sz="2400" dirty="0" smtClean="0"/>
-              <a:t> </a:t>
-            </a:r>
-            <a:r>
-              <a:rPr lang="en-US" sz="2400" dirty="0" smtClean="0"/>
-              <a:t>between client and database</a:t>
+              <a:t> Tier – Web tier is added between client and database</a:t>
             </a:r>
           </a:p>
           <a:p>
@@ -22745,19 +20005,7 @@
             </a:pPr>
             <a:r>
               <a:rPr lang="en-GB" sz="2400" dirty="0" smtClean="0"/>
-              <a:t>2 Tiers – Data tier is </a:t>
-            </a:r>
-            <a:r>
-              <a:rPr lang="en-GB" sz="2400" dirty="0" smtClean="0"/>
-              <a:t>added</a:t>
-            </a:r>
-            <a:r>
-              <a:rPr lang="en-GB" sz="2400" dirty="0" smtClean="0"/>
-              <a:t> </a:t>
-            </a:r>
-            <a:r>
-              <a:rPr lang="en-GB" sz="2400" dirty="0" smtClean="0"/>
-              <a:t>to handle database</a:t>
+              <a:t>2 Tiers – Data tier is added to handle database</a:t>
             </a:r>
           </a:p>
           <a:p>
@@ -22770,19 +20018,7 @@
             </a:pPr>
             <a:r>
               <a:rPr lang="en-GB" sz="2400" dirty="0" smtClean="0"/>
-              <a:t>3 Tiers – Business tier is </a:t>
-            </a:r>
-            <a:r>
-              <a:rPr lang="en-GB" sz="2400" dirty="0" smtClean="0"/>
-              <a:t>added </a:t>
-            </a:r>
-            <a:r>
-              <a:rPr lang="en-GB" sz="2400" dirty="0" smtClean="0"/>
-              <a:t>to handle business </a:t>
-            </a:r>
-            <a:r>
-              <a:rPr lang="en-GB" sz="2400" dirty="0" smtClean="0"/>
-              <a:t>logic</a:t>
+              <a:t>3 Tiers – Business tier is added to handle business logic</a:t>
             </a:r>
             <a:endParaRPr lang="ru-RU" sz="2400" dirty="0" smtClean="0"/>
           </a:p>
@@ -22930,29 +20166,6 @@
             <a:r>
               <a:rPr lang="en-GB" dirty="0"/>
               <a:t>obvious way</a:t>
-            </a:r>
-            <a:endParaRPr lang="en-US" dirty="0"/>
-          </a:p>
-        </p:txBody>
-      </p:sp>
-      <p:sp>
-        <p:nvSpPr>
-          <p:cNvPr id="3" name="Footer Placeholder 2"/>
-          <p:cNvSpPr>
-            <a:spLocks noGrp="1"/>
-          </p:cNvSpPr>
-          <p:nvPr>
-            <p:ph type="ftr" sz="quarter" idx="3"/>
-          </p:nvPr>
-        </p:nvSpPr>
-        <p:spPr/>
-        <p:txBody>
-          <a:bodyPr/>
-          <a:lstStyle/>
-          <a:p>
-            <a:r>
-              <a:rPr lang="en-US" smtClean="0"/>
-              <a:t>PRESENTATION NAME</a:t>
             </a:r>
             <a:endParaRPr lang="en-US" dirty="0"/>
           </a:p>
@@ -23350,29 +20563,6 @@
       </p:sp>
       <p:sp>
         <p:nvSpPr>
-          <p:cNvPr id="3" name="Footer Placeholder 2"/>
-          <p:cNvSpPr>
-            <a:spLocks noGrp="1"/>
-          </p:cNvSpPr>
-          <p:nvPr>
-            <p:ph type="ftr" sz="quarter" idx="3"/>
-          </p:nvPr>
-        </p:nvSpPr>
-        <p:spPr/>
-        <p:txBody>
-          <a:bodyPr/>
-          <a:lstStyle/>
-          <a:p>
-            <a:r>
-              <a:rPr lang="en-US" smtClean="0"/>
-              <a:t>PRESENTATION NAME</a:t>
-            </a:r>
-            <a:endParaRPr lang="en-US" dirty="0"/>
-          </a:p>
-        </p:txBody>
-      </p:sp>
-      <p:sp>
-        <p:nvSpPr>
           <p:cNvPr id="4" name="Content Placeholder 3"/>
           <p:cNvSpPr>
             <a:spLocks noGrp="1"/>
@@ -23508,29 +20698,6 @@
       </p:sp>
       <p:sp>
         <p:nvSpPr>
-          <p:cNvPr id="3" name="Footer Placeholder 2"/>
-          <p:cNvSpPr>
-            <a:spLocks noGrp="1"/>
-          </p:cNvSpPr>
-          <p:nvPr>
-            <p:ph type="ftr" sz="quarter" idx="3"/>
-          </p:nvPr>
-        </p:nvSpPr>
-        <p:spPr/>
-        <p:txBody>
-          <a:bodyPr/>
-          <a:lstStyle/>
-          <a:p>
-            <a:r>
-              <a:rPr lang="en-US" smtClean="0"/>
-              <a:t>PRESENTATION NAME</a:t>
-            </a:r>
-            <a:endParaRPr lang="en-US" dirty="0"/>
-          </a:p>
-        </p:txBody>
-      </p:sp>
-      <p:sp>
-        <p:nvSpPr>
           <p:cNvPr id="4" name="Content Placeholder 3"/>
           <p:cNvSpPr>
             <a:spLocks noGrp="1"/>
@@ -23829,29 +20996,6 @@
             <a:r>
               <a:rPr lang="en-US" b="1" dirty="0" smtClean="0"/>
               <a:t>Scheduling JOBS</a:t>
-            </a:r>
-            <a:endParaRPr lang="en-US" dirty="0"/>
-          </a:p>
-        </p:txBody>
-      </p:sp>
-      <p:sp>
-        <p:nvSpPr>
-          <p:cNvPr id="3" name="Footer Placeholder 2"/>
-          <p:cNvSpPr>
-            <a:spLocks noGrp="1"/>
-          </p:cNvSpPr>
-          <p:nvPr>
-            <p:ph type="ftr" sz="quarter" idx="3"/>
-          </p:nvPr>
-        </p:nvSpPr>
-        <p:spPr/>
-        <p:txBody>
-          <a:bodyPr/>
-          <a:lstStyle/>
-          <a:p>
-            <a:r>
-              <a:rPr lang="en-US" smtClean="0"/>
-              <a:t>PRESENTATION NAME</a:t>
             </a:r>
             <a:endParaRPr lang="en-US" dirty="0"/>
           </a:p>
@@ -24402,29 +21546,6 @@
       </p:sp>
       <p:sp>
         <p:nvSpPr>
-          <p:cNvPr id="3" name="Footer Placeholder 2"/>
-          <p:cNvSpPr>
-            <a:spLocks noGrp="1"/>
-          </p:cNvSpPr>
-          <p:nvPr>
-            <p:ph type="ftr" sz="quarter" idx="3"/>
-          </p:nvPr>
-        </p:nvSpPr>
-        <p:spPr/>
-        <p:txBody>
-          <a:bodyPr/>
-          <a:lstStyle/>
-          <a:p>
-            <a:r>
-              <a:rPr lang="en-US" smtClean="0"/>
-              <a:t>PRESENTATION NAME</a:t>
-            </a:r>
-            <a:endParaRPr lang="en-US" dirty="0"/>
-          </a:p>
-        </p:txBody>
-      </p:sp>
-      <p:sp>
-        <p:nvSpPr>
           <p:cNvPr id="4" name="Content Placeholder 3"/>
           <p:cNvSpPr>
             <a:spLocks noGrp="1"/>
@@ -24723,29 +21844,6 @@
       </p:sp>
       <p:sp>
         <p:nvSpPr>
-          <p:cNvPr id="3" name="Footer Placeholder 2"/>
-          <p:cNvSpPr>
-            <a:spLocks noGrp="1"/>
-          </p:cNvSpPr>
-          <p:nvPr>
-            <p:ph type="ftr" sz="quarter" idx="3"/>
-          </p:nvPr>
-        </p:nvSpPr>
-        <p:spPr/>
-        <p:txBody>
-          <a:bodyPr/>
-          <a:lstStyle/>
-          <a:p>
-            <a:r>
-              <a:rPr lang="en-US" smtClean="0"/>
-              <a:t>PRESENTATION NAME</a:t>
-            </a:r>
-            <a:endParaRPr lang="en-US" dirty="0"/>
-          </a:p>
-        </p:txBody>
-      </p:sp>
-      <p:sp>
-        <p:nvSpPr>
           <p:cNvPr id="4" name="Content Placeholder 3"/>
           <p:cNvSpPr>
             <a:spLocks noGrp="1"/>
@@ -24796,7 +21894,6 @@
               <a:rPr lang="en-US" sz="2400" dirty="0"/>
               <a:t>Tokens</a:t>
             </a:r>
-            <a:endParaRPr lang="en-US" sz="2400" dirty="0"/>
           </a:p>
           <a:p>
             <a:pPr marL="342900" indent="-342900">
@@ -24821,11 +21918,7 @@
             </a:pPr>
             <a:r>
               <a:rPr lang="en-US" sz="2400" dirty="0"/>
-              <a:t>One-Time </a:t>
-            </a:r>
-            <a:r>
-              <a:rPr lang="en-US" sz="2400" dirty="0"/>
-              <a:t>Passwords</a:t>
+              <a:t>One-Time Passwords</a:t>
             </a:r>
           </a:p>
           <a:p>
@@ -24894,29 +21987,6 @@
               <a:t>Things to SEE</a:t>
             </a:r>
             <a:endParaRPr lang="en-US" sz="3600" dirty="0"/>
-          </a:p>
-        </p:txBody>
-      </p:sp>
-      <p:sp>
-        <p:nvSpPr>
-          <p:cNvPr id="3" name="Footer Placeholder 2"/>
-          <p:cNvSpPr>
-            <a:spLocks noGrp="1"/>
-          </p:cNvSpPr>
-          <p:nvPr>
-            <p:ph type="ftr" sz="quarter" idx="3"/>
-          </p:nvPr>
-        </p:nvSpPr>
-        <p:spPr/>
-        <p:txBody>
-          <a:bodyPr/>
-          <a:lstStyle/>
-          <a:p>
-            <a:r>
-              <a:rPr lang="en-US" smtClean="0"/>
-              <a:t>PRESENTATION NAME</a:t>
-            </a:r>
-            <a:endParaRPr lang="en-US" dirty="0"/>
           </a:p>
         </p:txBody>
       </p:sp>
@@ -25229,29 +22299,6 @@
       </p:sp>
       <p:sp>
         <p:nvSpPr>
-          <p:cNvPr id="3" name="Footer Placeholder 2"/>
-          <p:cNvSpPr>
-            <a:spLocks noGrp="1"/>
-          </p:cNvSpPr>
-          <p:nvPr>
-            <p:ph type="ftr" sz="quarter" idx="3"/>
-          </p:nvPr>
-        </p:nvSpPr>
-        <p:spPr/>
-        <p:txBody>
-          <a:bodyPr/>
-          <a:lstStyle/>
-          <a:p>
-            <a:r>
-              <a:rPr lang="en-US" smtClean="0"/>
-              <a:t>PRESENTATION NAME</a:t>
-            </a:r>
-            <a:endParaRPr lang="en-US" dirty="0"/>
-          </a:p>
-        </p:txBody>
-      </p:sp>
-      <p:sp>
-        <p:nvSpPr>
           <p:cNvPr id="4" name="Content Placeholder 3"/>
           <p:cNvSpPr>
             <a:spLocks noGrp="1"/>
@@ -25274,19 +22321,7 @@
             </a:pPr>
             <a:r>
               <a:rPr lang="en-US" sz="2400" dirty="0"/>
-              <a:t>R</a:t>
-            </a:r>
-            <a:r>
-              <a:rPr lang="en-US" sz="2400" dirty="0"/>
-              <a:t>eal </a:t>
-            </a:r>
-            <a:r>
-              <a:rPr lang="en-US" sz="2400" dirty="0"/>
-              <a:t>time </a:t>
-            </a:r>
-            <a:r>
-              <a:rPr lang="en-US" sz="2400" dirty="0"/>
-              <a:t>applications</a:t>
+              <a:t>Real time applications</a:t>
             </a:r>
           </a:p>
           <a:p>
@@ -25312,11 +22347,7 @@
             </a:pPr>
             <a:r>
               <a:rPr lang="en-US" sz="2400" dirty="0"/>
-              <a:t>V</a:t>
-            </a:r>
-            <a:r>
-              <a:rPr lang="en-US" sz="2400" dirty="0"/>
-              <a:t>ideo conferencing</a:t>
+              <a:t>Video conferencing</a:t>
             </a:r>
           </a:p>
           <a:p>
@@ -25329,17 +22360,8 @@
             </a:pPr>
             <a:r>
               <a:rPr lang="en-US" sz="2400" dirty="0"/>
-              <a:t>M</a:t>
-            </a:r>
-            <a:r>
-              <a:rPr lang="en-US" sz="2400" dirty="0"/>
-              <a:t>ultiplayer </a:t>
-            </a:r>
-            <a:r>
-              <a:rPr lang="en-US" sz="2400" dirty="0"/>
-              <a:t>games</a:t>
-            </a:r>
-            <a:endParaRPr lang="en-US" sz="2400" dirty="0"/>
+              <a:t>Multiplayer games</a:t>
+            </a:r>
           </a:p>
           <a:p>
             <a:pPr marL="342900" indent="-342900">
@@ -25407,29 +22429,6 @@
               <a:t>Things to SEE</a:t>
             </a:r>
             <a:endParaRPr lang="en-US" sz="3600" dirty="0"/>
-          </a:p>
-        </p:txBody>
-      </p:sp>
-      <p:sp>
-        <p:nvSpPr>
-          <p:cNvPr id="3" name="Footer Placeholder 2"/>
-          <p:cNvSpPr>
-            <a:spLocks noGrp="1"/>
-          </p:cNvSpPr>
-          <p:nvPr>
-            <p:ph type="ftr" sz="quarter" idx="3"/>
-          </p:nvPr>
-        </p:nvSpPr>
-        <p:spPr/>
-        <p:txBody>
-          <a:bodyPr/>
-          <a:lstStyle/>
-          <a:p>
-            <a:r>
-              <a:rPr lang="en-US" smtClean="0"/>
-              <a:t>PRESENTATION NAME</a:t>
-            </a:r>
-            <a:endParaRPr lang="en-US" dirty="0"/>
           </a:p>
         </p:txBody>
       </p:sp>
@@ -25692,7 +22691,6 @@
               <a:rPr lang="en-US" dirty="0"/>
               <a:t>SOCKETS</a:t>
             </a:r>
-            <a:endParaRPr lang="en-US" dirty="0"/>
           </a:p>
         </p:txBody>
       </p:sp>
@@ -25832,29 +22830,6 @@
       </p:sp>
       <p:sp>
         <p:nvSpPr>
-          <p:cNvPr id="3" name="Footer Placeholder 2"/>
-          <p:cNvSpPr>
-            <a:spLocks noGrp="1"/>
-          </p:cNvSpPr>
-          <p:nvPr>
-            <p:ph type="ftr" sz="quarter" idx="3"/>
-          </p:nvPr>
-        </p:nvSpPr>
-        <p:spPr/>
-        <p:txBody>
-          <a:bodyPr/>
-          <a:lstStyle/>
-          <a:p>
-            <a:r>
-              <a:rPr lang="en-US" smtClean="0"/>
-              <a:t>PRESENTATION NAME</a:t>
-            </a:r>
-            <a:endParaRPr lang="en-US" dirty="0"/>
-          </a:p>
-        </p:txBody>
-      </p:sp>
-      <p:sp>
-        <p:nvSpPr>
           <p:cNvPr id="4" name="Content Placeholder 3"/>
           <p:cNvSpPr>
             <a:spLocks noGrp="1"/>
@@ -25919,11 +22894,7 @@
             </a:pPr>
             <a:r>
               <a:rPr lang="en-US" sz="2400" dirty="0"/>
-              <a:t>Rhino </a:t>
-            </a:r>
-            <a:r>
-              <a:rPr lang="en-US" sz="2400" dirty="0"/>
-              <a:t>Mocks</a:t>
+              <a:t>Rhino Mocks</a:t>
             </a:r>
           </a:p>
           <a:p>
@@ -26079,29 +23050,6 @@
             <a:r>
               <a:rPr lang="en-GB" dirty="0" smtClean="0"/>
               <a:t>OTHER	THINGS to SEE</a:t>
-            </a:r>
-            <a:endParaRPr lang="en-US" dirty="0"/>
-          </a:p>
-        </p:txBody>
-      </p:sp>
-      <p:sp>
-        <p:nvSpPr>
-          <p:cNvPr id="3" name="Footer Placeholder 2"/>
-          <p:cNvSpPr>
-            <a:spLocks noGrp="1"/>
-          </p:cNvSpPr>
-          <p:nvPr>
-            <p:ph type="ftr" sz="quarter" idx="3"/>
-          </p:nvPr>
-        </p:nvSpPr>
-        <p:spPr/>
-        <p:txBody>
-          <a:bodyPr/>
-          <a:lstStyle/>
-          <a:p>
-            <a:r>
-              <a:rPr lang="en-US" smtClean="0"/>
-              <a:t>PRESENTATION NAME</a:t>
             </a:r>
             <a:endParaRPr lang="en-US" dirty="0"/>
           </a:p>
@@ -26342,29 +23290,6 @@
       </p:sp>
       <p:sp>
         <p:nvSpPr>
-          <p:cNvPr id="3" name="Footer Placeholder 2"/>
-          <p:cNvSpPr>
-            <a:spLocks noGrp="1"/>
-          </p:cNvSpPr>
-          <p:nvPr>
-            <p:ph type="ftr" sz="quarter" idx="3"/>
-          </p:nvPr>
-        </p:nvSpPr>
-        <p:spPr/>
-        <p:txBody>
-          <a:bodyPr/>
-          <a:lstStyle/>
-          <a:p>
-            <a:r>
-              <a:rPr lang="en-US" smtClean="0"/>
-              <a:t>PRESENTATION NAME</a:t>
-            </a:r>
-            <a:endParaRPr lang="en-US" dirty="0"/>
-          </a:p>
-        </p:txBody>
-      </p:sp>
-      <p:sp>
-        <p:nvSpPr>
           <p:cNvPr id="4" name="Content Placeholder 3"/>
           <p:cNvSpPr>
             <a:spLocks noGrp="1"/>
@@ -26399,7 +23324,6 @@
               <a:rPr lang="en-US" sz="2400" dirty="0" smtClean="0"/>
               <a:t>Database</a:t>
             </a:r>
-            <a:endParaRPr lang="en-US" sz="2400" dirty="0" smtClean="0"/>
           </a:p>
           <a:p>
             <a:pPr>
@@ -26433,7 +23357,6 @@
               <a:rPr lang="en-US" sz="2400" dirty="0" smtClean="0"/>
               <a:t>Authentication</a:t>
             </a:r>
-            <a:endParaRPr lang="en-US" sz="2400" dirty="0" smtClean="0"/>
           </a:p>
           <a:p>
             <a:pPr>
@@ -26587,29 +23510,6 @@
             <a:r>
               <a:rPr lang="en-GB" dirty="0" smtClean="0"/>
               <a:t>Start of Development</a:t>
-            </a:r>
-            <a:endParaRPr lang="en-US" dirty="0"/>
-          </a:p>
-        </p:txBody>
-      </p:sp>
-      <p:sp>
-        <p:nvSpPr>
-          <p:cNvPr id="3" name="Footer Placeholder 2"/>
-          <p:cNvSpPr>
-            <a:spLocks noGrp="1"/>
-          </p:cNvSpPr>
-          <p:nvPr>
-            <p:ph type="ftr" sz="quarter" idx="3"/>
-          </p:nvPr>
-        </p:nvSpPr>
-        <p:spPr/>
-        <p:txBody>
-          <a:bodyPr/>
-          <a:lstStyle/>
-          <a:p>
-            <a:r>
-              <a:rPr lang="en-US" smtClean="0"/>
-              <a:t>PRESENTATION NAME</a:t>
             </a:r>
             <a:endParaRPr lang="en-US" dirty="0"/>
           </a:p>
@@ -26697,29 +23597,6 @@
           </a:p>
         </p:txBody>
       </p:sp>
-      <p:sp>
-        <p:nvSpPr>
-          <p:cNvPr id="3" name="Footer Placeholder 2"/>
-          <p:cNvSpPr>
-            <a:spLocks noGrp="1"/>
-          </p:cNvSpPr>
-          <p:nvPr>
-            <p:ph type="ftr" sz="quarter" idx="3"/>
-          </p:nvPr>
-        </p:nvSpPr>
-        <p:spPr/>
-        <p:txBody>
-          <a:bodyPr/>
-          <a:lstStyle/>
-          <a:p>
-            <a:r>
-              <a:rPr lang="en-US" smtClean="0"/>
-              <a:t>PRESENTATION NAME</a:t>
-            </a:r>
-            <a:endParaRPr lang="en-US" dirty="0"/>
-          </a:p>
-        </p:txBody>
-      </p:sp>
       <p:graphicFrame>
         <p:nvGraphicFramePr>
           <p:cNvPr id="7" name="Content Placeholder 6"/>
@@ -26793,29 +23670,6 @@
             <a:r>
               <a:rPr lang="en-GB" dirty="0" smtClean="0"/>
               <a:t>Further Development</a:t>
-            </a:r>
-            <a:endParaRPr lang="en-US" dirty="0"/>
-          </a:p>
-        </p:txBody>
-      </p:sp>
-      <p:sp>
-        <p:nvSpPr>
-          <p:cNvPr id="3" name="Footer Placeholder 2"/>
-          <p:cNvSpPr>
-            <a:spLocks noGrp="1"/>
-          </p:cNvSpPr>
-          <p:nvPr>
-            <p:ph type="ftr" sz="quarter" idx="3"/>
-          </p:nvPr>
-        </p:nvSpPr>
-        <p:spPr/>
-        <p:txBody>
-          <a:bodyPr/>
-          <a:lstStyle/>
-          <a:p>
-            <a:r>
-              <a:rPr lang="en-US" smtClean="0"/>
-              <a:t>PRESENTATION NAME</a:t>
             </a:r>
             <a:endParaRPr lang="en-US" dirty="0"/>
           </a:p>

--- a/docs/ASP.NET CORE - Common Tasks - iTechArt 2018.pptx
+++ b/docs/ASP.NET CORE - Common Tasks - iTechArt 2018.pptx
@@ -8,10 +8,10 @@
     <p:sldMasterId id="2147483702" r:id="rId4"/>
   </p:sldMasterIdLst>
   <p:notesMasterIdLst>
-    <p:notesMasterId r:id="rId40"/>
+    <p:notesMasterId r:id="rId41"/>
   </p:notesMasterIdLst>
   <p:handoutMasterIdLst>
-    <p:handoutMasterId r:id="rId41"/>
+    <p:handoutMasterId r:id="rId42"/>
   </p:handoutMasterIdLst>
   <p:sldIdLst>
     <p:sldId id="334" r:id="rId5"/>
@@ -31,24 +31,25 @@
     <p:sldId id="547" r:id="rId19"/>
     <p:sldId id="558" r:id="rId20"/>
     <p:sldId id="559" r:id="rId21"/>
-    <p:sldId id="561" r:id="rId22"/>
-    <p:sldId id="562" r:id="rId23"/>
-    <p:sldId id="563" r:id="rId24"/>
-    <p:sldId id="570" r:id="rId25"/>
-    <p:sldId id="564" r:id="rId26"/>
-    <p:sldId id="565" r:id="rId27"/>
-    <p:sldId id="575" r:id="rId28"/>
-    <p:sldId id="569" r:id="rId29"/>
-    <p:sldId id="566" r:id="rId30"/>
-    <p:sldId id="567" r:id="rId31"/>
-    <p:sldId id="576" r:id="rId32"/>
-    <p:sldId id="571" r:id="rId33"/>
-    <p:sldId id="568" r:id="rId34"/>
-    <p:sldId id="572" r:id="rId35"/>
-    <p:sldId id="573" r:id="rId36"/>
-    <p:sldId id="574" r:id="rId37"/>
-    <p:sldId id="577" r:id="rId38"/>
-    <p:sldId id="578" r:id="rId39"/>
+    <p:sldId id="579" r:id="rId22"/>
+    <p:sldId id="561" r:id="rId23"/>
+    <p:sldId id="562" r:id="rId24"/>
+    <p:sldId id="563" r:id="rId25"/>
+    <p:sldId id="570" r:id="rId26"/>
+    <p:sldId id="564" r:id="rId27"/>
+    <p:sldId id="565" r:id="rId28"/>
+    <p:sldId id="575" r:id="rId29"/>
+    <p:sldId id="569" r:id="rId30"/>
+    <p:sldId id="566" r:id="rId31"/>
+    <p:sldId id="567" r:id="rId32"/>
+    <p:sldId id="576" r:id="rId33"/>
+    <p:sldId id="571" r:id="rId34"/>
+    <p:sldId id="568" r:id="rId35"/>
+    <p:sldId id="572" r:id="rId36"/>
+    <p:sldId id="573" r:id="rId37"/>
+    <p:sldId id="574" r:id="rId38"/>
+    <p:sldId id="577" r:id="rId39"/>
+    <p:sldId id="578" r:id="rId40"/>
   </p:sldIdLst>
   <p:sldSz cx="9144000" cy="6858000" type="screen4x3"/>
   <p:notesSz cx="6858000" cy="9144000"/>
@@ -5542,7 +5543,7 @@
           <a:p>
             <a:fld id="{4745C2A7-EC62-4025-933C-BCAFCDD3DF69}" type="datetimeFigureOut">
               <a:rPr lang="en-US" smtClean="0"/>
-              <a:t>2/13/2018</a:t>
+              <a:t>2/14/2018</a:t>
             </a:fld>
             <a:endParaRPr lang="en-US"/>
           </a:p>
@@ -5707,7 +5708,7 @@
           <a:p>
             <a:fld id="{06260018-D06A-43EF-993F-2C9FDF70442E}" type="datetimeFigureOut">
               <a:rPr lang="en-US" smtClean="0"/>
-              <a:t>2/13/2018</a:t>
+              <a:t>2/14/2018</a:t>
             </a:fld>
             <a:endParaRPr lang="en-US"/>
           </a:p>
@@ -18940,15 +18941,7 @@
                   <a:schemeClr val="bg1"/>
                 </a:solidFill>
               </a:rPr>
-              <a:t>ASP.NET </a:t>
-            </a:r>
-            <a:r>
-              <a:rPr lang="en-GB" dirty="0" smtClean="0">
-                <a:solidFill>
-                  <a:schemeClr val="bg1"/>
-                </a:solidFill>
-              </a:rPr>
-              <a:t>CORE Common</a:t>
+              <a:t>ASP.NET CORE Common</a:t>
             </a:r>
             <a:r>
               <a:rPr lang="en-GB" baseline="0" dirty="0" smtClean="0">
@@ -19662,7 +19655,14 @@
           <a:p>
             <a:r>
               <a:rPr lang="en-GB" dirty="0" smtClean="0"/>
-              <a:t>ASP.NET</a:t>
+              <a:t>ASP.NET CORE</a:t>
+            </a:r>
+            <a:br>
+              <a:rPr lang="en-GB" dirty="0" smtClean="0"/>
+            </a:br>
+            <a:r>
+              <a:rPr lang="en-GB" dirty="0" smtClean="0"/>
+              <a:t>Common TASKS</a:t>
             </a:r>
             <a:endParaRPr lang="en-US" dirty="0"/>
           </a:p>
@@ -20555,7 +20555,7 @@
           <a:p>
             <a:r>
               <a:rPr lang="en-US" dirty="0" smtClean="0"/>
-              <a:t>COMMON Problems</a:t>
+              <a:t>Problems</a:t>
             </a:r>
             <a:endParaRPr lang="en-US" dirty="0"/>
           </a:p>
@@ -20980,7 +20980,7 @@
       </p:grpSpPr>
       <p:sp>
         <p:nvSpPr>
-          <p:cNvPr id="2" name="Title 1"/>
+          <p:cNvPr id="4" name="Title 3"/>
           <p:cNvSpPr>
             <a:spLocks noGrp="1"/>
           </p:cNvSpPr>
@@ -20994,16 +20994,15 @@
           <a:lstStyle/>
           <a:p>
             <a:r>
-              <a:rPr lang="en-US" b="1" dirty="0" smtClean="0"/>
-              <a:t>Scheduling JOBS</a:t>
-            </a:r>
-            <a:endParaRPr lang="en-US" dirty="0"/>
+              <a:rPr lang="en-US" dirty="0"/>
+              <a:t>COMMON Problems</a:t>
+            </a:r>
           </a:p>
         </p:txBody>
       </p:sp>
       <p:sp>
         <p:nvSpPr>
-          <p:cNvPr id="4" name="Content Placeholder 3"/>
+          <p:cNvPr id="5" name="Content Placeholder 4"/>
           <p:cNvSpPr>
             <a:spLocks noGrp="1"/>
           </p:cNvSpPr>
@@ -21016,7 +21015,7 @@
           <a:bodyPr/>
           <a:lstStyle/>
           <a:p>
-            <a:pPr marL="342900" indent="-342900">
+            <a:pPr marL="285750" indent="-285750">
               <a:lnSpc>
                 <a:spcPct val="150000"/>
               </a:lnSpc>
@@ -21024,13 +21023,12 @@
               <a:buChar char="q"/>
             </a:pPr>
             <a:r>
-              <a:rPr lang="en-US" sz="2400" dirty="0" smtClean="0"/>
-              <a:t>FluentScheduler</a:t>
-            </a:r>
-            <a:endParaRPr lang="en-US" sz="2400" dirty="0"/>
-          </a:p>
-          <a:p>
-            <a:pPr marL="342900" indent="-342900">
+              <a:rPr lang="en-GB" sz="2400" dirty="0" smtClean="0"/>
+              <a:t>Asynchronous long running tasks</a:t>
+            </a:r>
+          </a:p>
+          <a:p>
+            <a:pPr marL="285750" indent="-285750">
               <a:lnSpc>
                 <a:spcPct val="150000"/>
               </a:lnSpc>
@@ -21038,12 +21036,12 @@
               <a:buChar char="q"/>
             </a:pPr>
             <a:r>
-              <a:rPr lang="en-US" sz="2400" dirty="0" smtClean="0"/>
-              <a:t>Ncrontab</a:t>
-            </a:r>
-          </a:p>
-          <a:p>
-            <a:pPr marL="342900" indent="-342900">
+              <a:rPr lang="en-GB" sz="2400" dirty="0" smtClean="0"/>
+              <a:t>Information about tasks results</a:t>
+            </a:r>
+          </a:p>
+          <a:p>
+            <a:pPr marL="285750" indent="-285750">
               <a:lnSpc>
                 <a:spcPct val="150000"/>
               </a:lnSpc>
@@ -21051,12 +21049,12 @@
               <a:buChar char="q"/>
             </a:pPr>
             <a:r>
-              <a:rPr lang="en-US" sz="2400" dirty="0" smtClean="0"/>
-              <a:t>QuartzNet</a:t>
-            </a:r>
-          </a:p>
-          <a:p>
-            <a:pPr marL="342900" indent="-342900">
+              <a:rPr lang="en-GB" sz="2400" dirty="0" smtClean="0"/>
+              <a:t>Tasks retry</a:t>
+            </a:r>
+          </a:p>
+          <a:p>
+            <a:pPr marL="285750" indent="-285750">
               <a:lnSpc>
                 <a:spcPct val="150000"/>
               </a:lnSpc>
@@ -21064,12 +21062,12 @@
               <a:buChar char="q"/>
             </a:pPr>
             <a:r>
-              <a:rPr lang="en-US" sz="2400" dirty="0" smtClean="0"/>
-              <a:t>Hangfire</a:t>
-            </a:r>
-          </a:p>
-          <a:p>
-            <a:pPr marL="342900" indent="-342900">
+              <a:rPr lang="en-GB" sz="2400" dirty="0" smtClean="0"/>
+              <a:t>Custom tasks schedule </a:t>
+            </a:r>
+          </a:p>
+          <a:p>
+            <a:pPr marL="285750" indent="-285750">
               <a:lnSpc>
                 <a:spcPct val="150000"/>
               </a:lnSpc>
@@ -21077,43 +21075,22 @@
               <a:buChar char="q"/>
             </a:pPr>
             <a:r>
-              <a:rPr lang="en-US" sz="2400" dirty="0" smtClean="0"/>
-              <a:t>Chroniton</a:t>
-            </a:r>
-          </a:p>
-          <a:p>
-            <a:pPr marL="342900" indent="-342900">
-              <a:lnSpc>
-                <a:spcPct val="150000"/>
-              </a:lnSpc>
-              <a:buFont typeface="Wingdings" panose="05000000000000000000" pitchFamily="2" charset="2"/>
-              <a:buChar char="q"/>
+              <a:rPr lang="en-GB" sz="2400" dirty="0" smtClean="0"/>
+              <a:t>Using same business logic</a:t>
+            </a:r>
+          </a:p>
+          <a:p>
+            <a:pPr marL="0" indent="0">
+              <a:buNone/>
             </a:pPr>
-            <a:r>
-              <a:rPr lang="en-US" sz="2400" dirty="0" smtClean="0"/>
-              <a:t>DurableTask</a:t>
-            </a:r>
-          </a:p>
-          <a:p>
-            <a:pPr marL="342900" indent="-342900">
-              <a:lnSpc>
-                <a:spcPct val="150000"/>
-              </a:lnSpc>
-              <a:buFont typeface="Wingdings" panose="05000000000000000000" pitchFamily="2" charset="2"/>
-              <a:buChar char="q"/>
-            </a:pPr>
-            <a:r>
-              <a:rPr lang="en-GB" sz="2400" dirty="0" smtClean="0"/>
-              <a:t>Others</a:t>
-            </a:r>
-            <a:endParaRPr lang="en-US" sz="2400" dirty="0"/>
+            <a:endParaRPr lang="en-US" sz="1600" dirty="0"/>
           </a:p>
         </p:txBody>
       </p:sp>
     </p:spTree>
     <p:extLst>
       <p:ext uri="{BB962C8B-B14F-4D97-AF65-F5344CB8AC3E}">
-        <p14:creationId xmlns:p14="http://schemas.microsoft.com/office/powerpoint/2010/main" val="2336234496"/>
+        <p14:creationId xmlns:p14="http://schemas.microsoft.com/office/powerpoint/2010/main" val="3423468132"/>
       </p:ext>
     </p:extLst>
   </p:cSld>
@@ -21142,12 +21119,12 @@
       </p:grpSpPr>
       <p:sp>
         <p:nvSpPr>
-          <p:cNvPr id="2" name="Text Placeholder 1"/>
+          <p:cNvPr id="2" name="Title 1"/>
           <p:cNvSpPr>
             <a:spLocks noGrp="1"/>
           </p:cNvSpPr>
           <p:nvPr>
-            <p:ph type="body" sz="quarter" idx="11"/>
+            <p:ph type="title"/>
           </p:nvPr>
         </p:nvSpPr>
         <p:spPr/>
@@ -21156,8 +21133,8 @@
           <a:lstStyle/>
           <a:p>
             <a:r>
-              <a:rPr lang="en-GB" dirty="0" smtClean="0"/>
-              <a:t>DEMO</a:t>
+              <a:rPr lang="en-US" b="1" dirty="0" smtClean="0"/>
+              <a:t>Scheduling JOBS</a:t>
             </a:r>
             <a:endParaRPr lang="en-US" dirty="0"/>
           </a:p>
@@ -21165,12 +21142,12 @@
       </p:sp>
       <p:sp>
         <p:nvSpPr>
-          <p:cNvPr id="3" name="Text Placeholder 2"/>
+          <p:cNvPr id="4" name="Content Placeholder 3"/>
           <p:cNvSpPr>
             <a:spLocks noGrp="1"/>
           </p:cNvSpPr>
           <p:nvPr>
-            <p:ph type="body" sz="quarter" idx="12"/>
+            <p:ph sz="quarter" idx="12"/>
           </p:nvPr>
         </p:nvSpPr>
         <p:spPr/>
@@ -21178,18 +21155,104 @@
           <a:bodyPr/>
           <a:lstStyle/>
           <a:p>
-            <a:r>
-              <a:rPr lang="en-US" dirty="0" smtClean="0"/>
-              <a:t>Jobs</a:t>
-            </a:r>
-            <a:endParaRPr lang="en-US" dirty="0"/>
+            <a:pPr marL="342900" indent="-342900">
+              <a:lnSpc>
+                <a:spcPct val="150000"/>
+              </a:lnSpc>
+              <a:buFont typeface="Wingdings" panose="05000000000000000000" pitchFamily="2" charset="2"/>
+              <a:buChar char="q"/>
+            </a:pPr>
+            <a:r>
+              <a:rPr lang="en-US" sz="2400" dirty="0" smtClean="0"/>
+              <a:t>FluentScheduler</a:t>
+            </a:r>
+            <a:endParaRPr lang="en-US" sz="2400" dirty="0"/>
+          </a:p>
+          <a:p>
+            <a:pPr marL="342900" indent="-342900">
+              <a:lnSpc>
+                <a:spcPct val="150000"/>
+              </a:lnSpc>
+              <a:buFont typeface="Wingdings" panose="05000000000000000000" pitchFamily="2" charset="2"/>
+              <a:buChar char="q"/>
+            </a:pPr>
+            <a:r>
+              <a:rPr lang="en-US" sz="2400" dirty="0" smtClean="0"/>
+              <a:t>Ncrontab</a:t>
+            </a:r>
+          </a:p>
+          <a:p>
+            <a:pPr marL="342900" indent="-342900">
+              <a:lnSpc>
+                <a:spcPct val="150000"/>
+              </a:lnSpc>
+              <a:buFont typeface="Wingdings" panose="05000000000000000000" pitchFamily="2" charset="2"/>
+              <a:buChar char="q"/>
+            </a:pPr>
+            <a:r>
+              <a:rPr lang="en-US" sz="2400" dirty="0" smtClean="0"/>
+              <a:t>QuartzNet</a:t>
+            </a:r>
+          </a:p>
+          <a:p>
+            <a:pPr marL="342900" indent="-342900">
+              <a:lnSpc>
+                <a:spcPct val="150000"/>
+              </a:lnSpc>
+              <a:buFont typeface="Wingdings" panose="05000000000000000000" pitchFamily="2" charset="2"/>
+              <a:buChar char="q"/>
+            </a:pPr>
+            <a:r>
+              <a:rPr lang="en-US" sz="2400" dirty="0" smtClean="0"/>
+              <a:t>Hangfire</a:t>
+            </a:r>
+          </a:p>
+          <a:p>
+            <a:pPr marL="342900" indent="-342900">
+              <a:lnSpc>
+                <a:spcPct val="150000"/>
+              </a:lnSpc>
+              <a:buFont typeface="Wingdings" panose="05000000000000000000" pitchFamily="2" charset="2"/>
+              <a:buChar char="q"/>
+            </a:pPr>
+            <a:r>
+              <a:rPr lang="en-US" sz="2400" dirty="0" smtClean="0"/>
+              <a:t>Chroniton</a:t>
+            </a:r>
+          </a:p>
+          <a:p>
+            <a:pPr marL="342900" indent="-342900">
+              <a:lnSpc>
+                <a:spcPct val="150000"/>
+              </a:lnSpc>
+              <a:buFont typeface="Wingdings" panose="05000000000000000000" pitchFamily="2" charset="2"/>
+              <a:buChar char="q"/>
+            </a:pPr>
+            <a:r>
+              <a:rPr lang="en-US" sz="2400" dirty="0" smtClean="0"/>
+              <a:t>DurableTask</a:t>
+            </a:r>
+          </a:p>
+          <a:p>
+            <a:pPr marL="342900" indent="-342900">
+              <a:lnSpc>
+                <a:spcPct val="150000"/>
+              </a:lnSpc>
+              <a:buFont typeface="Wingdings" panose="05000000000000000000" pitchFamily="2" charset="2"/>
+              <a:buChar char="q"/>
+            </a:pPr>
+            <a:r>
+              <a:rPr lang="en-GB" sz="2400" dirty="0" smtClean="0"/>
+              <a:t>Others</a:t>
+            </a:r>
+            <a:endParaRPr lang="en-US" sz="2400" dirty="0"/>
           </a:p>
         </p:txBody>
       </p:sp>
     </p:spTree>
     <p:extLst>
       <p:ext uri="{BB962C8B-B14F-4D97-AF65-F5344CB8AC3E}">
-        <p14:creationId xmlns:p14="http://schemas.microsoft.com/office/powerpoint/2010/main" val="3346107813"/>
+        <p14:creationId xmlns:p14="http://schemas.microsoft.com/office/powerpoint/2010/main" val="2336234496"/>
       </p:ext>
     </p:extLst>
   </p:cSld>
@@ -21461,10 +21524,10 @@
           <a:lstStyle/>
           <a:p>
             <a:r>
-              <a:rPr lang="en-US" sz="4400" dirty="0" smtClean="0"/>
-              <a:t>API</a:t>
-            </a:r>
-            <a:endParaRPr lang="en-US" sz="4400" dirty="0"/>
+              <a:rPr lang="en-GB" dirty="0" smtClean="0"/>
+              <a:t>DEMO</a:t>
+            </a:r>
+            <a:endParaRPr lang="en-US" dirty="0"/>
           </a:p>
         </p:txBody>
       </p:sp>
@@ -21484,6 +21547,82 @@
           <a:lstStyle/>
           <a:p>
             <a:r>
+              <a:rPr lang="en-US" dirty="0" smtClean="0"/>
+              <a:t>Jobs</a:t>
+            </a:r>
+            <a:endParaRPr lang="en-US" dirty="0"/>
+          </a:p>
+        </p:txBody>
+      </p:sp>
+    </p:spTree>
+    <p:extLst>
+      <p:ext uri="{BB962C8B-B14F-4D97-AF65-F5344CB8AC3E}">
+        <p14:creationId xmlns:p14="http://schemas.microsoft.com/office/powerpoint/2010/main" val="3346107813"/>
+      </p:ext>
+    </p:extLst>
+  </p:cSld>
+  <p:clrMapOvr>
+    <a:masterClrMapping/>
+  </p:clrMapOvr>
+</p:sld>
+</file>
+
+<file path=ppt/slides/slide21.xml><?xml version="1.0" encoding="utf-8"?>
+<p:sld xmlns:a="http://schemas.openxmlformats.org/drawingml/2006/main" xmlns:r="http://schemas.openxmlformats.org/officeDocument/2006/relationships" xmlns:p="http://schemas.openxmlformats.org/presentationml/2006/main">
+  <p:cSld>
+    <p:spTree>
+      <p:nvGrpSpPr>
+        <p:cNvPr id="1" name=""/>
+        <p:cNvGrpSpPr/>
+        <p:nvPr/>
+      </p:nvGrpSpPr>
+      <p:grpSpPr>
+        <a:xfrm>
+          <a:off x="0" y="0"/>
+          <a:ext cx="0" cy="0"/>
+          <a:chOff x="0" y="0"/>
+          <a:chExt cx="0" cy="0"/>
+        </a:xfrm>
+      </p:grpSpPr>
+      <p:sp>
+        <p:nvSpPr>
+          <p:cNvPr id="2" name="Text Placeholder 1"/>
+          <p:cNvSpPr>
+            <a:spLocks noGrp="1"/>
+          </p:cNvSpPr>
+          <p:nvPr>
+            <p:ph type="body" sz="quarter" idx="11"/>
+          </p:nvPr>
+        </p:nvSpPr>
+        <p:spPr/>
+        <p:txBody>
+          <a:bodyPr/>
+          <a:lstStyle/>
+          <a:p>
+            <a:r>
+              <a:rPr lang="en-US" sz="4400" dirty="0" smtClean="0"/>
+              <a:t>API</a:t>
+            </a:r>
+            <a:endParaRPr lang="en-US" sz="4400" dirty="0"/>
+          </a:p>
+        </p:txBody>
+      </p:sp>
+      <p:sp>
+        <p:nvSpPr>
+          <p:cNvPr id="3" name="Text Placeholder 2"/>
+          <p:cNvSpPr>
+            <a:spLocks noGrp="1"/>
+          </p:cNvSpPr>
+          <p:nvPr>
+            <p:ph type="body" sz="quarter" idx="12"/>
+          </p:nvPr>
+        </p:nvSpPr>
+        <p:spPr/>
+        <p:txBody>
+          <a:bodyPr/>
+          <a:lstStyle/>
+          <a:p>
+            <a:r>
               <a:rPr lang="en-GB" dirty="0" smtClean="0"/>
               <a:t>How to add it?</a:t>
             </a:r>
@@ -21504,7 +21643,7 @@
 </p:sld>
 </file>
 
-<file path=ppt/slides/slide21.xml><?xml version="1.0" encoding="utf-8"?>
+<file path=ppt/slides/slide22.xml><?xml version="1.0" encoding="utf-8"?>
 <p:sld xmlns:a="http://schemas.openxmlformats.org/drawingml/2006/main" xmlns:r="http://schemas.openxmlformats.org/officeDocument/2006/relationships" xmlns:p="http://schemas.openxmlformats.org/presentationml/2006/main">
   <p:cSld>
     <p:spTree>
@@ -21637,82 +21776,6 @@
     <p:extLst>
       <p:ext uri="{BB962C8B-B14F-4D97-AF65-F5344CB8AC3E}">
         <p14:creationId xmlns:p14="http://schemas.microsoft.com/office/powerpoint/2010/main" val="3228834401"/>
-      </p:ext>
-    </p:extLst>
-  </p:cSld>
-  <p:clrMapOvr>
-    <a:masterClrMapping/>
-  </p:clrMapOvr>
-</p:sld>
-</file>
-
-<file path=ppt/slides/slide22.xml><?xml version="1.0" encoding="utf-8"?>
-<p:sld xmlns:a="http://schemas.openxmlformats.org/drawingml/2006/main" xmlns:r="http://schemas.openxmlformats.org/officeDocument/2006/relationships" xmlns:p="http://schemas.openxmlformats.org/presentationml/2006/main">
-  <p:cSld>
-    <p:spTree>
-      <p:nvGrpSpPr>
-        <p:cNvPr id="1" name=""/>
-        <p:cNvGrpSpPr/>
-        <p:nvPr/>
-      </p:nvGrpSpPr>
-      <p:grpSpPr>
-        <a:xfrm>
-          <a:off x="0" y="0"/>
-          <a:ext cx="0" cy="0"/>
-          <a:chOff x="0" y="0"/>
-          <a:chExt cx="0" cy="0"/>
-        </a:xfrm>
-      </p:grpSpPr>
-      <p:sp>
-        <p:nvSpPr>
-          <p:cNvPr id="2" name="Text Placeholder 1"/>
-          <p:cNvSpPr>
-            <a:spLocks noGrp="1"/>
-          </p:cNvSpPr>
-          <p:nvPr>
-            <p:ph type="body" sz="quarter" idx="11"/>
-          </p:nvPr>
-        </p:nvSpPr>
-        <p:spPr/>
-        <p:txBody>
-          <a:bodyPr/>
-          <a:lstStyle/>
-          <a:p>
-            <a:r>
-              <a:rPr lang="en-GB" dirty="0" smtClean="0"/>
-              <a:t>DEMO</a:t>
-            </a:r>
-            <a:endParaRPr lang="en-US" dirty="0"/>
-          </a:p>
-        </p:txBody>
-      </p:sp>
-      <p:sp>
-        <p:nvSpPr>
-          <p:cNvPr id="3" name="Text Placeholder 2"/>
-          <p:cNvSpPr>
-            <a:spLocks noGrp="1"/>
-          </p:cNvSpPr>
-          <p:nvPr>
-            <p:ph type="body" sz="quarter" idx="12"/>
-          </p:nvPr>
-        </p:nvSpPr>
-        <p:spPr/>
-        <p:txBody>
-          <a:bodyPr/>
-          <a:lstStyle/>
-          <a:p>
-            <a:r>
-              <a:rPr lang="en-US" dirty="0" smtClean="0"/>
-              <a:t>API</a:t>
-            </a:r>
-            <a:endParaRPr lang="en-US" dirty="0"/>
-          </a:p>
-        </p:txBody>
-      </p:sp>
-    </p:spTree>
-    <p:extLst>
-      <p:ext uri="{BB962C8B-B14F-4D97-AF65-F5344CB8AC3E}">
-        <p14:creationId xmlns:p14="http://schemas.microsoft.com/office/powerpoint/2010/main" val="2097220158"/>
       </p:ext>
     </p:extLst>
   </p:cSld>
@@ -21749,20 +21812,16 @@
             <p:ph type="body" sz="quarter" idx="11"/>
           </p:nvPr>
         </p:nvSpPr>
-        <p:spPr>
-          <a:xfrm>
-            <a:off x="539552" y="3429000"/>
-            <a:ext cx="6480720" cy="2160240"/>
-          </a:xfrm>
-        </p:spPr>
+        <p:spPr/>
         <p:txBody>
           <a:bodyPr/>
           <a:lstStyle/>
           <a:p>
             <a:r>
-              <a:rPr lang="en-US" sz="4400" dirty="0"/>
-              <a:t>Authentication</a:t>
-            </a:r>
+              <a:rPr lang="en-GB" dirty="0" smtClean="0"/>
+              <a:t>DEMO</a:t>
+            </a:r>
+            <a:endParaRPr lang="en-US" dirty="0"/>
           </a:p>
         </p:txBody>
       </p:sp>
@@ -21782,8 +21841,8 @@
           <a:lstStyle/>
           <a:p>
             <a:r>
-              <a:rPr lang="en-GB" dirty="0" smtClean="0"/>
-              <a:t>How to add it?</a:t>
+              <a:rPr lang="en-US" dirty="0" smtClean="0"/>
+              <a:t>API</a:t>
             </a:r>
             <a:endParaRPr lang="en-US" dirty="0"/>
           </a:p>
@@ -21792,7 +21851,7 @@
     </p:spTree>
     <p:extLst>
       <p:ext uri="{BB962C8B-B14F-4D97-AF65-F5344CB8AC3E}">
-        <p14:creationId xmlns:p14="http://schemas.microsoft.com/office/powerpoint/2010/main" val="2513143034"/>
+        <p14:creationId xmlns:p14="http://schemas.microsoft.com/office/powerpoint/2010/main" val="2097220158"/>
       </p:ext>
     </p:extLst>
   </p:cSld>
@@ -21821,12 +21880,39 @@
       </p:grpSpPr>
       <p:sp>
         <p:nvSpPr>
-          <p:cNvPr id="2" name="Title 1"/>
+          <p:cNvPr id="2" name="Text Placeholder 1"/>
           <p:cNvSpPr>
             <a:spLocks noGrp="1"/>
           </p:cNvSpPr>
           <p:nvPr>
-            <p:ph type="title"/>
+            <p:ph type="body" sz="quarter" idx="11"/>
+          </p:nvPr>
+        </p:nvSpPr>
+        <p:spPr>
+          <a:xfrm>
+            <a:off x="539552" y="3429000"/>
+            <a:ext cx="6480720" cy="2160240"/>
+          </a:xfrm>
+        </p:spPr>
+        <p:txBody>
+          <a:bodyPr/>
+          <a:lstStyle/>
+          <a:p>
+            <a:r>
+              <a:rPr lang="en-US" sz="4400" dirty="0"/>
+              <a:t>Authentication</a:t>
+            </a:r>
+          </a:p>
+        </p:txBody>
+      </p:sp>
+      <p:sp>
+        <p:nvSpPr>
+          <p:cNvPr id="3" name="Text Placeholder 2"/>
+          <p:cNvSpPr>
+            <a:spLocks noGrp="1"/>
+          </p:cNvSpPr>
+          <p:nvPr>
+            <p:ph type="body" sz="quarter" idx="12"/>
           </p:nvPr>
         </p:nvSpPr>
         <p:spPr/>
@@ -21835,112 +21921,17 @@
           <a:lstStyle/>
           <a:p>
             <a:r>
-              <a:rPr lang="en-US" sz="3600" dirty="0" smtClean="0"/>
-              <a:t>WEB AUTHENTICATION</a:t>
-            </a:r>
-            <a:endParaRPr lang="en-US" sz="3600" dirty="0"/>
-          </a:p>
-        </p:txBody>
-      </p:sp>
-      <p:sp>
-        <p:nvSpPr>
-          <p:cNvPr id="4" name="Content Placeholder 3"/>
-          <p:cNvSpPr>
-            <a:spLocks noGrp="1"/>
-          </p:cNvSpPr>
-          <p:nvPr>
-            <p:ph sz="quarter" idx="12"/>
-          </p:nvPr>
-        </p:nvSpPr>
-        <p:spPr/>
-        <p:txBody>
-          <a:bodyPr/>
-          <a:lstStyle/>
-          <a:p>
-            <a:pPr marL="342900" indent="-342900">
-              <a:lnSpc>
-                <a:spcPct val="150000"/>
-              </a:lnSpc>
-              <a:buFont typeface="Wingdings" panose="05000000000000000000" pitchFamily="2" charset="2"/>
-              <a:buChar char="q"/>
-            </a:pPr>
-            <a:r>
-              <a:rPr lang="en-US" sz="2400" dirty="0"/>
-              <a:t>HTTP Basic authentication</a:t>
-            </a:r>
-          </a:p>
-          <a:p>
-            <a:pPr marL="342900" indent="-342900">
-              <a:lnSpc>
-                <a:spcPct val="150000"/>
-              </a:lnSpc>
-              <a:buFont typeface="Wingdings" panose="05000000000000000000" pitchFamily="2" charset="2"/>
-              <a:buChar char="q"/>
-            </a:pPr>
-            <a:r>
-              <a:rPr lang="en-US" sz="2400" dirty="0"/>
-              <a:t>Cookies</a:t>
-            </a:r>
-          </a:p>
-          <a:p>
-            <a:pPr marL="342900" indent="-342900">
-              <a:lnSpc>
-                <a:spcPct val="150000"/>
-              </a:lnSpc>
-              <a:buFont typeface="Wingdings" panose="05000000000000000000" pitchFamily="2" charset="2"/>
-              <a:buChar char="q"/>
-            </a:pPr>
-            <a:r>
-              <a:rPr lang="en-US" sz="2400" dirty="0"/>
-              <a:t>Tokens</a:t>
-            </a:r>
-          </a:p>
-          <a:p>
-            <a:pPr marL="342900" indent="-342900">
-              <a:lnSpc>
-                <a:spcPct val="150000"/>
-              </a:lnSpc>
-              <a:buFont typeface="Wingdings" panose="05000000000000000000" pitchFamily="2" charset="2"/>
-              <a:buChar char="q"/>
-            </a:pPr>
-            <a:r>
-              <a:rPr lang="en-US" sz="2400" dirty="0"/>
-              <a:t>Signatures</a:t>
-            </a:r>
-          </a:p>
-          <a:p>
-            <a:pPr marL="342900" indent="-342900">
-              <a:lnSpc>
-                <a:spcPct val="150000"/>
-              </a:lnSpc>
-              <a:buFont typeface="Wingdings" panose="05000000000000000000" pitchFamily="2" charset="2"/>
-              <a:buChar char="q"/>
-            </a:pPr>
-            <a:r>
-              <a:rPr lang="en-US" sz="2400" dirty="0"/>
-              <a:t>One-Time Passwords</a:t>
-            </a:r>
-          </a:p>
-          <a:p>
-            <a:pPr marL="342900" indent="-342900">
-              <a:lnSpc>
-                <a:spcPct val="150000"/>
-              </a:lnSpc>
-              <a:buFont typeface="Wingdings" panose="05000000000000000000" pitchFamily="2" charset="2"/>
-              <a:buChar char="q"/>
-            </a:pPr>
-            <a:r>
-              <a:rPr lang="en-GB" sz="2400" dirty="0" smtClean="0"/>
-              <a:t>Others</a:t>
-            </a:r>
-            <a:endParaRPr lang="en-US" sz="2400" dirty="0"/>
+              <a:rPr lang="en-GB" dirty="0" smtClean="0"/>
+              <a:t>How to add it?</a:t>
+            </a:r>
+            <a:endParaRPr lang="en-US" dirty="0"/>
           </a:p>
         </p:txBody>
       </p:sp>
     </p:spTree>
     <p:extLst>
       <p:ext uri="{BB962C8B-B14F-4D97-AF65-F5344CB8AC3E}">
-        <p14:creationId xmlns:p14="http://schemas.microsoft.com/office/powerpoint/2010/main" val="2859121369"/>
+        <p14:creationId xmlns:p14="http://schemas.microsoft.com/office/powerpoint/2010/main" val="2513143034"/>
       </p:ext>
     </p:extLst>
   </p:cSld>
@@ -21984,7 +21975,7 @@
           <a:p>
             <a:r>
               <a:rPr lang="en-US" sz="3600" dirty="0" smtClean="0"/>
-              <a:t>Things to SEE</a:t>
+              <a:t>WEB AUTHENTICATION</a:t>
             </a:r>
             <a:endParaRPr lang="en-US" sz="3600" dirty="0"/>
           </a:p>
@@ -22013,8 +22004,8 @@
               <a:buChar char="q"/>
             </a:pPr>
             <a:r>
-              <a:rPr lang="en-US" sz="2400" dirty="0" smtClean="0"/>
-              <a:t>IdentityServer</a:t>
+              <a:rPr lang="en-US" sz="2400" dirty="0"/>
+              <a:t>HTTP Basic authentication</a:t>
             </a:r>
           </a:p>
           <a:p>
@@ -22026,8 +22017,8 @@
               <a:buChar char="q"/>
             </a:pPr>
             <a:r>
-              <a:rPr lang="en-US" sz="2400" dirty="0" smtClean="0"/>
-              <a:t>Auth0</a:t>
+              <a:rPr lang="en-US" sz="2400" dirty="0"/>
+              <a:t>Cookies</a:t>
             </a:r>
           </a:p>
           <a:p>
@@ -22039,10 +22030,9 @@
               <a:buChar char="q"/>
             </a:pPr>
             <a:r>
-              <a:rPr lang="en-US" sz="2400" dirty="0" err="1" smtClean="0"/>
-              <a:t>AspNet.Security.OpenIdConnect.Server</a:t>
-            </a:r>
-            <a:endParaRPr lang="en-US" sz="2400" dirty="0" smtClean="0"/>
+              <a:rPr lang="en-US" sz="2400" dirty="0"/>
+              <a:t>Tokens</a:t>
+            </a:r>
           </a:p>
           <a:p>
             <a:pPr marL="342900" indent="-342900">
@@ -22053,10 +22043,9 @@
               <a:buChar char="q"/>
             </a:pPr>
             <a:r>
-              <a:rPr lang="en-US" sz="2400" dirty="0" err="1" smtClean="0"/>
-              <a:t>Openiddict</a:t>
-            </a:r>
-            <a:endParaRPr lang="en-US" sz="2400" dirty="0" smtClean="0"/>
+              <a:rPr lang="en-US" sz="2400" dirty="0"/>
+              <a:t>Signatures</a:t>
+            </a:r>
           </a:p>
           <a:p>
             <a:pPr marL="342900" indent="-342900">
@@ -22067,10 +22056,13 @@
               <a:buChar char="q"/>
             </a:pPr>
             <a:r>
-              <a:rPr lang="en-US" sz="2400" dirty="0" err="1" smtClean="0"/>
-              <a:t>Stormpath-sdk</a:t>
-            </a:r>
-            <a:endParaRPr lang="en-US" sz="2400" dirty="0" smtClean="0"/>
+              <a:rPr lang="en-US" sz="2400" dirty="0"/>
+              <a:t>One-Time </a:t>
+            </a:r>
+            <a:r>
+              <a:rPr lang="en-US" sz="2400" dirty="0" smtClean="0"/>
+              <a:t>Passwords</a:t>
+            </a:r>
           </a:p>
           <a:p>
             <a:pPr marL="342900" indent="-342900">
@@ -22082,6 +22074,20 @@
             </a:pPr>
             <a:r>
               <a:rPr lang="en-GB" sz="2400" dirty="0" smtClean="0"/>
+              <a:t>Custom (dangerous)</a:t>
+            </a:r>
+            <a:endParaRPr lang="en-US" sz="2400" dirty="0"/>
+          </a:p>
+          <a:p>
+            <a:pPr marL="342900" indent="-342900">
+              <a:lnSpc>
+                <a:spcPct val="150000"/>
+              </a:lnSpc>
+              <a:buFont typeface="Wingdings" panose="05000000000000000000" pitchFamily="2" charset="2"/>
+              <a:buChar char="q"/>
+            </a:pPr>
+            <a:r>
+              <a:rPr lang="en-GB" sz="2400" dirty="0" smtClean="0"/>
               <a:t>Others</a:t>
             </a:r>
             <a:endParaRPr lang="en-US" sz="2400" dirty="0"/>
@@ -22091,7 +22097,7 @@
     </p:spTree>
     <p:extLst>
       <p:ext uri="{BB962C8B-B14F-4D97-AF65-F5344CB8AC3E}">
-        <p14:creationId xmlns:p14="http://schemas.microsoft.com/office/powerpoint/2010/main" val="456919407"/>
+        <p14:creationId xmlns:p14="http://schemas.microsoft.com/office/powerpoint/2010/main" val="2859121369"/>
       </p:ext>
     </p:extLst>
   </p:cSld>
@@ -22120,12 +22126,12 @@
       </p:grpSpPr>
       <p:sp>
         <p:nvSpPr>
-          <p:cNvPr id="2" name="Text Placeholder 1"/>
+          <p:cNvPr id="2" name="Title 1"/>
           <p:cNvSpPr>
             <a:spLocks noGrp="1"/>
           </p:cNvSpPr>
           <p:nvPr>
-            <p:ph type="body" sz="quarter" idx="11"/>
+            <p:ph type="title"/>
           </p:nvPr>
         </p:nvSpPr>
         <p:spPr/>
@@ -22134,21 +22140,21 @@
           <a:lstStyle/>
           <a:p>
             <a:r>
-              <a:rPr lang="en-GB" dirty="0" smtClean="0"/>
-              <a:t>DEMO</a:t>
-            </a:r>
-            <a:endParaRPr lang="en-US" dirty="0"/>
+              <a:rPr lang="en-US" sz="3600" dirty="0" smtClean="0"/>
+              <a:t>Things to SEE</a:t>
+            </a:r>
+            <a:endParaRPr lang="en-US" sz="3600" dirty="0"/>
           </a:p>
         </p:txBody>
       </p:sp>
       <p:sp>
         <p:nvSpPr>
-          <p:cNvPr id="3" name="Text Placeholder 2"/>
+          <p:cNvPr id="4" name="Content Placeholder 3"/>
           <p:cNvSpPr>
             <a:spLocks noGrp="1"/>
           </p:cNvSpPr>
           <p:nvPr>
-            <p:ph type="body" sz="quarter" idx="12"/>
+            <p:ph sz="quarter" idx="12"/>
           </p:nvPr>
         </p:nvSpPr>
         <p:spPr/>
@@ -22156,17 +22162,93 @@
           <a:bodyPr/>
           <a:lstStyle/>
           <a:p>
-            <a:r>
-              <a:rPr lang="en-US" dirty="0"/>
-              <a:t>Authentication</a:t>
-            </a:r>
+            <a:pPr marL="342900" indent="-342900">
+              <a:lnSpc>
+                <a:spcPct val="150000"/>
+              </a:lnSpc>
+              <a:buFont typeface="Wingdings" panose="05000000000000000000" pitchFamily="2" charset="2"/>
+              <a:buChar char="q"/>
+            </a:pPr>
+            <a:r>
+              <a:rPr lang="en-US" sz="2400" dirty="0" smtClean="0"/>
+              <a:t>IdentityServer</a:t>
+            </a:r>
+          </a:p>
+          <a:p>
+            <a:pPr marL="342900" indent="-342900">
+              <a:lnSpc>
+                <a:spcPct val="150000"/>
+              </a:lnSpc>
+              <a:buFont typeface="Wingdings" panose="05000000000000000000" pitchFamily="2" charset="2"/>
+              <a:buChar char="q"/>
+            </a:pPr>
+            <a:r>
+              <a:rPr lang="en-US" sz="2400" dirty="0" smtClean="0"/>
+              <a:t>Auth0</a:t>
+            </a:r>
+          </a:p>
+          <a:p>
+            <a:pPr marL="342900" indent="-342900">
+              <a:lnSpc>
+                <a:spcPct val="150000"/>
+              </a:lnSpc>
+              <a:buFont typeface="Wingdings" panose="05000000000000000000" pitchFamily="2" charset="2"/>
+              <a:buChar char="q"/>
+            </a:pPr>
+            <a:r>
+              <a:rPr lang="en-US" sz="2400" dirty="0" err="1" smtClean="0"/>
+              <a:t>AspNet.Security.OpenIdConnect.Server</a:t>
+            </a:r>
+            <a:endParaRPr lang="en-US" sz="2400" dirty="0" smtClean="0"/>
+          </a:p>
+          <a:p>
+            <a:pPr marL="342900" indent="-342900">
+              <a:lnSpc>
+                <a:spcPct val="150000"/>
+              </a:lnSpc>
+              <a:buFont typeface="Wingdings" panose="05000000000000000000" pitchFamily="2" charset="2"/>
+              <a:buChar char="q"/>
+            </a:pPr>
+            <a:r>
+              <a:rPr lang="en-US" sz="2400" dirty="0" err="1" smtClean="0"/>
+              <a:t>Openiddict</a:t>
+            </a:r>
+            <a:endParaRPr lang="en-US" sz="2400" dirty="0" smtClean="0"/>
+          </a:p>
+          <a:p>
+            <a:pPr marL="342900" indent="-342900">
+              <a:lnSpc>
+                <a:spcPct val="150000"/>
+              </a:lnSpc>
+              <a:buFont typeface="Wingdings" panose="05000000000000000000" pitchFamily="2" charset="2"/>
+              <a:buChar char="q"/>
+            </a:pPr>
+            <a:r>
+              <a:rPr lang="en-US" sz="2400" dirty="0" err="1" smtClean="0"/>
+              <a:t>Stormpath-sdk</a:t>
+            </a:r>
+            <a:endParaRPr lang="en-US" sz="2400" dirty="0" smtClean="0"/>
+          </a:p>
+          <a:p>
+            <a:pPr marL="342900" indent="-342900">
+              <a:lnSpc>
+                <a:spcPct val="150000"/>
+              </a:lnSpc>
+              <a:buFont typeface="Wingdings" panose="05000000000000000000" pitchFamily="2" charset="2"/>
+              <a:buChar char="q"/>
+            </a:pPr>
+            <a:r>
+              <a:rPr lang="en-GB" sz="2400" dirty="0" smtClean="0"/>
+              <a:t>Others</a:t>
+            </a:r>
+            <a:endParaRPr lang="en-US" sz="2400" dirty="0"/>
           </a:p>
         </p:txBody>
       </p:sp>
     </p:spTree>
     <p:extLst>
       <p:ext uri="{BB962C8B-B14F-4D97-AF65-F5344CB8AC3E}">
-        <p14:creationId xmlns:p14="http://schemas.microsoft.com/office/powerpoint/2010/main" val="3736516631"/>
+        <p14:creationId xmlns:p14="http://schemas.microsoft.com/office/powerpoint/2010/main" val="456919407"/>
       </p:ext>
     </p:extLst>
   </p:cSld>
@@ -22203,21 +22285,16 @@
             <p:ph type="body" sz="quarter" idx="11"/>
           </p:nvPr>
         </p:nvSpPr>
-        <p:spPr>
-          <a:xfrm>
-            <a:off x="539552" y="3429000"/>
-            <a:ext cx="6480720" cy="2160240"/>
-          </a:xfrm>
-        </p:spPr>
+        <p:spPr/>
         <p:txBody>
           <a:bodyPr/>
           <a:lstStyle/>
           <a:p>
             <a:r>
-              <a:rPr lang="en-US" sz="4400" dirty="0" smtClean="0"/>
-              <a:t>SOCKETS</a:t>
-            </a:r>
-            <a:endParaRPr lang="en-US" sz="4400" dirty="0"/>
+              <a:rPr lang="en-GB" dirty="0" smtClean="0"/>
+              <a:t>DEMO</a:t>
+            </a:r>
+            <a:endParaRPr lang="en-US" dirty="0"/>
           </a:p>
         </p:txBody>
       </p:sp>
@@ -22237,17 +22314,16 @@
           <a:lstStyle/>
           <a:p>
             <a:r>
-              <a:rPr lang="en-GB" dirty="0" smtClean="0"/>
-              <a:t>How to add it?</a:t>
-            </a:r>
-            <a:endParaRPr lang="en-US" dirty="0"/>
+              <a:rPr lang="en-US" dirty="0"/>
+              <a:t>Authentication</a:t>
+            </a:r>
           </a:p>
         </p:txBody>
       </p:sp>
     </p:spTree>
     <p:extLst>
       <p:ext uri="{BB962C8B-B14F-4D97-AF65-F5344CB8AC3E}">
-        <p14:creationId xmlns:p14="http://schemas.microsoft.com/office/powerpoint/2010/main" val="3207702153"/>
+        <p14:creationId xmlns:p14="http://schemas.microsoft.com/office/powerpoint/2010/main" val="3736516631"/>
       </p:ext>
     </p:extLst>
   </p:cSld>
@@ -22276,12 +22352,40 @@
       </p:grpSpPr>
       <p:sp>
         <p:nvSpPr>
-          <p:cNvPr id="2" name="Title 1"/>
+          <p:cNvPr id="2" name="Text Placeholder 1"/>
           <p:cNvSpPr>
             <a:spLocks noGrp="1"/>
           </p:cNvSpPr>
           <p:nvPr>
-            <p:ph type="title"/>
+            <p:ph type="body" sz="quarter" idx="11"/>
+          </p:nvPr>
+        </p:nvSpPr>
+        <p:spPr>
+          <a:xfrm>
+            <a:off x="539552" y="3429000"/>
+            <a:ext cx="6480720" cy="2160240"/>
+          </a:xfrm>
+        </p:spPr>
+        <p:txBody>
+          <a:bodyPr/>
+          <a:lstStyle/>
+          <a:p>
+            <a:r>
+              <a:rPr lang="en-US" sz="4400" dirty="0" smtClean="0"/>
+              <a:t>SOCKETS</a:t>
+            </a:r>
+            <a:endParaRPr lang="en-US" sz="4400" dirty="0"/>
+          </a:p>
+        </p:txBody>
+      </p:sp>
+      <p:sp>
+        <p:nvSpPr>
+          <p:cNvPr id="3" name="Text Placeholder 2"/>
+          <p:cNvSpPr>
+            <a:spLocks noGrp="1"/>
+          </p:cNvSpPr>
+          <p:nvPr>
+            <p:ph type="body" sz="quarter" idx="12"/>
           </p:nvPr>
         </p:nvSpPr>
         <p:spPr/>
@@ -22290,99 +22394,17 @@
           <a:lstStyle/>
           <a:p>
             <a:r>
-              <a:rPr lang="en-US" sz="3600" dirty="0" smtClean="0"/>
-              <a:t>WHEN to USE sockets</a:t>
-            </a:r>
-            <a:endParaRPr lang="en-US" sz="3600" dirty="0"/>
-          </a:p>
-        </p:txBody>
-      </p:sp>
-      <p:sp>
-        <p:nvSpPr>
-          <p:cNvPr id="4" name="Content Placeholder 3"/>
-          <p:cNvSpPr>
-            <a:spLocks noGrp="1"/>
-          </p:cNvSpPr>
-          <p:nvPr>
-            <p:ph sz="quarter" idx="12"/>
-          </p:nvPr>
-        </p:nvSpPr>
-        <p:spPr/>
-        <p:txBody>
-          <a:bodyPr/>
-          <a:lstStyle/>
-          <a:p>
-            <a:pPr marL="342900" indent="-342900">
-              <a:lnSpc>
-                <a:spcPct val="150000"/>
-              </a:lnSpc>
-              <a:buFont typeface="Wingdings" panose="05000000000000000000" pitchFamily="2" charset="2"/>
-              <a:buChar char="q"/>
-            </a:pPr>
-            <a:r>
-              <a:rPr lang="en-US" sz="2400" dirty="0"/>
-              <a:t>Real time applications</a:t>
-            </a:r>
-          </a:p>
-          <a:p>
-            <a:pPr marL="342900" indent="-342900">
-              <a:lnSpc>
-                <a:spcPct val="150000"/>
-              </a:lnSpc>
-              <a:buFont typeface="Wingdings" panose="05000000000000000000" pitchFamily="2" charset="2"/>
-              <a:buChar char="q"/>
-            </a:pPr>
-            <a:r>
-              <a:rPr lang="en-GB" sz="2400" dirty="0"/>
-              <a:t>Chats</a:t>
-            </a:r>
-          </a:p>
-          <a:p>
-            <a:pPr marL="342900" indent="-342900">
-              <a:lnSpc>
-                <a:spcPct val="150000"/>
-              </a:lnSpc>
-              <a:buFont typeface="Wingdings" panose="05000000000000000000" pitchFamily="2" charset="2"/>
-              <a:buChar char="q"/>
-            </a:pPr>
-            <a:r>
-              <a:rPr lang="en-US" sz="2400" dirty="0"/>
-              <a:t>Video conferencing</a:t>
-            </a:r>
-          </a:p>
-          <a:p>
-            <a:pPr marL="342900" indent="-342900">
-              <a:lnSpc>
-                <a:spcPct val="150000"/>
-              </a:lnSpc>
-              <a:buFont typeface="Wingdings" panose="05000000000000000000" pitchFamily="2" charset="2"/>
-              <a:buChar char="q"/>
-            </a:pPr>
-            <a:r>
-              <a:rPr lang="en-US" sz="2400" dirty="0"/>
-              <a:t>Multiplayer games</a:t>
-            </a:r>
-          </a:p>
-          <a:p>
-            <a:pPr marL="342900" indent="-342900">
-              <a:lnSpc>
-                <a:spcPct val="150000"/>
-              </a:lnSpc>
-              <a:buFont typeface="Wingdings" panose="05000000000000000000" pitchFamily="2" charset="2"/>
-              <a:buChar char="q"/>
-            </a:pPr>
-            <a:r>
-              <a:rPr lang="en-GB" sz="2400" dirty="0" smtClean="0"/>
-              <a:t>Others</a:t>
-            </a:r>
-            <a:endParaRPr lang="en-US" sz="2400" dirty="0"/>
+              <a:rPr lang="en-GB" dirty="0" smtClean="0"/>
+              <a:t>How to add it?</a:t>
+            </a:r>
+            <a:endParaRPr lang="en-US" dirty="0"/>
           </a:p>
         </p:txBody>
       </p:sp>
     </p:spTree>
     <p:extLst>
       <p:ext uri="{BB962C8B-B14F-4D97-AF65-F5344CB8AC3E}">
-        <p14:creationId xmlns:p14="http://schemas.microsoft.com/office/powerpoint/2010/main" val="1657734529"/>
+        <p14:creationId xmlns:p14="http://schemas.microsoft.com/office/powerpoint/2010/main" val="3207702153"/>
       </p:ext>
     </p:extLst>
   </p:cSld>
@@ -22426,7 +22448,7 @@
           <a:p>
             <a:r>
               <a:rPr lang="en-US" sz="3600" dirty="0" smtClean="0"/>
-              <a:t>Things to SEE</a:t>
+              <a:t>WHEN to USE sockets</a:t>
             </a:r>
             <a:endParaRPr lang="en-US" sz="3600" dirty="0"/>
           </a:p>
@@ -22455,10 +22477,9 @@
               <a:buChar char="q"/>
             </a:pPr>
             <a:r>
-              <a:rPr lang="en-GB" sz="2400" dirty="0" err="1" smtClean="0"/>
-              <a:t>SignalR</a:t>
-            </a:r>
-            <a:endParaRPr lang="en-GB" sz="2400" dirty="0" smtClean="0"/>
+              <a:rPr lang="en-US" sz="2400" dirty="0"/>
+              <a:t>Real time applications</a:t>
+            </a:r>
           </a:p>
           <a:p>
             <a:pPr marL="342900" indent="-342900">
@@ -22469,10 +22490,9 @@
               <a:buChar char="q"/>
             </a:pPr>
             <a:r>
-              <a:rPr lang="en-GB" sz="2400" dirty="0" err="1" smtClean="0"/>
-              <a:t>SuperSocket</a:t>
-            </a:r>
-            <a:endParaRPr lang="en-GB" sz="2400" dirty="0" smtClean="0"/>
+              <a:rPr lang="en-GB" sz="2400" dirty="0"/>
+              <a:t>Chats</a:t>
+            </a:r>
           </a:p>
           <a:p>
             <a:pPr marL="342900" indent="-342900">
@@ -22483,10 +22503,9 @@
               <a:buChar char="q"/>
             </a:pPr>
             <a:r>
-              <a:rPr lang="en-GB" sz="2400" dirty="0" err="1" smtClean="0"/>
-              <a:t>WampSharp</a:t>
-            </a:r>
-            <a:endParaRPr lang="en-GB" sz="2400" dirty="0" smtClean="0"/>
+              <a:rPr lang="en-US" sz="2400" dirty="0"/>
+              <a:t>Video conferencing</a:t>
+            </a:r>
           </a:p>
           <a:p>
             <a:pPr marL="342900" indent="-342900">
@@ -22498,7 +22517,7 @@
             </a:pPr>
             <a:r>
               <a:rPr lang="en-US" sz="2400" dirty="0"/>
-              <a:t>Websocket-Sharp</a:t>
+              <a:t>Multiplayer games</a:t>
             </a:r>
           </a:p>
           <a:p>
@@ -22510,20 +22529,6 @@
               <a:buChar char="q"/>
             </a:pPr>
             <a:r>
-              <a:rPr lang="en-US" sz="2400" dirty="0"/>
-              <a:t>WebSocket4NET </a:t>
-            </a:r>
-            <a:endParaRPr lang="en-GB" sz="2400" dirty="0"/>
-          </a:p>
-          <a:p>
-            <a:pPr marL="342900" indent="-342900">
-              <a:lnSpc>
-                <a:spcPct val="150000"/>
-              </a:lnSpc>
-              <a:buFont typeface="Wingdings" panose="05000000000000000000" pitchFamily="2" charset="2"/>
-              <a:buChar char="q"/>
-            </a:pPr>
-            <a:r>
               <a:rPr lang="en-GB" sz="2400" dirty="0" smtClean="0"/>
               <a:t>Others</a:t>
             </a:r>
@@ -22534,7 +22539,7 @@
     </p:spTree>
     <p:extLst>
       <p:ext uri="{BB962C8B-B14F-4D97-AF65-F5344CB8AC3E}">
-        <p14:creationId xmlns:p14="http://schemas.microsoft.com/office/powerpoint/2010/main" val="3272167992"/>
+        <p14:creationId xmlns:p14="http://schemas.microsoft.com/office/powerpoint/2010/main" val="1657734529"/>
       </p:ext>
     </p:extLst>
   </p:cSld>
@@ -22651,12 +22656,12 @@
       </p:grpSpPr>
       <p:sp>
         <p:nvSpPr>
-          <p:cNvPr id="2" name="Text Placeholder 1"/>
+          <p:cNvPr id="2" name="Title 1"/>
           <p:cNvSpPr>
             <a:spLocks noGrp="1"/>
           </p:cNvSpPr>
           <p:nvPr>
-            <p:ph type="body" sz="quarter" idx="11"/>
+            <p:ph type="title"/>
           </p:nvPr>
         </p:nvSpPr>
         <p:spPr/>
@@ -22665,21 +22670,21 @@
           <a:lstStyle/>
           <a:p>
             <a:r>
-              <a:rPr lang="en-GB" dirty="0" smtClean="0"/>
-              <a:t>DEMO</a:t>
-            </a:r>
-            <a:endParaRPr lang="en-US" dirty="0"/>
+              <a:rPr lang="en-US" sz="3600" dirty="0" smtClean="0"/>
+              <a:t>Things to SEE</a:t>
+            </a:r>
+            <a:endParaRPr lang="en-US" sz="3600" dirty="0"/>
           </a:p>
         </p:txBody>
       </p:sp>
       <p:sp>
         <p:nvSpPr>
-          <p:cNvPr id="3" name="Text Placeholder 2"/>
+          <p:cNvPr id="4" name="Content Placeholder 3"/>
           <p:cNvSpPr>
             <a:spLocks noGrp="1"/>
           </p:cNvSpPr>
           <p:nvPr>
-            <p:ph type="body" sz="quarter" idx="12"/>
+            <p:ph sz="quarter" idx="12"/>
           </p:nvPr>
         </p:nvSpPr>
         <p:spPr/>
@@ -22687,17 +22692,94 @@
           <a:bodyPr/>
           <a:lstStyle/>
           <a:p>
-            <a:r>
-              <a:rPr lang="en-US" dirty="0"/>
-              <a:t>SOCKETS</a:t>
-            </a:r>
+            <a:pPr marL="342900" indent="-342900">
+              <a:lnSpc>
+                <a:spcPct val="150000"/>
+              </a:lnSpc>
+              <a:buFont typeface="Wingdings" panose="05000000000000000000" pitchFamily="2" charset="2"/>
+              <a:buChar char="q"/>
+            </a:pPr>
+            <a:r>
+              <a:rPr lang="en-GB" sz="2400" dirty="0" err="1" smtClean="0"/>
+              <a:t>SignalR</a:t>
+            </a:r>
+            <a:endParaRPr lang="en-GB" sz="2400" dirty="0" smtClean="0"/>
+          </a:p>
+          <a:p>
+            <a:pPr marL="342900" indent="-342900">
+              <a:lnSpc>
+                <a:spcPct val="150000"/>
+              </a:lnSpc>
+              <a:buFont typeface="Wingdings" panose="05000000000000000000" pitchFamily="2" charset="2"/>
+              <a:buChar char="q"/>
+            </a:pPr>
+            <a:r>
+              <a:rPr lang="en-GB" sz="2400" dirty="0" err="1" smtClean="0"/>
+              <a:t>SuperSocket</a:t>
+            </a:r>
+            <a:endParaRPr lang="en-GB" sz="2400" dirty="0" smtClean="0"/>
+          </a:p>
+          <a:p>
+            <a:pPr marL="342900" indent="-342900">
+              <a:lnSpc>
+                <a:spcPct val="150000"/>
+              </a:lnSpc>
+              <a:buFont typeface="Wingdings" panose="05000000000000000000" pitchFamily="2" charset="2"/>
+              <a:buChar char="q"/>
+            </a:pPr>
+            <a:r>
+              <a:rPr lang="en-GB" sz="2400" dirty="0" err="1" smtClean="0"/>
+              <a:t>WampSharp</a:t>
+            </a:r>
+            <a:endParaRPr lang="en-GB" sz="2400" dirty="0" smtClean="0"/>
+          </a:p>
+          <a:p>
+            <a:pPr marL="342900" indent="-342900">
+              <a:lnSpc>
+                <a:spcPct val="150000"/>
+              </a:lnSpc>
+              <a:buFont typeface="Wingdings" panose="05000000000000000000" pitchFamily="2" charset="2"/>
+              <a:buChar char="q"/>
+            </a:pPr>
+            <a:r>
+              <a:rPr lang="en-US" sz="2400" dirty="0"/>
+              <a:t>Websocket-Sharp</a:t>
+            </a:r>
+          </a:p>
+          <a:p>
+            <a:pPr marL="342900" indent="-342900">
+              <a:lnSpc>
+                <a:spcPct val="150000"/>
+              </a:lnSpc>
+              <a:buFont typeface="Wingdings" panose="05000000000000000000" pitchFamily="2" charset="2"/>
+              <a:buChar char="q"/>
+            </a:pPr>
+            <a:r>
+              <a:rPr lang="en-US" sz="2400" dirty="0"/>
+              <a:t>WebSocket4NET </a:t>
+            </a:r>
+            <a:endParaRPr lang="en-GB" sz="2400" dirty="0"/>
+          </a:p>
+          <a:p>
+            <a:pPr marL="342900" indent="-342900">
+              <a:lnSpc>
+                <a:spcPct val="150000"/>
+              </a:lnSpc>
+              <a:buFont typeface="Wingdings" panose="05000000000000000000" pitchFamily="2" charset="2"/>
+              <a:buChar char="q"/>
+            </a:pPr>
+            <a:r>
+              <a:rPr lang="en-GB" sz="2400" dirty="0" smtClean="0"/>
+              <a:t>Others</a:t>
+            </a:r>
+            <a:endParaRPr lang="en-US" sz="2400" dirty="0"/>
           </a:p>
         </p:txBody>
       </p:sp>
     </p:spTree>
     <p:extLst>
       <p:ext uri="{BB962C8B-B14F-4D97-AF65-F5344CB8AC3E}">
-        <p14:creationId xmlns:p14="http://schemas.microsoft.com/office/powerpoint/2010/main" val="3986371061"/>
+        <p14:creationId xmlns:p14="http://schemas.microsoft.com/office/powerpoint/2010/main" val="3272167992"/>
       </p:ext>
     </p:extLst>
   </p:cSld>
@@ -22734,21 +22816,16 @@
             <p:ph type="body" sz="quarter" idx="11"/>
           </p:nvPr>
         </p:nvSpPr>
-        <p:spPr>
-          <a:xfrm>
-            <a:off x="539552" y="3429000"/>
-            <a:ext cx="6480720" cy="2160240"/>
-          </a:xfrm>
-        </p:spPr>
+        <p:spPr/>
         <p:txBody>
           <a:bodyPr/>
           <a:lstStyle/>
           <a:p>
             <a:r>
-              <a:rPr lang="en-US" sz="4400" dirty="0" smtClean="0"/>
-              <a:t>TESTING</a:t>
-            </a:r>
-            <a:endParaRPr lang="en-US" sz="4400" dirty="0"/>
+              <a:rPr lang="en-GB" dirty="0" smtClean="0"/>
+              <a:t>DEMO</a:t>
+            </a:r>
+            <a:endParaRPr lang="en-US" dirty="0"/>
           </a:p>
         </p:txBody>
       </p:sp>
@@ -22768,6 +22845,86 @@
           <a:lstStyle/>
           <a:p>
             <a:r>
+              <a:rPr lang="en-US" dirty="0"/>
+              <a:t>SOCKETS</a:t>
+            </a:r>
+          </a:p>
+        </p:txBody>
+      </p:sp>
+    </p:spTree>
+    <p:extLst>
+      <p:ext uri="{BB962C8B-B14F-4D97-AF65-F5344CB8AC3E}">
+        <p14:creationId xmlns:p14="http://schemas.microsoft.com/office/powerpoint/2010/main" val="3986371061"/>
+      </p:ext>
+    </p:extLst>
+  </p:cSld>
+  <p:clrMapOvr>
+    <a:masterClrMapping/>
+  </p:clrMapOvr>
+</p:sld>
+</file>
+
+<file path=ppt/slides/slide32.xml><?xml version="1.0" encoding="utf-8"?>
+<p:sld xmlns:a="http://schemas.openxmlformats.org/drawingml/2006/main" xmlns:r="http://schemas.openxmlformats.org/officeDocument/2006/relationships" xmlns:p="http://schemas.openxmlformats.org/presentationml/2006/main">
+  <p:cSld>
+    <p:spTree>
+      <p:nvGrpSpPr>
+        <p:cNvPr id="1" name=""/>
+        <p:cNvGrpSpPr/>
+        <p:nvPr/>
+      </p:nvGrpSpPr>
+      <p:grpSpPr>
+        <a:xfrm>
+          <a:off x="0" y="0"/>
+          <a:ext cx="0" cy="0"/>
+          <a:chOff x="0" y="0"/>
+          <a:chExt cx="0" cy="0"/>
+        </a:xfrm>
+      </p:grpSpPr>
+      <p:sp>
+        <p:nvSpPr>
+          <p:cNvPr id="2" name="Text Placeholder 1"/>
+          <p:cNvSpPr>
+            <a:spLocks noGrp="1"/>
+          </p:cNvSpPr>
+          <p:nvPr>
+            <p:ph type="body" sz="quarter" idx="11"/>
+          </p:nvPr>
+        </p:nvSpPr>
+        <p:spPr>
+          <a:xfrm>
+            <a:off x="539552" y="3429000"/>
+            <a:ext cx="6480720" cy="2160240"/>
+          </a:xfrm>
+        </p:spPr>
+        <p:txBody>
+          <a:bodyPr/>
+          <a:lstStyle/>
+          <a:p>
+            <a:r>
+              <a:rPr lang="en-US" sz="4400" dirty="0" smtClean="0"/>
+              <a:t>TESTING</a:t>
+            </a:r>
+            <a:endParaRPr lang="en-US" sz="4400" dirty="0"/>
+          </a:p>
+        </p:txBody>
+      </p:sp>
+      <p:sp>
+        <p:nvSpPr>
+          <p:cNvPr id="3" name="Text Placeholder 2"/>
+          <p:cNvSpPr>
+            <a:spLocks noGrp="1"/>
+          </p:cNvSpPr>
+          <p:nvPr>
+            <p:ph type="body" sz="quarter" idx="12"/>
+          </p:nvPr>
+        </p:nvSpPr>
+        <p:spPr/>
+        <p:txBody>
+          <a:bodyPr/>
+          <a:lstStyle/>
+          <a:p>
+            <a:r>
               <a:rPr lang="en-GB" dirty="0" smtClean="0"/>
               <a:t>How to add it?</a:t>
             </a:r>
@@ -22788,7 +22945,7 @@
 </p:sld>
 </file>
 
-<file path=ppt/slides/slide32.xml><?xml version="1.0" encoding="utf-8"?>
+<file path=ppt/slides/slide33.xml><?xml version="1.0" encoding="utf-8"?>
 <p:sld xmlns:a="http://schemas.openxmlformats.org/drawingml/2006/main" xmlns:r="http://schemas.openxmlformats.org/officeDocument/2006/relationships" xmlns:p="http://schemas.openxmlformats.org/presentationml/2006/main">
   <p:cSld>
     <p:spTree>
@@ -22939,7 +23096,7 @@
 </p:sld>
 </file>
 
-<file path=ppt/slides/slide33.xml><?xml version="1.0" encoding="utf-8"?>
+<file path=ppt/slides/slide34.xml><?xml version="1.0" encoding="utf-8"?>
 <p:sld xmlns:a="http://schemas.openxmlformats.org/drawingml/2006/main" xmlns:r="http://schemas.openxmlformats.org/officeDocument/2006/relationships" xmlns:p="http://schemas.openxmlformats.org/presentationml/2006/main">
   <p:cSld>
     <p:spTree>
@@ -23015,7 +23172,7 @@
 </p:sld>
 </file>
 
-<file path=ppt/slides/slide34.xml><?xml version="1.0" encoding="utf-8"?>
+<file path=ppt/slides/slide35.xml><?xml version="1.0" encoding="utf-8"?>
 <p:sld xmlns:a="http://schemas.openxmlformats.org/drawingml/2006/main" xmlns:r="http://schemas.openxmlformats.org/officeDocument/2006/relationships" xmlns:p="http://schemas.openxmlformats.org/presentationml/2006/main">
   <p:cSld>
     <p:spTree>
@@ -23150,7 +23307,7 @@
 </p:sld>
 </file>
 
-<file path=ppt/slides/slide35.xml><?xml version="1.0" encoding="utf-8"?>
+<file path=ppt/slides/slide36.xml><?xml version="1.0" encoding="utf-8"?>
 <p:sld xmlns:a="http://schemas.openxmlformats.org/drawingml/2006/main" xmlns:r="http://schemas.openxmlformats.org/officeDocument/2006/relationships" xmlns:p="http://schemas.openxmlformats.org/presentationml/2006/main">
   <p:cSld>
     <p:spTree>

--- a/docs/ASP.NET CORE - Common Tasks - iTechArt 2018.pptx
+++ b/docs/ASP.NET CORE - Common Tasks - iTechArt 2018.pptx
@@ -5543,7 +5543,7 @@
           <a:p>
             <a:fld id="{4745C2A7-EC62-4025-933C-BCAFCDD3DF69}" type="datetimeFigureOut">
               <a:rPr lang="en-US" smtClean="0"/>
-              <a:t>2/14/2018</a:t>
+              <a:t>2/15/2018</a:t>
             </a:fld>
             <a:endParaRPr lang="en-US"/>
           </a:p>
@@ -5708,7 +5708,7 @@
           <a:p>
             <a:fld id="{06260018-D06A-43EF-993F-2C9FDF70442E}" type="datetimeFigureOut">
               <a:rPr lang="en-US" smtClean="0"/>
-              <a:t>2/14/2018</a:t>
+              <a:t>2/15/2018</a:t>
             </a:fld>
             <a:endParaRPr lang="en-US"/>
           </a:p>
@@ -5974,6 +5974,826 @@
     </a:lvl9pPr>
   </p:notesStyle>
 </p:notesMaster>
+</file>
+
+<file path=ppt/notesSlides/notesSlide1.xml><?xml version="1.0" encoding="utf-8"?>
+<p:notes xmlns:a="http://schemas.openxmlformats.org/drawingml/2006/main" xmlns:r="http://schemas.openxmlformats.org/officeDocument/2006/relationships" xmlns:p="http://schemas.openxmlformats.org/presentationml/2006/main">
+  <p:cSld>
+    <p:spTree>
+      <p:nvGrpSpPr>
+        <p:cNvPr id="1" name=""/>
+        <p:cNvGrpSpPr/>
+        <p:nvPr/>
+      </p:nvGrpSpPr>
+      <p:grpSpPr>
+        <a:xfrm>
+          <a:off x="0" y="0"/>
+          <a:ext cx="0" cy="0"/>
+          <a:chOff x="0" y="0"/>
+          <a:chExt cx="0" cy="0"/>
+        </a:xfrm>
+      </p:grpSpPr>
+      <p:sp>
+        <p:nvSpPr>
+          <p:cNvPr id="2" name="Slide Image Placeholder 1"/>
+          <p:cNvSpPr>
+            <a:spLocks noGrp="1" noRot="1" noChangeAspect="1"/>
+          </p:cNvSpPr>
+          <p:nvPr>
+            <p:ph type="sldImg"/>
+          </p:nvPr>
+        </p:nvSpPr>
+        <p:spPr/>
+      </p:sp>
+      <p:sp>
+        <p:nvSpPr>
+          <p:cNvPr id="3" name="Notes Placeholder 2"/>
+          <p:cNvSpPr>
+            <a:spLocks noGrp="1"/>
+          </p:cNvSpPr>
+          <p:nvPr>
+            <p:ph type="body" idx="1"/>
+          </p:nvPr>
+        </p:nvSpPr>
+        <p:spPr/>
+        <p:txBody>
+          <a:bodyPr/>
+          <a:lstStyle/>
+          <a:p>
+            <a:r>
+              <a:rPr lang="en-US" dirty="0" smtClean="0"/>
+              <a:t>Ask to choose</a:t>
+            </a:r>
+            <a:r>
+              <a:rPr lang="en-US" baseline="0" dirty="0" smtClean="0"/>
+              <a:t> a way (de way)</a:t>
+            </a:r>
+          </a:p>
+          <a:p>
+            <a:pPr marL="171450" indent="-171450">
+              <a:buFontTx/>
+              <a:buChar char="-"/>
+            </a:pPr>
+            <a:r>
+              <a:rPr lang="en-US" dirty="0" smtClean="0"/>
+              <a:t>Spending a lot of time on architecture</a:t>
+            </a:r>
+          </a:p>
+          <a:p>
+            <a:pPr marL="171450" indent="-171450">
+              <a:buFontTx/>
+              <a:buChar char="-"/>
+            </a:pPr>
+            <a:r>
+              <a:rPr lang="en-US" dirty="0" smtClean="0"/>
+              <a:t>Spending</a:t>
+            </a:r>
+            <a:r>
+              <a:rPr lang="en-US" baseline="0" dirty="0" smtClean="0"/>
+              <a:t> some time, but not much</a:t>
+            </a:r>
+          </a:p>
+          <a:p>
+            <a:pPr marL="171450" indent="-171450">
+              <a:buFontTx/>
+              <a:buChar char="-"/>
+            </a:pPr>
+            <a:r>
+              <a:rPr lang="en-US" baseline="0" dirty="0" smtClean="0"/>
+              <a:t>Ignore it </a:t>
+            </a:r>
+            <a:r>
+              <a:rPr lang="en-US" dirty="0" smtClean="0"/>
+              <a:t>architecture </a:t>
+            </a:r>
+            <a:r>
+              <a:rPr lang="en-US" baseline="0" dirty="0" smtClean="0"/>
+              <a:t>and write code</a:t>
+            </a:r>
+            <a:endParaRPr lang="en-US" dirty="0"/>
+          </a:p>
+        </p:txBody>
+      </p:sp>
+      <p:sp>
+        <p:nvSpPr>
+          <p:cNvPr id="4" name="Slide Number Placeholder 3"/>
+          <p:cNvSpPr>
+            <a:spLocks noGrp="1"/>
+          </p:cNvSpPr>
+          <p:nvPr>
+            <p:ph type="sldNum" sz="quarter" idx="10"/>
+          </p:nvPr>
+        </p:nvSpPr>
+        <p:spPr/>
+        <p:txBody>
+          <a:bodyPr/>
+          <a:lstStyle/>
+          <a:p>
+            <a:fld id="{90A21AFC-86E3-4DD0-9273-5E1AF32C91DB}" type="slidenum">
+              <a:rPr lang="en-US" smtClean="0"/>
+              <a:t>7</a:t>
+            </a:fld>
+            <a:endParaRPr lang="en-US"/>
+          </a:p>
+        </p:txBody>
+      </p:sp>
+    </p:spTree>
+    <p:extLst>
+      <p:ext uri="{BB962C8B-B14F-4D97-AF65-F5344CB8AC3E}">
+        <p14:creationId xmlns:p14="http://schemas.microsoft.com/office/powerpoint/2010/main" val="3238761381"/>
+      </p:ext>
+    </p:extLst>
+  </p:cSld>
+  <p:clrMapOvr>
+    <a:masterClrMapping/>
+  </p:clrMapOvr>
+</p:notes>
+</file>
+
+<file path=ppt/notesSlides/notesSlide2.xml><?xml version="1.0" encoding="utf-8"?>
+<p:notes xmlns:a="http://schemas.openxmlformats.org/drawingml/2006/main" xmlns:r="http://schemas.openxmlformats.org/officeDocument/2006/relationships" xmlns:p="http://schemas.openxmlformats.org/presentationml/2006/main">
+  <p:cSld>
+    <p:spTree>
+      <p:nvGrpSpPr>
+        <p:cNvPr id="1" name=""/>
+        <p:cNvGrpSpPr/>
+        <p:nvPr/>
+      </p:nvGrpSpPr>
+      <p:grpSpPr>
+        <a:xfrm>
+          <a:off x="0" y="0"/>
+          <a:ext cx="0" cy="0"/>
+          <a:chOff x="0" y="0"/>
+          <a:chExt cx="0" cy="0"/>
+        </a:xfrm>
+      </p:grpSpPr>
+      <p:sp>
+        <p:nvSpPr>
+          <p:cNvPr id="2" name="Slide Image Placeholder 1"/>
+          <p:cNvSpPr>
+            <a:spLocks noGrp="1" noRot="1" noChangeAspect="1"/>
+          </p:cNvSpPr>
+          <p:nvPr>
+            <p:ph type="sldImg"/>
+          </p:nvPr>
+        </p:nvSpPr>
+        <p:spPr/>
+      </p:sp>
+      <p:sp>
+        <p:nvSpPr>
+          <p:cNvPr id="3" name="Notes Placeholder 2"/>
+          <p:cNvSpPr>
+            <a:spLocks noGrp="1"/>
+          </p:cNvSpPr>
+          <p:nvPr>
+            <p:ph type="body" idx="1"/>
+          </p:nvPr>
+        </p:nvSpPr>
+        <p:spPr/>
+        <p:txBody>
+          <a:bodyPr/>
+          <a:lstStyle/>
+          <a:p>
+            <a:r>
+              <a:rPr lang="en-US" dirty="0" smtClean="0"/>
+              <a:t>Some time after</a:t>
+            </a:r>
+            <a:endParaRPr lang="en-US" dirty="0"/>
+          </a:p>
+        </p:txBody>
+      </p:sp>
+      <p:sp>
+        <p:nvSpPr>
+          <p:cNvPr id="4" name="Slide Number Placeholder 3"/>
+          <p:cNvSpPr>
+            <a:spLocks noGrp="1"/>
+          </p:cNvSpPr>
+          <p:nvPr>
+            <p:ph type="sldNum" sz="quarter" idx="10"/>
+          </p:nvPr>
+        </p:nvSpPr>
+        <p:spPr/>
+        <p:txBody>
+          <a:bodyPr/>
+          <a:lstStyle/>
+          <a:p>
+            <a:fld id="{90A21AFC-86E3-4DD0-9273-5E1AF32C91DB}" type="slidenum">
+              <a:rPr lang="en-US" smtClean="0"/>
+              <a:t>8</a:t>
+            </a:fld>
+            <a:endParaRPr lang="en-US"/>
+          </a:p>
+        </p:txBody>
+      </p:sp>
+    </p:spTree>
+    <p:extLst>
+      <p:ext uri="{BB962C8B-B14F-4D97-AF65-F5344CB8AC3E}">
+        <p14:creationId xmlns:p14="http://schemas.microsoft.com/office/powerpoint/2010/main" val="965239981"/>
+      </p:ext>
+    </p:extLst>
+  </p:cSld>
+  <p:clrMapOvr>
+    <a:masterClrMapping/>
+  </p:clrMapOvr>
+</p:notes>
+</file>
+
+<file path=ppt/notesSlides/notesSlide3.xml><?xml version="1.0" encoding="utf-8"?>
+<p:notes xmlns:a="http://schemas.openxmlformats.org/drawingml/2006/main" xmlns:r="http://schemas.openxmlformats.org/officeDocument/2006/relationships" xmlns:p="http://schemas.openxmlformats.org/presentationml/2006/main">
+  <p:cSld>
+    <p:spTree>
+      <p:nvGrpSpPr>
+        <p:cNvPr id="1" name=""/>
+        <p:cNvGrpSpPr/>
+        <p:nvPr/>
+      </p:nvGrpSpPr>
+      <p:grpSpPr>
+        <a:xfrm>
+          <a:off x="0" y="0"/>
+          <a:ext cx="0" cy="0"/>
+          <a:chOff x="0" y="0"/>
+          <a:chExt cx="0" cy="0"/>
+        </a:xfrm>
+      </p:grpSpPr>
+      <p:sp>
+        <p:nvSpPr>
+          <p:cNvPr id="2" name="Slide Image Placeholder 1"/>
+          <p:cNvSpPr>
+            <a:spLocks noGrp="1" noRot="1" noChangeAspect="1"/>
+          </p:cNvSpPr>
+          <p:nvPr>
+            <p:ph type="sldImg"/>
+          </p:nvPr>
+        </p:nvSpPr>
+        <p:spPr/>
+      </p:sp>
+      <p:sp>
+        <p:nvSpPr>
+          <p:cNvPr id="3" name="Notes Placeholder 2"/>
+          <p:cNvSpPr>
+            <a:spLocks noGrp="1"/>
+          </p:cNvSpPr>
+          <p:nvPr>
+            <p:ph type="body" idx="1"/>
+          </p:nvPr>
+        </p:nvSpPr>
+        <p:spPr/>
+        <p:txBody>
+          <a:bodyPr/>
+          <a:lstStyle/>
+          <a:p>
+            <a:r>
+              <a:rPr lang="en-US" dirty="0" smtClean="0"/>
+              <a:t>Long time after</a:t>
+            </a:r>
+          </a:p>
+          <a:p>
+            <a:pPr marL="171450" indent="-171450">
+              <a:buFontTx/>
+              <a:buChar char="-"/>
+            </a:pPr>
+            <a:r>
+              <a:rPr lang="en-US" baseline="0" dirty="0" smtClean="0"/>
+              <a:t>Some projects are dead</a:t>
+            </a:r>
+          </a:p>
+          <a:p>
+            <a:pPr marL="171450" indent="-171450">
+              <a:buFontTx/>
+              <a:buChar char="-"/>
+            </a:pPr>
+            <a:r>
+              <a:rPr lang="en-US" baseline="0" dirty="0" smtClean="0"/>
+              <a:t>Some projects requires refactoring</a:t>
+            </a:r>
+          </a:p>
+          <a:p>
+            <a:pPr marL="171450" indent="-171450">
+              <a:buFontTx/>
+              <a:buChar char="-"/>
+            </a:pPr>
+            <a:r>
+              <a:rPr lang="en-US" baseline="0" dirty="0" smtClean="0"/>
+              <a:t>Some </a:t>
+            </a:r>
+            <a:r>
+              <a:rPr lang="en-US" baseline="0" dirty="0" smtClean="0"/>
+              <a:t>projects </a:t>
+            </a:r>
+            <a:r>
+              <a:rPr lang="en-US" baseline="0" dirty="0" smtClean="0"/>
+              <a:t>are good</a:t>
+            </a:r>
+            <a:endParaRPr lang="en-US" dirty="0" smtClean="0"/>
+          </a:p>
+        </p:txBody>
+      </p:sp>
+      <p:sp>
+        <p:nvSpPr>
+          <p:cNvPr id="4" name="Slide Number Placeholder 3"/>
+          <p:cNvSpPr>
+            <a:spLocks noGrp="1"/>
+          </p:cNvSpPr>
+          <p:nvPr>
+            <p:ph type="sldNum" sz="quarter" idx="10"/>
+          </p:nvPr>
+        </p:nvSpPr>
+        <p:spPr/>
+        <p:txBody>
+          <a:bodyPr/>
+          <a:lstStyle/>
+          <a:p>
+            <a:fld id="{90A21AFC-86E3-4DD0-9273-5E1AF32C91DB}" type="slidenum">
+              <a:rPr lang="en-US" smtClean="0"/>
+              <a:t>9</a:t>
+            </a:fld>
+            <a:endParaRPr lang="en-US"/>
+          </a:p>
+        </p:txBody>
+      </p:sp>
+    </p:spTree>
+    <p:extLst>
+      <p:ext uri="{BB962C8B-B14F-4D97-AF65-F5344CB8AC3E}">
+        <p14:creationId xmlns:p14="http://schemas.microsoft.com/office/powerpoint/2010/main" val="1987088485"/>
+      </p:ext>
+    </p:extLst>
+  </p:cSld>
+  <p:clrMapOvr>
+    <a:masterClrMapping/>
+  </p:clrMapOvr>
+</p:notes>
+</file>
+
+<file path=ppt/notesSlides/notesSlide4.xml><?xml version="1.0" encoding="utf-8"?>
+<p:notes xmlns:a="http://schemas.openxmlformats.org/drawingml/2006/main" xmlns:r="http://schemas.openxmlformats.org/officeDocument/2006/relationships" xmlns:p="http://schemas.openxmlformats.org/presentationml/2006/main">
+  <p:cSld>
+    <p:spTree>
+      <p:nvGrpSpPr>
+        <p:cNvPr id="1" name=""/>
+        <p:cNvGrpSpPr/>
+        <p:nvPr/>
+      </p:nvGrpSpPr>
+      <p:grpSpPr>
+        <a:xfrm>
+          <a:off x="0" y="0"/>
+          <a:ext cx="0" cy="0"/>
+          <a:chOff x="0" y="0"/>
+          <a:chExt cx="0" cy="0"/>
+        </a:xfrm>
+      </p:grpSpPr>
+      <p:sp>
+        <p:nvSpPr>
+          <p:cNvPr id="2" name="Slide Image Placeholder 1"/>
+          <p:cNvSpPr>
+            <a:spLocks noGrp="1" noRot="1" noChangeAspect="1"/>
+          </p:cNvSpPr>
+          <p:nvPr>
+            <p:ph type="sldImg"/>
+          </p:nvPr>
+        </p:nvSpPr>
+        <p:spPr/>
+      </p:sp>
+      <p:sp>
+        <p:nvSpPr>
+          <p:cNvPr id="3" name="Notes Placeholder 2"/>
+          <p:cNvSpPr>
+            <a:spLocks noGrp="1"/>
+          </p:cNvSpPr>
+          <p:nvPr>
+            <p:ph type="body" idx="1"/>
+          </p:nvPr>
+        </p:nvSpPr>
+        <p:spPr/>
+        <p:txBody>
+          <a:bodyPr/>
+          <a:lstStyle/>
+          <a:p>
+            <a:r>
+              <a:rPr lang="en-US" dirty="0" smtClean="0"/>
+              <a:t>Mention that there are a lot</a:t>
+            </a:r>
+            <a:r>
+              <a:rPr lang="en-US" baseline="0" dirty="0" smtClean="0"/>
+              <a:t> of them and it’s important to chose a correct one</a:t>
+            </a:r>
+          </a:p>
+          <a:p>
+            <a:r>
+              <a:rPr lang="en-US" baseline="0" dirty="0" smtClean="0"/>
+              <a:t>- Do not choose </a:t>
+            </a:r>
+            <a:r>
+              <a:rPr lang="en-US" baseline="0" dirty="0" err="1" smtClean="0"/>
+              <a:t>microservices</a:t>
+            </a:r>
+            <a:r>
+              <a:rPr lang="en-US" baseline="0" dirty="0" smtClean="0"/>
+              <a:t> for simple landing page</a:t>
+            </a:r>
+            <a:endParaRPr lang="en-US" dirty="0"/>
+          </a:p>
+        </p:txBody>
+      </p:sp>
+      <p:sp>
+        <p:nvSpPr>
+          <p:cNvPr id="4" name="Slide Number Placeholder 3"/>
+          <p:cNvSpPr>
+            <a:spLocks noGrp="1"/>
+          </p:cNvSpPr>
+          <p:nvPr>
+            <p:ph type="sldNum" sz="quarter" idx="10"/>
+          </p:nvPr>
+        </p:nvSpPr>
+        <p:spPr/>
+        <p:txBody>
+          <a:bodyPr/>
+          <a:lstStyle/>
+          <a:p>
+            <a:fld id="{90A21AFC-86E3-4DD0-9273-5E1AF32C91DB}" type="slidenum">
+              <a:rPr lang="en-US" smtClean="0"/>
+              <a:t>10</a:t>
+            </a:fld>
+            <a:endParaRPr lang="en-US"/>
+          </a:p>
+        </p:txBody>
+      </p:sp>
+    </p:spTree>
+    <p:extLst>
+      <p:ext uri="{BB962C8B-B14F-4D97-AF65-F5344CB8AC3E}">
+        <p14:creationId xmlns:p14="http://schemas.microsoft.com/office/powerpoint/2010/main" val="3150065728"/>
+      </p:ext>
+    </p:extLst>
+  </p:cSld>
+  <p:clrMapOvr>
+    <a:masterClrMapping/>
+  </p:clrMapOvr>
+</p:notes>
+</file>
+
+<file path=ppt/notesSlides/notesSlide5.xml><?xml version="1.0" encoding="utf-8"?>
+<p:notes xmlns:a="http://schemas.openxmlformats.org/drawingml/2006/main" xmlns:r="http://schemas.openxmlformats.org/officeDocument/2006/relationships" xmlns:p="http://schemas.openxmlformats.org/presentationml/2006/main">
+  <p:cSld>
+    <p:spTree>
+      <p:nvGrpSpPr>
+        <p:cNvPr id="1" name=""/>
+        <p:cNvGrpSpPr/>
+        <p:nvPr/>
+      </p:nvGrpSpPr>
+      <p:grpSpPr>
+        <a:xfrm>
+          <a:off x="0" y="0"/>
+          <a:ext cx="0" cy="0"/>
+          <a:chOff x="0" y="0"/>
+          <a:chExt cx="0" cy="0"/>
+        </a:xfrm>
+      </p:grpSpPr>
+      <p:sp>
+        <p:nvSpPr>
+          <p:cNvPr id="2" name="Slide Image Placeholder 1"/>
+          <p:cNvSpPr>
+            <a:spLocks noGrp="1" noRot="1" noChangeAspect="1"/>
+          </p:cNvSpPr>
+          <p:nvPr>
+            <p:ph type="sldImg"/>
+          </p:nvPr>
+        </p:nvSpPr>
+        <p:spPr/>
+      </p:sp>
+      <p:sp>
+        <p:nvSpPr>
+          <p:cNvPr id="3" name="Notes Placeholder 2"/>
+          <p:cNvSpPr>
+            <a:spLocks noGrp="1"/>
+          </p:cNvSpPr>
+          <p:nvPr>
+            <p:ph type="body" idx="1"/>
+          </p:nvPr>
+        </p:nvSpPr>
+        <p:spPr/>
+        <p:txBody>
+          <a:bodyPr/>
+          <a:lstStyle/>
+          <a:p>
+            <a:r>
+              <a:rPr lang="en-GB" dirty="0" smtClean="0"/>
+              <a:t>Note</a:t>
+            </a:r>
+            <a:r>
+              <a:rPr lang="en-GB" baseline="0" dirty="0" smtClean="0"/>
+              <a:t> that all of them are make sense (except first one)</a:t>
+            </a:r>
+            <a:endParaRPr lang="en-US" dirty="0"/>
+          </a:p>
+        </p:txBody>
+      </p:sp>
+      <p:sp>
+        <p:nvSpPr>
+          <p:cNvPr id="4" name="Slide Number Placeholder 3"/>
+          <p:cNvSpPr>
+            <a:spLocks noGrp="1"/>
+          </p:cNvSpPr>
+          <p:nvPr>
+            <p:ph type="sldNum" sz="quarter" idx="10"/>
+          </p:nvPr>
+        </p:nvSpPr>
+        <p:spPr/>
+        <p:txBody>
+          <a:bodyPr/>
+          <a:lstStyle/>
+          <a:p>
+            <a:fld id="{90A21AFC-86E3-4DD0-9273-5E1AF32C91DB}" type="slidenum">
+              <a:rPr lang="en-US" smtClean="0"/>
+              <a:t>11</a:t>
+            </a:fld>
+            <a:endParaRPr lang="en-US"/>
+          </a:p>
+        </p:txBody>
+      </p:sp>
+    </p:spTree>
+    <p:extLst>
+      <p:ext uri="{BB962C8B-B14F-4D97-AF65-F5344CB8AC3E}">
+        <p14:creationId xmlns:p14="http://schemas.microsoft.com/office/powerpoint/2010/main" val="878087971"/>
+      </p:ext>
+    </p:extLst>
+  </p:cSld>
+  <p:clrMapOvr>
+    <a:masterClrMapping/>
+  </p:clrMapOvr>
+</p:notes>
+</file>
+
+<file path=ppt/notesSlides/notesSlide6.xml><?xml version="1.0" encoding="utf-8"?>
+<p:notes xmlns:a="http://schemas.openxmlformats.org/drawingml/2006/main" xmlns:r="http://schemas.openxmlformats.org/officeDocument/2006/relationships" xmlns:p="http://schemas.openxmlformats.org/presentationml/2006/main">
+  <p:cSld>
+    <p:spTree>
+      <p:nvGrpSpPr>
+        <p:cNvPr id="1" name=""/>
+        <p:cNvGrpSpPr/>
+        <p:nvPr/>
+      </p:nvGrpSpPr>
+      <p:grpSpPr>
+        <a:xfrm>
+          <a:off x="0" y="0"/>
+          <a:ext cx="0" cy="0"/>
+          <a:chOff x="0" y="0"/>
+          <a:chExt cx="0" cy="0"/>
+        </a:xfrm>
+      </p:grpSpPr>
+      <p:sp>
+        <p:nvSpPr>
+          <p:cNvPr id="2" name="Slide Image Placeholder 1"/>
+          <p:cNvSpPr>
+            <a:spLocks noGrp="1" noRot="1" noChangeAspect="1"/>
+          </p:cNvSpPr>
+          <p:nvPr>
+            <p:ph type="sldImg"/>
+          </p:nvPr>
+        </p:nvSpPr>
+        <p:spPr/>
+      </p:sp>
+      <p:sp>
+        <p:nvSpPr>
+          <p:cNvPr id="3" name="Notes Placeholder 2"/>
+          <p:cNvSpPr>
+            <a:spLocks noGrp="1"/>
+          </p:cNvSpPr>
+          <p:nvPr>
+            <p:ph type="body" idx="1"/>
+          </p:nvPr>
+        </p:nvSpPr>
+        <p:spPr/>
+        <p:txBody>
+          <a:bodyPr/>
+          <a:lstStyle/>
+          <a:p>
+            <a:endParaRPr lang="en-US" dirty="0"/>
+          </a:p>
+        </p:txBody>
+      </p:sp>
+      <p:sp>
+        <p:nvSpPr>
+          <p:cNvPr id="4" name="Slide Number Placeholder 3"/>
+          <p:cNvSpPr>
+            <a:spLocks noGrp="1"/>
+          </p:cNvSpPr>
+          <p:nvPr>
+            <p:ph type="sldNum" sz="quarter" idx="10"/>
+          </p:nvPr>
+        </p:nvSpPr>
+        <p:spPr/>
+        <p:txBody>
+          <a:bodyPr/>
+          <a:lstStyle/>
+          <a:p>
+            <a:fld id="{90A21AFC-86E3-4DD0-9273-5E1AF32C91DB}" type="slidenum">
+              <a:rPr lang="en-US" smtClean="0"/>
+              <a:t>13</a:t>
+            </a:fld>
+            <a:endParaRPr lang="en-US"/>
+          </a:p>
+        </p:txBody>
+      </p:sp>
+    </p:spTree>
+    <p:extLst>
+      <p:ext uri="{BB962C8B-B14F-4D97-AF65-F5344CB8AC3E}">
+        <p14:creationId xmlns:p14="http://schemas.microsoft.com/office/powerpoint/2010/main" val="2361954746"/>
+      </p:ext>
+    </p:extLst>
+  </p:cSld>
+  <p:clrMapOvr>
+    <a:masterClrMapping/>
+  </p:clrMapOvr>
+</p:notes>
+</file>
+
+<file path=ppt/notesSlides/notesSlide7.xml><?xml version="1.0" encoding="utf-8"?>
+<p:notes xmlns:a="http://schemas.openxmlformats.org/drawingml/2006/main" xmlns:r="http://schemas.openxmlformats.org/officeDocument/2006/relationships" xmlns:p="http://schemas.openxmlformats.org/presentationml/2006/main">
+  <p:cSld>
+    <p:spTree>
+      <p:nvGrpSpPr>
+        <p:cNvPr id="1" name=""/>
+        <p:cNvGrpSpPr/>
+        <p:nvPr/>
+      </p:nvGrpSpPr>
+      <p:grpSpPr>
+        <a:xfrm>
+          <a:off x="0" y="0"/>
+          <a:ext cx="0" cy="0"/>
+          <a:chOff x="0" y="0"/>
+          <a:chExt cx="0" cy="0"/>
+        </a:xfrm>
+      </p:grpSpPr>
+      <p:sp>
+        <p:nvSpPr>
+          <p:cNvPr id="2" name="Slide Image Placeholder 1"/>
+          <p:cNvSpPr>
+            <a:spLocks noGrp="1" noRot="1" noChangeAspect="1"/>
+          </p:cNvSpPr>
+          <p:nvPr>
+            <p:ph type="sldImg"/>
+          </p:nvPr>
+        </p:nvSpPr>
+        <p:spPr/>
+      </p:sp>
+      <p:sp>
+        <p:nvSpPr>
+          <p:cNvPr id="3" name="Notes Placeholder 2"/>
+          <p:cNvSpPr>
+            <a:spLocks noGrp="1"/>
+          </p:cNvSpPr>
+          <p:nvPr>
+            <p:ph type="body" idx="1"/>
+          </p:nvPr>
+        </p:nvSpPr>
+        <p:spPr/>
+        <p:txBody>
+          <a:bodyPr/>
+          <a:lstStyle/>
+          <a:p>
+            <a:r>
+              <a:rPr lang="en-GB" dirty="0" smtClean="0"/>
+              <a:t>Long talk about this repos</a:t>
+            </a:r>
+          </a:p>
+          <a:p>
+            <a:r>
+              <a:rPr lang="en-GB" dirty="0" smtClean="0"/>
+              <a:t>Can</a:t>
+            </a:r>
+            <a:r>
+              <a:rPr lang="en-GB" baseline="0" dirty="0" smtClean="0"/>
+              <a:t> spend time on discussion of other common tasks</a:t>
+            </a:r>
+            <a:endParaRPr lang="en-US" dirty="0"/>
+          </a:p>
+        </p:txBody>
+      </p:sp>
+      <p:sp>
+        <p:nvSpPr>
+          <p:cNvPr id="4" name="Slide Number Placeholder 3"/>
+          <p:cNvSpPr>
+            <a:spLocks noGrp="1"/>
+          </p:cNvSpPr>
+          <p:nvPr>
+            <p:ph type="sldNum" sz="quarter" idx="10"/>
+          </p:nvPr>
+        </p:nvSpPr>
+        <p:spPr/>
+        <p:txBody>
+          <a:bodyPr/>
+          <a:lstStyle/>
+          <a:p>
+            <a:fld id="{90A21AFC-86E3-4DD0-9273-5E1AF32C91DB}" type="slidenum">
+              <a:rPr lang="en-US" smtClean="0"/>
+              <a:t>35</a:t>
+            </a:fld>
+            <a:endParaRPr lang="en-US"/>
+          </a:p>
+        </p:txBody>
+      </p:sp>
+    </p:spTree>
+    <p:extLst>
+      <p:ext uri="{BB962C8B-B14F-4D97-AF65-F5344CB8AC3E}">
+        <p14:creationId xmlns:p14="http://schemas.microsoft.com/office/powerpoint/2010/main" val="863092890"/>
+      </p:ext>
+    </p:extLst>
+  </p:cSld>
+  <p:clrMapOvr>
+    <a:masterClrMapping/>
+  </p:clrMapOvr>
+</p:notes>
+</file>
+
+<file path=ppt/notesSlides/notesSlide8.xml><?xml version="1.0" encoding="utf-8"?>
+<p:notes xmlns:a="http://schemas.openxmlformats.org/drawingml/2006/main" xmlns:r="http://schemas.openxmlformats.org/officeDocument/2006/relationships" xmlns:p="http://schemas.openxmlformats.org/presentationml/2006/main">
+  <p:cSld>
+    <p:spTree>
+      <p:nvGrpSpPr>
+        <p:cNvPr id="1" name=""/>
+        <p:cNvGrpSpPr/>
+        <p:nvPr/>
+      </p:nvGrpSpPr>
+      <p:grpSpPr>
+        <a:xfrm>
+          <a:off x="0" y="0"/>
+          <a:ext cx="0" cy="0"/>
+          <a:chOff x="0" y="0"/>
+          <a:chExt cx="0" cy="0"/>
+        </a:xfrm>
+      </p:grpSpPr>
+      <p:sp>
+        <p:nvSpPr>
+          <p:cNvPr id="2" name="Slide Image Placeholder 1"/>
+          <p:cNvSpPr>
+            <a:spLocks noGrp="1" noRot="1" noChangeAspect="1"/>
+          </p:cNvSpPr>
+          <p:nvPr>
+            <p:ph type="sldImg"/>
+          </p:nvPr>
+        </p:nvSpPr>
+        <p:spPr/>
+      </p:sp>
+      <p:sp>
+        <p:nvSpPr>
+          <p:cNvPr id="3" name="Notes Placeholder 2"/>
+          <p:cNvSpPr>
+            <a:spLocks noGrp="1"/>
+          </p:cNvSpPr>
+          <p:nvPr>
+            <p:ph type="body" idx="1"/>
+          </p:nvPr>
+        </p:nvSpPr>
+        <p:spPr/>
+        <p:txBody>
+          <a:bodyPr/>
+          <a:lstStyle/>
+          <a:p>
+            <a:r>
+              <a:rPr lang="en-GB" dirty="0" smtClean="0"/>
+              <a:t>Blah </a:t>
+            </a:r>
+            <a:r>
+              <a:rPr lang="en-GB" smtClean="0"/>
+              <a:t>blah</a:t>
+            </a:r>
+            <a:endParaRPr lang="en-US"/>
+          </a:p>
+        </p:txBody>
+      </p:sp>
+      <p:sp>
+        <p:nvSpPr>
+          <p:cNvPr id="4" name="Slide Number Placeholder 3"/>
+          <p:cNvSpPr>
+            <a:spLocks noGrp="1"/>
+          </p:cNvSpPr>
+          <p:nvPr>
+            <p:ph type="sldNum" sz="quarter" idx="10"/>
+          </p:nvPr>
+        </p:nvSpPr>
+        <p:spPr/>
+        <p:txBody>
+          <a:bodyPr/>
+          <a:lstStyle/>
+          <a:p>
+            <a:fld id="{90A21AFC-86E3-4DD0-9273-5E1AF32C91DB}" type="slidenum">
+              <a:rPr lang="en-US" smtClean="0"/>
+              <a:t>36</a:t>
+            </a:fld>
+            <a:endParaRPr lang="en-US"/>
+          </a:p>
+        </p:txBody>
+      </p:sp>
+    </p:spTree>
+    <p:extLst>
+      <p:ext uri="{BB962C8B-B14F-4D97-AF65-F5344CB8AC3E}">
+        <p14:creationId xmlns:p14="http://schemas.microsoft.com/office/powerpoint/2010/main" val="1224778539"/>
+      </p:ext>
+    </p:extLst>
+  </p:cSld>
+  <p:clrMapOvr>
+    <a:masterClrMapping/>
+  </p:clrMapOvr>
+</p:notes>
 </file>
 
 <file path=ppt/slideLayouts/slideLayout1.xml><?xml version="1.0" encoding="utf-8"?>
@@ -23235,7 +24055,7 @@
             </a:pPr>
             <a:r>
               <a:rPr lang="en-US" sz="2400" dirty="0" smtClean="0">
-                <a:hlinkClick r:id="rId2"/>
+                <a:hlinkClick r:id="rId3"/>
               </a:rPr>
               <a:t>https://github.com/quozd/awesome-dotnet</a:t>
             </a:r>
@@ -23250,13 +24070,13 @@
             </a:pPr>
             <a:r>
               <a:rPr lang="en-US" sz="2400" dirty="0">
-                <a:hlinkClick r:id="rId3"/>
+                <a:hlinkClick r:id="rId4"/>
               </a:rPr>
               <a:t>https://</a:t>
             </a:r>
             <a:r>
               <a:rPr lang="en-US" sz="2400" dirty="0" smtClean="0">
-                <a:hlinkClick r:id="rId3"/>
+                <a:hlinkClick r:id="rId4"/>
               </a:rPr>
               <a:t>github.com/thangchung/awesome-dotnet-core</a:t>
             </a:r>
@@ -23271,13 +24091,13 @@
             </a:pPr>
             <a:r>
               <a:rPr lang="en-US" sz="2400" dirty="0">
-                <a:hlinkClick r:id="rId4"/>
+                <a:hlinkClick r:id="rId5"/>
               </a:rPr>
               <a:t>https://</a:t>
             </a:r>
             <a:r>
               <a:rPr lang="en-US" sz="2400" dirty="0" smtClean="0">
-                <a:hlinkClick r:id="rId4"/>
+                <a:hlinkClick r:id="rId5"/>
               </a:rPr>
               <a:t>github.com/aspnet</a:t>
             </a:r>
@@ -23364,11 +24184,20 @@
             <p:ph type="body" sz="quarter" idx="11"/>
           </p:nvPr>
         </p:nvSpPr>
-        <p:spPr/>
+        <p:spPr>
+          <a:xfrm>
+            <a:off x="539552" y="3429000"/>
+            <a:ext cx="5112568" cy="2160240"/>
+          </a:xfrm>
+        </p:spPr>
         <p:txBody>
           <a:bodyPr/>
           <a:lstStyle/>
           <a:p>
+            <a:r>
+              <a:rPr lang="en-US" dirty="0" smtClean="0"/>
+              <a:t>ASP.NET CORE Common Tasks</a:t>
+            </a:r>
             <a:endParaRPr lang="en-US" dirty="0"/>
           </a:p>
         </p:txBody>
@@ -23388,7 +24217,11 @@
           <a:bodyPr/>
           <a:lstStyle/>
           <a:p>
-            <a:endParaRPr lang="en-US"/>
+            <a:r>
+              <a:rPr lang="en-US" dirty="0" smtClean="0"/>
+              <a:t>Deep dive</a:t>
+            </a:r>
+            <a:endParaRPr lang="en-US" dirty="0"/>
           </a:p>
         </p:txBody>
       </p:sp>
@@ -23693,7 +24526,7 @@
         </p:xfrm>
         <a:graphic>
           <a:graphicData uri="http://schemas.openxmlformats.org/drawingml/2006/chart">
-            <c:chart xmlns:c="http://schemas.openxmlformats.org/drawingml/2006/chart" xmlns:r="http://schemas.openxmlformats.org/officeDocument/2006/relationships" r:id="rId2"/>
+            <c:chart xmlns:c="http://schemas.openxmlformats.org/drawingml/2006/chart" xmlns:r="http://schemas.openxmlformats.org/officeDocument/2006/relationships" r:id="rId3"/>
           </a:graphicData>
         </a:graphic>
       </p:graphicFrame>
@@ -23775,7 +24608,7 @@
         </p:xfrm>
         <a:graphic>
           <a:graphicData uri="http://schemas.openxmlformats.org/drawingml/2006/chart">
-            <c:chart xmlns:c="http://schemas.openxmlformats.org/drawingml/2006/chart" xmlns:r="http://schemas.openxmlformats.org/officeDocument/2006/relationships" r:id="rId2"/>
+            <c:chart xmlns:c="http://schemas.openxmlformats.org/drawingml/2006/chart" xmlns:r="http://schemas.openxmlformats.org/officeDocument/2006/relationships" r:id="rId3"/>
           </a:graphicData>
         </a:graphic>
       </p:graphicFrame>
@@ -23853,7 +24686,7 @@
         </p:xfrm>
         <a:graphic>
           <a:graphicData uri="http://schemas.openxmlformats.org/drawingml/2006/chart">
-            <c:chart xmlns:c="http://schemas.openxmlformats.org/drawingml/2006/chart" xmlns:r="http://schemas.openxmlformats.org/officeDocument/2006/relationships" r:id="rId2"/>
+            <c:chart xmlns:c="http://schemas.openxmlformats.org/drawingml/2006/chart" xmlns:r="http://schemas.openxmlformats.org/officeDocument/2006/relationships" r:id="rId3"/>
           </a:graphicData>
         </a:graphic>
       </p:graphicFrame>

--- a/docs/ASP.NET CORE - Common Tasks - iTechArt 2018.pptx
+++ b/docs/ASP.NET CORE - Common Tasks - iTechArt 2018.pptx
@@ -8,48 +8,55 @@
     <p:sldMasterId id="2147483702" r:id="rId4"/>
   </p:sldMasterIdLst>
   <p:notesMasterIdLst>
-    <p:notesMasterId r:id="rId41"/>
+    <p:notesMasterId r:id="rId48"/>
   </p:notesMasterIdLst>
   <p:handoutMasterIdLst>
-    <p:handoutMasterId r:id="rId42"/>
+    <p:handoutMasterId r:id="rId49"/>
   </p:handoutMasterIdLst>
   <p:sldIdLst>
     <p:sldId id="334" r:id="rId5"/>
     <p:sldId id="338" r:id="rId6"/>
-    <p:sldId id="286" r:id="rId7"/>
-    <p:sldId id="545" r:id="rId8"/>
-    <p:sldId id="546" r:id="rId9"/>
-    <p:sldId id="552" r:id="rId10"/>
-    <p:sldId id="550" r:id="rId11"/>
-    <p:sldId id="549" r:id="rId12"/>
-    <p:sldId id="551" r:id="rId13"/>
-    <p:sldId id="521" r:id="rId14"/>
-    <p:sldId id="520" r:id="rId15"/>
-    <p:sldId id="553" r:id="rId16"/>
-    <p:sldId id="557" r:id="rId17"/>
-    <p:sldId id="555" r:id="rId18"/>
-    <p:sldId id="547" r:id="rId19"/>
-    <p:sldId id="558" r:id="rId20"/>
-    <p:sldId id="559" r:id="rId21"/>
-    <p:sldId id="579" r:id="rId22"/>
-    <p:sldId id="561" r:id="rId23"/>
-    <p:sldId id="562" r:id="rId24"/>
-    <p:sldId id="563" r:id="rId25"/>
-    <p:sldId id="570" r:id="rId26"/>
-    <p:sldId id="564" r:id="rId27"/>
-    <p:sldId id="565" r:id="rId28"/>
-    <p:sldId id="575" r:id="rId29"/>
-    <p:sldId id="569" r:id="rId30"/>
-    <p:sldId id="566" r:id="rId31"/>
-    <p:sldId id="567" r:id="rId32"/>
-    <p:sldId id="576" r:id="rId33"/>
-    <p:sldId id="571" r:id="rId34"/>
-    <p:sldId id="568" r:id="rId35"/>
-    <p:sldId id="572" r:id="rId36"/>
-    <p:sldId id="573" r:id="rId37"/>
-    <p:sldId id="574" r:id="rId38"/>
-    <p:sldId id="577" r:id="rId39"/>
-    <p:sldId id="578" r:id="rId40"/>
+    <p:sldId id="582" r:id="rId7"/>
+    <p:sldId id="583" r:id="rId8"/>
+    <p:sldId id="545" r:id="rId9"/>
+    <p:sldId id="546" r:id="rId10"/>
+    <p:sldId id="552" r:id="rId11"/>
+    <p:sldId id="550" r:id="rId12"/>
+    <p:sldId id="549" r:id="rId13"/>
+    <p:sldId id="551" r:id="rId14"/>
+    <p:sldId id="521" r:id="rId15"/>
+    <p:sldId id="520" r:id="rId16"/>
+    <p:sldId id="553" r:id="rId17"/>
+    <p:sldId id="557" r:id="rId18"/>
+    <p:sldId id="555" r:id="rId19"/>
+    <p:sldId id="547" r:id="rId20"/>
+    <p:sldId id="558" r:id="rId21"/>
+    <p:sldId id="584" r:id="rId22"/>
+    <p:sldId id="559" r:id="rId23"/>
+    <p:sldId id="579" r:id="rId24"/>
+    <p:sldId id="561" r:id="rId25"/>
+    <p:sldId id="562" r:id="rId26"/>
+    <p:sldId id="585" r:id="rId27"/>
+    <p:sldId id="563" r:id="rId28"/>
+    <p:sldId id="570" r:id="rId29"/>
+    <p:sldId id="564" r:id="rId30"/>
+    <p:sldId id="586" r:id="rId31"/>
+    <p:sldId id="565" r:id="rId32"/>
+    <p:sldId id="575" r:id="rId33"/>
+    <p:sldId id="569" r:id="rId34"/>
+    <p:sldId id="566" r:id="rId35"/>
+    <p:sldId id="587" r:id="rId36"/>
+    <p:sldId id="567" r:id="rId37"/>
+    <p:sldId id="576" r:id="rId38"/>
+    <p:sldId id="571" r:id="rId39"/>
+    <p:sldId id="568" r:id="rId40"/>
+    <p:sldId id="588" r:id="rId41"/>
+    <p:sldId id="572" r:id="rId42"/>
+    <p:sldId id="573" r:id="rId43"/>
+    <p:sldId id="574" r:id="rId44"/>
+    <p:sldId id="577" r:id="rId45"/>
+    <p:sldId id="589" r:id="rId46"/>
+    <p:sldId id="578" r:id="rId47"/>
   </p:sldIdLst>
   <p:sldSz cx="9144000" cy="6858000" type="screen4x3"/>
   <p:notesSz cx="6858000" cy="9144000"/>
@@ -562,7 +569,6 @@
               </a:p>
             </c:rich>
           </c:tx>
-          <c:layout/>
           <c:overlay val="0"/>
           <c:spPr>
             <a:noFill/>
@@ -1489,7 +1495,6 @@
               </a:p>
             </c:rich>
           </c:tx>
-          <c:layout/>
           <c:overlay val="0"/>
           <c:spPr>
             <a:noFill/>
@@ -3676,7 +3681,6 @@
               </a:p>
             </c:rich>
           </c:tx>
-          <c:layout/>
           <c:overlay val="0"/>
           <c:spPr>
             <a:noFill/>
@@ -3724,7 +3728,6 @@
     </c:plotArea>
     <c:legend>
       <c:legendPos val="r"/>
-      <c:layout/>
       <c:overlay val="0"/>
       <c:spPr>
         <a:noFill/>
@@ -5543,7 +5546,7 @@
           <a:p>
             <a:fld id="{4745C2A7-EC62-4025-933C-BCAFCDD3DF69}" type="datetimeFigureOut">
               <a:rPr lang="en-US" smtClean="0"/>
-              <a:t>2/15/2018</a:t>
+              <a:t>2/16/2018</a:t>
             </a:fld>
             <a:endParaRPr lang="en-US"/>
           </a:p>
@@ -5708,7 +5711,7 @@
           <a:p>
             <a:fld id="{06260018-D06A-43EF-993F-2C9FDF70442E}" type="datetimeFigureOut">
               <a:rPr lang="en-US" smtClean="0"/>
-              <a:t>2/15/2018</a:t>
+              <a:t>2/16/2018</a:t>
             </a:fld>
             <a:endParaRPr lang="en-US"/>
           </a:p>
@@ -6091,7 +6094,7 @@
           <a:p>
             <a:fld id="{90A21AFC-86E3-4DD0-9273-5E1AF32C91DB}" type="slidenum">
               <a:rPr lang="en-US" smtClean="0"/>
-              <a:t>7</a:t>
+              <a:t>8</a:t>
             </a:fld>
             <a:endParaRPr lang="en-US"/>
           </a:p>
@@ -6179,7 +6182,7 @@
           <a:p>
             <a:fld id="{90A21AFC-86E3-4DD0-9273-5E1AF32C91DB}" type="slidenum">
               <a:rPr lang="en-US" smtClean="0"/>
-              <a:t>8</a:t>
+              <a:t>9</a:t>
             </a:fld>
             <a:endParaRPr lang="en-US"/>
           </a:p>
@@ -6274,15 +6277,7 @@
             </a:pPr>
             <a:r>
               <a:rPr lang="en-US" baseline="0" dirty="0" smtClean="0"/>
-              <a:t>Some </a:t>
-            </a:r>
-            <a:r>
-              <a:rPr lang="en-US" baseline="0" dirty="0" smtClean="0"/>
-              <a:t>projects </a:t>
-            </a:r>
-            <a:r>
-              <a:rPr lang="en-US" baseline="0" dirty="0" smtClean="0"/>
-              <a:t>are good</a:t>
+              <a:t>Some projects are good</a:t>
             </a:r>
             <a:endParaRPr lang="en-US" dirty="0" smtClean="0"/>
           </a:p>
@@ -6305,7 +6300,7 @@
           <a:p>
             <a:fld id="{90A21AFC-86E3-4DD0-9273-5E1AF32C91DB}" type="slidenum">
               <a:rPr lang="en-US" smtClean="0"/>
-              <a:t>9</a:t>
+              <a:t>10</a:t>
             </a:fld>
             <a:endParaRPr lang="en-US"/>
           </a:p>
@@ -6411,7 +6406,7 @@
           <a:p>
             <a:fld id="{90A21AFC-86E3-4DD0-9273-5E1AF32C91DB}" type="slidenum">
               <a:rPr lang="en-US" smtClean="0"/>
-              <a:t>10</a:t>
+              <a:t>11</a:t>
             </a:fld>
             <a:endParaRPr lang="en-US"/>
           </a:p>
@@ -6503,7 +6498,7 @@
           <a:p>
             <a:fld id="{90A21AFC-86E3-4DD0-9273-5E1AF32C91DB}" type="slidenum">
               <a:rPr lang="en-US" smtClean="0"/>
-              <a:t>11</a:t>
+              <a:t>12</a:t>
             </a:fld>
             <a:endParaRPr lang="en-US"/>
           </a:p>
@@ -6587,7 +6582,7 @@
           <a:p>
             <a:fld id="{90A21AFC-86E3-4DD0-9273-5E1AF32C91DB}" type="slidenum">
               <a:rPr lang="en-US" smtClean="0"/>
-              <a:t>13</a:t>
+              <a:t>14</a:t>
             </a:fld>
             <a:endParaRPr lang="en-US"/>
           </a:p>
@@ -6685,7 +6680,7 @@
           <a:p>
             <a:fld id="{90A21AFC-86E3-4DD0-9273-5E1AF32C91DB}" type="slidenum">
               <a:rPr lang="en-US" smtClean="0"/>
-              <a:t>35</a:t>
+              <a:t>41</a:t>
             </a:fld>
             <a:endParaRPr lang="en-US"/>
           </a:p>
@@ -6777,7 +6772,7 @@
           <a:p>
             <a:fld id="{90A21AFC-86E3-4DD0-9273-5E1AF32C91DB}" type="slidenum">
               <a:rPr lang="en-US" smtClean="0"/>
-              <a:t>36</a:t>
+              <a:t>43</a:t>
             </a:fld>
             <a:endParaRPr lang="en-US"/>
           </a:p>
@@ -20593,112 +20588,42 @@
           <a:lstStyle/>
           <a:p>
             <a:r>
-              <a:rPr lang="en-US" dirty="0"/>
-              <a:t>IT’s ALL ABOUT architecture</a:t>
-            </a:r>
-          </a:p>
-        </p:txBody>
-      </p:sp>
-      <p:sp>
-        <p:nvSpPr>
-          <p:cNvPr id="4" name="Content Placeholder 3"/>
-          <p:cNvSpPr>
-            <a:spLocks noGrp="1"/>
-          </p:cNvSpPr>
+              <a:rPr lang="en-GB" dirty="0" smtClean="0"/>
+              <a:t>Further Development</a:t>
+            </a:r>
+            <a:endParaRPr lang="en-US" dirty="0"/>
+          </a:p>
+        </p:txBody>
+      </p:sp>
+      <p:graphicFrame>
+        <p:nvGraphicFramePr>
+          <p:cNvPr id="7" name="Content Placeholder 6"/>
+          <p:cNvGraphicFramePr>
+            <a:graphicFrameLocks noGrp="1"/>
+          </p:cNvGraphicFramePr>
           <p:nvPr>
             <p:ph sz="quarter" idx="12"/>
+            <p:extLst>
+              <p:ext uri="{D42A27DB-BD31-4B8C-83A1-F6EECF244321}">
+                <p14:modId xmlns:p14="http://schemas.microsoft.com/office/powerpoint/2010/main" val="2809844176"/>
+              </p:ext>
+            </p:extLst>
           </p:nvPr>
-        </p:nvSpPr>
-        <p:spPr/>
-        <p:txBody>
-          <a:bodyPr/>
-          <a:lstStyle/>
-          <a:p>
-            <a:pPr marL="285750" indent="-285750">
-              <a:lnSpc>
-                <a:spcPct val="150000"/>
-              </a:lnSpc>
-              <a:buFont typeface="Wingdings" panose="05000000000000000000" pitchFamily="2" charset="2"/>
-              <a:buChar char="q"/>
-            </a:pPr>
-            <a:r>
-              <a:rPr lang="en-GB" sz="2400" dirty="0" smtClean="0"/>
-              <a:t>N-tier</a:t>
-            </a:r>
-            <a:endParaRPr lang="en-GB" sz="2400" dirty="0"/>
-          </a:p>
-          <a:p>
-            <a:pPr marL="285750" indent="-285750">
-              <a:lnSpc>
-                <a:spcPct val="150000"/>
-              </a:lnSpc>
-              <a:buFont typeface="Wingdings" panose="05000000000000000000" pitchFamily="2" charset="2"/>
-              <a:buChar char="q"/>
-            </a:pPr>
-            <a:r>
-              <a:rPr lang="en-GB" sz="2400" dirty="0" err="1" smtClean="0"/>
-              <a:t>Microservices</a:t>
-            </a:r>
-            <a:endParaRPr lang="en-GB" sz="2400" dirty="0" smtClean="0"/>
-          </a:p>
-          <a:p>
-            <a:pPr marL="285750" indent="-285750">
-              <a:lnSpc>
-                <a:spcPct val="150000"/>
-              </a:lnSpc>
-              <a:buFont typeface="Wingdings" panose="05000000000000000000" pitchFamily="2" charset="2"/>
-              <a:buChar char="q"/>
-            </a:pPr>
-            <a:r>
-              <a:rPr lang="en-GB" sz="2400" dirty="0" smtClean="0"/>
-              <a:t>CQRS</a:t>
-            </a:r>
-          </a:p>
-          <a:p>
-            <a:pPr marL="285750" indent="-285750">
-              <a:lnSpc>
-                <a:spcPct val="150000"/>
-              </a:lnSpc>
-              <a:buFont typeface="Wingdings" panose="05000000000000000000" pitchFamily="2" charset="2"/>
-              <a:buChar char="q"/>
-            </a:pPr>
-            <a:r>
-              <a:rPr lang="en-GB" sz="2400" dirty="0" smtClean="0"/>
-              <a:t>Event-driven architecture</a:t>
-            </a:r>
-          </a:p>
-          <a:p>
-            <a:pPr marL="285750" indent="-285750">
-              <a:lnSpc>
-                <a:spcPct val="150000"/>
-              </a:lnSpc>
-              <a:buFont typeface="Wingdings" panose="05000000000000000000" pitchFamily="2" charset="2"/>
-              <a:buChar char="q"/>
-            </a:pPr>
-            <a:r>
-              <a:rPr lang="en-GB" sz="2400" dirty="0" smtClean="0"/>
-              <a:t>Web-queue-worker</a:t>
-            </a:r>
-          </a:p>
-          <a:p>
-            <a:pPr marL="285750" indent="-285750">
-              <a:lnSpc>
-                <a:spcPct val="150000"/>
-              </a:lnSpc>
-              <a:buFont typeface="Wingdings" panose="05000000000000000000" pitchFamily="2" charset="2"/>
-              <a:buChar char="q"/>
-            </a:pPr>
-            <a:r>
-              <a:rPr lang="en-GB" sz="2400" dirty="0" smtClean="0"/>
-              <a:t>Others</a:t>
-            </a:r>
-          </a:p>
-        </p:txBody>
-      </p:sp>
+        </p:nvGraphicFramePr>
+        <p:xfrm>
+          <a:off x="323850" y="1341438"/>
+          <a:ext cx="8496300" cy="4895850"/>
+        </p:xfrm>
+        <a:graphic>
+          <a:graphicData uri="http://schemas.openxmlformats.org/drawingml/2006/chart">
+            <c:chart xmlns:c="http://schemas.openxmlformats.org/drawingml/2006/chart" xmlns:r="http://schemas.openxmlformats.org/officeDocument/2006/relationships" r:id="rId3"/>
+          </a:graphicData>
+        </a:graphic>
+      </p:graphicFrame>
     </p:spTree>
     <p:extLst>
       <p:ext uri="{BB962C8B-B14F-4D97-AF65-F5344CB8AC3E}">
-        <p14:creationId xmlns:p14="http://schemas.microsoft.com/office/powerpoint/2010/main" val="3507619123"/>
+        <p14:creationId xmlns:p14="http://schemas.microsoft.com/office/powerpoint/2010/main" val="2745616442"/>
       </p:ext>
     </p:extLst>
   </p:cSld>
@@ -20741,12 +20666,8 @@
           <a:lstStyle/>
           <a:p>
             <a:r>
-              <a:rPr lang="en-US" dirty="0" smtClean="0"/>
-              <a:t>IT’s ALL </a:t>
-            </a:r>
-            <a:r>
               <a:rPr lang="en-US" dirty="0"/>
-              <a:t>ABOUT architecture</a:t>
+              <a:t>IT’s ALL ABOUT architecture</a:t>
             </a:r>
           </a:p>
         </p:txBody>
@@ -20766,26 +20687,6 @@
           <a:bodyPr/>
           <a:lstStyle/>
           <a:p>
-            <a:pPr marL="0" indent="0">
-              <a:buNone/>
-            </a:pPr>
-            <a:r>
-              <a:rPr lang="en-US" sz="2400" dirty="0"/>
-              <a:t>N-tier </a:t>
-            </a:r>
-            <a:r>
-              <a:rPr lang="en-US" sz="2400" dirty="0" smtClean="0"/>
-              <a:t>web architecture style:</a:t>
-            </a:r>
-            <a:endParaRPr lang="en-US" sz="2400" dirty="0"/>
-          </a:p>
-          <a:p>
-            <a:pPr marL="0" indent="0">
-              <a:buNone/>
-            </a:pPr>
-            <a:endParaRPr lang="en-US" dirty="0" smtClean="0"/>
-          </a:p>
-          <a:p>
             <a:pPr marL="285750" indent="-285750">
               <a:lnSpc>
                 <a:spcPct val="150000"/>
@@ -20794,9 +20695,10 @@
               <a:buChar char="q"/>
             </a:pPr>
             <a:r>
-              <a:rPr lang="en-US" sz="2400" dirty="0" smtClean="0"/>
-              <a:t>0 Tiers – Client has direct database access</a:t>
-            </a:r>
+              <a:rPr lang="en-GB" sz="2400" dirty="0" smtClean="0"/>
+              <a:t>N-tier</a:t>
+            </a:r>
+            <a:endParaRPr lang="en-GB" sz="2400" dirty="0"/>
           </a:p>
           <a:p>
             <a:pPr marL="285750" indent="-285750">
@@ -20807,13 +20709,10 @@
               <a:buChar char="q"/>
             </a:pPr>
             <a:r>
-              <a:rPr lang="en-US" sz="2400" dirty="0"/>
-              <a:t>1</a:t>
-            </a:r>
-            <a:r>
-              <a:rPr lang="en-US" sz="2400" dirty="0" smtClean="0"/>
-              <a:t> Tier – Web tier is added between client and database</a:t>
-            </a:r>
+              <a:rPr lang="en-GB" sz="2400" dirty="0" err="1" smtClean="0"/>
+              <a:t>Microservices</a:t>
+            </a:r>
+            <a:endParaRPr lang="en-GB" sz="2400" dirty="0" smtClean="0"/>
           </a:p>
           <a:p>
             <a:pPr marL="285750" indent="-285750">
@@ -20825,7 +20724,7 @@
             </a:pPr>
             <a:r>
               <a:rPr lang="en-GB" sz="2400" dirty="0" smtClean="0"/>
-              <a:t>2 Tiers – Data tier is added to handle database</a:t>
+              <a:t>CQRS</a:t>
             </a:r>
           </a:p>
           <a:p>
@@ -20838,9 +20737,8 @@
             </a:pPr>
             <a:r>
               <a:rPr lang="en-GB" sz="2400" dirty="0" smtClean="0"/>
-              <a:t>3 Tiers – Business tier is added to handle business logic</a:t>
-            </a:r>
-            <a:endParaRPr lang="ru-RU" sz="2400" dirty="0" smtClean="0"/>
+              <a:t>Event-driven architecture</a:t>
+            </a:r>
           </a:p>
           <a:p>
             <a:pPr marL="285750" indent="-285750">
@@ -20852,20 +20750,28 @@
             </a:pPr>
             <a:r>
               <a:rPr lang="en-GB" sz="2400" dirty="0" smtClean="0"/>
-              <a:t>4 and more </a:t>
-            </a:r>
-            <a:r>
-              <a:rPr lang="en-US" sz="2400" dirty="0" smtClean="0"/>
-              <a:t>Tiers – Specific solutions</a:t>
-            </a:r>
-            <a:endParaRPr lang="en-US" sz="2400" dirty="0"/>
+              <a:t>Web-queue-worker</a:t>
+            </a:r>
+          </a:p>
+          <a:p>
+            <a:pPr marL="285750" indent="-285750">
+              <a:lnSpc>
+                <a:spcPct val="150000"/>
+              </a:lnSpc>
+              <a:buFont typeface="Wingdings" panose="05000000000000000000" pitchFamily="2" charset="2"/>
+              <a:buChar char="q"/>
+            </a:pPr>
+            <a:r>
+              <a:rPr lang="en-GB" sz="2400" dirty="0" smtClean="0"/>
+              <a:t>Others</a:t>
+            </a:r>
           </a:p>
         </p:txBody>
       </p:sp>
     </p:spTree>
     <p:extLst>
       <p:ext uri="{BB962C8B-B14F-4D97-AF65-F5344CB8AC3E}">
-        <p14:creationId xmlns:p14="http://schemas.microsoft.com/office/powerpoint/2010/main" val="640089714"/>
+        <p14:creationId xmlns:p14="http://schemas.microsoft.com/office/powerpoint/2010/main" val="3507619123"/>
       </p:ext>
     </p:extLst>
   </p:cSld>
@@ -20894,6 +20800,173 @@
       </p:grpSpPr>
       <p:sp>
         <p:nvSpPr>
+          <p:cNvPr id="2" name="Title 1"/>
+          <p:cNvSpPr>
+            <a:spLocks noGrp="1"/>
+          </p:cNvSpPr>
+          <p:nvPr>
+            <p:ph type="title"/>
+          </p:nvPr>
+        </p:nvSpPr>
+        <p:spPr/>
+        <p:txBody>
+          <a:bodyPr/>
+          <a:lstStyle/>
+          <a:p>
+            <a:r>
+              <a:rPr lang="en-US" dirty="0" smtClean="0"/>
+              <a:t>IT’s ALL </a:t>
+            </a:r>
+            <a:r>
+              <a:rPr lang="en-US" dirty="0"/>
+              <a:t>ABOUT architecture</a:t>
+            </a:r>
+          </a:p>
+        </p:txBody>
+      </p:sp>
+      <p:sp>
+        <p:nvSpPr>
+          <p:cNvPr id="4" name="Content Placeholder 3"/>
+          <p:cNvSpPr>
+            <a:spLocks noGrp="1"/>
+          </p:cNvSpPr>
+          <p:nvPr>
+            <p:ph sz="quarter" idx="12"/>
+          </p:nvPr>
+        </p:nvSpPr>
+        <p:spPr/>
+        <p:txBody>
+          <a:bodyPr/>
+          <a:lstStyle/>
+          <a:p>
+            <a:pPr marL="0" indent="0">
+              <a:buNone/>
+            </a:pPr>
+            <a:r>
+              <a:rPr lang="en-US" sz="2400" dirty="0"/>
+              <a:t>N-tier </a:t>
+            </a:r>
+            <a:r>
+              <a:rPr lang="en-US" sz="2400" dirty="0" smtClean="0"/>
+              <a:t>web architecture style:</a:t>
+            </a:r>
+            <a:endParaRPr lang="en-US" sz="2400" dirty="0"/>
+          </a:p>
+          <a:p>
+            <a:pPr marL="0" indent="0">
+              <a:buNone/>
+            </a:pPr>
+            <a:endParaRPr lang="en-US" dirty="0" smtClean="0"/>
+          </a:p>
+          <a:p>
+            <a:pPr marL="285750" indent="-285750">
+              <a:lnSpc>
+                <a:spcPct val="150000"/>
+              </a:lnSpc>
+              <a:buFont typeface="Wingdings" panose="05000000000000000000" pitchFamily="2" charset="2"/>
+              <a:buChar char="q"/>
+            </a:pPr>
+            <a:r>
+              <a:rPr lang="en-US" sz="2400" dirty="0" smtClean="0"/>
+              <a:t>0 Tiers – Client has direct database access</a:t>
+            </a:r>
+          </a:p>
+          <a:p>
+            <a:pPr marL="285750" indent="-285750">
+              <a:lnSpc>
+                <a:spcPct val="150000"/>
+              </a:lnSpc>
+              <a:buFont typeface="Wingdings" panose="05000000000000000000" pitchFamily="2" charset="2"/>
+              <a:buChar char="q"/>
+            </a:pPr>
+            <a:r>
+              <a:rPr lang="en-US" sz="2400" dirty="0"/>
+              <a:t>1</a:t>
+            </a:r>
+            <a:r>
+              <a:rPr lang="en-US" sz="2400" dirty="0" smtClean="0"/>
+              <a:t> Tier – Web tier is added between client and database</a:t>
+            </a:r>
+          </a:p>
+          <a:p>
+            <a:pPr marL="285750" indent="-285750">
+              <a:lnSpc>
+                <a:spcPct val="150000"/>
+              </a:lnSpc>
+              <a:buFont typeface="Wingdings" panose="05000000000000000000" pitchFamily="2" charset="2"/>
+              <a:buChar char="q"/>
+            </a:pPr>
+            <a:r>
+              <a:rPr lang="en-GB" sz="2400" dirty="0" smtClean="0"/>
+              <a:t>2 Tiers – Data tier is added to handle database</a:t>
+            </a:r>
+          </a:p>
+          <a:p>
+            <a:pPr marL="285750" indent="-285750">
+              <a:lnSpc>
+                <a:spcPct val="150000"/>
+              </a:lnSpc>
+              <a:buFont typeface="Wingdings" panose="05000000000000000000" pitchFamily="2" charset="2"/>
+              <a:buChar char="q"/>
+            </a:pPr>
+            <a:r>
+              <a:rPr lang="en-GB" sz="2400" dirty="0" smtClean="0"/>
+              <a:t>3 Tiers – Business tier is added to handle business logic</a:t>
+            </a:r>
+            <a:endParaRPr lang="ru-RU" sz="2400" dirty="0" smtClean="0"/>
+          </a:p>
+          <a:p>
+            <a:pPr marL="285750" indent="-285750">
+              <a:lnSpc>
+                <a:spcPct val="150000"/>
+              </a:lnSpc>
+              <a:buFont typeface="Wingdings" panose="05000000000000000000" pitchFamily="2" charset="2"/>
+              <a:buChar char="q"/>
+            </a:pPr>
+            <a:r>
+              <a:rPr lang="en-GB" sz="2400" dirty="0" smtClean="0"/>
+              <a:t>4 and more </a:t>
+            </a:r>
+            <a:r>
+              <a:rPr lang="en-US" sz="2400" dirty="0" smtClean="0"/>
+              <a:t>Tiers – Specific solutions</a:t>
+            </a:r>
+            <a:endParaRPr lang="en-US" sz="2400" dirty="0"/>
+          </a:p>
+        </p:txBody>
+      </p:sp>
+    </p:spTree>
+    <p:extLst>
+      <p:ext uri="{BB962C8B-B14F-4D97-AF65-F5344CB8AC3E}">
+        <p14:creationId xmlns:p14="http://schemas.microsoft.com/office/powerpoint/2010/main" val="640089714"/>
+      </p:ext>
+    </p:extLst>
+  </p:cSld>
+  <p:clrMapOvr>
+    <a:masterClrMapping/>
+  </p:clrMapOvr>
+</p:sld>
+</file>
+
+<file path=ppt/slides/slide13.xml><?xml version="1.0" encoding="utf-8"?>
+<p:sld xmlns:a="http://schemas.openxmlformats.org/drawingml/2006/main" xmlns:r="http://schemas.openxmlformats.org/officeDocument/2006/relationships" xmlns:p="http://schemas.openxmlformats.org/presentationml/2006/main">
+  <p:cSld>
+    <p:spTree>
+      <p:nvGrpSpPr>
+        <p:cNvPr id="1" name=""/>
+        <p:cNvGrpSpPr/>
+        <p:nvPr/>
+      </p:nvGrpSpPr>
+      <p:grpSpPr>
+        <a:xfrm>
+          <a:off x="0" y="0"/>
+          <a:ext cx="0" cy="0"/>
+          <a:chOff x="0" y="0"/>
+          <a:chExt cx="0" cy="0"/>
+        </a:xfrm>
+      </p:grpSpPr>
+      <p:sp>
+        <p:nvSpPr>
           <p:cNvPr id="2" name="Text Placeholder 1"/>
           <p:cNvSpPr>
             <a:spLocks noGrp="1"/>
@@ -20951,7 +21024,7 @@
 </p:sld>
 </file>
 
-<file path=ppt/slides/slide13.xml><?xml version="1.0" encoding="utf-8"?>
+<file path=ppt/slides/slide14.xml><?xml version="1.0" encoding="utf-8"?>
 <p:sld xmlns:a="http://schemas.openxmlformats.org/drawingml/2006/main" xmlns:r="http://schemas.openxmlformats.org/officeDocument/2006/relationships" xmlns:p="http://schemas.openxmlformats.org/presentationml/2006/main">
   <p:cSld>
     <p:spTree>
@@ -21341,141 +21414,6 @@
 </p:sld>
 </file>
 
-<file path=ppt/slides/slide14.xml><?xml version="1.0" encoding="utf-8"?>
-<p:sld xmlns:a="http://schemas.openxmlformats.org/drawingml/2006/main" xmlns:r="http://schemas.openxmlformats.org/officeDocument/2006/relationships" xmlns:p="http://schemas.openxmlformats.org/presentationml/2006/main">
-  <p:cSld>
-    <p:spTree>
-      <p:nvGrpSpPr>
-        <p:cNvPr id="1" name=""/>
-        <p:cNvGrpSpPr/>
-        <p:nvPr/>
-      </p:nvGrpSpPr>
-      <p:grpSpPr>
-        <a:xfrm>
-          <a:off x="0" y="0"/>
-          <a:ext cx="0" cy="0"/>
-          <a:chOff x="0" y="0"/>
-          <a:chExt cx="0" cy="0"/>
-        </a:xfrm>
-      </p:grpSpPr>
-      <p:sp>
-        <p:nvSpPr>
-          <p:cNvPr id="2" name="Title 1"/>
-          <p:cNvSpPr>
-            <a:spLocks noGrp="1"/>
-          </p:cNvSpPr>
-          <p:nvPr>
-            <p:ph type="title"/>
-          </p:nvPr>
-        </p:nvSpPr>
-        <p:spPr/>
-        <p:txBody>
-          <a:bodyPr/>
-          <a:lstStyle/>
-          <a:p>
-            <a:r>
-              <a:rPr lang="en-US" dirty="0" smtClean="0"/>
-              <a:t>Problems</a:t>
-            </a:r>
-            <a:endParaRPr lang="en-US" dirty="0"/>
-          </a:p>
-        </p:txBody>
-      </p:sp>
-      <p:sp>
-        <p:nvSpPr>
-          <p:cNvPr id="4" name="Content Placeholder 3"/>
-          <p:cNvSpPr>
-            <a:spLocks noGrp="1"/>
-          </p:cNvSpPr>
-          <p:nvPr>
-            <p:ph sz="quarter" idx="12"/>
-          </p:nvPr>
-        </p:nvSpPr>
-        <p:spPr/>
-        <p:txBody>
-          <a:bodyPr/>
-          <a:lstStyle/>
-          <a:p>
-            <a:pPr marL="342900" indent="-342900">
-              <a:lnSpc>
-                <a:spcPct val="150000"/>
-              </a:lnSpc>
-              <a:buFont typeface="Wingdings" panose="05000000000000000000" pitchFamily="2" charset="2"/>
-              <a:buChar char="q"/>
-            </a:pPr>
-            <a:r>
-              <a:rPr lang="en-US" sz="2400" dirty="0" smtClean="0"/>
-              <a:t>A lot of manually written SQL</a:t>
-            </a:r>
-          </a:p>
-          <a:p>
-            <a:pPr marL="342900" indent="-342900">
-              <a:lnSpc>
-                <a:spcPct val="150000"/>
-              </a:lnSpc>
-              <a:buFont typeface="Wingdings" panose="05000000000000000000" pitchFamily="2" charset="2"/>
-              <a:buChar char="q"/>
-            </a:pPr>
-            <a:r>
-              <a:rPr lang="en-US" sz="2400" dirty="0" smtClean="0"/>
-              <a:t>Source control</a:t>
-            </a:r>
-          </a:p>
-          <a:p>
-            <a:pPr marL="342900" indent="-342900">
-              <a:lnSpc>
-                <a:spcPct val="150000"/>
-              </a:lnSpc>
-              <a:buFont typeface="Wingdings" panose="05000000000000000000" pitchFamily="2" charset="2"/>
-              <a:buChar char="q"/>
-            </a:pPr>
-            <a:r>
-              <a:rPr lang="en-US" sz="2400" dirty="0" smtClean="0"/>
-              <a:t>Mapping to models</a:t>
-            </a:r>
-          </a:p>
-          <a:p>
-            <a:pPr marL="342900" indent="-342900">
-              <a:lnSpc>
-                <a:spcPct val="150000"/>
-              </a:lnSpc>
-              <a:buFont typeface="Wingdings" panose="05000000000000000000" pitchFamily="2" charset="2"/>
-              <a:buChar char="q"/>
-            </a:pPr>
-            <a:r>
-              <a:rPr lang="en-US" sz="2400" dirty="0" smtClean="0"/>
-              <a:t>Code duplication</a:t>
-            </a:r>
-          </a:p>
-          <a:p>
-            <a:pPr marL="342900" indent="-342900">
-              <a:lnSpc>
-                <a:spcPct val="150000"/>
-              </a:lnSpc>
-              <a:buFont typeface="Wingdings" panose="05000000000000000000" pitchFamily="2" charset="2"/>
-              <a:buChar char="q"/>
-            </a:pPr>
-            <a:r>
-              <a:rPr lang="en-GB" sz="2400" dirty="0" smtClean="0"/>
-              <a:t>What about NoSQL database?</a:t>
-            </a:r>
-            <a:endParaRPr lang="en-US" sz="2400" dirty="0" smtClean="0"/>
-          </a:p>
-        </p:txBody>
-      </p:sp>
-    </p:spTree>
-    <p:extLst>
-      <p:ext uri="{BB962C8B-B14F-4D97-AF65-F5344CB8AC3E}">
-        <p14:creationId xmlns:p14="http://schemas.microsoft.com/office/powerpoint/2010/main" val="1124609342"/>
-      </p:ext>
-    </p:extLst>
-  </p:cSld>
-  <p:clrMapOvr>
-    <a:masterClrMapping/>
-  </p:clrMapOvr>
-</p:sld>
-</file>
-
 <file path=ppt/slides/slide15.xml><?xml version="1.0" encoding="utf-8"?>
 <p:sld xmlns:a="http://schemas.openxmlformats.org/drawingml/2006/main" xmlns:r="http://schemas.openxmlformats.org/officeDocument/2006/relationships" xmlns:p="http://schemas.openxmlformats.org/presentationml/2006/main">
   <p:cSld>
@@ -21509,8 +21447,8 @@
           <a:lstStyle/>
           <a:p>
             <a:r>
-              <a:rPr lang="en-GB" dirty="0" smtClean="0"/>
-              <a:t>ORM</a:t>
+              <a:rPr lang="en-US" dirty="0" smtClean="0"/>
+              <a:t>Problems</a:t>
             </a:r>
             <a:endParaRPr lang="en-US" dirty="0"/>
           </a:p>
@@ -21539,12 +21477,8 @@
               <a:buChar char="q"/>
             </a:pPr>
             <a:r>
-              <a:rPr lang="en-US" sz="2400" dirty="0"/>
-              <a:t>Entity </a:t>
-            </a:r>
-            <a:r>
               <a:rPr lang="en-US" sz="2400" dirty="0" smtClean="0"/>
-              <a:t>Framework</a:t>
+              <a:t>A lot of manually written SQL</a:t>
             </a:r>
           </a:p>
           <a:p>
@@ -21557,7 +21491,7 @@
             </a:pPr>
             <a:r>
               <a:rPr lang="en-US" sz="2400" dirty="0" smtClean="0"/>
-              <a:t>Dapper</a:t>
+              <a:t>Source control</a:t>
             </a:r>
           </a:p>
           <a:p>
@@ -21570,7 +21504,7 @@
             </a:pPr>
             <a:r>
               <a:rPr lang="en-US" sz="2400" dirty="0" smtClean="0"/>
-              <a:t>NHibernate</a:t>
+              <a:t>Mapping to models</a:t>
             </a:r>
           </a:p>
           <a:p>
@@ -21582,10 +21516,9 @@
               <a:buChar char="q"/>
             </a:pPr>
             <a:r>
-              <a:rPr lang="en-US" sz="2400" dirty="0" err="1" smtClean="0"/>
-              <a:t>ServiceStack.OrmLite</a:t>
-            </a:r>
-            <a:endParaRPr lang="en-US" sz="2400" dirty="0"/>
+              <a:rPr lang="en-US" sz="2400" dirty="0" smtClean="0"/>
+              <a:t>Code duplication</a:t>
+            </a:r>
           </a:p>
           <a:p>
             <a:pPr marL="342900" indent="-342900">
@@ -21597,29 +21530,16 @@
             </a:pPr>
             <a:r>
               <a:rPr lang="en-GB" sz="2400" dirty="0" smtClean="0"/>
-              <a:t>Linq2DB</a:t>
-            </a:r>
-          </a:p>
-          <a:p>
-            <a:pPr marL="342900" indent="-342900">
-              <a:lnSpc>
-                <a:spcPct val="150000"/>
-              </a:lnSpc>
-              <a:buFont typeface="Wingdings" panose="05000000000000000000" pitchFamily="2" charset="2"/>
-              <a:buChar char="q"/>
-            </a:pPr>
-            <a:r>
-              <a:rPr lang="en-GB" sz="2400" dirty="0" smtClean="0"/>
-              <a:t>Others</a:t>
-            </a:r>
-            <a:endParaRPr lang="en-US" sz="2400" dirty="0"/>
+              <a:t>What about NoSQL database?</a:t>
+            </a:r>
+            <a:endParaRPr lang="en-US" sz="2400" dirty="0" smtClean="0"/>
           </a:p>
         </p:txBody>
       </p:sp>
     </p:spTree>
     <p:extLst>
       <p:ext uri="{BB962C8B-B14F-4D97-AF65-F5344CB8AC3E}">
-        <p14:creationId xmlns:p14="http://schemas.microsoft.com/office/powerpoint/2010/main" val="880215748"/>
+        <p14:creationId xmlns:p14="http://schemas.microsoft.com/office/powerpoint/2010/main" val="1124609342"/>
       </p:ext>
     </p:extLst>
   </p:cSld>
@@ -21648,12 +21568,12 @@
       </p:grpSpPr>
       <p:sp>
         <p:nvSpPr>
-          <p:cNvPr id="2" name="Text Placeholder 1"/>
+          <p:cNvPr id="2" name="Title 1"/>
           <p:cNvSpPr>
             <a:spLocks noGrp="1"/>
           </p:cNvSpPr>
           <p:nvPr>
-            <p:ph type="body" sz="quarter" idx="11"/>
+            <p:ph type="title"/>
           </p:nvPr>
         </p:nvSpPr>
         <p:spPr/>
@@ -21663,7 +21583,7 @@
           <a:p>
             <a:r>
               <a:rPr lang="en-GB" dirty="0" smtClean="0"/>
-              <a:t>DEMO</a:t>
+              <a:t>ORM</a:t>
             </a:r>
             <a:endParaRPr lang="en-US" dirty="0"/>
           </a:p>
@@ -21671,12 +21591,12 @@
       </p:sp>
       <p:sp>
         <p:nvSpPr>
-          <p:cNvPr id="3" name="Text Placeholder 2"/>
+          <p:cNvPr id="4" name="Content Placeholder 3"/>
           <p:cNvSpPr>
             <a:spLocks noGrp="1"/>
           </p:cNvSpPr>
           <p:nvPr>
-            <p:ph type="body" sz="quarter" idx="12"/>
+            <p:ph sz="quarter" idx="12"/>
           </p:nvPr>
         </p:nvSpPr>
         <p:spPr/>
@@ -21684,18 +21604,95 @@
           <a:bodyPr/>
           <a:lstStyle/>
           <a:p>
-            <a:r>
-              <a:rPr lang="en-US" dirty="0" smtClean="0"/>
-              <a:t>3 tier architecture and ORM</a:t>
-            </a:r>
-            <a:endParaRPr lang="en-US" dirty="0"/>
+            <a:pPr marL="342900" indent="-342900">
+              <a:lnSpc>
+                <a:spcPct val="150000"/>
+              </a:lnSpc>
+              <a:buFont typeface="Wingdings" panose="05000000000000000000" pitchFamily="2" charset="2"/>
+              <a:buChar char="q"/>
+            </a:pPr>
+            <a:r>
+              <a:rPr lang="en-US" sz="2400" dirty="0"/>
+              <a:t>Entity </a:t>
+            </a:r>
+            <a:r>
+              <a:rPr lang="en-US" sz="2400" dirty="0" smtClean="0"/>
+              <a:t>Framework</a:t>
+            </a:r>
+          </a:p>
+          <a:p>
+            <a:pPr marL="342900" indent="-342900">
+              <a:lnSpc>
+                <a:spcPct val="150000"/>
+              </a:lnSpc>
+              <a:buFont typeface="Wingdings" panose="05000000000000000000" pitchFamily="2" charset="2"/>
+              <a:buChar char="q"/>
+            </a:pPr>
+            <a:r>
+              <a:rPr lang="en-US" sz="2400" dirty="0" smtClean="0"/>
+              <a:t>Dapper</a:t>
+            </a:r>
+          </a:p>
+          <a:p>
+            <a:pPr marL="342900" indent="-342900">
+              <a:lnSpc>
+                <a:spcPct val="150000"/>
+              </a:lnSpc>
+              <a:buFont typeface="Wingdings" panose="05000000000000000000" pitchFamily="2" charset="2"/>
+              <a:buChar char="q"/>
+            </a:pPr>
+            <a:r>
+              <a:rPr lang="en-US" sz="2400" dirty="0" smtClean="0"/>
+              <a:t>NHibernate</a:t>
+            </a:r>
+          </a:p>
+          <a:p>
+            <a:pPr marL="342900" indent="-342900">
+              <a:lnSpc>
+                <a:spcPct val="150000"/>
+              </a:lnSpc>
+              <a:buFont typeface="Wingdings" panose="05000000000000000000" pitchFamily="2" charset="2"/>
+              <a:buChar char="q"/>
+            </a:pPr>
+            <a:r>
+              <a:rPr lang="en-US" sz="2400" dirty="0" err="1" smtClean="0"/>
+              <a:t>ServiceStack.OrmLite</a:t>
+            </a:r>
+            <a:endParaRPr lang="en-US" sz="2400" dirty="0"/>
+          </a:p>
+          <a:p>
+            <a:pPr marL="342900" indent="-342900">
+              <a:lnSpc>
+                <a:spcPct val="150000"/>
+              </a:lnSpc>
+              <a:buFont typeface="Wingdings" panose="05000000000000000000" pitchFamily="2" charset="2"/>
+              <a:buChar char="q"/>
+            </a:pPr>
+            <a:r>
+              <a:rPr lang="en-GB" sz="2400" dirty="0" smtClean="0"/>
+              <a:t>Linq2DB</a:t>
+            </a:r>
+          </a:p>
+          <a:p>
+            <a:pPr marL="342900" indent="-342900">
+              <a:lnSpc>
+                <a:spcPct val="150000"/>
+              </a:lnSpc>
+              <a:buFont typeface="Wingdings" panose="05000000000000000000" pitchFamily="2" charset="2"/>
+              <a:buChar char="q"/>
+            </a:pPr>
+            <a:r>
+              <a:rPr lang="en-GB" sz="2400" dirty="0" smtClean="0"/>
+              <a:t>Others</a:t>
+            </a:r>
+            <a:endParaRPr lang="en-US" sz="2400" dirty="0"/>
           </a:p>
         </p:txBody>
       </p:sp>
     </p:spTree>
     <p:extLst>
       <p:ext uri="{BB962C8B-B14F-4D97-AF65-F5344CB8AC3E}">
-        <p14:creationId xmlns:p14="http://schemas.microsoft.com/office/powerpoint/2010/main" val="2741100428"/>
+        <p14:creationId xmlns:p14="http://schemas.microsoft.com/office/powerpoint/2010/main" val="880215748"/>
       </p:ext>
     </p:extLst>
   </p:cSld>
@@ -21738,10 +21735,10 @@
           <a:lstStyle/>
           <a:p>
             <a:r>
-              <a:rPr lang="en-US" sz="4400" dirty="0" smtClean="0"/>
-              <a:t>Jobs</a:t>
-            </a:r>
-            <a:endParaRPr lang="en-US" sz="4400" dirty="0"/>
+              <a:rPr lang="en-GB" dirty="0" smtClean="0"/>
+              <a:t>DEMO</a:t>
+            </a:r>
+            <a:endParaRPr lang="en-US" dirty="0"/>
           </a:p>
         </p:txBody>
       </p:sp>
@@ -21761,8 +21758,8 @@
           <a:lstStyle/>
           <a:p>
             <a:r>
-              <a:rPr lang="en-GB" dirty="0" smtClean="0"/>
-              <a:t>How to add it?</a:t>
+              <a:rPr lang="en-US" dirty="0" smtClean="0"/>
+              <a:t>3 tier architecture and ORM</a:t>
             </a:r>
             <a:endParaRPr lang="en-US" dirty="0"/>
           </a:p>
@@ -21771,7 +21768,7 @@
     </p:spTree>
     <p:extLst>
       <p:ext uri="{BB962C8B-B14F-4D97-AF65-F5344CB8AC3E}">
-        <p14:creationId xmlns:p14="http://schemas.microsoft.com/office/powerpoint/2010/main" val="1008115369"/>
+        <p14:creationId xmlns:p14="http://schemas.microsoft.com/office/powerpoint/2010/main" val="2741100428"/>
       </p:ext>
     </p:extLst>
   </p:cSld>
@@ -21800,34 +21797,40 @@
       </p:grpSpPr>
       <p:sp>
         <p:nvSpPr>
-          <p:cNvPr id="4" name="Title 3"/>
+          <p:cNvPr id="2" name="Text Placeholder 1"/>
           <p:cNvSpPr>
             <a:spLocks noGrp="1"/>
           </p:cNvSpPr>
           <p:nvPr>
-            <p:ph type="title"/>
+            <p:ph type="body" sz="quarter" idx="11"/>
           </p:nvPr>
         </p:nvSpPr>
-        <p:spPr/>
+        <p:spPr>
+          <a:xfrm>
+            <a:off x="539552" y="3429000"/>
+            <a:ext cx="3888432" cy="2160240"/>
+          </a:xfrm>
+        </p:spPr>
         <p:txBody>
           <a:bodyPr/>
           <a:lstStyle/>
           <a:p>
             <a:r>
-              <a:rPr lang="en-US" dirty="0"/>
-              <a:t>COMMON Problems</a:t>
-            </a:r>
-          </a:p>
-        </p:txBody>
-      </p:sp>
-      <p:sp>
-        <p:nvSpPr>
-          <p:cNvPr id="5" name="Content Placeholder 4"/>
+              <a:rPr lang="en-US" dirty="0" smtClean="0"/>
+              <a:t>Questions</a:t>
+            </a:r>
+            <a:endParaRPr lang="en-US" dirty="0"/>
+          </a:p>
+        </p:txBody>
+      </p:sp>
+      <p:sp>
+        <p:nvSpPr>
+          <p:cNvPr id="3" name="Text Placeholder 2"/>
           <p:cNvSpPr>
             <a:spLocks noGrp="1"/>
           </p:cNvSpPr>
           <p:nvPr>
-            <p:ph sz="quarter" idx="12"/>
+            <p:ph type="body" sz="quarter" idx="12"/>
           </p:nvPr>
         </p:nvSpPr>
         <p:spPr/>
@@ -21835,88 +21838,31 @@
           <a:bodyPr/>
           <a:lstStyle/>
           <a:p>
-            <a:pPr marL="285750" indent="-285750">
-              <a:lnSpc>
-                <a:spcPct val="150000"/>
-              </a:lnSpc>
-              <a:buFont typeface="Wingdings" panose="05000000000000000000" pitchFamily="2" charset="2"/>
-              <a:buChar char="q"/>
-            </a:pPr>
-            <a:r>
-              <a:rPr lang="en-GB" sz="2400" dirty="0" smtClean="0"/>
-              <a:t>Asynchronous long running tasks</a:t>
-            </a:r>
-          </a:p>
-          <a:p>
-            <a:pPr marL="285750" indent="-285750">
-              <a:lnSpc>
-                <a:spcPct val="150000"/>
-              </a:lnSpc>
-              <a:buFont typeface="Wingdings" panose="05000000000000000000" pitchFamily="2" charset="2"/>
-              <a:buChar char="q"/>
-            </a:pPr>
-            <a:r>
-              <a:rPr lang="en-GB" sz="2400" dirty="0" smtClean="0"/>
-              <a:t>Information about tasks results</a:t>
-            </a:r>
-          </a:p>
-          <a:p>
-            <a:pPr marL="285750" indent="-285750">
-              <a:lnSpc>
-                <a:spcPct val="150000"/>
-              </a:lnSpc>
-              <a:buFont typeface="Wingdings" panose="05000000000000000000" pitchFamily="2" charset="2"/>
-              <a:buChar char="q"/>
-            </a:pPr>
-            <a:r>
-              <a:rPr lang="en-GB" sz="2400" dirty="0" smtClean="0"/>
-              <a:t>Tasks retry</a:t>
-            </a:r>
-          </a:p>
-          <a:p>
-            <a:pPr marL="285750" indent="-285750">
-              <a:lnSpc>
-                <a:spcPct val="150000"/>
-              </a:lnSpc>
-              <a:buFont typeface="Wingdings" panose="05000000000000000000" pitchFamily="2" charset="2"/>
-              <a:buChar char="q"/>
-            </a:pPr>
-            <a:r>
-              <a:rPr lang="en-GB" sz="2400" dirty="0" smtClean="0"/>
-              <a:t>Custom tasks schedule </a:t>
-            </a:r>
-          </a:p>
-          <a:p>
-            <a:pPr marL="285750" indent="-285750">
-              <a:lnSpc>
-                <a:spcPct val="150000"/>
-              </a:lnSpc>
-              <a:buFont typeface="Wingdings" panose="05000000000000000000" pitchFamily="2" charset="2"/>
-              <a:buChar char="q"/>
-            </a:pPr>
-            <a:r>
-              <a:rPr lang="en-GB" sz="2400" dirty="0" smtClean="0"/>
-              <a:t>Using same business logic</a:t>
-            </a:r>
-          </a:p>
-          <a:p>
-            <a:pPr marL="0" indent="0">
-              <a:buNone/>
-            </a:pPr>
-            <a:endParaRPr lang="en-US" sz="1600" dirty="0"/>
+            <a:r>
+              <a:rPr lang="en-US" dirty="0" smtClean="0"/>
+              <a:t>Feel free to ask anything</a:t>
+            </a:r>
+            <a:endParaRPr lang="en-US" dirty="0"/>
           </a:p>
         </p:txBody>
       </p:sp>
     </p:spTree>
     <p:extLst>
       <p:ext uri="{BB962C8B-B14F-4D97-AF65-F5344CB8AC3E}">
-        <p14:creationId xmlns:p14="http://schemas.microsoft.com/office/powerpoint/2010/main" val="3423468132"/>
+        <p14:creationId xmlns:p14="http://schemas.microsoft.com/office/powerpoint/2010/main" val="2216362403"/>
       </p:ext>
     </p:extLst>
   </p:cSld>
   <p:clrMapOvr>
     <a:masterClrMapping/>
   </p:clrMapOvr>
+  <p:timing>
+    <p:tnLst>
+      <p:par>
+        <p:cTn id="1" dur="indefinite" restart="never" nodeType="tmRoot"/>
+      </p:par>
+    </p:tnLst>
+  </p:timing>
 </p:sld>
 </file>
 
@@ -21939,12 +21885,12 @@
       </p:grpSpPr>
       <p:sp>
         <p:nvSpPr>
-          <p:cNvPr id="2" name="Title 1"/>
+          <p:cNvPr id="2" name="Text Placeholder 1"/>
           <p:cNvSpPr>
             <a:spLocks noGrp="1"/>
           </p:cNvSpPr>
           <p:nvPr>
-            <p:ph type="title"/>
+            <p:ph type="body" sz="quarter" idx="11"/>
           </p:nvPr>
         </p:nvSpPr>
         <p:spPr/>
@@ -21953,21 +21899,21 @@
           <a:lstStyle/>
           <a:p>
             <a:r>
-              <a:rPr lang="en-US" b="1" dirty="0" smtClean="0"/>
-              <a:t>Scheduling JOBS</a:t>
-            </a:r>
-            <a:endParaRPr lang="en-US" dirty="0"/>
-          </a:p>
-        </p:txBody>
-      </p:sp>
-      <p:sp>
-        <p:nvSpPr>
-          <p:cNvPr id="4" name="Content Placeholder 3"/>
+              <a:rPr lang="en-US" sz="4400" dirty="0" smtClean="0"/>
+              <a:t>Jobs</a:t>
+            </a:r>
+            <a:endParaRPr lang="en-US" sz="4400" dirty="0"/>
+          </a:p>
+        </p:txBody>
+      </p:sp>
+      <p:sp>
+        <p:nvSpPr>
+          <p:cNvPr id="3" name="Text Placeholder 2"/>
           <p:cNvSpPr>
             <a:spLocks noGrp="1"/>
           </p:cNvSpPr>
           <p:nvPr>
-            <p:ph sz="quarter" idx="12"/>
+            <p:ph type="body" sz="quarter" idx="12"/>
           </p:nvPr>
         </p:nvSpPr>
         <p:spPr/>
@@ -21975,104 +21921,18 @@
           <a:bodyPr/>
           <a:lstStyle/>
           <a:p>
-            <a:pPr marL="342900" indent="-342900">
-              <a:lnSpc>
-                <a:spcPct val="150000"/>
-              </a:lnSpc>
-              <a:buFont typeface="Wingdings" panose="05000000000000000000" pitchFamily="2" charset="2"/>
-              <a:buChar char="q"/>
-            </a:pPr>
-            <a:r>
-              <a:rPr lang="en-US" sz="2400" dirty="0" smtClean="0"/>
-              <a:t>FluentScheduler</a:t>
-            </a:r>
-            <a:endParaRPr lang="en-US" sz="2400" dirty="0"/>
-          </a:p>
-          <a:p>
-            <a:pPr marL="342900" indent="-342900">
-              <a:lnSpc>
-                <a:spcPct val="150000"/>
-              </a:lnSpc>
-              <a:buFont typeface="Wingdings" panose="05000000000000000000" pitchFamily="2" charset="2"/>
-              <a:buChar char="q"/>
-            </a:pPr>
-            <a:r>
-              <a:rPr lang="en-US" sz="2400" dirty="0" smtClean="0"/>
-              <a:t>Ncrontab</a:t>
-            </a:r>
-          </a:p>
-          <a:p>
-            <a:pPr marL="342900" indent="-342900">
-              <a:lnSpc>
-                <a:spcPct val="150000"/>
-              </a:lnSpc>
-              <a:buFont typeface="Wingdings" panose="05000000000000000000" pitchFamily="2" charset="2"/>
-              <a:buChar char="q"/>
-            </a:pPr>
-            <a:r>
-              <a:rPr lang="en-US" sz="2400" dirty="0" smtClean="0"/>
-              <a:t>QuartzNet</a:t>
-            </a:r>
-          </a:p>
-          <a:p>
-            <a:pPr marL="342900" indent="-342900">
-              <a:lnSpc>
-                <a:spcPct val="150000"/>
-              </a:lnSpc>
-              <a:buFont typeface="Wingdings" panose="05000000000000000000" pitchFamily="2" charset="2"/>
-              <a:buChar char="q"/>
-            </a:pPr>
-            <a:r>
-              <a:rPr lang="en-US" sz="2400" dirty="0" smtClean="0"/>
-              <a:t>Hangfire</a:t>
-            </a:r>
-          </a:p>
-          <a:p>
-            <a:pPr marL="342900" indent="-342900">
-              <a:lnSpc>
-                <a:spcPct val="150000"/>
-              </a:lnSpc>
-              <a:buFont typeface="Wingdings" panose="05000000000000000000" pitchFamily="2" charset="2"/>
-              <a:buChar char="q"/>
-            </a:pPr>
-            <a:r>
-              <a:rPr lang="en-US" sz="2400" dirty="0" smtClean="0"/>
-              <a:t>Chroniton</a:t>
-            </a:r>
-          </a:p>
-          <a:p>
-            <a:pPr marL="342900" indent="-342900">
-              <a:lnSpc>
-                <a:spcPct val="150000"/>
-              </a:lnSpc>
-              <a:buFont typeface="Wingdings" panose="05000000000000000000" pitchFamily="2" charset="2"/>
-              <a:buChar char="q"/>
-            </a:pPr>
-            <a:r>
-              <a:rPr lang="en-US" sz="2400" dirty="0" smtClean="0"/>
-              <a:t>DurableTask</a:t>
-            </a:r>
-          </a:p>
-          <a:p>
-            <a:pPr marL="342900" indent="-342900">
-              <a:lnSpc>
-                <a:spcPct val="150000"/>
-              </a:lnSpc>
-              <a:buFont typeface="Wingdings" panose="05000000000000000000" pitchFamily="2" charset="2"/>
-              <a:buChar char="q"/>
-            </a:pPr>
-            <a:r>
-              <a:rPr lang="en-GB" sz="2400" dirty="0" smtClean="0"/>
-              <a:t>Others</a:t>
-            </a:r>
-            <a:endParaRPr lang="en-US" sz="2400" dirty="0"/>
+            <a:r>
+              <a:rPr lang="en-GB" dirty="0" smtClean="0"/>
+              <a:t>How to add it?</a:t>
+            </a:r>
+            <a:endParaRPr lang="en-US" dirty="0"/>
           </a:p>
         </p:txBody>
       </p:sp>
     </p:spTree>
     <p:extLst>
       <p:ext uri="{BB962C8B-B14F-4D97-AF65-F5344CB8AC3E}">
-        <p14:creationId xmlns:p14="http://schemas.microsoft.com/office/powerpoint/2010/main" val="2336234496"/>
+        <p14:creationId xmlns:p14="http://schemas.microsoft.com/office/powerpoint/2010/main" val="1008115369"/>
       </p:ext>
     </p:extLst>
   </p:cSld>
@@ -22167,15 +22027,23 @@
             <a:endParaRPr lang="en-US" dirty="0"/>
           </a:p>
           <a:p>
-            <a:pPr lvl="0"/>
             <a:r>
               <a:rPr lang="en-US" dirty="0"/>
               <a:t>Technologies: </a:t>
             </a:r>
             <a:r>
               <a:rPr lang="en-US" dirty="0" smtClean="0"/>
-              <a:t>.NET, JS, HTML, CSS, SQL </a:t>
-            </a:r>
+              <a:t>.NET, JS, HTML, CSS, </a:t>
+            </a:r>
+            <a:r>
+              <a:rPr lang="en-US" dirty="0"/>
+              <a:t>SQL, </a:t>
+            </a:r>
+            <a:r>
+              <a:rPr lang="en-US" dirty="0" smtClean="0"/>
+              <a:t>Memes</a:t>
+            </a:r>
+            <a:endParaRPr lang="en-US" dirty="0" smtClean="0"/>
           </a:p>
           <a:p>
             <a:pPr lvl="0"/>
@@ -22330,12 +22198,12 @@
       </p:grpSpPr>
       <p:sp>
         <p:nvSpPr>
-          <p:cNvPr id="2" name="Text Placeholder 1"/>
+          <p:cNvPr id="4" name="Title 3"/>
           <p:cNvSpPr>
             <a:spLocks noGrp="1"/>
           </p:cNvSpPr>
           <p:nvPr>
-            <p:ph type="body" sz="quarter" idx="11"/>
+            <p:ph type="title"/>
           </p:nvPr>
         </p:nvSpPr>
         <p:spPr/>
@@ -22344,21 +22212,20 @@
           <a:lstStyle/>
           <a:p>
             <a:r>
-              <a:rPr lang="en-GB" dirty="0" smtClean="0"/>
-              <a:t>DEMO</a:t>
-            </a:r>
-            <a:endParaRPr lang="en-US" dirty="0"/>
-          </a:p>
-        </p:txBody>
-      </p:sp>
-      <p:sp>
-        <p:nvSpPr>
-          <p:cNvPr id="3" name="Text Placeholder 2"/>
+              <a:rPr lang="en-US" dirty="0"/>
+              <a:t>COMMON Problems</a:t>
+            </a:r>
+          </a:p>
+        </p:txBody>
+      </p:sp>
+      <p:sp>
+        <p:nvSpPr>
+          <p:cNvPr id="5" name="Content Placeholder 4"/>
           <p:cNvSpPr>
             <a:spLocks noGrp="1"/>
           </p:cNvSpPr>
           <p:nvPr>
-            <p:ph type="body" sz="quarter" idx="12"/>
+            <p:ph sz="quarter" idx="12"/>
           </p:nvPr>
         </p:nvSpPr>
         <p:spPr/>
@@ -22366,18 +22233,82 @@
           <a:bodyPr/>
           <a:lstStyle/>
           <a:p>
-            <a:r>
-              <a:rPr lang="en-US" dirty="0" smtClean="0"/>
-              <a:t>Jobs</a:t>
-            </a:r>
-            <a:endParaRPr lang="en-US" dirty="0"/>
+            <a:pPr marL="285750" indent="-285750">
+              <a:lnSpc>
+                <a:spcPct val="150000"/>
+              </a:lnSpc>
+              <a:buFont typeface="Wingdings" panose="05000000000000000000" pitchFamily="2" charset="2"/>
+              <a:buChar char="q"/>
+            </a:pPr>
+            <a:r>
+              <a:rPr lang="en-GB" sz="2400" dirty="0" smtClean="0"/>
+              <a:t>Asynchronous long running tasks</a:t>
+            </a:r>
+          </a:p>
+          <a:p>
+            <a:pPr marL="285750" indent="-285750">
+              <a:lnSpc>
+                <a:spcPct val="150000"/>
+              </a:lnSpc>
+              <a:buFont typeface="Wingdings" panose="05000000000000000000" pitchFamily="2" charset="2"/>
+              <a:buChar char="q"/>
+            </a:pPr>
+            <a:r>
+              <a:rPr lang="en-GB" sz="2400" dirty="0" smtClean="0"/>
+              <a:t>Information about tasks results</a:t>
+            </a:r>
+          </a:p>
+          <a:p>
+            <a:pPr marL="285750" indent="-285750">
+              <a:lnSpc>
+                <a:spcPct val="150000"/>
+              </a:lnSpc>
+              <a:buFont typeface="Wingdings" panose="05000000000000000000" pitchFamily="2" charset="2"/>
+              <a:buChar char="q"/>
+            </a:pPr>
+            <a:r>
+              <a:rPr lang="en-GB" sz="2400" dirty="0" smtClean="0"/>
+              <a:t>Tasks retry</a:t>
+            </a:r>
+          </a:p>
+          <a:p>
+            <a:pPr marL="285750" indent="-285750">
+              <a:lnSpc>
+                <a:spcPct val="150000"/>
+              </a:lnSpc>
+              <a:buFont typeface="Wingdings" panose="05000000000000000000" pitchFamily="2" charset="2"/>
+              <a:buChar char="q"/>
+            </a:pPr>
+            <a:r>
+              <a:rPr lang="en-GB" sz="2400" dirty="0" smtClean="0"/>
+              <a:t>Custom tasks schedule </a:t>
+            </a:r>
+          </a:p>
+          <a:p>
+            <a:pPr marL="285750" indent="-285750">
+              <a:lnSpc>
+                <a:spcPct val="150000"/>
+              </a:lnSpc>
+              <a:buFont typeface="Wingdings" panose="05000000000000000000" pitchFamily="2" charset="2"/>
+              <a:buChar char="q"/>
+            </a:pPr>
+            <a:r>
+              <a:rPr lang="en-GB" sz="2400" dirty="0" smtClean="0"/>
+              <a:t>Using same business logic</a:t>
+            </a:r>
+          </a:p>
+          <a:p>
+            <a:pPr marL="0" indent="0">
+              <a:buNone/>
+            </a:pPr>
+            <a:endParaRPr lang="en-US" sz="1600" dirty="0"/>
           </a:p>
         </p:txBody>
       </p:sp>
     </p:spTree>
     <p:extLst>
       <p:ext uri="{BB962C8B-B14F-4D97-AF65-F5344CB8AC3E}">
-        <p14:creationId xmlns:p14="http://schemas.microsoft.com/office/powerpoint/2010/main" val="3346107813"/>
+        <p14:creationId xmlns:p14="http://schemas.microsoft.com/office/powerpoint/2010/main" val="3423468132"/>
       </p:ext>
     </p:extLst>
   </p:cSld>
@@ -22406,12 +22337,12 @@
       </p:grpSpPr>
       <p:sp>
         <p:nvSpPr>
-          <p:cNvPr id="2" name="Text Placeholder 1"/>
+          <p:cNvPr id="2" name="Title 1"/>
           <p:cNvSpPr>
             <a:spLocks noGrp="1"/>
           </p:cNvSpPr>
           <p:nvPr>
-            <p:ph type="body" sz="quarter" idx="11"/>
+            <p:ph type="title"/>
           </p:nvPr>
         </p:nvSpPr>
         <p:spPr/>
@@ -22420,21 +22351,21 @@
           <a:lstStyle/>
           <a:p>
             <a:r>
-              <a:rPr lang="en-US" sz="4400" dirty="0" smtClean="0"/>
-              <a:t>API</a:t>
-            </a:r>
-            <a:endParaRPr lang="en-US" sz="4400" dirty="0"/>
-          </a:p>
-        </p:txBody>
-      </p:sp>
-      <p:sp>
-        <p:nvSpPr>
-          <p:cNvPr id="3" name="Text Placeholder 2"/>
+              <a:rPr lang="en-US" b="1" dirty="0" smtClean="0"/>
+              <a:t>Scheduling JOBS</a:t>
+            </a:r>
+            <a:endParaRPr lang="en-US" dirty="0"/>
+          </a:p>
+        </p:txBody>
+      </p:sp>
+      <p:sp>
+        <p:nvSpPr>
+          <p:cNvPr id="4" name="Content Placeholder 3"/>
           <p:cNvSpPr>
             <a:spLocks noGrp="1"/>
           </p:cNvSpPr>
           <p:nvPr>
-            <p:ph type="body" sz="quarter" idx="12"/>
+            <p:ph sz="quarter" idx="12"/>
           </p:nvPr>
         </p:nvSpPr>
         <p:spPr/>
@@ -22442,18 +22373,104 @@
           <a:bodyPr/>
           <a:lstStyle/>
           <a:p>
-            <a:r>
-              <a:rPr lang="en-GB" dirty="0" smtClean="0"/>
-              <a:t>How to add it?</a:t>
-            </a:r>
-            <a:endParaRPr lang="en-US" dirty="0"/>
+            <a:pPr marL="342900" indent="-342900">
+              <a:lnSpc>
+                <a:spcPct val="150000"/>
+              </a:lnSpc>
+              <a:buFont typeface="Wingdings" panose="05000000000000000000" pitchFamily="2" charset="2"/>
+              <a:buChar char="q"/>
+            </a:pPr>
+            <a:r>
+              <a:rPr lang="en-US" sz="2400" dirty="0" smtClean="0"/>
+              <a:t>FluentScheduler</a:t>
+            </a:r>
+            <a:endParaRPr lang="en-US" sz="2400" dirty="0"/>
+          </a:p>
+          <a:p>
+            <a:pPr marL="342900" indent="-342900">
+              <a:lnSpc>
+                <a:spcPct val="150000"/>
+              </a:lnSpc>
+              <a:buFont typeface="Wingdings" panose="05000000000000000000" pitchFamily="2" charset="2"/>
+              <a:buChar char="q"/>
+            </a:pPr>
+            <a:r>
+              <a:rPr lang="en-US" sz="2400" dirty="0" smtClean="0"/>
+              <a:t>Ncrontab</a:t>
+            </a:r>
+          </a:p>
+          <a:p>
+            <a:pPr marL="342900" indent="-342900">
+              <a:lnSpc>
+                <a:spcPct val="150000"/>
+              </a:lnSpc>
+              <a:buFont typeface="Wingdings" panose="05000000000000000000" pitchFamily="2" charset="2"/>
+              <a:buChar char="q"/>
+            </a:pPr>
+            <a:r>
+              <a:rPr lang="en-US" sz="2400" dirty="0" smtClean="0"/>
+              <a:t>QuartzNet</a:t>
+            </a:r>
+          </a:p>
+          <a:p>
+            <a:pPr marL="342900" indent="-342900">
+              <a:lnSpc>
+                <a:spcPct val="150000"/>
+              </a:lnSpc>
+              <a:buFont typeface="Wingdings" panose="05000000000000000000" pitchFamily="2" charset="2"/>
+              <a:buChar char="q"/>
+            </a:pPr>
+            <a:r>
+              <a:rPr lang="en-US" sz="2400" dirty="0" smtClean="0"/>
+              <a:t>Hangfire</a:t>
+            </a:r>
+          </a:p>
+          <a:p>
+            <a:pPr marL="342900" indent="-342900">
+              <a:lnSpc>
+                <a:spcPct val="150000"/>
+              </a:lnSpc>
+              <a:buFont typeface="Wingdings" panose="05000000000000000000" pitchFamily="2" charset="2"/>
+              <a:buChar char="q"/>
+            </a:pPr>
+            <a:r>
+              <a:rPr lang="en-US" sz="2400" dirty="0" smtClean="0"/>
+              <a:t>Chroniton</a:t>
+            </a:r>
+          </a:p>
+          <a:p>
+            <a:pPr marL="342900" indent="-342900">
+              <a:lnSpc>
+                <a:spcPct val="150000"/>
+              </a:lnSpc>
+              <a:buFont typeface="Wingdings" panose="05000000000000000000" pitchFamily="2" charset="2"/>
+              <a:buChar char="q"/>
+            </a:pPr>
+            <a:r>
+              <a:rPr lang="en-US" sz="2400" dirty="0" smtClean="0"/>
+              <a:t>DurableTask</a:t>
+            </a:r>
+          </a:p>
+          <a:p>
+            <a:pPr marL="342900" indent="-342900">
+              <a:lnSpc>
+                <a:spcPct val="150000"/>
+              </a:lnSpc>
+              <a:buFont typeface="Wingdings" panose="05000000000000000000" pitchFamily="2" charset="2"/>
+              <a:buChar char="q"/>
+            </a:pPr>
+            <a:r>
+              <a:rPr lang="en-GB" sz="2400" dirty="0" smtClean="0"/>
+              <a:t>Others</a:t>
+            </a:r>
+            <a:endParaRPr lang="en-US" sz="2400" dirty="0"/>
           </a:p>
         </p:txBody>
       </p:sp>
     </p:spTree>
     <p:extLst>
       <p:ext uri="{BB962C8B-B14F-4D97-AF65-F5344CB8AC3E}">
-        <p14:creationId xmlns:p14="http://schemas.microsoft.com/office/powerpoint/2010/main" val="745999700"/>
+        <p14:creationId xmlns:p14="http://schemas.microsoft.com/office/powerpoint/2010/main" val="2336234496"/>
       </p:ext>
     </p:extLst>
   </p:cSld>
@@ -22482,12 +22499,12 @@
       </p:grpSpPr>
       <p:sp>
         <p:nvSpPr>
-          <p:cNvPr id="2" name="Title 1"/>
+          <p:cNvPr id="2" name="Text Placeholder 1"/>
           <p:cNvSpPr>
             <a:spLocks noGrp="1"/>
           </p:cNvSpPr>
           <p:nvPr>
-            <p:ph type="title"/>
+            <p:ph type="body" sz="quarter" idx="11"/>
           </p:nvPr>
         </p:nvSpPr>
         <p:spPr/>
@@ -22496,21 +22513,21 @@
           <a:lstStyle/>
           <a:p>
             <a:r>
-              <a:rPr lang="en-US" sz="3600" dirty="0" smtClean="0"/>
-              <a:t>Things to SEE</a:t>
-            </a:r>
-            <a:endParaRPr lang="en-US" sz="3600" dirty="0"/>
-          </a:p>
-        </p:txBody>
-      </p:sp>
-      <p:sp>
-        <p:nvSpPr>
-          <p:cNvPr id="4" name="Content Placeholder 3"/>
+              <a:rPr lang="en-GB" dirty="0" smtClean="0"/>
+              <a:t>DEMO</a:t>
+            </a:r>
+            <a:endParaRPr lang="en-US" dirty="0"/>
+          </a:p>
+        </p:txBody>
+      </p:sp>
+      <p:sp>
+        <p:nvSpPr>
+          <p:cNvPr id="3" name="Text Placeholder 2"/>
           <p:cNvSpPr>
             <a:spLocks noGrp="1"/>
           </p:cNvSpPr>
           <p:nvPr>
-            <p:ph sz="quarter" idx="12"/>
+            <p:ph type="body" sz="quarter" idx="12"/>
           </p:nvPr>
         </p:nvSpPr>
         <p:spPr/>
@@ -22518,84 +22535,18 @@
           <a:bodyPr/>
           <a:lstStyle/>
           <a:p>
-            <a:pPr marL="342900" indent="-342900">
-              <a:lnSpc>
-                <a:spcPct val="150000"/>
-              </a:lnSpc>
-              <a:buFont typeface="Wingdings" panose="05000000000000000000" pitchFamily="2" charset="2"/>
-              <a:buChar char="q"/>
-            </a:pPr>
-            <a:r>
-              <a:rPr lang="en-US" sz="2400" dirty="0" smtClean="0"/>
-              <a:t>Swashbuckle</a:t>
-            </a:r>
-            <a:endParaRPr lang="en-US" sz="2400" dirty="0"/>
-          </a:p>
-          <a:p>
-            <a:pPr marL="342900" indent="-342900">
-              <a:lnSpc>
-                <a:spcPct val="150000"/>
-              </a:lnSpc>
-              <a:buFont typeface="Wingdings" panose="05000000000000000000" pitchFamily="2" charset="2"/>
-              <a:buChar char="q"/>
-            </a:pPr>
-            <a:r>
-              <a:rPr lang="en-US" sz="2400" dirty="0" err="1" smtClean="0"/>
-              <a:t>NSwag</a:t>
-            </a:r>
-            <a:endParaRPr lang="en-US" sz="2400" dirty="0"/>
-          </a:p>
-          <a:p>
-            <a:pPr marL="342900" indent="-342900">
-              <a:lnSpc>
-                <a:spcPct val="150000"/>
-              </a:lnSpc>
-              <a:buFont typeface="Wingdings" panose="05000000000000000000" pitchFamily="2" charset="2"/>
-              <a:buChar char="q"/>
-            </a:pPr>
-            <a:r>
-              <a:rPr lang="en-US" sz="2400" dirty="0"/>
-              <a:t>RESTClient .</a:t>
-            </a:r>
-            <a:r>
-              <a:rPr lang="en-US" sz="2400" dirty="0" smtClean="0"/>
-              <a:t>NET</a:t>
-            </a:r>
-          </a:p>
-          <a:p>
-            <a:pPr marL="342900" indent="-342900">
-              <a:lnSpc>
-                <a:spcPct val="150000"/>
-              </a:lnSpc>
-              <a:buFont typeface="Wingdings" panose="05000000000000000000" pitchFamily="2" charset="2"/>
-              <a:buChar char="q"/>
-            </a:pPr>
-            <a:r>
-              <a:rPr lang="en-US" sz="2400" dirty="0" err="1" smtClean="0"/>
-              <a:t>GraphQL</a:t>
-            </a:r>
-            <a:endParaRPr lang="en-US" sz="2400" dirty="0"/>
-          </a:p>
-          <a:p>
-            <a:pPr marL="342900" indent="-342900">
-              <a:lnSpc>
-                <a:spcPct val="150000"/>
-              </a:lnSpc>
-              <a:buFont typeface="Wingdings" panose="05000000000000000000" pitchFamily="2" charset="2"/>
-              <a:buChar char="q"/>
-            </a:pPr>
-            <a:r>
-              <a:rPr lang="en-GB" sz="2400" dirty="0" smtClean="0"/>
-              <a:t>Others</a:t>
-            </a:r>
-            <a:endParaRPr lang="en-US" sz="2400" dirty="0"/>
+            <a:r>
+              <a:rPr lang="en-US" dirty="0" smtClean="0"/>
+              <a:t>Jobs</a:t>
+            </a:r>
+            <a:endParaRPr lang="en-US" dirty="0"/>
           </a:p>
         </p:txBody>
       </p:sp>
     </p:spTree>
     <p:extLst>
       <p:ext uri="{BB962C8B-B14F-4D97-AF65-F5344CB8AC3E}">
-        <p14:creationId xmlns:p14="http://schemas.microsoft.com/office/powerpoint/2010/main" val="3228834401"/>
+        <p14:creationId xmlns:p14="http://schemas.microsoft.com/office/powerpoint/2010/main" val="3346107813"/>
       </p:ext>
     </p:extLst>
   </p:cSld>
@@ -22632,14 +22583,19 @@
             <p:ph type="body" sz="quarter" idx="11"/>
           </p:nvPr>
         </p:nvSpPr>
-        <p:spPr/>
+        <p:spPr>
+          <a:xfrm>
+            <a:off x="539552" y="3429000"/>
+            <a:ext cx="3888432" cy="2160240"/>
+          </a:xfrm>
+        </p:spPr>
         <p:txBody>
           <a:bodyPr/>
           <a:lstStyle/>
           <a:p>
             <a:r>
-              <a:rPr lang="en-GB" dirty="0" smtClean="0"/>
-              <a:t>DEMO</a:t>
+              <a:rPr lang="en-US" dirty="0" smtClean="0"/>
+              <a:t>Questions</a:t>
             </a:r>
             <a:endParaRPr lang="en-US" dirty="0"/>
           </a:p>
@@ -22662,7 +22618,7 @@
           <a:p>
             <a:r>
               <a:rPr lang="en-US" dirty="0" smtClean="0"/>
-              <a:t>API</a:t>
+              <a:t>Feel free to ask anything</a:t>
             </a:r>
             <a:endParaRPr lang="en-US" dirty="0"/>
           </a:p>
@@ -22671,13 +22627,20 @@
     </p:spTree>
     <p:extLst>
       <p:ext uri="{BB962C8B-B14F-4D97-AF65-F5344CB8AC3E}">
-        <p14:creationId xmlns:p14="http://schemas.microsoft.com/office/powerpoint/2010/main" val="2097220158"/>
+        <p14:creationId xmlns:p14="http://schemas.microsoft.com/office/powerpoint/2010/main" val="2094703247"/>
       </p:ext>
     </p:extLst>
   </p:cSld>
   <p:clrMapOvr>
     <a:masterClrMapping/>
   </p:clrMapOvr>
+  <p:timing>
+    <p:tnLst>
+      <p:par>
+        <p:cTn id="1" dur="indefinite" restart="never" nodeType="tmRoot"/>
+      </p:par>
+    </p:tnLst>
+  </p:timing>
 </p:sld>
 </file>
 
@@ -22708,20 +22671,16 @@
             <p:ph type="body" sz="quarter" idx="11"/>
           </p:nvPr>
         </p:nvSpPr>
-        <p:spPr>
-          <a:xfrm>
-            <a:off x="539552" y="3429000"/>
-            <a:ext cx="6480720" cy="2160240"/>
-          </a:xfrm>
-        </p:spPr>
+        <p:spPr/>
         <p:txBody>
           <a:bodyPr/>
           <a:lstStyle/>
           <a:p>
             <a:r>
-              <a:rPr lang="en-US" sz="4400" dirty="0"/>
-              <a:t>Authentication</a:t>
-            </a:r>
+              <a:rPr lang="en-US" sz="4400" dirty="0" smtClean="0"/>
+              <a:t>API</a:t>
+            </a:r>
+            <a:endParaRPr lang="en-US" sz="4400" dirty="0"/>
           </a:p>
         </p:txBody>
       </p:sp>
@@ -22751,7 +22710,7 @@
     </p:spTree>
     <p:extLst>
       <p:ext uri="{BB962C8B-B14F-4D97-AF65-F5344CB8AC3E}">
-        <p14:creationId xmlns:p14="http://schemas.microsoft.com/office/powerpoint/2010/main" val="2513143034"/>
+        <p14:creationId xmlns:p14="http://schemas.microsoft.com/office/powerpoint/2010/main" val="745999700"/>
       </p:ext>
     </p:extLst>
   </p:cSld>
@@ -22795,7 +22754,7 @@
           <a:p>
             <a:r>
               <a:rPr lang="en-US" sz="3600" dirty="0" smtClean="0"/>
-              <a:t>WEB AUTHENTICATION</a:t>
+              <a:t>Things to SEE</a:t>
             </a:r>
             <a:endParaRPr lang="en-US" sz="3600" dirty="0"/>
           </a:p>
@@ -22824,9 +22783,10 @@
               <a:buChar char="q"/>
             </a:pPr>
             <a:r>
-              <a:rPr lang="en-US" sz="2400" dirty="0"/>
-              <a:t>HTTP Basic authentication</a:t>
-            </a:r>
+              <a:rPr lang="en-US" sz="2400" dirty="0" smtClean="0"/>
+              <a:t>Swashbuckle</a:t>
+            </a:r>
+            <a:endParaRPr lang="en-US" sz="2400" dirty="0"/>
           </a:p>
           <a:p>
             <a:pPr marL="342900" indent="-342900">
@@ -22837,9 +22797,10 @@
               <a:buChar char="q"/>
             </a:pPr>
             <a:r>
-              <a:rPr lang="en-US" sz="2400" dirty="0"/>
-              <a:t>Cookies</a:t>
-            </a:r>
+              <a:rPr lang="en-US" sz="2400" dirty="0" err="1" smtClean="0"/>
+              <a:t>NSwag</a:t>
+            </a:r>
+            <a:endParaRPr lang="en-US" sz="2400" dirty="0"/>
           </a:p>
           <a:p>
             <a:pPr marL="342900" indent="-342900">
@@ -22851,7 +22812,11 @@
             </a:pPr>
             <a:r>
               <a:rPr lang="en-US" sz="2400" dirty="0"/>
-              <a:t>Tokens</a:t>
+              <a:t>RESTClient .</a:t>
+            </a:r>
+            <a:r>
+              <a:rPr lang="en-US" sz="2400" dirty="0" smtClean="0"/>
+              <a:t>NET</a:t>
             </a:r>
           </a:p>
           <a:p>
@@ -22863,9 +22828,10 @@
               <a:buChar char="q"/>
             </a:pPr>
             <a:r>
-              <a:rPr lang="en-US" sz="2400" dirty="0"/>
-              <a:t>Signatures</a:t>
-            </a:r>
+              <a:rPr lang="en-US" sz="2400" dirty="0" err="1" smtClean="0"/>
+              <a:t>GraphQL</a:t>
+            </a:r>
+            <a:endParaRPr lang="en-US" sz="2400" dirty="0"/>
           </a:p>
           <a:p>
             <a:pPr marL="342900" indent="-342900">
@@ -22876,37 +22842,6 @@
               <a:buChar char="q"/>
             </a:pPr>
             <a:r>
-              <a:rPr lang="en-US" sz="2400" dirty="0"/>
-              <a:t>One-Time </a:t>
-            </a:r>
-            <a:r>
-              <a:rPr lang="en-US" sz="2400" dirty="0" smtClean="0"/>
-              <a:t>Passwords</a:t>
-            </a:r>
-          </a:p>
-          <a:p>
-            <a:pPr marL="342900" indent="-342900">
-              <a:lnSpc>
-                <a:spcPct val="150000"/>
-              </a:lnSpc>
-              <a:buFont typeface="Wingdings" panose="05000000000000000000" pitchFamily="2" charset="2"/>
-              <a:buChar char="q"/>
-            </a:pPr>
-            <a:r>
-              <a:rPr lang="en-GB" sz="2400" dirty="0" smtClean="0"/>
-              <a:t>Custom (dangerous)</a:t>
-            </a:r>
-            <a:endParaRPr lang="en-US" sz="2400" dirty="0"/>
-          </a:p>
-          <a:p>
-            <a:pPr marL="342900" indent="-342900">
-              <a:lnSpc>
-                <a:spcPct val="150000"/>
-              </a:lnSpc>
-              <a:buFont typeface="Wingdings" panose="05000000000000000000" pitchFamily="2" charset="2"/>
-              <a:buChar char="q"/>
-            </a:pPr>
-            <a:r>
               <a:rPr lang="en-GB" sz="2400" dirty="0" smtClean="0"/>
               <a:t>Others</a:t>
             </a:r>
@@ -22917,7 +22852,7 @@
     </p:spTree>
     <p:extLst>
       <p:ext uri="{BB962C8B-B14F-4D97-AF65-F5344CB8AC3E}">
-        <p14:creationId xmlns:p14="http://schemas.microsoft.com/office/powerpoint/2010/main" val="2859121369"/>
+        <p14:creationId xmlns:p14="http://schemas.microsoft.com/office/powerpoint/2010/main" val="3228834401"/>
       </p:ext>
     </p:extLst>
   </p:cSld>
@@ -22946,12 +22881,12 @@
       </p:grpSpPr>
       <p:sp>
         <p:nvSpPr>
-          <p:cNvPr id="2" name="Title 1"/>
+          <p:cNvPr id="2" name="Text Placeholder 1"/>
           <p:cNvSpPr>
             <a:spLocks noGrp="1"/>
           </p:cNvSpPr>
           <p:nvPr>
-            <p:ph type="title"/>
+            <p:ph type="body" sz="quarter" idx="11"/>
           </p:nvPr>
         </p:nvSpPr>
         <p:spPr/>
@@ -22960,21 +22895,21 @@
           <a:lstStyle/>
           <a:p>
             <a:r>
-              <a:rPr lang="en-US" sz="3600" dirty="0" smtClean="0"/>
-              <a:t>Things to SEE</a:t>
-            </a:r>
-            <a:endParaRPr lang="en-US" sz="3600" dirty="0"/>
-          </a:p>
-        </p:txBody>
-      </p:sp>
-      <p:sp>
-        <p:nvSpPr>
-          <p:cNvPr id="4" name="Content Placeholder 3"/>
+              <a:rPr lang="en-GB" dirty="0" smtClean="0"/>
+              <a:t>DEMO</a:t>
+            </a:r>
+            <a:endParaRPr lang="en-US" dirty="0"/>
+          </a:p>
+        </p:txBody>
+      </p:sp>
+      <p:sp>
+        <p:nvSpPr>
+          <p:cNvPr id="3" name="Text Placeholder 2"/>
           <p:cNvSpPr>
             <a:spLocks noGrp="1"/>
           </p:cNvSpPr>
           <p:nvPr>
-            <p:ph sz="quarter" idx="12"/>
+            <p:ph type="body" sz="quarter" idx="12"/>
           </p:nvPr>
         </p:nvSpPr>
         <p:spPr/>
@@ -22982,93 +22917,18 @@
           <a:bodyPr/>
           <a:lstStyle/>
           <a:p>
-            <a:pPr marL="342900" indent="-342900">
-              <a:lnSpc>
-                <a:spcPct val="150000"/>
-              </a:lnSpc>
-              <a:buFont typeface="Wingdings" panose="05000000000000000000" pitchFamily="2" charset="2"/>
-              <a:buChar char="q"/>
-            </a:pPr>
-            <a:r>
-              <a:rPr lang="en-US" sz="2400" dirty="0" smtClean="0"/>
-              <a:t>IdentityServer</a:t>
-            </a:r>
-          </a:p>
-          <a:p>
-            <a:pPr marL="342900" indent="-342900">
-              <a:lnSpc>
-                <a:spcPct val="150000"/>
-              </a:lnSpc>
-              <a:buFont typeface="Wingdings" panose="05000000000000000000" pitchFamily="2" charset="2"/>
-              <a:buChar char="q"/>
-            </a:pPr>
-            <a:r>
-              <a:rPr lang="en-US" sz="2400" dirty="0" smtClean="0"/>
-              <a:t>Auth0</a:t>
-            </a:r>
-          </a:p>
-          <a:p>
-            <a:pPr marL="342900" indent="-342900">
-              <a:lnSpc>
-                <a:spcPct val="150000"/>
-              </a:lnSpc>
-              <a:buFont typeface="Wingdings" panose="05000000000000000000" pitchFamily="2" charset="2"/>
-              <a:buChar char="q"/>
-            </a:pPr>
-            <a:r>
-              <a:rPr lang="en-US" sz="2400" dirty="0" err="1" smtClean="0"/>
-              <a:t>AspNet.Security.OpenIdConnect.Server</a:t>
-            </a:r>
-            <a:endParaRPr lang="en-US" sz="2400" dirty="0" smtClean="0"/>
-          </a:p>
-          <a:p>
-            <a:pPr marL="342900" indent="-342900">
-              <a:lnSpc>
-                <a:spcPct val="150000"/>
-              </a:lnSpc>
-              <a:buFont typeface="Wingdings" panose="05000000000000000000" pitchFamily="2" charset="2"/>
-              <a:buChar char="q"/>
-            </a:pPr>
-            <a:r>
-              <a:rPr lang="en-US" sz="2400" dirty="0" err="1" smtClean="0"/>
-              <a:t>Openiddict</a:t>
-            </a:r>
-            <a:endParaRPr lang="en-US" sz="2400" dirty="0" smtClean="0"/>
-          </a:p>
-          <a:p>
-            <a:pPr marL="342900" indent="-342900">
-              <a:lnSpc>
-                <a:spcPct val="150000"/>
-              </a:lnSpc>
-              <a:buFont typeface="Wingdings" panose="05000000000000000000" pitchFamily="2" charset="2"/>
-              <a:buChar char="q"/>
-            </a:pPr>
-            <a:r>
-              <a:rPr lang="en-US" sz="2400" dirty="0" err="1" smtClean="0"/>
-              <a:t>Stormpath-sdk</a:t>
-            </a:r>
-            <a:endParaRPr lang="en-US" sz="2400" dirty="0" smtClean="0"/>
-          </a:p>
-          <a:p>
-            <a:pPr marL="342900" indent="-342900">
-              <a:lnSpc>
-                <a:spcPct val="150000"/>
-              </a:lnSpc>
-              <a:buFont typeface="Wingdings" panose="05000000000000000000" pitchFamily="2" charset="2"/>
-              <a:buChar char="q"/>
-            </a:pPr>
-            <a:r>
-              <a:rPr lang="en-GB" sz="2400" dirty="0" smtClean="0"/>
-              <a:t>Others</a:t>
-            </a:r>
-            <a:endParaRPr lang="en-US" sz="2400" dirty="0"/>
+            <a:r>
+              <a:rPr lang="en-US" dirty="0" smtClean="0"/>
+              <a:t>API</a:t>
+            </a:r>
+            <a:endParaRPr lang="en-US" dirty="0"/>
           </a:p>
         </p:txBody>
       </p:sp>
     </p:spTree>
     <p:extLst>
       <p:ext uri="{BB962C8B-B14F-4D97-AF65-F5344CB8AC3E}">
-        <p14:creationId xmlns:p14="http://schemas.microsoft.com/office/powerpoint/2010/main" val="456919407"/>
+        <p14:creationId xmlns:p14="http://schemas.microsoft.com/office/powerpoint/2010/main" val="2097220158"/>
       </p:ext>
     </p:extLst>
   </p:cSld>
@@ -23105,14 +22965,19 @@
             <p:ph type="body" sz="quarter" idx="11"/>
           </p:nvPr>
         </p:nvSpPr>
-        <p:spPr/>
+        <p:spPr>
+          <a:xfrm>
+            <a:off x="539552" y="3429000"/>
+            <a:ext cx="3888432" cy="2160240"/>
+          </a:xfrm>
+        </p:spPr>
         <p:txBody>
           <a:bodyPr/>
           <a:lstStyle/>
           <a:p>
             <a:r>
-              <a:rPr lang="en-GB" dirty="0" smtClean="0"/>
-              <a:t>DEMO</a:t>
+              <a:rPr lang="en-US" dirty="0" smtClean="0"/>
+              <a:t>Questions</a:t>
             </a:r>
             <a:endParaRPr lang="en-US" dirty="0"/>
           </a:p>
@@ -23134,22 +22999,30 @@
           <a:lstStyle/>
           <a:p>
             <a:r>
-              <a:rPr lang="en-US" dirty="0"/>
-              <a:t>Authentication</a:t>
-            </a:r>
+              <a:rPr lang="en-US" dirty="0" smtClean="0"/>
+              <a:t>Feel free to ask anything</a:t>
+            </a:r>
+            <a:endParaRPr lang="en-US" dirty="0"/>
           </a:p>
         </p:txBody>
       </p:sp>
     </p:spTree>
     <p:extLst>
       <p:ext uri="{BB962C8B-B14F-4D97-AF65-F5344CB8AC3E}">
-        <p14:creationId xmlns:p14="http://schemas.microsoft.com/office/powerpoint/2010/main" val="3736516631"/>
+        <p14:creationId xmlns:p14="http://schemas.microsoft.com/office/powerpoint/2010/main" val="1053696170"/>
       </p:ext>
     </p:extLst>
   </p:cSld>
   <p:clrMapOvr>
     <a:masterClrMapping/>
   </p:clrMapOvr>
+  <p:timing>
+    <p:tnLst>
+      <p:par>
+        <p:cTn id="1" dur="indefinite" restart="never" nodeType="tmRoot"/>
+      </p:par>
+    </p:tnLst>
+  </p:timing>
 </p:sld>
 </file>
 
@@ -23191,10 +23064,9 @@
           <a:lstStyle/>
           <a:p>
             <a:r>
-              <a:rPr lang="en-US" sz="4400" dirty="0" smtClean="0"/>
-              <a:t>SOCKETS</a:t>
-            </a:r>
-            <a:endParaRPr lang="en-US" sz="4400" dirty="0"/>
+              <a:rPr lang="en-US" sz="4400" dirty="0"/>
+              <a:t>Authentication</a:t>
+            </a:r>
           </a:p>
         </p:txBody>
       </p:sp>
@@ -23224,7 +23096,7 @@
     </p:spTree>
     <p:extLst>
       <p:ext uri="{BB962C8B-B14F-4D97-AF65-F5344CB8AC3E}">
-        <p14:creationId xmlns:p14="http://schemas.microsoft.com/office/powerpoint/2010/main" val="3207702153"/>
+        <p14:creationId xmlns:p14="http://schemas.microsoft.com/office/powerpoint/2010/main" val="2513143034"/>
       </p:ext>
     </p:extLst>
   </p:cSld>
@@ -23268,7 +23140,7 @@
           <a:p>
             <a:r>
               <a:rPr lang="en-US" sz="3600" dirty="0" smtClean="0"/>
-              <a:t>WHEN to USE sockets</a:t>
+              <a:t>WEB AUTHENTICATION</a:t>
             </a:r>
             <a:endParaRPr lang="en-US" sz="3600" dirty="0"/>
           </a:p>
@@ -23298,7 +23170,7 @@
             </a:pPr>
             <a:r>
               <a:rPr lang="en-US" sz="2400" dirty="0"/>
-              <a:t>Real time applications</a:t>
+              <a:t>HTTP Basic authentication</a:t>
             </a:r>
           </a:p>
           <a:p>
@@ -23310,8 +23182,8 @@
               <a:buChar char="q"/>
             </a:pPr>
             <a:r>
-              <a:rPr lang="en-GB" sz="2400" dirty="0"/>
-              <a:t>Chats</a:t>
+              <a:rPr lang="en-US" sz="2400" dirty="0"/>
+              <a:t>Cookies</a:t>
             </a:r>
           </a:p>
           <a:p>
@@ -23324,7 +23196,7 @@
             </a:pPr>
             <a:r>
               <a:rPr lang="en-US" sz="2400" dirty="0"/>
-              <a:t>Video conferencing</a:t>
+              <a:t>Tokens</a:t>
             </a:r>
           </a:p>
           <a:p>
@@ -23337,7 +23209,7 @@
             </a:pPr>
             <a:r>
               <a:rPr lang="en-US" sz="2400" dirty="0"/>
-              <a:t>Multiplayer games</a:t>
+              <a:t>Signatures</a:t>
             </a:r>
           </a:p>
           <a:p>
@@ -23349,6 +23221,37 @@
               <a:buChar char="q"/>
             </a:pPr>
             <a:r>
+              <a:rPr lang="en-US" sz="2400" dirty="0"/>
+              <a:t>One-Time </a:t>
+            </a:r>
+            <a:r>
+              <a:rPr lang="en-US" sz="2400" dirty="0" smtClean="0"/>
+              <a:t>Passwords</a:t>
+            </a:r>
+          </a:p>
+          <a:p>
+            <a:pPr marL="342900" indent="-342900">
+              <a:lnSpc>
+                <a:spcPct val="150000"/>
+              </a:lnSpc>
+              <a:buFont typeface="Wingdings" panose="05000000000000000000" pitchFamily="2" charset="2"/>
+              <a:buChar char="q"/>
+            </a:pPr>
+            <a:r>
+              <a:rPr lang="en-GB" sz="2400" dirty="0" smtClean="0"/>
+              <a:t>Custom (dangerous)</a:t>
+            </a:r>
+            <a:endParaRPr lang="en-US" sz="2400" dirty="0"/>
+          </a:p>
+          <a:p>
+            <a:pPr marL="342900" indent="-342900">
+              <a:lnSpc>
+                <a:spcPct val="150000"/>
+              </a:lnSpc>
+              <a:buFont typeface="Wingdings" panose="05000000000000000000" pitchFamily="2" charset="2"/>
+              <a:buChar char="q"/>
+            </a:pPr>
+            <a:r>
               <a:rPr lang="en-GB" sz="2400" dirty="0" smtClean="0"/>
               <a:t>Others</a:t>
             </a:r>
@@ -23359,7 +23262,7 @@
     </p:spTree>
     <p:extLst>
       <p:ext uri="{BB962C8B-B14F-4D97-AF65-F5344CB8AC3E}">
-        <p14:creationId xmlns:p14="http://schemas.microsoft.com/office/powerpoint/2010/main" val="1657734529"/>
+        <p14:creationId xmlns:p14="http://schemas.microsoft.com/office/powerpoint/2010/main" val="2859121369"/>
       </p:ext>
     </p:extLst>
   </p:cSld>
@@ -23388,27 +23291,22 @@
       </p:grpSpPr>
       <p:sp>
         <p:nvSpPr>
-          <p:cNvPr id="2" name="Text Placeholder 1"/>
+          <p:cNvPr id="2" name="Title 1"/>
           <p:cNvSpPr>
             <a:spLocks noGrp="1"/>
           </p:cNvSpPr>
           <p:nvPr>
-            <p:ph type="body" sz="quarter" idx="11"/>
+            <p:ph type="title"/>
           </p:nvPr>
         </p:nvSpPr>
-        <p:spPr>
-          <a:xfrm>
-            <a:off x="539552" y="3429000"/>
-            <a:ext cx="4680520" cy="2160240"/>
-          </a:xfrm>
-        </p:spPr>
+        <p:spPr/>
         <p:txBody>
           <a:bodyPr/>
           <a:lstStyle/>
           <a:p>
             <a:r>
-              <a:rPr lang="en-GB" dirty="0" smtClean="0"/>
-              <a:t>LECTURE CONVENTION</a:t>
+              <a:rPr lang="en-GB" dirty="0"/>
+              <a:t>Plan</a:t>
             </a:r>
             <a:endParaRPr lang="en-US" dirty="0"/>
           </a:p>
@@ -23416,12 +23314,12 @@
       </p:sp>
       <p:sp>
         <p:nvSpPr>
-          <p:cNvPr id="3" name="Text Placeholder 2"/>
+          <p:cNvPr id="3" name="Content Placeholder 2"/>
           <p:cNvSpPr>
             <a:spLocks noGrp="1"/>
           </p:cNvSpPr>
           <p:nvPr>
-            <p:ph type="body" sz="quarter" idx="12"/>
+            <p:ph sz="quarter" idx="12"/>
           </p:nvPr>
         </p:nvSpPr>
         <p:spPr/>
@@ -23429,31 +23327,151 @@
           <a:bodyPr/>
           <a:lstStyle/>
           <a:p>
-            <a:r>
-              <a:rPr lang="en-GB" dirty="0" smtClean="0"/>
-              <a:t>TODO</a:t>
-            </a:r>
-            <a:endParaRPr lang="en-US" dirty="0"/>
+            <a:pPr>
+              <a:lnSpc>
+                <a:spcPct val="150000"/>
+              </a:lnSpc>
+            </a:pPr>
+            <a:r>
+              <a:rPr lang="en-GB" sz="2400" dirty="0"/>
+              <a:t> ASP.NET </a:t>
+            </a:r>
+            <a:r>
+              <a:rPr lang="en-US" sz="2400" dirty="0">
+                <a:solidFill>
+                  <a:srgbClr val="00B050"/>
+                </a:solidFill>
+              </a:rPr>
+              <a:t>✔</a:t>
+            </a:r>
+            <a:endParaRPr lang="en-GB" sz="3200" dirty="0"/>
+          </a:p>
+          <a:p>
+            <a:pPr lvl="1">
+              <a:lnSpc>
+                <a:spcPct val="150000"/>
+              </a:lnSpc>
+            </a:pPr>
+            <a:r>
+              <a:rPr lang="en-GB" sz="2400" dirty="0"/>
+              <a:t> History </a:t>
+            </a:r>
+            <a:r>
+              <a:rPr lang="en-US" sz="2400" dirty="0">
+                <a:solidFill>
+                  <a:srgbClr val="00B050"/>
+                </a:solidFill>
+              </a:rPr>
+              <a:t>✔</a:t>
+            </a:r>
+            <a:endParaRPr lang="en-GB" sz="2400" dirty="0"/>
+          </a:p>
+          <a:p>
+            <a:pPr lvl="1">
+              <a:lnSpc>
+                <a:spcPct val="150000"/>
+              </a:lnSpc>
+            </a:pPr>
+            <a:r>
+              <a:rPr lang="en-GB" sz="2400" dirty="0"/>
+              <a:t> Basics </a:t>
+            </a:r>
+            <a:r>
+              <a:rPr lang="en-US" sz="2400" dirty="0">
+                <a:solidFill>
+                  <a:srgbClr val="00B050"/>
+                </a:solidFill>
+              </a:rPr>
+              <a:t>✔</a:t>
+            </a:r>
+          </a:p>
+          <a:p>
+            <a:pPr>
+              <a:lnSpc>
+                <a:spcPct val="150000"/>
+              </a:lnSpc>
+            </a:pPr>
+            <a:r>
+              <a:rPr lang="en-GB" sz="2400" dirty="0"/>
+              <a:t> ASP.NET </a:t>
+            </a:r>
+            <a:r>
+              <a:rPr lang="en-GB" sz="2400" dirty="0" smtClean="0"/>
+              <a:t>CORE </a:t>
+            </a:r>
+            <a:r>
+              <a:rPr lang="en-US" sz="2400" dirty="0">
+                <a:solidFill>
+                  <a:srgbClr val="00B050"/>
+                </a:solidFill>
+              </a:rPr>
+              <a:t>✔</a:t>
+            </a:r>
+            <a:endParaRPr lang="en-GB" sz="2400" dirty="0"/>
+          </a:p>
+          <a:p>
+            <a:pPr lvl="1">
+              <a:lnSpc>
+                <a:spcPct val="150000"/>
+              </a:lnSpc>
+            </a:pPr>
+            <a:r>
+              <a:rPr lang="en-GB" sz="2400" dirty="0"/>
+              <a:t> </a:t>
+            </a:r>
+            <a:r>
+              <a:rPr lang="en-GB" sz="2400" dirty="0" smtClean="0"/>
+              <a:t>Changes </a:t>
+            </a:r>
+            <a:r>
+              <a:rPr lang="en-US" sz="2400" dirty="0">
+                <a:solidFill>
+                  <a:srgbClr val="00B050"/>
+                </a:solidFill>
+              </a:rPr>
+              <a:t>✔</a:t>
+            </a:r>
+            <a:endParaRPr lang="en-GB" sz="2400" dirty="0"/>
+          </a:p>
+          <a:p>
+            <a:pPr>
+              <a:lnSpc>
+                <a:spcPct val="150000"/>
+              </a:lnSpc>
+            </a:pPr>
+            <a:r>
+              <a:rPr lang="en-GB" sz="2400" dirty="0"/>
+              <a:t> ASP.NET CORE Common Tasks</a:t>
+            </a:r>
+          </a:p>
+          <a:p>
+            <a:pPr lvl="1">
+              <a:lnSpc>
+                <a:spcPct val="150000"/>
+              </a:lnSpc>
+            </a:pPr>
+            <a:r>
+              <a:rPr lang="en-GB" sz="2400" dirty="0"/>
+              <a:t> Tasks and solutions in </a:t>
+            </a:r>
+            <a:r>
+              <a:rPr lang="en-GB" sz="2400" dirty="0" smtClean="0"/>
+              <a:t>examples</a:t>
+            </a:r>
+            <a:endParaRPr lang="en-GB" sz="2400" dirty="0"/>
           </a:p>
         </p:txBody>
       </p:sp>
     </p:spTree>
     <p:extLst>
       <p:ext uri="{BB962C8B-B14F-4D97-AF65-F5344CB8AC3E}">
-        <p14:creationId xmlns:p14="http://schemas.microsoft.com/office/powerpoint/2010/main" val="3761066175"/>
+        <p14:creationId xmlns:p14="http://schemas.microsoft.com/office/powerpoint/2010/main" val="4285960568"/>
       </p:ext>
     </p:extLst>
   </p:cSld>
   <p:clrMapOvr>
     <a:masterClrMapping/>
   </p:clrMapOvr>
-  <p:timing>
-    <p:tnLst>
-      <p:par>
-        <p:cTn id="1" dur="indefinite" restart="never" nodeType="tmRoot"/>
-      </p:par>
-    </p:tnLst>
-  </p:timing>
 </p:sld>
 </file>
 
@@ -23520,10 +23538,9 @@
               <a:buChar char="q"/>
             </a:pPr>
             <a:r>
-              <a:rPr lang="en-GB" sz="2400" dirty="0" err="1" smtClean="0"/>
-              <a:t>SignalR</a:t>
-            </a:r>
-            <a:endParaRPr lang="en-GB" sz="2400" dirty="0" smtClean="0"/>
+              <a:rPr lang="en-US" sz="2400" dirty="0" smtClean="0"/>
+              <a:t>IdentityServer</a:t>
+            </a:r>
           </a:p>
           <a:p>
             <a:pPr marL="342900" indent="-342900">
@@ -23534,10 +23551,9 @@
               <a:buChar char="q"/>
             </a:pPr>
             <a:r>
-              <a:rPr lang="en-GB" sz="2400" dirty="0" err="1" smtClean="0"/>
-              <a:t>SuperSocket</a:t>
-            </a:r>
-            <a:endParaRPr lang="en-GB" sz="2400" dirty="0" smtClean="0"/>
+              <a:rPr lang="en-US" sz="2400" dirty="0" smtClean="0"/>
+              <a:t>Auth0</a:t>
+            </a:r>
           </a:p>
           <a:p>
             <a:pPr marL="342900" indent="-342900">
@@ -23548,10 +23564,10 @@
               <a:buChar char="q"/>
             </a:pPr>
             <a:r>
-              <a:rPr lang="en-GB" sz="2400" dirty="0" err="1" smtClean="0"/>
-              <a:t>WampSharp</a:t>
-            </a:r>
-            <a:endParaRPr lang="en-GB" sz="2400" dirty="0" smtClean="0"/>
+              <a:rPr lang="en-US" sz="2400" dirty="0" err="1" smtClean="0"/>
+              <a:t>AspNet.Security.OpenIdConnect.Server</a:t>
+            </a:r>
+            <a:endParaRPr lang="en-US" sz="2400" dirty="0" smtClean="0"/>
           </a:p>
           <a:p>
             <a:pPr marL="342900" indent="-342900">
@@ -23562,9 +23578,10 @@
               <a:buChar char="q"/>
             </a:pPr>
             <a:r>
-              <a:rPr lang="en-US" sz="2400" dirty="0"/>
-              <a:t>Websocket-Sharp</a:t>
-            </a:r>
+              <a:rPr lang="en-US" sz="2400" dirty="0" err="1" smtClean="0"/>
+              <a:t>Openiddict</a:t>
+            </a:r>
+            <a:endParaRPr lang="en-US" sz="2400" dirty="0" smtClean="0"/>
           </a:p>
           <a:p>
             <a:pPr marL="342900" indent="-342900">
@@ -23575,10 +23592,10 @@
               <a:buChar char="q"/>
             </a:pPr>
             <a:r>
-              <a:rPr lang="en-US" sz="2400" dirty="0"/>
-              <a:t>WebSocket4NET </a:t>
-            </a:r>
-            <a:endParaRPr lang="en-GB" sz="2400" dirty="0"/>
+              <a:rPr lang="en-US" sz="2400" dirty="0" err="1" smtClean="0"/>
+              <a:t>Stormpath-sdk</a:t>
+            </a:r>
+            <a:endParaRPr lang="en-US" sz="2400" dirty="0" smtClean="0"/>
           </a:p>
           <a:p>
             <a:pPr marL="342900" indent="-342900">
@@ -23599,7 +23616,7 @@
     </p:spTree>
     <p:extLst>
       <p:ext uri="{BB962C8B-B14F-4D97-AF65-F5344CB8AC3E}">
-        <p14:creationId xmlns:p14="http://schemas.microsoft.com/office/powerpoint/2010/main" val="3272167992"/>
+        <p14:creationId xmlns:p14="http://schemas.microsoft.com/office/powerpoint/2010/main" val="456919407"/>
       </p:ext>
     </p:extLst>
   </p:cSld>
@@ -23666,7 +23683,7 @@
           <a:p>
             <a:r>
               <a:rPr lang="en-US" dirty="0"/>
-              <a:t>SOCKETS</a:t>
+              <a:t>Authentication</a:t>
             </a:r>
           </a:p>
         </p:txBody>
@@ -23674,7 +23691,7 @@
     </p:spTree>
     <p:extLst>
       <p:ext uri="{BB962C8B-B14F-4D97-AF65-F5344CB8AC3E}">
-        <p14:creationId xmlns:p14="http://schemas.microsoft.com/office/powerpoint/2010/main" val="3986371061"/>
+        <p14:creationId xmlns:p14="http://schemas.microsoft.com/office/powerpoint/2010/main" val="3736516631"/>
       </p:ext>
     </p:extLst>
   </p:cSld>
@@ -23714,7 +23731,7 @@
         <p:spPr>
           <a:xfrm>
             <a:off x="539552" y="3429000"/>
-            <a:ext cx="6480720" cy="2160240"/>
+            <a:ext cx="3888432" cy="2160240"/>
           </a:xfrm>
         </p:spPr>
         <p:txBody>
@@ -23722,10 +23739,10 @@
           <a:lstStyle/>
           <a:p>
             <a:r>
-              <a:rPr lang="en-US" sz="4400" dirty="0" smtClean="0"/>
-              <a:t>TESTING</a:t>
-            </a:r>
-            <a:endParaRPr lang="en-US" sz="4400" dirty="0"/>
+              <a:rPr lang="en-US" dirty="0" smtClean="0"/>
+              <a:t>Questions</a:t>
+            </a:r>
+            <a:endParaRPr lang="en-US" dirty="0"/>
           </a:p>
         </p:txBody>
       </p:sp>
@@ -23745,8 +23762,8 @@
           <a:lstStyle/>
           <a:p>
             <a:r>
-              <a:rPr lang="en-GB" dirty="0" smtClean="0"/>
-              <a:t>How to add it?</a:t>
+              <a:rPr lang="en-US" dirty="0" smtClean="0"/>
+              <a:t>Feel free to ask anything</a:t>
             </a:r>
             <a:endParaRPr lang="en-US" dirty="0"/>
           </a:p>
@@ -23755,13 +23772,20 @@
     </p:spTree>
     <p:extLst>
       <p:ext uri="{BB962C8B-B14F-4D97-AF65-F5344CB8AC3E}">
-        <p14:creationId xmlns:p14="http://schemas.microsoft.com/office/powerpoint/2010/main" val="885143735"/>
+        <p14:creationId xmlns:p14="http://schemas.microsoft.com/office/powerpoint/2010/main" val="3538941778"/>
       </p:ext>
     </p:extLst>
   </p:cSld>
   <p:clrMapOvr>
     <a:masterClrMapping/>
   </p:clrMapOvr>
+  <p:timing>
+    <p:tnLst>
+      <p:par>
+        <p:cTn id="1" dur="indefinite" restart="never" nodeType="tmRoot"/>
+      </p:par>
+    </p:tnLst>
+  </p:timing>
 </p:sld>
 </file>
 
@@ -23784,35 +23808,40 @@
       </p:grpSpPr>
       <p:sp>
         <p:nvSpPr>
-          <p:cNvPr id="2" name="Title 1"/>
+          <p:cNvPr id="2" name="Text Placeholder 1"/>
           <p:cNvSpPr>
             <a:spLocks noGrp="1"/>
           </p:cNvSpPr>
           <p:nvPr>
-            <p:ph type="title"/>
+            <p:ph type="body" sz="quarter" idx="11"/>
           </p:nvPr>
         </p:nvSpPr>
-        <p:spPr/>
+        <p:spPr>
+          <a:xfrm>
+            <a:off x="539552" y="3429000"/>
+            <a:ext cx="6480720" cy="2160240"/>
+          </a:xfrm>
+        </p:spPr>
         <p:txBody>
           <a:bodyPr/>
           <a:lstStyle/>
           <a:p>
             <a:r>
-              <a:rPr lang="en-US" sz="3600" dirty="0" smtClean="0"/>
-              <a:t>Things to SEE</a:t>
-            </a:r>
-            <a:endParaRPr lang="en-US" sz="3600" dirty="0"/>
-          </a:p>
-        </p:txBody>
-      </p:sp>
-      <p:sp>
-        <p:nvSpPr>
-          <p:cNvPr id="4" name="Content Placeholder 3"/>
+              <a:rPr lang="en-US" sz="4400" dirty="0" smtClean="0"/>
+              <a:t>SOCKETS</a:t>
+            </a:r>
+            <a:endParaRPr lang="en-US" sz="4400" dirty="0"/>
+          </a:p>
+        </p:txBody>
+      </p:sp>
+      <p:sp>
+        <p:nvSpPr>
+          <p:cNvPr id="3" name="Text Placeholder 2"/>
           <p:cNvSpPr>
             <a:spLocks noGrp="1"/>
           </p:cNvSpPr>
           <p:nvPr>
-            <p:ph sz="quarter" idx="12"/>
+            <p:ph type="body" sz="quarter" idx="12"/>
           </p:nvPr>
         </p:nvSpPr>
         <p:spPr/>
@@ -23820,93 +23849,18 @@
           <a:bodyPr/>
           <a:lstStyle/>
           <a:p>
-            <a:pPr marL="342900" indent="-342900">
-              <a:lnSpc>
-                <a:spcPct val="150000"/>
-              </a:lnSpc>
-              <a:buFont typeface="Wingdings" panose="05000000000000000000" pitchFamily="2" charset="2"/>
-              <a:buChar char="q"/>
-            </a:pPr>
-            <a:r>
-              <a:rPr lang="en-US" sz="2400" dirty="0" err="1"/>
-              <a:t>NUnit</a:t>
-            </a:r>
-            <a:endParaRPr lang="en-US" sz="2400" dirty="0"/>
-          </a:p>
-          <a:p>
-            <a:pPr marL="342900" indent="-342900">
-              <a:lnSpc>
-                <a:spcPct val="150000"/>
-              </a:lnSpc>
-              <a:buFont typeface="Wingdings" panose="05000000000000000000" pitchFamily="2" charset="2"/>
-              <a:buChar char="q"/>
-            </a:pPr>
-            <a:r>
-              <a:rPr lang="en-GB" sz="2400" dirty="0" err="1"/>
-              <a:t>xUnit</a:t>
-            </a:r>
-            <a:endParaRPr lang="en-GB" sz="2400" dirty="0"/>
-          </a:p>
-          <a:p>
-            <a:pPr marL="342900" indent="-342900">
-              <a:lnSpc>
-                <a:spcPct val="150000"/>
-              </a:lnSpc>
-              <a:buFont typeface="Wingdings" panose="05000000000000000000" pitchFamily="2" charset="2"/>
-              <a:buChar char="q"/>
-            </a:pPr>
-            <a:r>
-              <a:rPr lang="en-US" sz="2400" dirty="0"/>
-              <a:t>Moq </a:t>
-            </a:r>
-            <a:endParaRPr lang="en-GB" sz="2400" dirty="0"/>
-          </a:p>
-          <a:p>
-            <a:pPr marL="342900" indent="-342900">
-              <a:lnSpc>
-                <a:spcPct val="150000"/>
-              </a:lnSpc>
-              <a:buFont typeface="Wingdings" panose="05000000000000000000" pitchFamily="2" charset="2"/>
-              <a:buChar char="q"/>
-            </a:pPr>
-            <a:r>
-              <a:rPr lang="en-US" sz="2400" dirty="0"/>
-              <a:t>Rhino Mocks</a:t>
-            </a:r>
-          </a:p>
-          <a:p>
-            <a:pPr marL="342900" indent="-342900">
-              <a:lnSpc>
-                <a:spcPct val="150000"/>
-              </a:lnSpc>
-              <a:buFont typeface="Wingdings" panose="05000000000000000000" pitchFamily="2" charset="2"/>
-              <a:buChar char="q"/>
-            </a:pPr>
-            <a:r>
-              <a:rPr lang="en-US" sz="2400" dirty="0"/>
-              <a:t>Bogus</a:t>
-            </a:r>
-          </a:p>
-          <a:p>
-            <a:pPr marL="342900" indent="-342900">
-              <a:lnSpc>
-                <a:spcPct val="150000"/>
-              </a:lnSpc>
-              <a:buFont typeface="Wingdings" panose="05000000000000000000" pitchFamily="2" charset="2"/>
-              <a:buChar char="q"/>
-            </a:pPr>
-            <a:r>
-              <a:rPr lang="en-GB" sz="2400" dirty="0" smtClean="0"/>
-              <a:t>Others</a:t>
-            </a:r>
-            <a:endParaRPr lang="en-US" sz="2400" dirty="0"/>
+            <a:r>
+              <a:rPr lang="en-GB" dirty="0" smtClean="0"/>
+              <a:t>How to add it?</a:t>
+            </a:r>
+            <a:endParaRPr lang="en-US" dirty="0"/>
           </a:p>
         </p:txBody>
       </p:sp>
     </p:spTree>
     <p:extLst>
       <p:ext uri="{BB962C8B-B14F-4D97-AF65-F5344CB8AC3E}">
-        <p14:creationId xmlns:p14="http://schemas.microsoft.com/office/powerpoint/2010/main" val="2982989150"/>
+        <p14:creationId xmlns:p14="http://schemas.microsoft.com/office/powerpoint/2010/main" val="3207702153"/>
       </p:ext>
     </p:extLst>
   </p:cSld>
@@ -23935,12 +23889,12 @@
       </p:grpSpPr>
       <p:sp>
         <p:nvSpPr>
-          <p:cNvPr id="2" name="Text Placeholder 1"/>
+          <p:cNvPr id="2" name="Title 1"/>
           <p:cNvSpPr>
             <a:spLocks noGrp="1"/>
           </p:cNvSpPr>
           <p:nvPr>
-            <p:ph type="body" sz="quarter" idx="11"/>
+            <p:ph type="title"/>
           </p:nvPr>
         </p:nvSpPr>
         <p:spPr/>
@@ -23949,21 +23903,21 @@
           <a:lstStyle/>
           <a:p>
             <a:r>
-              <a:rPr lang="en-GB" dirty="0" smtClean="0"/>
-              <a:t>DEMO</a:t>
-            </a:r>
-            <a:endParaRPr lang="en-US" dirty="0"/>
-          </a:p>
-        </p:txBody>
-      </p:sp>
-      <p:sp>
-        <p:nvSpPr>
-          <p:cNvPr id="3" name="Text Placeholder 2"/>
+              <a:rPr lang="en-US" sz="3600" dirty="0" smtClean="0"/>
+              <a:t>WHEN to USE sockets</a:t>
+            </a:r>
+            <a:endParaRPr lang="en-US" sz="3600" dirty="0"/>
+          </a:p>
+        </p:txBody>
+      </p:sp>
+      <p:sp>
+        <p:nvSpPr>
+          <p:cNvPr id="4" name="Content Placeholder 3"/>
           <p:cNvSpPr>
             <a:spLocks noGrp="1"/>
           </p:cNvSpPr>
           <p:nvPr>
-            <p:ph type="body" sz="quarter" idx="12"/>
+            <p:ph sz="quarter" idx="12"/>
           </p:nvPr>
         </p:nvSpPr>
         <p:spPr/>
@@ -23971,18 +23925,77 @@
           <a:bodyPr/>
           <a:lstStyle/>
           <a:p>
-            <a:r>
-              <a:rPr lang="en-US" dirty="0" smtClean="0"/>
-              <a:t>Testing</a:t>
-            </a:r>
-            <a:endParaRPr lang="en-US" dirty="0"/>
+            <a:pPr marL="342900" indent="-342900">
+              <a:lnSpc>
+                <a:spcPct val="150000"/>
+              </a:lnSpc>
+              <a:buFont typeface="Wingdings" panose="05000000000000000000" pitchFamily="2" charset="2"/>
+              <a:buChar char="q"/>
+            </a:pPr>
+            <a:r>
+              <a:rPr lang="en-US" sz="2400" dirty="0"/>
+              <a:t>Real time applications</a:t>
+            </a:r>
+          </a:p>
+          <a:p>
+            <a:pPr marL="342900" indent="-342900">
+              <a:lnSpc>
+                <a:spcPct val="150000"/>
+              </a:lnSpc>
+              <a:buFont typeface="Wingdings" panose="05000000000000000000" pitchFamily="2" charset="2"/>
+              <a:buChar char="q"/>
+            </a:pPr>
+            <a:r>
+              <a:rPr lang="en-GB" sz="2400" dirty="0"/>
+              <a:t>Chats</a:t>
+            </a:r>
+          </a:p>
+          <a:p>
+            <a:pPr marL="342900" indent="-342900">
+              <a:lnSpc>
+                <a:spcPct val="150000"/>
+              </a:lnSpc>
+              <a:buFont typeface="Wingdings" panose="05000000000000000000" pitchFamily="2" charset="2"/>
+              <a:buChar char="q"/>
+            </a:pPr>
+            <a:r>
+              <a:rPr lang="en-US" sz="2400" dirty="0"/>
+              <a:t>Video conferencing</a:t>
+            </a:r>
+          </a:p>
+          <a:p>
+            <a:pPr marL="342900" indent="-342900">
+              <a:lnSpc>
+                <a:spcPct val="150000"/>
+              </a:lnSpc>
+              <a:buFont typeface="Wingdings" panose="05000000000000000000" pitchFamily="2" charset="2"/>
+              <a:buChar char="q"/>
+            </a:pPr>
+            <a:r>
+              <a:rPr lang="en-US" sz="2400" dirty="0"/>
+              <a:t>Multiplayer games</a:t>
+            </a:r>
+          </a:p>
+          <a:p>
+            <a:pPr marL="342900" indent="-342900">
+              <a:lnSpc>
+                <a:spcPct val="150000"/>
+              </a:lnSpc>
+              <a:buFont typeface="Wingdings" panose="05000000000000000000" pitchFamily="2" charset="2"/>
+              <a:buChar char="q"/>
+            </a:pPr>
+            <a:r>
+              <a:rPr lang="en-GB" sz="2400" dirty="0" smtClean="0"/>
+              <a:t>Others</a:t>
+            </a:r>
+            <a:endParaRPr lang="en-US" sz="2400" dirty="0"/>
           </a:p>
         </p:txBody>
       </p:sp>
     </p:spTree>
     <p:extLst>
       <p:ext uri="{BB962C8B-B14F-4D97-AF65-F5344CB8AC3E}">
-        <p14:creationId xmlns:p14="http://schemas.microsoft.com/office/powerpoint/2010/main" val="89994936"/>
+        <p14:creationId xmlns:p14="http://schemas.microsoft.com/office/powerpoint/2010/main" val="1657734529"/>
       </p:ext>
     </p:extLst>
   </p:cSld>
@@ -24025,6 +24038,751 @@
           <a:lstStyle/>
           <a:p>
             <a:r>
+              <a:rPr lang="en-US" sz="3600" dirty="0" smtClean="0"/>
+              <a:t>Things to SEE</a:t>
+            </a:r>
+            <a:endParaRPr lang="en-US" sz="3600" dirty="0"/>
+          </a:p>
+        </p:txBody>
+      </p:sp>
+      <p:sp>
+        <p:nvSpPr>
+          <p:cNvPr id="4" name="Content Placeholder 3"/>
+          <p:cNvSpPr>
+            <a:spLocks noGrp="1"/>
+          </p:cNvSpPr>
+          <p:nvPr>
+            <p:ph sz="quarter" idx="12"/>
+          </p:nvPr>
+        </p:nvSpPr>
+        <p:spPr/>
+        <p:txBody>
+          <a:bodyPr/>
+          <a:lstStyle/>
+          <a:p>
+            <a:pPr marL="342900" indent="-342900">
+              <a:lnSpc>
+                <a:spcPct val="150000"/>
+              </a:lnSpc>
+              <a:buFont typeface="Wingdings" panose="05000000000000000000" pitchFamily="2" charset="2"/>
+              <a:buChar char="q"/>
+            </a:pPr>
+            <a:r>
+              <a:rPr lang="en-GB" sz="2400" dirty="0" err="1" smtClean="0"/>
+              <a:t>SignalR</a:t>
+            </a:r>
+            <a:endParaRPr lang="en-GB" sz="2400" dirty="0" smtClean="0"/>
+          </a:p>
+          <a:p>
+            <a:pPr marL="342900" indent="-342900">
+              <a:lnSpc>
+                <a:spcPct val="150000"/>
+              </a:lnSpc>
+              <a:buFont typeface="Wingdings" panose="05000000000000000000" pitchFamily="2" charset="2"/>
+              <a:buChar char="q"/>
+            </a:pPr>
+            <a:r>
+              <a:rPr lang="en-GB" sz="2400" dirty="0" err="1" smtClean="0"/>
+              <a:t>SuperSocket</a:t>
+            </a:r>
+            <a:endParaRPr lang="en-GB" sz="2400" dirty="0" smtClean="0"/>
+          </a:p>
+          <a:p>
+            <a:pPr marL="342900" indent="-342900">
+              <a:lnSpc>
+                <a:spcPct val="150000"/>
+              </a:lnSpc>
+              <a:buFont typeface="Wingdings" panose="05000000000000000000" pitchFamily="2" charset="2"/>
+              <a:buChar char="q"/>
+            </a:pPr>
+            <a:r>
+              <a:rPr lang="en-GB" sz="2400" dirty="0" err="1" smtClean="0"/>
+              <a:t>WampSharp</a:t>
+            </a:r>
+            <a:endParaRPr lang="en-GB" sz="2400" dirty="0" smtClean="0"/>
+          </a:p>
+          <a:p>
+            <a:pPr marL="342900" indent="-342900">
+              <a:lnSpc>
+                <a:spcPct val="150000"/>
+              </a:lnSpc>
+              <a:buFont typeface="Wingdings" panose="05000000000000000000" pitchFamily="2" charset="2"/>
+              <a:buChar char="q"/>
+            </a:pPr>
+            <a:r>
+              <a:rPr lang="en-US" sz="2400" dirty="0"/>
+              <a:t>Websocket-Sharp</a:t>
+            </a:r>
+          </a:p>
+          <a:p>
+            <a:pPr marL="342900" indent="-342900">
+              <a:lnSpc>
+                <a:spcPct val="150000"/>
+              </a:lnSpc>
+              <a:buFont typeface="Wingdings" panose="05000000000000000000" pitchFamily="2" charset="2"/>
+              <a:buChar char="q"/>
+            </a:pPr>
+            <a:r>
+              <a:rPr lang="en-US" sz="2400" dirty="0"/>
+              <a:t>WebSocket4NET </a:t>
+            </a:r>
+            <a:endParaRPr lang="en-GB" sz="2400" dirty="0"/>
+          </a:p>
+          <a:p>
+            <a:pPr marL="342900" indent="-342900">
+              <a:lnSpc>
+                <a:spcPct val="150000"/>
+              </a:lnSpc>
+              <a:buFont typeface="Wingdings" panose="05000000000000000000" pitchFamily="2" charset="2"/>
+              <a:buChar char="q"/>
+            </a:pPr>
+            <a:r>
+              <a:rPr lang="en-GB" sz="2400" dirty="0" smtClean="0"/>
+              <a:t>Others</a:t>
+            </a:r>
+            <a:endParaRPr lang="en-US" sz="2400" dirty="0"/>
+          </a:p>
+        </p:txBody>
+      </p:sp>
+    </p:spTree>
+    <p:extLst>
+      <p:ext uri="{BB962C8B-B14F-4D97-AF65-F5344CB8AC3E}">
+        <p14:creationId xmlns:p14="http://schemas.microsoft.com/office/powerpoint/2010/main" val="3272167992"/>
+      </p:ext>
+    </p:extLst>
+  </p:cSld>
+  <p:clrMapOvr>
+    <a:masterClrMapping/>
+  </p:clrMapOvr>
+</p:sld>
+</file>
+
+<file path=ppt/slides/slide36.xml><?xml version="1.0" encoding="utf-8"?>
+<p:sld xmlns:a="http://schemas.openxmlformats.org/drawingml/2006/main" xmlns:r="http://schemas.openxmlformats.org/officeDocument/2006/relationships" xmlns:p="http://schemas.openxmlformats.org/presentationml/2006/main">
+  <p:cSld>
+    <p:spTree>
+      <p:nvGrpSpPr>
+        <p:cNvPr id="1" name=""/>
+        <p:cNvGrpSpPr/>
+        <p:nvPr/>
+      </p:nvGrpSpPr>
+      <p:grpSpPr>
+        <a:xfrm>
+          <a:off x="0" y="0"/>
+          <a:ext cx="0" cy="0"/>
+          <a:chOff x="0" y="0"/>
+          <a:chExt cx="0" cy="0"/>
+        </a:xfrm>
+      </p:grpSpPr>
+      <p:sp>
+        <p:nvSpPr>
+          <p:cNvPr id="2" name="Text Placeholder 1"/>
+          <p:cNvSpPr>
+            <a:spLocks noGrp="1"/>
+          </p:cNvSpPr>
+          <p:nvPr>
+            <p:ph type="body" sz="quarter" idx="11"/>
+          </p:nvPr>
+        </p:nvSpPr>
+        <p:spPr/>
+        <p:txBody>
+          <a:bodyPr/>
+          <a:lstStyle/>
+          <a:p>
+            <a:r>
+              <a:rPr lang="en-GB" dirty="0" smtClean="0"/>
+              <a:t>DEMO</a:t>
+            </a:r>
+            <a:endParaRPr lang="en-US" dirty="0"/>
+          </a:p>
+        </p:txBody>
+      </p:sp>
+      <p:sp>
+        <p:nvSpPr>
+          <p:cNvPr id="3" name="Text Placeholder 2"/>
+          <p:cNvSpPr>
+            <a:spLocks noGrp="1"/>
+          </p:cNvSpPr>
+          <p:nvPr>
+            <p:ph type="body" sz="quarter" idx="12"/>
+          </p:nvPr>
+        </p:nvSpPr>
+        <p:spPr/>
+        <p:txBody>
+          <a:bodyPr/>
+          <a:lstStyle/>
+          <a:p>
+            <a:r>
+              <a:rPr lang="en-US" dirty="0"/>
+              <a:t>SOCKETS</a:t>
+            </a:r>
+          </a:p>
+        </p:txBody>
+      </p:sp>
+    </p:spTree>
+    <p:extLst>
+      <p:ext uri="{BB962C8B-B14F-4D97-AF65-F5344CB8AC3E}">
+        <p14:creationId xmlns:p14="http://schemas.microsoft.com/office/powerpoint/2010/main" val="3986371061"/>
+      </p:ext>
+    </p:extLst>
+  </p:cSld>
+  <p:clrMapOvr>
+    <a:masterClrMapping/>
+  </p:clrMapOvr>
+</p:sld>
+</file>
+
+<file path=ppt/slides/slide37.xml><?xml version="1.0" encoding="utf-8"?>
+<p:sld xmlns:a="http://schemas.openxmlformats.org/drawingml/2006/main" xmlns:r="http://schemas.openxmlformats.org/officeDocument/2006/relationships" xmlns:p="http://schemas.openxmlformats.org/presentationml/2006/main">
+  <p:cSld>
+    <p:spTree>
+      <p:nvGrpSpPr>
+        <p:cNvPr id="1" name=""/>
+        <p:cNvGrpSpPr/>
+        <p:nvPr/>
+      </p:nvGrpSpPr>
+      <p:grpSpPr>
+        <a:xfrm>
+          <a:off x="0" y="0"/>
+          <a:ext cx="0" cy="0"/>
+          <a:chOff x="0" y="0"/>
+          <a:chExt cx="0" cy="0"/>
+        </a:xfrm>
+      </p:grpSpPr>
+      <p:sp>
+        <p:nvSpPr>
+          <p:cNvPr id="2" name="Text Placeholder 1"/>
+          <p:cNvSpPr>
+            <a:spLocks noGrp="1"/>
+          </p:cNvSpPr>
+          <p:nvPr>
+            <p:ph type="body" sz="quarter" idx="11"/>
+          </p:nvPr>
+        </p:nvSpPr>
+        <p:spPr>
+          <a:xfrm>
+            <a:off x="539552" y="3429000"/>
+            <a:ext cx="3888432" cy="2160240"/>
+          </a:xfrm>
+        </p:spPr>
+        <p:txBody>
+          <a:bodyPr/>
+          <a:lstStyle/>
+          <a:p>
+            <a:r>
+              <a:rPr lang="en-US" dirty="0" smtClean="0"/>
+              <a:t>Questions</a:t>
+            </a:r>
+            <a:endParaRPr lang="en-US" dirty="0"/>
+          </a:p>
+        </p:txBody>
+      </p:sp>
+      <p:sp>
+        <p:nvSpPr>
+          <p:cNvPr id="3" name="Text Placeholder 2"/>
+          <p:cNvSpPr>
+            <a:spLocks noGrp="1"/>
+          </p:cNvSpPr>
+          <p:nvPr>
+            <p:ph type="body" sz="quarter" idx="12"/>
+          </p:nvPr>
+        </p:nvSpPr>
+        <p:spPr/>
+        <p:txBody>
+          <a:bodyPr/>
+          <a:lstStyle/>
+          <a:p>
+            <a:r>
+              <a:rPr lang="en-US" dirty="0" smtClean="0"/>
+              <a:t>Feel free to ask anything</a:t>
+            </a:r>
+            <a:endParaRPr lang="en-US" dirty="0"/>
+          </a:p>
+        </p:txBody>
+      </p:sp>
+    </p:spTree>
+    <p:extLst>
+      <p:ext uri="{BB962C8B-B14F-4D97-AF65-F5344CB8AC3E}">
+        <p14:creationId xmlns:p14="http://schemas.microsoft.com/office/powerpoint/2010/main" val="1459517470"/>
+      </p:ext>
+    </p:extLst>
+  </p:cSld>
+  <p:clrMapOvr>
+    <a:masterClrMapping/>
+  </p:clrMapOvr>
+  <p:timing>
+    <p:tnLst>
+      <p:par>
+        <p:cTn id="1" dur="indefinite" restart="never" nodeType="tmRoot"/>
+      </p:par>
+    </p:tnLst>
+  </p:timing>
+</p:sld>
+</file>
+
+<file path=ppt/slides/slide38.xml><?xml version="1.0" encoding="utf-8"?>
+<p:sld xmlns:a="http://schemas.openxmlformats.org/drawingml/2006/main" xmlns:r="http://schemas.openxmlformats.org/officeDocument/2006/relationships" xmlns:p="http://schemas.openxmlformats.org/presentationml/2006/main">
+  <p:cSld>
+    <p:spTree>
+      <p:nvGrpSpPr>
+        <p:cNvPr id="1" name=""/>
+        <p:cNvGrpSpPr/>
+        <p:nvPr/>
+      </p:nvGrpSpPr>
+      <p:grpSpPr>
+        <a:xfrm>
+          <a:off x="0" y="0"/>
+          <a:ext cx="0" cy="0"/>
+          <a:chOff x="0" y="0"/>
+          <a:chExt cx="0" cy="0"/>
+        </a:xfrm>
+      </p:grpSpPr>
+      <p:sp>
+        <p:nvSpPr>
+          <p:cNvPr id="2" name="Text Placeholder 1"/>
+          <p:cNvSpPr>
+            <a:spLocks noGrp="1"/>
+          </p:cNvSpPr>
+          <p:nvPr>
+            <p:ph type="body" sz="quarter" idx="11"/>
+          </p:nvPr>
+        </p:nvSpPr>
+        <p:spPr>
+          <a:xfrm>
+            <a:off x="539552" y="3429000"/>
+            <a:ext cx="6480720" cy="2160240"/>
+          </a:xfrm>
+        </p:spPr>
+        <p:txBody>
+          <a:bodyPr/>
+          <a:lstStyle/>
+          <a:p>
+            <a:r>
+              <a:rPr lang="en-US" sz="4400" dirty="0" smtClean="0"/>
+              <a:t>TESTING</a:t>
+            </a:r>
+            <a:endParaRPr lang="en-US" sz="4400" dirty="0"/>
+          </a:p>
+        </p:txBody>
+      </p:sp>
+      <p:sp>
+        <p:nvSpPr>
+          <p:cNvPr id="3" name="Text Placeholder 2"/>
+          <p:cNvSpPr>
+            <a:spLocks noGrp="1"/>
+          </p:cNvSpPr>
+          <p:nvPr>
+            <p:ph type="body" sz="quarter" idx="12"/>
+          </p:nvPr>
+        </p:nvSpPr>
+        <p:spPr/>
+        <p:txBody>
+          <a:bodyPr/>
+          <a:lstStyle/>
+          <a:p>
+            <a:r>
+              <a:rPr lang="en-GB" dirty="0" smtClean="0"/>
+              <a:t>How to add it?</a:t>
+            </a:r>
+            <a:endParaRPr lang="en-US" dirty="0"/>
+          </a:p>
+        </p:txBody>
+      </p:sp>
+    </p:spTree>
+    <p:extLst>
+      <p:ext uri="{BB962C8B-B14F-4D97-AF65-F5344CB8AC3E}">
+        <p14:creationId xmlns:p14="http://schemas.microsoft.com/office/powerpoint/2010/main" val="885143735"/>
+      </p:ext>
+    </p:extLst>
+  </p:cSld>
+  <p:clrMapOvr>
+    <a:masterClrMapping/>
+  </p:clrMapOvr>
+</p:sld>
+</file>
+
+<file path=ppt/slides/slide39.xml><?xml version="1.0" encoding="utf-8"?>
+<p:sld xmlns:a="http://schemas.openxmlformats.org/drawingml/2006/main" xmlns:r="http://schemas.openxmlformats.org/officeDocument/2006/relationships" xmlns:p="http://schemas.openxmlformats.org/presentationml/2006/main">
+  <p:cSld>
+    <p:spTree>
+      <p:nvGrpSpPr>
+        <p:cNvPr id="1" name=""/>
+        <p:cNvGrpSpPr/>
+        <p:nvPr/>
+      </p:nvGrpSpPr>
+      <p:grpSpPr>
+        <a:xfrm>
+          <a:off x="0" y="0"/>
+          <a:ext cx="0" cy="0"/>
+          <a:chOff x="0" y="0"/>
+          <a:chExt cx="0" cy="0"/>
+        </a:xfrm>
+      </p:grpSpPr>
+      <p:sp>
+        <p:nvSpPr>
+          <p:cNvPr id="2" name="Title 1"/>
+          <p:cNvSpPr>
+            <a:spLocks noGrp="1"/>
+          </p:cNvSpPr>
+          <p:nvPr>
+            <p:ph type="title"/>
+          </p:nvPr>
+        </p:nvSpPr>
+        <p:spPr/>
+        <p:txBody>
+          <a:bodyPr/>
+          <a:lstStyle/>
+          <a:p>
+            <a:r>
+              <a:rPr lang="en-US" sz="3600" dirty="0" smtClean="0"/>
+              <a:t>Things to SEE</a:t>
+            </a:r>
+            <a:endParaRPr lang="en-US" sz="3600" dirty="0"/>
+          </a:p>
+        </p:txBody>
+      </p:sp>
+      <p:sp>
+        <p:nvSpPr>
+          <p:cNvPr id="4" name="Content Placeholder 3"/>
+          <p:cNvSpPr>
+            <a:spLocks noGrp="1"/>
+          </p:cNvSpPr>
+          <p:nvPr>
+            <p:ph sz="quarter" idx="12"/>
+          </p:nvPr>
+        </p:nvSpPr>
+        <p:spPr/>
+        <p:txBody>
+          <a:bodyPr/>
+          <a:lstStyle/>
+          <a:p>
+            <a:pPr marL="342900" indent="-342900">
+              <a:lnSpc>
+                <a:spcPct val="150000"/>
+              </a:lnSpc>
+              <a:buFont typeface="Wingdings" panose="05000000000000000000" pitchFamily="2" charset="2"/>
+              <a:buChar char="q"/>
+            </a:pPr>
+            <a:r>
+              <a:rPr lang="en-US" sz="2400" dirty="0" err="1"/>
+              <a:t>NUnit</a:t>
+            </a:r>
+            <a:endParaRPr lang="en-US" sz="2400" dirty="0"/>
+          </a:p>
+          <a:p>
+            <a:pPr marL="342900" indent="-342900">
+              <a:lnSpc>
+                <a:spcPct val="150000"/>
+              </a:lnSpc>
+              <a:buFont typeface="Wingdings" panose="05000000000000000000" pitchFamily="2" charset="2"/>
+              <a:buChar char="q"/>
+            </a:pPr>
+            <a:r>
+              <a:rPr lang="en-GB" sz="2400" dirty="0" err="1"/>
+              <a:t>xUnit</a:t>
+            </a:r>
+            <a:endParaRPr lang="en-GB" sz="2400" dirty="0"/>
+          </a:p>
+          <a:p>
+            <a:pPr marL="342900" indent="-342900">
+              <a:lnSpc>
+                <a:spcPct val="150000"/>
+              </a:lnSpc>
+              <a:buFont typeface="Wingdings" panose="05000000000000000000" pitchFamily="2" charset="2"/>
+              <a:buChar char="q"/>
+            </a:pPr>
+            <a:r>
+              <a:rPr lang="en-US" sz="2400" dirty="0"/>
+              <a:t>Moq </a:t>
+            </a:r>
+            <a:endParaRPr lang="en-GB" sz="2400" dirty="0"/>
+          </a:p>
+          <a:p>
+            <a:pPr marL="342900" indent="-342900">
+              <a:lnSpc>
+                <a:spcPct val="150000"/>
+              </a:lnSpc>
+              <a:buFont typeface="Wingdings" panose="05000000000000000000" pitchFamily="2" charset="2"/>
+              <a:buChar char="q"/>
+            </a:pPr>
+            <a:r>
+              <a:rPr lang="en-US" sz="2400" dirty="0"/>
+              <a:t>Rhino Mocks</a:t>
+            </a:r>
+          </a:p>
+          <a:p>
+            <a:pPr marL="342900" indent="-342900">
+              <a:lnSpc>
+                <a:spcPct val="150000"/>
+              </a:lnSpc>
+              <a:buFont typeface="Wingdings" panose="05000000000000000000" pitchFamily="2" charset="2"/>
+              <a:buChar char="q"/>
+            </a:pPr>
+            <a:r>
+              <a:rPr lang="en-US" sz="2400" dirty="0"/>
+              <a:t>Bogus</a:t>
+            </a:r>
+          </a:p>
+          <a:p>
+            <a:pPr marL="342900" indent="-342900">
+              <a:lnSpc>
+                <a:spcPct val="150000"/>
+              </a:lnSpc>
+              <a:buFont typeface="Wingdings" panose="05000000000000000000" pitchFamily="2" charset="2"/>
+              <a:buChar char="q"/>
+            </a:pPr>
+            <a:r>
+              <a:rPr lang="en-GB" sz="2400" dirty="0" smtClean="0"/>
+              <a:t>Others</a:t>
+            </a:r>
+            <a:endParaRPr lang="en-US" sz="2400" dirty="0"/>
+          </a:p>
+        </p:txBody>
+      </p:sp>
+    </p:spTree>
+    <p:extLst>
+      <p:ext uri="{BB962C8B-B14F-4D97-AF65-F5344CB8AC3E}">
+        <p14:creationId xmlns:p14="http://schemas.microsoft.com/office/powerpoint/2010/main" val="2982989150"/>
+      </p:ext>
+    </p:extLst>
+  </p:cSld>
+  <p:clrMapOvr>
+    <a:masterClrMapping/>
+  </p:clrMapOvr>
+</p:sld>
+</file>
+
+<file path=ppt/slides/slide4.xml><?xml version="1.0" encoding="utf-8"?>
+<p:sld xmlns:a="http://schemas.openxmlformats.org/drawingml/2006/main" xmlns:r="http://schemas.openxmlformats.org/officeDocument/2006/relationships" xmlns:p="http://schemas.openxmlformats.org/presentationml/2006/main">
+  <p:cSld>
+    <p:spTree>
+      <p:nvGrpSpPr>
+        <p:cNvPr id="1" name=""/>
+        <p:cNvGrpSpPr/>
+        <p:nvPr/>
+      </p:nvGrpSpPr>
+      <p:grpSpPr>
+        <a:xfrm>
+          <a:off x="0" y="0"/>
+          <a:ext cx="0" cy="0"/>
+          <a:chOff x="0" y="0"/>
+          <a:chExt cx="0" cy="0"/>
+        </a:xfrm>
+      </p:grpSpPr>
+      <p:sp>
+        <p:nvSpPr>
+          <p:cNvPr id="2" name="Title 1"/>
+          <p:cNvSpPr>
+            <a:spLocks noGrp="1"/>
+          </p:cNvSpPr>
+          <p:nvPr>
+            <p:ph type="title"/>
+          </p:nvPr>
+        </p:nvSpPr>
+        <p:spPr/>
+        <p:txBody>
+          <a:bodyPr/>
+          <a:lstStyle/>
+          <a:p>
+            <a:r>
+              <a:rPr lang="en-GB" dirty="0"/>
+              <a:t>LECTURE CONVENTION</a:t>
+            </a:r>
+            <a:endParaRPr lang="en-US" dirty="0"/>
+          </a:p>
+        </p:txBody>
+      </p:sp>
+      <p:sp>
+        <p:nvSpPr>
+          <p:cNvPr id="3" name="Content Placeholder 2"/>
+          <p:cNvSpPr>
+            <a:spLocks noGrp="1"/>
+          </p:cNvSpPr>
+          <p:nvPr>
+            <p:ph sz="quarter" idx="12"/>
+          </p:nvPr>
+        </p:nvSpPr>
+        <p:spPr/>
+        <p:txBody>
+          <a:bodyPr/>
+          <a:lstStyle/>
+          <a:p>
+            <a:pPr marL="342900" indent="-342900">
+              <a:lnSpc>
+                <a:spcPct val="150000"/>
+              </a:lnSpc>
+              <a:buFont typeface="Wingdings" panose="05000000000000000000" pitchFamily="2" charset="2"/>
+              <a:buChar char="q"/>
+            </a:pPr>
+            <a:r>
+              <a:rPr lang="en-GB" sz="2400" dirty="0"/>
+              <a:t>Lectures will be split in logical parts</a:t>
+            </a:r>
+          </a:p>
+          <a:p>
+            <a:pPr marL="342900" indent="-342900">
+              <a:lnSpc>
+                <a:spcPct val="150000"/>
+              </a:lnSpc>
+              <a:buFont typeface="Wingdings" panose="05000000000000000000" pitchFamily="2" charset="2"/>
+              <a:buChar char="q"/>
+            </a:pPr>
+            <a:r>
+              <a:rPr lang="en-GB" sz="2400" dirty="0"/>
+              <a:t>You can should ask question after each logical part during special slide</a:t>
+            </a:r>
+          </a:p>
+          <a:p>
+            <a:pPr marL="342900" indent="-342900">
+              <a:lnSpc>
+                <a:spcPct val="150000"/>
+              </a:lnSpc>
+              <a:buFont typeface="Wingdings" panose="05000000000000000000" pitchFamily="2" charset="2"/>
+              <a:buChar char="q"/>
+            </a:pPr>
+            <a:r>
+              <a:rPr lang="en-GB" sz="2400" dirty="0"/>
+              <a:t>Questions should be somehow connected to ASP </a:t>
+            </a:r>
+          </a:p>
+          <a:p>
+            <a:pPr marL="342900" indent="-342900">
+              <a:lnSpc>
+                <a:spcPct val="150000"/>
+              </a:lnSpc>
+              <a:buFont typeface="Wingdings" panose="05000000000000000000" pitchFamily="2" charset="2"/>
+              <a:buChar char="q"/>
+            </a:pPr>
+            <a:r>
+              <a:rPr lang="en-GB" sz="2400" dirty="0"/>
+              <a:t>We can afford breaks</a:t>
+            </a:r>
+            <a:endParaRPr lang="en-US" sz="2400" dirty="0"/>
+          </a:p>
+        </p:txBody>
+      </p:sp>
+    </p:spTree>
+    <p:extLst>
+      <p:ext uri="{BB962C8B-B14F-4D97-AF65-F5344CB8AC3E}">
+        <p14:creationId xmlns:p14="http://schemas.microsoft.com/office/powerpoint/2010/main" val="1813077974"/>
+      </p:ext>
+    </p:extLst>
+  </p:cSld>
+  <p:clrMapOvr>
+    <a:masterClrMapping/>
+  </p:clrMapOvr>
+</p:sld>
+</file>
+
+<file path=ppt/slides/slide40.xml><?xml version="1.0" encoding="utf-8"?>
+<p:sld xmlns:a="http://schemas.openxmlformats.org/drawingml/2006/main" xmlns:r="http://schemas.openxmlformats.org/officeDocument/2006/relationships" xmlns:p="http://schemas.openxmlformats.org/presentationml/2006/main">
+  <p:cSld>
+    <p:spTree>
+      <p:nvGrpSpPr>
+        <p:cNvPr id="1" name=""/>
+        <p:cNvGrpSpPr/>
+        <p:nvPr/>
+      </p:nvGrpSpPr>
+      <p:grpSpPr>
+        <a:xfrm>
+          <a:off x="0" y="0"/>
+          <a:ext cx="0" cy="0"/>
+          <a:chOff x="0" y="0"/>
+          <a:chExt cx="0" cy="0"/>
+        </a:xfrm>
+      </p:grpSpPr>
+      <p:sp>
+        <p:nvSpPr>
+          <p:cNvPr id="2" name="Text Placeholder 1"/>
+          <p:cNvSpPr>
+            <a:spLocks noGrp="1"/>
+          </p:cNvSpPr>
+          <p:nvPr>
+            <p:ph type="body" sz="quarter" idx="11"/>
+          </p:nvPr>
+        </p:nvSpPr>
+        <p:spPr/>
+        <p:txBody>
+          <a:bodyPr/>
+          <a:lstStyle/>
+          <a:p>
+            <a:r>
+              <a:rPr lang="en-GB" dirty="0" smtClean="0"/>
+              <a:t>DEMO</a:t>
+            </a:r>
+            <a:endParaRPr lang="en-US" dirty="0"/>
+          </a:p>
+        </p:txBody>
+      </p:sp>
+      <p:sp>
+        <p:nvSpPr>
+          <p:cNvPr id="3" name="Text Placeholder 2"/>
+          <p:cNvSpPr>
+            <a:spLocks noGrp="1"/>
+          </p:cNvSpPr>
+          <p:nvPr>
+            <p:ph type="body" sz="quarter" idx="12"/>
+          </p:nvPr>
+        </p:nvSpPr>
+        <p:spPr/>
+        <p:txBody>
+          <a:bodyPr/>
+          <a:lstStyle/>
+          <a:p>
+            <a:r>
+              <a:rPr lang="en-US" dirty="0" smtClean="0"/>
+              <a:t>Testing</a:t>
+            </a:r>
+            <a:endParaRPr lang="en-US" dirty="0"/>
+          </a:p>
+        </p:txBody>
+      </p:sp>
+    </p:spTree>
+    <p:extLst>
+      <p:ext uri="{BB962C8B-B14F-4D97-AF65-F5344CB8AC3E}">
+        <p14:creationId xmlns:p14="http://schemas.microsoft.com/office/powerpoint/2010/main" val="89994936"/>
+      </p:ext>
+    </p:extLst>
+  </p:cSld>
+  <p:clrMapOvr>
+    <a:masterClrMapping/>
+  </p:clrMapOvr>
+</p:sld>
+</file>
+
+<file path=ppt/slides/slide41.xml><?xml version="1.0" encoding="utf-8"?>
+<p:sld xmlns:a="http://schemas.openxmlformats.org/drawingml/2006/main" xmlns:r="http://schemas.openxmlformats.org/officeDocument/2006/relationships" xmlns:p="http://schemas.openxmlformats.org/presentationml/2006/main">
+  <p:cSld>
+    <p:spTree>
+      <p:nvGrpSpPr>
+        <p:cNvPr id="1" name=""/>
+        <p:cNvGrpSpPr/>
+        <p:nvPr/>
+      </p:nvGrpSpPr>
+      <p:grpSpPr>
+        <a:xfrm>
+          <a:off x="0" y="0"/>
+          <a:ext cx="0" cy="0"/>
+          <a:chOff x="0" y="0"/>
+          <a:chExt cx="0" cy="0"/>
+        </a:xfrm>
+      </p:grpSpPr>
+      <p:sp>
+        <p:nvSpPr>
+          <p:cNvPr id="2" name="Title 1"/>
+          <p:cNvSpPr>
+            <a:spLocks noGrp="1"/>
+          </p:cNvSpPr>
+          <p:nvPr>
+            <p:ph type="title"/>
+          </p:nvPr>
+        </p:nvSpPr>
+        <p:spPr/>
+        <p:txBody>
+          <a:bodyPr/>
+          <a:lstStyle/>
+          <a:p>
+            <a:r>
               <a:rPr lang="en-GB" dirty="0" smtClean="0"/>
               <a:t>OTHER	THINGS to SEE</a:t>
             </a:r>
@@ -24127,7 +24885,95 @@
 </p:sld>
 </file>
 
-<file path=ppt/slides/slide36.xml><?xml version="1.0" encoding="utf-8"?>
+<file path=ppt/slides/slide42.xml><?xml version="1.0" encoding="utf-8"?>
+<p:sld xmlns:a="http://schemas.openxmlformats.org/drawingml/2006/main" xmlns:r="http://schemas.openxmlformats.org/officeDocument/2006/relationships" xmlns:p="http://schemas.openxmlformats.org/presentationml/2006/main">
+  <p:cSld>
+    <p:spTree>
+      <p:nvGrpSpPr>
+        <p:cNvPr id="1" name=""/>
+        <p:cNvGrpSpPr/>
+        <p:nvPr/>
+      </p:nvGrpSpPr>
+      <p:grpSpPr>
+        <a:xfrm>
+          <a:off x="0" y="0"/>
+          <a:ext cx="0" cy="0"/>
+          <a:chOff x="0" y="0"/>
+          <a:chExt cx="0" cy="0"/>
+        </a:xfrm>
+      </p:grpSpPr>
+      <p:sp>
+        <p:nvSpPr>
+          <p:cNvPr id="2" name="Text Placeholder 1"/>
+          <p:cNvSpPr>
+            <a:spLocks noGrp="1"/>
+          </p:cNvSpPr>
+          <p:nvPr>
+            <p:ph type="body" sz="quarter" idx="11"/>
+          </p:nvPr>
+        </p:nvSpPr>
+        <p:spPr>
+          <a:xfrm>
+            <a:off x="539552" y="3429000"/>
+            <a:ext cx="3888432" cy="2160240"/>
+          </a:xfrm>
+        </p:spPr>
+        <p:txBody>
+          <a:bodyPr/>
+          <a:lstStyle/>
+          <a:p>
+            <a:r>
+              <a:rPr lang="en-US" dirty="0" smtClean="0"/>
+              <a:t>Questions</a:t>
+            </a:r>
+            <a:endParaRPr lang="en-US" dirty="0"/>
+          </a:p>
+        </p:txBody>
+      </p:sp>
+      <p:sp>
+        <p:nvSpPr>
+          <p:cNvPr id="3" name="Text Placeholder 2"/>
+          <p:cNvSpPr>
+            <a:spLocks noGrp="1"/>
+          </p:cNvSpPr>
+          <p:nvPr>
+            <p:ph type="body" sz="quarter" idx="12"/>
+          </p:nvPr>
+        </p:nvSpPr>
+        <p:spPr/>
+        <p:txBody>
+          <a:bodyPr/>
+          <a:lstStyle/>
+          <a:p>
+            <a:r>
+              <a:rPr lang="en-US" dirty="0" smtClean="0"/>
+              <a:t>Feel free to ask anything</a:t>
+            </a:r>
+            <a:endParaRPr lang="en-US" dirty="0"/>
+          </a:p>
+        </p:txBody>
+      </p:sp>
+    </p:spTree>
+    <p:extLst>
+      <p:ext uri="{BB962C8B-B14F-4D97-AF65-F5344CB8AC3E}">
+        <p14:creationId xmlns:p14="http://schemas.microsoft.com/office/powerpoint/2010/main" val="2786450621"/>
+      </p:ext>
+    </p:extLst>
+  </p:cSld>
+  <p:clrMapOvr>
+    <a:masterClrMapping/>
+  </p:clrMapOvr>
+  <p:timing>
+    <p:tnLst>
+      <p:par>
+        <p:cTn id="1" dur="indefinite" restart="never" nodeType="tmRoot"/>
+      </p:par>
+    </p:tnLst>
+  </p:timing>
+</p:sld>
+</file>
+
+<file path=ppt/slides/slide43.xml><?xml version="1.0" encoding="utf-8"?>
 <p:sld xmlns:a="http://schemas.openxmlformats.org/drawingml/2006/main" xmlns:r="http://schemas.openxmlformats.org/officeDocument/2006/relationships" xmlns:p="http://schemas.openxmlformats.org/presentationml/2006/main">
   <p:cSld>
     <p:spTree>
@@ -24157,87 +25003,6 @@
 </p:sld>
 </file>
 
-<file path=ppt/slides/slide4.xml><?xml version="1.0" encoding="utf-8"?>
-<p:sld xmlns:a="http://schemas.openxmlformats.org/drawingml/2006/main" xmlns:r="http://schemas.openxmlformats.org/officeDocument/2006/relationships" xmlns:p="http://schemas.openxmlformats.org/presentationml/2006/main">
-  <p:cSld>
-    <p:spTree>
-      <p:nvGrpSpPr>
-        <p:cNvPr id="1" name=""/>
-        <p:cNvGrpSpPr/>
-        <p:nvPr/>
-      </p:nvGrpSpPr>
-      <p:grpSpPr>
-        <a:xfrm>
-          <a:off x="0" y="0"/>
-          <a:ext cx="0" cy="0"/>
-          <a:chOff x="0" y="0"/>
-          <a:chExt cx="0" cy="0"/>
-        </a:xfrm>
-      </p:grpSpPr>
-      <p:sp>
-        <p:nvSpPr>
-          <p:cNvPr id="2" name="Text Placeholder 1"/>
-          <p:cNvSpPr>
-            <a:spLocks noGrp="1"/>
-          </p:cNvSpPr>
-          <p:nvPr>
-            <p:ph type="body" sz="quarter" idx="11"/>
-          </p:nvPr>
-        </p:nvSpPr>
-        <p:spPr>
-          <a:xfrm>
-            <a:off x="539552" y="3429000"/>
-            <a:ext cx="5112568" cy="2160240"/>
-          </a:xfrm>
-        </p:spPr>
-        <p:txBody>
-          <a:bodyPr/>
-          <a:lstStyle/>
-          <a:p>
-            <a:r>
-              <a:rPr lang="en-US" dirty="0" smtClean="0"/>
-              <a:t>ASP.NET CORE Common Tasks</a:t>
-            </a:r>
-            <a:endParaRPr lang="en-US" dirty="0"/>
-          </a:p>
-        </p:txBody>
-      </p:sp>
-      <p:sp>
-        <p:nvSpPr>
-          <p:cNvPr id="3" name="Text Placeholder 2"/>
-          <p:cNvSpPr>
-            <a:spLocks noGrp="1"/>
-          </p:cNvSpPr>
-          <p:nvPr>
-            <p:ph type="body" sz="quarter" idx="12"/>
-          </p:nvPr>
-        </p:nvSpPr>
-        <p:spPr/>
-        <p:txBody>
-          <a:bodyPr/>
-          <a:lstStyle/>
-          <a:p>
-            <a:r>
-              <a:rPr lang="en-US" dirty="0" smtClean="0"/>
-              <a:t>Deep dive</a:t>
-            </a:r>
-            <a:endParaRPr lang="en-US" dirty="0"/>
-          </a:p>
-        </p:txBody>
-      </p:sp>
-    </p:spTree>
-    <p:extLst>
-      <p:ext uri="{BB962C8B-B14F-4D97-AF65-F5344CB8AC3E}">
-        <p14:creationId xmlns:p14="http://schemas.microsoft.com/office/powerpoint/2010/main" val="3194048973"/>
-      </p:ext>
-    </p:extLst>
-  </p:cSld>
-  <p:clrMapOvr>
-    <a:masterClrMapping/>
-  </p:clrMapOvr>
-</p:sld>
-</file>
-
 <file path=ppt/slides/slide5.xml><?xml version="1.0" encoding="utf-8"?>
 <p:sld xmlns:a="http://schemas.openxmlformats.org/drawingml/2006/main" xmlns:r="http://schemas.openxmlformats.org/officeDocument/2006/relationships" xmlns:p="http://schemas.openxmlformats.org/presentationml/2006/main">
   <p:cSld>
@@ -24257,22 +25022,27 @@
       </p:grpSpPr>
       <p:sp>
         <p:nvSpPr>
-          <p:cNvPr id="2" name="Title 1"/>
+          <p:cNvPr id="2" name="Text Placeholder 1"/>
           <p:cNvSpPr>
             <a:spLocks noGrp="1"/>
           </p:cNvSpPr>
           <p:nvPr>
-            <p:ph type="title"/>
+            <p:ph type="body" sz="quarter" idx="11"/>
           </p:nvPr>
         </p:nvSpPr>
-        <p:spPr/>
+        <p:spPr>
+          <a:xfrm>
+            <a:off x="539552" y="3429000"/>
+            <a:ext cx="5112568" cy="2160240"/>
+          </a:xfrm>
+        </p:spPr>
         <p:txBody>
           <a:bodyPr/>
           <a:lstStyle/>
           <a:p>
             <a:r>
-              <a:rPr lang="en-GB" dirty="0" smtClean="0"/>
-              <a:t>Common Tasks</a:t>
+              <a:rPr lang="en-US" dirty="0" smtClean="0"/>
+              <a:t>ASP.NET CORE Common Tasks</a:t>
             </a:r>
             <a:endParaRPr lang="en-US" dirty="0"/>
           </a:p>
@@ -24280,12 +25050,12 @@
       </p:sp>
       <p:sp>
         <p:nvSpPr>
-          <p:cNvPr id="4" name="Content Placeholder 3"/>
+          <p:cNvPr id="3" name="Text Placeholder 2"/>
           <p:cNvSpPr>
             <a:spLocks noGrp="1"/>
           </p:cNvSpPr>
           <p:nvPr>
-            <p:ph sz="quarter" idx="12"/>
+            <p:ph type="body" sz="quarter" idx="12"/>
           </p:nvPr>
         </p:nvSpPr>
         <p:spPr/>
@@ -24293,89 +25063,18 @@
           <a:bodyPr/>
           <a:lstStyle/>
           <a:p>
-            <a:pPr>
-              <a:lnSpc>
-                <a:spcPct val="150000"/>
-              </a:lnSpc>
-            </a:pPr>
-            <a:r>
-              <a:rPr lang="en-GB" sz="2400" dirty="0" smtClean="0"/>
-              <a:t>Architecture</a:t>
-            </a:r>
-            <a:endParaRPr lang="en-US" sz="2400" dirty="0" smtClean="0"/>
-          </a:p>
-          <a:p>
-            <a:pPr>
-              <a:lnSpc>
-                <a:spcPct val="150000"/>
-              </a:lnSpc>
-            </a:pPr>
-            <a:r>
-              <a:rPr lang="en-US" sz="2400" dirty="0" smtClean="0"/>
-              <a:t>Database</a:t>
-            </a:r>
-          </a:p>
-          <a:p>
-            <a:pPr>
-              <a:lnSpc>
-                <a:spcPct val="150000"/>
-              </a:lnSpc>
-            </a:pPr>
-            <a:r>
-              <a:rPr lang="en-US" sz="2400" dirty="0" smtClean="0"/>
-              <a:t>Jobs</a:t>
-            </a:r>
-          </a:p>
-          <a:p>
-            <a:pPr>
-              <a:lnSpc>
-                <a:spcPct val="150000"/>
-              </a:lnSpc>
-            </a:pPr>
-            <a:r>
-              <a:rPr lang="en-US" sz="2400" dirty="0" smtClean="0"/>
-              <a:t>API</a:t>
-            </a:r>
-          </a:p>
-          <a:p>
-            <a:pPr>
-              <a:lnSpc>
-                <a:spcPct val="150000"/>
-              </a:lnSpc>
-            </a:pPr>
-            <a:r>
-              <a:rPr lang="en-US" sz="2400" dirty="0" smtClean="0"/>
-              <a:t>Authentication</a:t>
-            </a:r>
-          </a:p>
-          <a:p>
-            <a:pPr>
-              <a:lnSpc>
-                <a:spcPct val="150000"/>
-              </a:lnSpc>
-            </a:pPr>
-            <a:r>
-              <a:rPr lang="en-US" sz="2400" dirty="0" smtClean="0"/>
-              <a:t>Sockets</a:t>
-            </a:r>
-          </a:p>
-          <a:p>
-            <a:pPr>
-              <a:lnSpc>
-                <a:spcPct val="150000"/>
-              </a:lnSpc>
-            </a:pPr>
-            <a:r>
-              <a:rPr lang="en-US" sz="2400" dirty="0" smtClean="0"/>
-              <a:t>Testing</a:t>
-            </a:r>
+            <a:r>
+              <a:rPr lang="en-US" dirty="0" smtClean="0"/>
+              <a:t>Deep dive</a:t>
+            </a:r>
+            <a:endParaRPr lang="en-US" dirty="0"/>
           </a:p>
         </p:txBody>
       </p:sp>
     </p:spTree>
     <p:extLst>
       <p:ext uri="{BB962C8B-B14F-4D97-AF65-F5344CB8AC3E}">
-        <p14:creationId xmlns:p14="http://schemas.microsoft.com/office/powerpoint/2010/main" val="839796294"/>
+        <p14:creationId xmlns:p14="http://schemas.microsoft.com/office/powerpoint/2010/main" val="3194048973"/>
       </p:ext>
     </p:extLst>
   </p:cSld>
@@ -24404,6 +25103,153 @@
       </p:grpSpPr>
       <p:sp>
         <p:nvSpPr>
+          <p:cNvPr id="2" name="Title 1"/>
+          <p:cNvSpPr>
+            <a:spLocks noGrp="1"/>
+          </p:cNvSpPr>
+          <p:nvPr>
+            <p:ph type="title"/>
+          </p:nvPr>
+        </p:nvSpPr>
+        <p:spPr/>
+        <p:txBody>
+          <a:bodyPr/>
+          <a:lstStyle/>
+          <a:p>
+            <a:r>
+              <a:rPr lang="en-GB" dirty="0" smtClean="0"/>
+              <a:t>Common Tasks</a:t>
+            </a:r>
+            <a:endParaRPr lang="en-US" dirty="0"/>
+          </a:p>
+        </p:txBody>
+      </p:sp>
+      <p:sp>
+        <p:nvSpPr>
+          <p:cNvPr id="4" name="Content Placeholder 3"/>
+          <p:cNvSpPr>
+            <a:spLocks noGrp="1"/>
+          </p:cNvSpPr>
+          <p:nvPr>
+            <p:ph sz="quarter" idx="12"/>
+          </p:nvPr>
+        </p:nvSpPr>
+        <p:spPr/>
+        <p:txBody>
+          <a:bodyPr/>
+          <a:lstStyle/>
+          <a:p>
+            <a:pPr>
+              <a:lnSpc>
+                <a:spcPct val="150000"/>
+              </a:lnSpc>
+            </a:pPr>
+            <a:r>
+              <a:rPr lang="en-GB" sz="2400" dirty="0" smtClean="0"/>
+              <a:t>Architecture</a:t>
+            </a:r>
+            <a:endParaRPr lang="en-US" sz="2400" dirty="0" smtClean="0"/>
+          </a:p>
+          <a:p>
+            <a:pPr>
+              <a:lnSpc>
+                <a:spcPct val="150000"/>
+              </a:lnSpc>
+            </a:pPr>
+            <a:r>
+              <a:rPr lang="en-US" sz="2400" dirty="0" smtClean="0"/>
+              <a:t>Database</a:t>
+            </a:r>
+          </a:p>
+          <a:p>
+            <a:pPr>
+              <a:lnSpc>
+                <a:spcPct val="150000"/>
+              </a:lnSpc>
+            </a:pPr>
+            <a:r>
+              <a:rPr lang="en-US" sz="2400" dirty="0" smtClean="0"/>
+              <a:t>Jobs</a:t>
+            </a:r>
+          </a:p>
+          <a:p>
+            <a:pPr>
+              <a:lnSpc>
+                <a:spcPct val="150000"/>
+              </a:lnSpc>
+            </a:pPr>
+            <a:r>
+              <a:rPr lang="en-US" sz="2400" dirty="0" smtClean="0"/>
+              <a:t>API</a:t>
+            </a:r>
+          </a:p>
+          <a:p>
+            <a:pPr>
+              <a:lnSpc>
+                <a:spcPct val="150000"/>
+              </a:lnSpc>
+            </a:pPr>
+            <a:r>
+              <a:rPr lang="en-US" sz="2400" dirty="0" smtClean="0"/>
+              <a:t>Authentication</a:t>
+            </a:r>
+          </a:p>
+          <a:p>
+            <a:pPr>
+              <a:lnSpc>
+                <a:spcPct val="150000"/>
+              </a:lnSpc>
+            </a:pPr>
+            <a:r>
+              <a:rPr lang="en-US" sz="2400" dirty="0" smtClean="0"/>
+              <a:t>Sockets</a:t>
+            </a:r>
+          </a:p>
+          <a:p>
+            <a:pPr>
+              <a:lnSpc>
+                <a:spcPct val="150000"/>
+              </a:lnSpc>
+            </a:pPr>
+            <a:r>
+              <a:rPr lang="en-US" sz="2400" dirty="0" smtClean="0"/>
+              <a:t>Testing</a:t>
+            </a:r>
+          </a:p>
+        </p:txBody>
+      </p:sp>
+    </p:spTree>
+    <p:extLst>
+      <p:ext uri="{BB962C8B-B14F-4D97-AF65-F5344CB8AC3E}">
+        <p14:creationId xmlns:p14="http://schemas.microsoft.com/office/powerpoint/2010/main" val="839796294"/>
+      </p:ext>
+    </p:extLst>
+  </p:cSld>
+  <p:clrMapOvr>
+    <a:masterClrMapping/>
+  </p:clrMapOvr>
+</p:sld>
+</file>
+
+<file path=ppt/slides/slide7.xml><?xml version="1.0" encoding="utf-8"?>
+<p:sld xmlns:a="http://schemas.openxmlformats.org/drawingml/2006/main" xmlns:r="http://schemas.openxmlformats.org/officeDocument/2006/relationships" xmlns:p="http://schemas.openxmlformats.org/presentationml/2006/main">
+  <p:cSld>
+    <p:spTree>
+      <p:nvGrpSpPr>
+        <p:cNvPr id="1" name=""/>
+        <p:cNvGrpSpPr/>
+        <p:nvPr/>
+      </p:nvGrpSpPr>
+      <p:grpSpPr>
+        <a:xfrm>
+          <a:off x="0" y="0"/>
+          <a:ext cx="0" cy="0"/>
+          <a:chOff x="0" y="0"/>
+          <a:chExt cx="0" cy="0"/>
+        </a:xfrm>
+      </p:grpSpPr>
+      <p:sp>
+        <p:nvSpPr>
           <p:cNvPr id="2" name="Text Placeholder 1"/>
           <p:cNvSpPr>
             <a:spLocks noGrp="1"/>
@@ -24465,7 +25311,7 @@
 </p:sld>
 </file>
 
-<file path=ppt/slides/slide7.xml><?xml version="1.0" encoding="utf-8"?>
+<file path=ppt/slides/slide8.xml><?xml version="1.0" encoding="utf-8"?>
 <p:sld xmlns:a="http://schemas.openxmlformats.org/drawingml/2006/main" xmlns:r="http://schemas.openxmlformats.org/officeDocument/2006/relationships" xmlns:p="http://schemas.openxmlformats.org/presentationml/2006/main">
   <p:cSld>
     <p:spTree>
@@ -24543,7 +25389,7 @@
 </p:sld>
 </file>
 
-<file path=ppt/slides/slide8.xml><?xml version="1.0" encoding="utf-8"?>
+<file path=ppt/slides/slide9.xml><?xml version="1.0" encoding="utf-8"?>
 <p:sld xmlns:a="http://schemas.openxmlformats.org/drawingml/2006/main" xmlns:r="http://schemas.openxmlformats.org/officeDocument/2006/relationships" xmlns:p="http://schemas.openxmlformats.org/presentationml/2006/main">
   <p:cSld>
     <p:spTree>
@@ -24616,84 +25462,6 @@
     <p:extLst>
       <p:ext uri="{BB962C8B-B14F-4D97-AF65-F5344CB8AC3E}">
         <p14:creationId xmlns:p14="http://schemas.microsoft.com/office/powerpoint/2010/main" val="2536358613"/>
-      </p:ext>
-    </p:extLst>
-  </p:cSld>
-  <p:clrMapOvr>
-    <a:masterClrMapping/>
-  </p:clrMapOvr>
-</p:sld>
-</file>
-
-<file path=ppt/slides/slide9.xml><?xml version="1.0" encoding="utf-8"?>
-<p:sld xmlns:a="http://schemas.openxmlformats.org/drawingml/2006/main" xmlns:r="http://schemas.openxmlformats.org/officeDocument/2006/relationships" xmlns:p="http://schemas.openxmlformats.org/presentationml/2006/main">
-  <p:cSld>
-    <p:spTree>
-      <p:nvGrpSpPr>
-        <p:cNvPr id="1" name=""/>
-        <p:cNvGrpSpPr/>
-        <p:nvPr/>
-      </p:nvGrpSpPr>
-      <p:grpSpPr>
-        <a:xfrm>
-          <a:off x="0" y="0"/>
-          <a:ext cx="0" cy="0"/>
-          <a:chOff x="0" y="0"/>
-          <a:chExt cx="0" cy="0"/>
-        </a:xfrm>
-      </p:grpSpPr>
-      <p:sp>
-        <p:nvSpPr>
-          <p:cNvPr id="2" name="Title 1"/>
-          <p:cNvSpPr>
-            <a:spLocks noGrp="1"/>
-          </p:cNvSpPr>
-          <p:nvPr>
-            <p:ph type="title"/>
-          </p:nvPr>
-        </p:nvSpPr>
-        <p:spPr/>
-        <p:txBody>
-          <a:bodyPr/>
-          <a:lstStyle/>
-          <a:p>
-            <a:r>
-              <a:rPr lang="en-GB" dirty="0" smtClean="0"/>
-              <a:t>Further Development</a:t>
-            </a:r>
-            <a:endParaRPr lang="en-US" dirty="0"/>
-          </a:p>
-        </p:txBody>
-      </p:sp>
-      <p:graphicFrame>
-        <p:nvGraphicFramePr>
-          <p:cNvPr id="7" name="Content Placeholder 6"/>
-          <p:cNvGraphicFramePr>
-            <a:graphicFrameLocks noGrp="1"/>
-          </p:cNvGraphicFramePr>
-          <p:nvPr>
-            <p:ph sz="quarter" idx="12"/>
-            <p:extLst>
-              <p:ext uri="{D42A27DB-BD31-4B8C-83A1-F6EECF244321}">
-                <p14:modId xmlns:p14="http://schemas.microsoft.com/office/powerpoint/2010/main" val="2809844176"/>
-              </p:ext>
-            </p:extLst>
-          </p:nvPr>
-        </p:nvGraphicFramePr>
-        <p:xfrm>
-          <a:off x="323850" y="1341438"/>
-          <a:ext cx="8496300" cy="4895850"/>
-        </p:xfrm>
-        <a:graphic>
-          <a:graphicData uri="http://schemas.openxmlformats.org/drawingml/2006/chart">
-            <c:chart xmlns:c="http://schemas.openxmlformats.org/drawingml/2006/chart" xmlns:r="http://schemas.openxmlformats.org/officeDocument/2006/relationships" r:id="rId3"/>
-          </a:graphicData>
-        </a:graphic>
-      </p:graphicFrame>
-    </p:spTree>
-    <p:extLst>
-      <p:ext uri="{BB962C8B-B14F-4D97-AF65-F5344CB8AC3E}">
-        <p14:creationId xmlns:p14="http://schemas.microsoft.com/office/powerpoint/2010/main" val="2745616442"/>
       </p:ext>
     </p:extLst>
   </p:cSld>

--- a/docs/ASP.NET CORE - Common Tasks - iTechArt 2018.pptx
+++ b/docs/ASP.NET CORE - Common Tasks - iTechArt 2018.pptx
@@ -3681,6 +3681,7 @@
               </a:p>
             </c:rich>
           </c:tx>
+          <c:layout/>
           <c:overlay val="0"/>
           <c:spPr>
             <a:noFill/>
@@ -3728,6 +3729,7 @@
     </c:plotArea>
     <c:legend>
       <c:legendPos val="r"/>
+      <c:layout/>
       <c:overlay val="0"/>
       <c:spPr>
         <a:noFill/>
@@ -5546,7 +5548,7 @@
           <a:p>
             <a:fld id="{4745C2A7-EC62-4025-933C-BCAFCDD3DF69}" type="datetimeFigureOut">
               <a:rPr lang="en-US" smtClean="0"/>
-              <a:t>2/16/2018</a:t>
+              <a:t>2/20/2018</a:t>
             </a:fld>
             <a:endParaRPr lang="en-US"/>
           </a:p>
@@ -5711,7 +5713,7 @@
           <a:p>
             <a:fld id="{06260018-D06A-43EF-993F-2C9FDF70442E}" type="datetimeFigureOut">
               <a:rPr lang="en-US" smtClean="0"/>
-              <a:t>2/16/2018</a:t>
+              <a:t>2/20/2018</a:t>
             </a:fld>
             <a:endParaRPr lang="en-US"/>
           </a:p>
@@ -6113,6 +6115,560 @@
 </p:notes>
 </file>
 
+<file path=ppt/notesSlides/notesSlide10.xml><?xml version="1.0" encoding="utf-8"?>
+<p:notes xmlns:a="http://schemas.openxmlformats.org/drawingml/2006/main" xmlns:r="http://schemas.openxmlformats.org/officeDocument/2006/relationships" xmlns:p="http://schemas.openxmlformats.org/presentationml/2006/main">
+  <p:cSld>
+    <p:spTree>
+      <p:nvGrpSpPr>
+        <p:cNvPr id="1" name=""/>
+        <p:cNvGrpSpPr/>
+        <p:nvPr/>
+      </p:nvGrpSpPr>
+      <p:grpSpPr>
+        <a:xfrm>
+          <a:off x="0" y="0"/>
+          <a:ext cx="0" cy="0"/>
+          <a:chOff x="0" y="0"/>
+          <a:chExt cx="0" cy="0"/>
+        </a:xfrm>
+      </p:grpSpPr>
+      <p:sp>
+        <p:nvSpPr>
+          <p:cNvPr id="2" name="Slide Image Placeholder 1"/>
+          <p:cNvSpPr>
+            <a:spLocks noGrp="1" noRot="1" noChangeAspect="1"/>
+          </p:cNvSpPr>
+          <p:nvPr>
+            <p:ph type="sldImg"/>
+          </p:nvPr>
+        </p:nvSpPr>
+        <p:spPr/>
+      </p:sp>
+      <p:sp>
+        <p:nvSpPr>
+          <p:cNvPr id="3" name="Notes Placeholder 2"/>
+          <p:cNvSpPr>
+            <a:spLocks noGrp="1"/>
+          </p:cNvSpPr>
+          <p:nvPr>
+            <p:ph type="body" idx="1"/>
+          </p:nvPr>
+        </p:nvSpPr>
+        <p:spPr/>
+        <p:txBody>
+          <a:bodyPr/>
+          <a:lstStyle/>
+          <a:p>
+            <a:r>
+              <a:rPr lang="en-US" dirty="0" smtClean="0"/>
+              <a:t>Use </a:t>
+            </a:r>
+            <a:r>
+              <a:rPr lang="en-US" dirty="0" err="1" smtClean="0"/>
+              <a:t>AspNetCoreSimpleAuthApp</a:t>
+            </a:r>
+            <a:r>
+              <a:rPr lang="en-US" dirty="0" smtClean="0"/>
+              <a:t> for demo</a:t>
+            </a:r>
+          </a:p>
+          <a:p>
+            <a:r>
+              <a:rPr lang="en-US" dirty="0" smtClean="0"/>
+              <a:t>Use </a:t>
+            </a:r>
+            <a:r>
+              <a:rPr lang="en-US" dirty="0" err="1" smtClean="0"/>
+              <a:t>AspNetCoreAuthApp</a:t>
+            </a:r>
+            <a:r>
+              <a:rPr lang="en-US" dirty="0" smtClean="0"/>
+              <a:t> for more detailed demo</a:t>
+            </a:r>
+            <a:endParaRPr lang="en-US" dirty="0"/>
+          </a:p>
+        </p:txBody>
+      </p:sp>
+      <p:sp>
+        <p:nvSpPr>
+          <p:cNvPr id="4" name="Slide Number Placeholder 3"/>
+          <p:cNvSpPr>
+            <a:spLocks noGrp="1"/>
+          </p:cNvSpPr>
+          <p:nvPr>
+            <p:ph type="sldNum" sz="quarter" idx="10"/>
+          </p:nvPr>
+        </p:nvSpPr>
+        <p:spPr/>
+        <p:txBody>
+          <a:bodyPr/>
+          <a:lstStyle/>
+          <a:p>
+            <a:fld id="{90A21AFC-86E3-4DD0-9273-5E1AF32C91DB}" type="slidenum">
+              <a:rPr lang="en-US" smtClean="0"/>
+              <a:t>31</a:t>
+            </a:fld>
+            <a:endParaRPr lang="en-US"/>
+          </a:p>
+        </p:txBody>
+      </p:sp>
+    </p:spTree>
+    <p:extLst>
+      <p:ext uri="{BB962C8B-B14F-4D97-AF65-F5344CB8AC3E}">
+        <p14:creationId xmlns:p14="http://schemas.microsoft.com/office/powerpoint/2010/main" val="2814369710"/>
+      </p:ext>
+    </p:extLst>
+  </p:cSld>
+  <p:clrMapOvr>
+    <a:masterClrMapping/>
+  </p:clrMapOvr>
+</p:notes>
+</file>
+
+<file path=ppt/notesSlides/notesSlide11.xml><?xml version="1.0" encoding="utf-8"?>
+<p:notes xmlns:a="http://schemas.openxmlformats.org/drawingml/2006/main" xmlns:r="http://schemas.openxmlformats.org/officeDocument/2006/relationships" xmlns:p="http://schemas.openxmlformats.org/presentationml/2006/main">
+  <p:cSld>
+    <p:spTree>
+      <p:nvGrpSpPr>
+        <p:cNvPr id="1" name=""/>
+        <p:cNvGrpSpPr/>
+        <p:nvPr/>
+      </p:nvGrpSpPr>
+      <p:grpSpPr>
+        <a:xfrm>
+          <a:off x="0" y="0"/>
+          <a:ext cx="0" cy="0"/>
+          <a:chOff x="0" y="0"/>
+          <a:chExt cx="0" cy="0"/>
+        </a:xfrm>
+      </p:grpSpPr>
+      <p:sp>
+        <p:nvSpPr>
+          <p:cNvPr id="2" name="Slide Image Placeholder 1"/>
+          <p:cNvSpPr>
+            <a:spLocks noGrp="1" noRot="1" noChangeAspect="1"/>
+          </p:cNvSpPr>
+          <p:nvPr>
+            <p:ph type="sldImg"/>
+          </p:nvPr>
+        </p:nvSpPr>
+        <p:spPr/>
+      </p:sp>
+      <p:sp>
+        <p:nvSpPr>
+          <p:cNvPr id="3" name="Notes Placeholder 2"/>
+          <p:cNvSpPr>
+            <a:spLocks noGrp="1"/>
+          </p:cNvSpPr>
+          <p:nvPr>
+            <p:ph type="body" idx="1"/>
+          </p:nvPr>
+        </p:nvSpPr>
+        <p:spPr/>
+        <p:txBody>
+          <a:bodyPr/>
+          <a:lstStyle/>
+          <a:p>
+            <a:r>
+              <a:rPr lang="en-US" dirty="0" smtClean="0"/>
+              <a:t>Use</a:t>
+            </a:r>
+            <a:r>
+              <a:rPr lang="en-US" baseline="0" dirty="0" smtClean="0"/>
+              <a:t> </a:t>
+            </a:r>
+            <a:r>
+              <a:rPr lang="en-US" baseline="0" dirty="0" err="1" smtClean="0"/>
+              <a:t>AspNetCoreSignalRApp</a:t>
+            </a:r>
+            <a:r>
+              <a:rPr lang="en-US" baseline="0" dirty="0" smtClean="0"/>
+              <a:t> for demo</a:t>
+            </a:r>
+            <a:endParaRPr lang="en-US" dirty="0"/>
+          </a:p>
+        </p:txBody>
+      </p:sp>
+      <p:sp>
+        <p:nvSpPr>
+          <p:cNvPr id="4" name="Slide Number Placeholder 3"/>
+          <p:cNvSpPr>
+            <a:spLocks noGrp="1"/>
+          </p:cNvSpPr>
+          <p:nvPr>
+            <p:ph type="sldNum" sz="quarter" idx="10"/>
+          </p:nvPr>
+        </p:nvSpPr>
+        <p:spPr/>
+        <p:txBody>
+          <a:bodyPr/>
+          <a:lstStyle/>
+          <a:p>
+            <a:fld id="{90A21AFC-86E3-4DD0-9273-5E1AF32C91DB}" type="slidenum">
+              <a:rPr lang="en-US" smtClean="0"/>
+              <a:t>36</a:t>
+            </a:fld>
+            <a:endParaRPr lang="en-US"/>
+          </a:p>
+        </p:txBody>
+      </p:sp>
+    </p:spTree>
+    <p:extLst>
+      <p:ext uri="{BB962C8B-B14F-4D97-AF65-F5344CB8AC3E}">
+        <p14:creationId xmlns:p14="http://schemas.microsoft.com/office/powerpoint/2010/main" val="1772884366"/>
+      </p:ext>
+    </p:extLst>
+  </p:cSld>
+  <p:clrMapOvr>
+    <a:masterClrMapping/>
+  </p:clrMapOvr>
+</p:notes>
+</file>
+
+<file path=ppt/notesSlides/notesSlide12.xml><?xml version="1.0" encoding="utf-8"?>
+<p:notes xmlns:a="http://schemas.openxmlformats.org/drawingml/2006/main" xmlns:r="http://schemas.openxmlformats.org/officeDocument/2006/relationships" xmlns:p="http://schemas.openxmlformats.org/presentationml/2006/main">
+  <p:cSld>
+    <p:spTree>
+      <p:nvGrpSpPr>
+        <p:cNvPr id="1" name=""/>
+        <p:cNvGrpSpPr/>
+        <p:nvPr/>
+      </p:nvGrpSpPr>
+      <p:grpSpPr>
+        <a:xfrm>
+          <a:off x="0" y="0"/>
+          <a:ext cx="0" cy="0"/>
+          <a:chOff x="0" y="0"/>
+          <a:chExt cx="0" cy="0"/>
+        </a:xfrm>
+      </p:grpSpPr>
+      <p:sp>
+        <p:nvSpPr>
+          <p:cNvPr id="2" name="Slide Image Placeholder 1"/>
+          <p:cNvSpPr>
+            <a:spLocks noGrp="1" noRot="1" noChangeAspect="1"/>
+          </p:cNvSpPr>
+          <p:nvPr>
+            <p:ph type="sldImg"/>
+          </p:nvPr>
+        </p:nvSpPr>
+        <p:spPr/>
+      </p:sp>
+      <p:sp>
+        <p:nvSpPr>
+          <p:cNvPr id="3" name="Notes Placeholder 2"/>
+          <p:cNvSpPr>
+            <a:spLocks noGrp="1"/>
+          </p:cNvSpPr>
+          <p:nvPr>
+            <p:ph type="body" idx="1"/>
+          </p:nvPr>
+        </p:nvSpPr>
+        <p:spPr/>
+        <p:txBody>
+          <a:bodyPr/>
+          <a:lstStyle/>
+          <a:p>
+            <a:r>
+              <a:rPr lang="en-US" dirty="0" smtClean="0"/>
+              <a:t>Use</a:t>
+            </a:r>
+            <a:r>
+              <a:rPr lang="en-US" baseline="0" dirty="0" smtClean="0"/>
+              <a:t> </a:t>
+            </a:r>
+            <a:r>
+              <a:rPr lang="en-US" baseline="0" dirty="0" err="1" smtClean="0"/>
+              <a:t>AspNetCoreTestableApp</a:t>
+            </a:r>
+            <a:r>
+              <a:rPr lang="en-US" baseline="0" dirty="0" smtClean="0"/>
+              <a:t> and </a:t>
+            </a:r>
+            <a:r>
+              <a:rPr lang="en-US" baseline="0" dirty="0" err="1" smtClean="0"/>
+              <a:t>AspNetCoreTestableApp.Tests</a:t>
+            </a:r>
+            <a:r>
+              <a:rPr lang="en-US" baseline="0" dirty="0" smtClean="0"/>
+              <a:t> for demo</a:t>
+            </a:r>
+            <a:endParaRPr lang="en-US" dirty="0"/>
+          </a:p>
+        </p:txBody>
+      </p:sp>
+      <p:sp>
+        <p:nvSpPr>
+          <p:cNvPr id="4" name="Slide Number Placeholder 3"/>
+          <p:cNvSpPr>
+            <a:spLocks noGrp="1"/>
+          </p:cNvSpPr>
+          <p:nvPr>
+            <p:ph type="sldNum" sz="quarter" idx="10"/>
+          </p:nvPr>
+        </p:nvSpPr>
+        <p:spPr/>
+        <p:txBody>
+          <a:bodyPr/>
+          <a:lstStyle/>
+          <a:p>
+            <a:fld id="{90A21AFC-86E3-4DD0-9273-5E1AF32C91DB}" type="slidenum">
+              <a:rPr lang="en-US" smtClean="0"/>
+              <a:t>40</a:t>
+            </a:fld>
+            <a:endParaRPr lang="en-US"/>
+          </a:p>
+        </p:txBody>
+      </p:sp>
+    </p:spTree>
+    <p:extLst>
+      <p:ext uri="{BB962C8B-B14F-4D97-AF65-F5344CB8AC3E}">
+        <p14:creationId xmlns:p14="http://schemas.microsoft.com/office/powerpoint/2010/main" val="1583628012"/>
+      </p:ext>
+    </p:extLst>
+  </p:cSld>
+  <p:clrMapOvr>
+    <a:masterClrMapping/>
+  </p:clrMapOvr>
+</p:notes>
+</file>
+
+<file path=ppt/notesSlides/notesSlide13.xml><?xml version="1.0" encoding="utf-8"?>
+<p:notes xmlns:a="http://schemas.openxmlformats.org/drawingml/2006/main" xmlns:r="http://schemas.openxmlformats.org/officeDocument/2006/relationships" xmlns:p="http://schemas.openxmlformats.org/presentationml/2006/main">
+  <p:cSld>
+    <p:spTree>
+      <p:nvGrpSpPr>
+        <p:cNvPr id="1" name=""/>
+        <p:cNvGrpSpPr/>
+        <p:nvPr/>
+      </p:nvGrpSpPr>
+      <p:grpSpPr>
+        <a:xfrm>
+          <a:off x="0" y="0"/>
+          <a:ext cx="0" cy="0"/>
+          <a:chOff x="0" y="0"/>
+          <a:chExt cx="0" cy="0"/>
+        </a:xfrm>
+      </p:grpSpPr>
+      <p:sp>
+        <p:nvSpPr>
+          <p:cNvPr id="2" name="Slide Image Placeholder 1"/>
+          <p:cNvSpPr>
+            <a:spLocks noGrp="1" noRot="1" noChangeAspect="1"/>
+          </p:cNvSpPr>
+          <p:nvPr>
+            <p:ph type="sldImg"/>
+          </p:nvPr>
+        </p:nvSpPr>
+        <p:spPr/>
+      </p:sp>
+      <p:sp>
+        <p:nvSpPr>
+          <p:cNvPr id="3" name="Notes Placeholder 2"/>
+          <p:cNvSpPr>
+            <a:spLocks noGrp="1"/>
+          </p:cNvSpPr>
+          <p:nvPr>
+            <p:ph type="body" idx="1"/>
+          </p:nvPr>
+        </p:nvSpPr>
+        <p:spPr/>
+        <p:txBody>
+          <a:bodyPr/>
+          <a:lstStyle/>
+          <a:p>
+            <a:r>
+              <a:rPr lang="en-GB" dirty="0" smtClean="0"/>
+              <a:t>Long talk about this repos</a:t>
+            </a:r>
+          </a:p>
+          <a:p>
+            <a:r>
+              <a:rPr lang="en-GB" dirty="0" smtClean="0"/>
+              <a:t>Can</a:t>
+            </a:r>
+            <a:r>
+              <a:rPr lang="en-GB" baseline="0" dirty="0" smtClean="0"/>
+              <a:t> spend time on discussion of other common </a:t>
+            </a:r>
+            <a:r>
+              <a:rPr lang="en-GB" baseline="0" dirty="0" smtClean="0"/>
+              <a:t>tasks</a:t>
+            </a:r>
+          </a:p>
+          <a:p>
+            <a:pPr marL="171450" indent="-171450">
+              <a:buFontTx/>
+              <a:buChar char="-"/>
+            </a:pPr>
+            <a:r>
+              <a:rPr lang="en-GB" baseline="0" dirty="0" smtClean="0"/>
+              <a:t>Email generation and email service processing</a:t>
+            </a:r>
+          </a:p>
+          <a:p>
+            <a:pPr marL="171450" indent="-171450">
+              <a:buFontTx/>
+              <a:buChar char="-"/>
+            </a:pPr>
+            <a:r>
+              <a:rPr lang="en-US" dirty="0" smtClean="0"/>
+              <a:t>Cloud</a:t>
+            </a:r>
+            <a:r>
+              <a:rPr lang="en-US" baseline="0" dirty="0" smtClean="0"/>
+              <a:t> (Azure integration)</a:t>
+            </a:r>
+          </a:p>
+          <a:p>
+            <a:pPr marL="171450" indent="-171450">
+              <a:buFontTx/>
+              <a:buChar char="-"/>
+            </a:pPr>
+            <a:r>
+              <a:rPr lang="en-US" dirty="0" smtClean="0"/>
+              <a:t>Message</a:t>
+            </a:r>
+            <a:r>
+              <a:rPr lang="en-US" baseline="0" dirty="0" smtClean="0"/>
+              <a:t> </a:t>
+            </a:r>
+            <a:r>
+              <a:rPr lang="en-US" baseline="0" smtClean="0"/>
+              <a:t>Queue libraries</a:t>
+            </a:r>
+            <a:endParaRPr lang="en-US" dirty="0"/>
+          </a:p>
+        </p:txBody>
+      </p:sp>
+      <p:sp>
+        <p:nvSpPr>
+          <p:cNvPr id="4" name="Slide Number Placeholder 3"/>
+          <p:cNvSpPr>
+            <a:spLocks noGrp="1"/>
+          </p:cNvSpPr>
+          <p:nvPr>
+            <p:ph type="sldNum" sz="quarter" idx="10"/>
+          </p:nvPr>
+        </p:nvSpPr>
+        <p:spPr/>
+        <p:txBody>
+          <a:bodyPr/>
+          <a:lstStyle/>
+          <a:p>
+            <a:fld id="{90A21AFC-86E3-4DD0-9273-5E1AF32C91DB}" type="slidenum">
+              <a:rPr lang="en-US" smtClean="0"/>
+              <a:t>41</a:t>
+            </a:fld>
+            <a:endParaRPr lang="en-US"/>
+          </a:p>
+        </p:txBody>
+      </p:sp>
+    </p:spTree>
+    <p:extLst>
+      <p:ext uri="{BB962C8B-B14F-4D97-AF65-F5344CB8AC3E}">
+        <p14:creationId xmlns:p14="http://schemas.microsoft.com/office/powerpoint/2010/main" val="863092890"/>
+      </p:ext>
+    </p:extLst>
+  </p:cSld>
+  <p:clrMapOvr>
+    <a:masterClrMapping/>
+  </p:clrMapOvr>
+</p:notes>
+</file>
+
+<file path=ppt/notesSlides/notesSlide14.xml><?xml version="1.0" encoding="utf-8"?>
+<p:notes xmlns:a="http://schemas.openxmlformats.org/drawingml/2006/main" xmlns:r="http://schemas.openxmlformats.org/officeDocument/2006/relationships" xmlns:p="http://schemas.openxmlformats.org/presentationml/2006/main">
+  <p:cSld>
+    <p:spTree>
+      <p:nvGrpSpPr>
+        <p:cNvPr id="1" name=""/>
+        <p:cNvGrpSpPr/>
+        <p:nvPr/>
+      </p:nvGrpSpPr>
+      <p:grpSpPr>
+        <a:xfrm>
+          <a:off x="0" y="0"/>
+          <a:ext cx="0" cy="0"/>
+          <a:chOff x="0" y="0"/>
+          <a:chExt cx="0" cy="0"/>
+        </a:xfrm>
+      </p:grpSpPr>
+      <p:sp>
+        <p:nvSpPr>
+          <p:cNvPr id="2" name="Slide Image Placeholder 1"/>
+          <p:cNvSpPr>
+            <a:spLocks noGrp="1" noRot="1" noChangeAspect="1"/>
+          </p:cNvSpPr>
+          <p:nvPr>
+            <p:ph type="sldImg"/>
+          </p:nvPr>
+        </p:nvSpPr>
+        <p:spPr/>
+      </p:sp>
+      <p:sp>
+        <p:nvSpPr>
+          <p:cNvPr id="3" name="Notes Placeholder 2"/>
+          <p:cNvSpPr>
+            <a:spLocks noGrp="1"/>
+          </p:cNvSpPr>
+          <p:nvPr>
+            <p:ph type="body" idx="1"/>
+          </p:nvPr>
+        </p:nvSpPr>
+        <p:spPr/>
+        <p:txBody>
+          <a:bodyPr/>
+          <a:lstStyle/>
+          <a:p>
+            <a:r>
+              <a:rPr lang="en-GB" dirty="0" smtClean="0"/>
+              <a:t>Blah </a:t>
+            </a:r>
+            <a:r>
+              <a:rPr lang="en-GB" smtClean="0"/>
+              <a:t>blah</a:t>
+            </a:r>
+            <a:endParaRPr lang="en-US"/>
+          </a:p>
+        </p:txBody>
+      </p:sp>
+      <p:sp>
+        <p:nvSpPr>
+          <p:cNvPr id="4" name="Slide Number Placeholder 3"/>
+          <p:cNvSpPr>
+            <a:spLocks noGrp="1"/>
+          </p:cNvSpPr>
+          <p:nvPr>
+            <p:ph type="sldNum" sz="quarter" idx="10"/>
+          </p:nvPr>
+        </p:nvSpPr>
+        <p:spPr/>
+        <p:txBody>
+          <a:bodyPr/>
+          <a:lstStyle/>
+          <a:p>
+            <a:fld id="{90A21AFC-86E3-4DD0-9273-5E1AF32C91DB}" type="slidenum">
+              <a:rPr lang="en-US" smtClean="0"/>
+              <a:t>43</a:t>
+            </a:fld>
+            <a:endParaRPr lang="en-US"/>
+          </a:p>
+        </p:txBody>
+      </p:sp>
+    </p:spTree>
+    <p:extLst>
+      <p:ext uri="{BB962C8B-B14F-4D97-AF65-F5344CB8AC3E}">
+        <p14:creationId xmlns:p14="http://schemas.microsoft.com/office/powerpoint/2010/main" val="1224778539"/>
+      </p:ext>
+    </p:extLst>
+  </p:cSld>
+  <p:clrMapOvr>
+    <a:masterClrMapping/>
+  </p:clrMapOvr>
+</p:notes>
+</file>
+
 <file path=ppt/notesSlides/notesSlide2.xml><?xml version="1.0" encoding="utf-8"?>
 <p:notes xmlns:a="http://schemas.openxmlformats.org/drawingml/2006/main" xmlns:r="http://schemas.openxmlformats.org/officeDocument/2006/relationships" xmlns:p="http://schemas.openxmlformats.org/presentationml/2006/main">
   <p:cSld>
@@ -6646,18 +7202,20 @@
           <a:lstStyle/>
           <a:p>
             <a:r>
-              <a:rPr lang="en-GB" dirty="0" smtClean="0"/>
-              <a:t>Long talk about this repos</a:t>
-            </a:r>
-          </a:p>
-          <a:p>
-            <a:r>
-              <a:rPr lang="en-GB" dirty="0" smtClean="0"/>
-              <a:t>Can</a:t>
-            </a:r>
-            <a:r>
-              <a:rPr lang="en-GB" baseline="0" dirty="0" smtClean="0"/>
-              <a:t> spend time on discussion of other common tasks</a:t>
+              <a:rPr lang="en-US" dirty="0" smtClean="0"/>
+              <a:t>Use</a:t>
+            </a:r>
+            <a:r>
+              <a:rPr lang="en-US" baseline="0" dirty="0" smtClean="0"/>
+              <a:t> </a:t>
+            </a:r>
+            <a:r>
+              <a:rPr lang="en-US" baseline="0" dirty="0" err="1" smtClean="0"/>
+              <a:t>EntityFrameworkCoreApp.Web</a:t>
+            </a:r>
+            <a:r>
+              <a:rPr lang="en-US" baseline="0" dirty="0" smtClean="0"/>
+              <a:t> for demo</a:t>
             </a:r>
             <a:endParaRPr lang="en-US" dirty="0"/>
           </a:p>
@@ -6680,7 +7238,7 @@
           <a:p>
             <a:fld id="{90A21AFC-86E3-4DD0-9273-5E1AF32C91DB}" type="slidenum">
               <a:rPr lang="en-US" smtClean="0"/>
-              <a:t>41</a:t>
+              <a:t>17</a:t>
             </a:fld>
             <a:endParaRPr lang="en-US"/>
           </a:p>
@@ -6689,7 +7247,7 @@
     </p:spTree>
     <p:extLst>
       <p:ext uri="{BB962C8B-B14F-4D97-AF65-F5344CB8AC3E}">
-        <p14:creationId xmlns:p14="http://schemas.microsoft.com/office/powerpoint/2010/main" val="863092890"/>
+        <p14:creationId xmlns:p14="http://schemas.microsoft.com/office/powerpoint/2010/main" val="3948069790"/>
       </p:ext>
     </p:extLst>
   </p:cSld>
@@ -6744,14 +7302,18 @@
           <a:lstStyle/>
           <a:p>
             <a:r>
-              <a:rPr lang="en-GB" dirty="0" smtClean="0"/>
-              <a:t>Blah </a:t>
-            </a:r>
-            <a:r>
-              <a:rPr lang="en-GB" smtClean="0"/>
-              <a:t>blah</a:t>
-            </a:r>
-            <a:endParaRPr lang="en-US"/>
+              <a:rPr lang="en-US" dirty="0" smtClean="0"/>
+              <a:t>Use </a:t>
+            </a:r>
+            <a:r>
+              <a:rPr lang="en-US" dirty="0" err="1" smtClean="0"/>
+              <a:t>AspNetCoreQuartzApp</a:t>
+            </a:r>
+            <a:r>
+              <a:rPr lang="en-US" dirty="0" smtClean="0"/>
+              <a:t> for demo</a:t>
+            </a:r>
+            <a:endParaRPr lang="en-US" dirty="0"/>
           </a:p>
         </p:txBody>
       </p:sp>
@@ -6772,7 +7334,7 @@
           <a:p>
             <a:fld id="{90A21AFC-86E3-4DD0-9273-5E1AF32C91DB}" type="slidenum">
               <a:rPr lang="en-US" smtClean="0"/>
-              <a:t>43</a:t>
+              <a:t>22</a:t>
             </a:fld>
             <a:endParaRPr lang="en-US"/>
           </a:p>
@@ -6781,7 +7343,103 @@
     </p:spTree>
     <p:extLst>
       <p:ext uri="{BB962C8B-B14F-4D97-AF65-F5344CB8AC3E}">
-        <p14:creationId xmlns:p14="http://schemas.microsoft.com/office/powerpoint/2010/main" val="1224778539"/>
+        <p14:creationId xmlns:p14="http://schemas.microsoft.com/office/powerpoint/2010/main" val="3893211739"/>
+      </p:ext>
+    </p:extLst>
+  </p:cSld>
+  <p:clrMapOvr>
+    <a:masterClrMapping/>
+  </p:clrMapOvr>
+</p:notes>
+</file>
+
+<file path=ppt/notesSlides/notesSlide9.xml><?xml version="1.0" encoding="utf-8"?>
+<p:notes xmlns:a="http://schemas.openxmlformats.org/drawingml/2006/main" xmlns:r="http://schemas.openxmlformats.org/officeDocument/2006/relationships" xmlns:p="http://schemas.openxmlformats.org/presentationml/2006/main">
+  <p:cSld>
+    <p:spTree>
+      <p:nvGrpSpPr>
+        <p:cNvPr id="1" name=""/>
+        <p:cNvGrpSpPr/>
+        <p:nvPr/>
+      </p:nvGrpSpPr>
+      <p:grpSpPr>
+        <a:xfrm>
+          <a:off x="0" y="0"/>
+          <a:ext cx="0" cy="0"/>
+          <a:chOff x="0" y="0"/>
+          <a:chExt cx="0" cy="0"/>
+        </a:xfrm>
+      </p:grpSpPr>
+      <p:sp>
+        <p:nvSpPr>
+          <p:cNvPr id="2" name="Slide Image Placeholder 1"/>
+          <p:cNvSpPr>
+            <a:spLocks noGrp="1" noRot="1" noChangeAspect="1"/>
+          </p:cNvSpPr>
+          <p:nvPr>
+            <p:ph type="sldImg"/>
+          </p:nvPr>
+        </p:nvSpPr>
+        <p:spPr/>
+      </p:sp>
+      <p:sp>
+        <p:nvSpPr>
+          <p:cNvPr id="3" name="Notes Placeholder 2"/>
+          <p:cNvSpPr>
+            <a:spLocks noGrp="1"/>
+          </p:cNvSpPr>
+          <p:nvPr>
+            <p:ph type="body" idx="1"/>
+          </p:nvPr>
+        </p:nvSpPr>
+        <p:spPr/>
+        <p:txBody>
+          <a:bodyPr/>
+          <a:lstStyle/>
+          <a:p>
+            <a:r>
+              <a:rPr lang="en-US" dirty="0" smtClean="0"/>
+              <a:t>Use </a:t>
+            </a:r>
+            <a:r>
+              <a:rPr lang="en-US" dirty="0" err="1" smtClean="0"/>
+              <a:t>AspNetCoreAPISwaggerApp</a:t>
+            </a:r>
+            <a:r>
+              <a:rPr lang="en-US" dirty="0" smtClean="0"/>
+              <a:t> for demo</a:t>
+            </a:r>
+            <a:endParaRPr lang="en-US" dirty="0"/>
+          </a:p>
+        </p:txBody>
+      </p:sp>
+      <p:sp>
+        <p:nvSpPr>
+          <p:cNvPr id="4" name="Slide Number Placeholder 3"/>
+          <p:cNvSpPr>
+            <a:spLocks noGrp="1"/>
+          </p:cNvSpPr>
+          <p:nvPr>
+            <p:ph type="sldNum" sz="quarter" idx="10"/>
+          </p:nvPr>
+        </p:nvSpPr>
+        <p:spPr/>
+        <p:txBody>
+          <a:bodyPr/>
+          <a:lstStyle/>
+          <a:p>
+            <a:fld id="{90A21AFC-86E3-4DD0-9273-5E1AF32C91DB}" type="slidenum">
+              <a:rPr lang="en-US" smtClean="0"/>
+              <a:t>26</a:t>
+            </a:fld>
+            <a:endParaRPr lang="en-US"/>
+          </a:p>
+        </p:txBody>
+      </p:sp>
+    </p:spTree>
+    <p:extLst>
+      <p:ext uri="{BB962C8B-B14F-4D97-AF65-F5344CB8AC3E}">
+        <p14:creationId xmlns:p14="http://schemas.microsoft.com/office/powerpoint/2010/main" val="984013912"/>
       </p:ext>
     </p:extLst>
   </p:cSld>
@@ -22043,7 +22701,6 @@
               <a:rPr lang="en-US" dirty="0" smtClean="0"/>
               <a:t>Memes</a:t>
             </a:r>
-            <a:endParaRPr lang="en-US" dirty="0" smtClean="0"/>
           </a:p>
           <a:p>
             <a:pPr lvl="0"/>
